--- a/Week_2/Workshop/Workshop_1.pptx
+++ b/Week_2/Workshop/Workshop_1.pptx
@@ -5,27 +5,22 @@
     <p:sldMasterId id="2147483648" r:id="rId1"/>
   </p:sldMasterIdLst>
   <p:notesMasterIdLst>
-    <p:notesMasterId r:id="rId20"/>
+    <p:notesMasterId r:id="rId15"/>
   </p:notesMasterIdLst>
   <p:sldIdLst>
     <p:sldId id="256" r:id="rId2"/>
     <p:sldId id="267" r:id="rId3"/>
-    <p:sldId id="393" r:id="rId4"/>
-    <p:sldId id="394" r:id="rId5"/>
-    <p:sldId id="395" r:id="rId6"/>
-    <p:sldId id="396" r:id="rId7"/>
-    <p:sldId id="397" r:id="rId8"/>
-    <p:sldId id="352" r:id="rId9"/>
-    <p:sldId id="384" r:id="rId10"/>
-    <p:sldId id="385" r:id="rId11"/>
-    <p:sldId id="386" r:id="rId12"/>
-    <p:sldId id="389" r:id="rId13"/>
-    <p:sldId id="387" r:id="rId14"/>
-    <p:sldId id="390" r:id="rId15"/>
-    <p:sldId id="391" r:id="rId16"/>
-    <p:sldId id="392" r:id="rId17"/>
-    <p:sldId id="262" r:id="rId18"/>
-    <p:sldId id="263" r:id="rId19"/>
+    <p:sldId id="352" r:id="rId4"/>
+    <p:sldId id="384" r:id="rId5"/>
+    <p:sldId id="385" r:id="rId6"/>
+    <p:sldId id="386" r:id="rId7"/>
+    <p:sldId id="389" r:id="rId8"/>
+    <p:sldId id="387" r:id="rId9"/>
+    <p:sldId id="390" r:id="rId10"/>
+    <p:sldId id="391" r:id="rId11"/>
+    <p:sldId id="392" r:id="rId12"/>
+    <p:sldId id="262" r:id="rId13"/>
+    <p:sldId id="263" r:id="rId14"/>
   </p:sldIdLst>
   <p:sldSz cx="12192000" cy="6858000"/>
   <p:notesSz cx="6858000" cy="9144000"/>
@@ -225,7 +220,7 @@
           <a:p>
             <a:fld id="{3F60DEE0-ACC4-494E-B2AA-0D98D5A4A875}" type="datetimeFigureOut">
               <a:rPr lang="en-AU" smtClean="0"/>
-              <a:t>28/7/2025</a:t>
+              <a:t>1/8/2025</a:t>
             </a:fld>
             <a:endParaRPr lang="en-AU"/>
           </a:p>
@@ -647,7 +642,7 @@
           <a:p>
             <a:fld id="{61867EBE-A343-C04B-AAD2-0419BBD7E7C8}" type="slidenum">
               <a:rPr lang="en-AU" smtClean="0"/>
-              <a:t>8</a:t>
+              <a:t>3</a:t>
             </a:fld>
             <a:endParaRPr lang="en-AU"/>
           </a:p>
@@ -808,7 +803,7 @@
           <a:p>
             <a:fld id="{61867EBE-A343-C04B-AAD2-0419BBD7E7C8}" type="slidenum">
               <a:rPr lang="en-AU" smtClean="0"/>
-              <a:t>9</a:t>
+              <a:t>4</a:t>
             </a:fld>
             <a:endParaRPr lang="en-AU"/>
           </a:p>
@@ -941,7 +936,7 @@
           <a:p>
             <a:fld id="{61867EBE-A343-C04B-AAD2-0419BBD7E7C8}" type="slidenum">
               <a:rPr lang="en-AU" smtClean="0"/>
-              <a:t>10</a:t>
+              <a:t>5</a:t>
             </a:fld>
             <a:endParaRPr lang="en-AU"/>
           </a:p>
@@ -1097,7 +1092,7 @@
           <a:p>
             <a:fld id="{61867EBE-A343-C04B-AAD2-0419BBD7E7C8}" type="slidenum">
               <a:rPr lang="en-AU" smtClean="0"/>
-              <a:t>11</a:t>
+              <a:t>6</a:t>
             </a:fld>
             <a:endParaRPr lang="en-AU"/>
           </a:p>
@@ -1321,7 +1316,7 @@
           <a:p>
             <a:fld id="{61867EBE-A343-C04B-AAD2-0419BBD7E7C8}" type="slidenum">
               <a:rPr lang="en-AU" smtClean="0"/>
-              <a:t>12</a:t>
+              <a:t>7</a:t>
             </a:fld>
             <a:endParaRPr lang="en-AU"/>
           </a:p>
@@ -1405,7 +1400,7 @@
           <a:p>
             <a:fld id="{8227185B-724B-4A4D-9332-480F4441395B}" type="slidenum">
               <a:rPr lang="en-AU" smtClean="0"/>
-              <a:t>13</a:t>
+              <a:t>8</a:t>
             </a:fld>
             <a:endParaRPr lang="en-AU"/>
           </a:p>
@@ -1573,7 +1568,7 @@
           <a:p>
             <a:fld id="{AFB82B32-26EB-9840-B5EC-F8C086CC962D}" type="datetimeFigureOut">
               <a:rPr lang="en-AU" smtClean="0"/>
-              <a:t>28/7/2025</a:t>
+              <a:t>1/8/2025</a:t>
             </a:fld>
             <a:endParaRPr lang="en-AU"/>
           </a:p>
@@ -1773,7 +1768,7 @@
           <a:p>
             <a:fld id="{AFB82B32-26EB-9840-B5EC-F8C086CC962D}" type="datetimeFigureOut">
               <a:rPr lang="en-AU" smtClean="0"/>
-              <a:t>28/7/2025</a:t>
+              <a:t>1/8/2025</a:t>
             </a:fld>
             <a:endParaRPr lang="en-AU"/>
           </a:p>
@@ -1983,7 +1978,7 @@
           <a:p>
             <a:fld id="{AFB82B32-26EB-9840-B5EC-F8C086CC962D}" type="datetimeFigureOut">
               <a:rPr lang="en-AU" smtClean="0"/>
-              <a:t>28/7/2025</a:t>
+              <a:t>1/8/2025</a:t>
             </a:fld>
             <a:endParaRPr lang="en-AU"/>
           </a:p>
@@ -2183,7 +2178,7 @@
           <a:p>
             <a:fld id="{AFB82B32-26EB-9840-B5EC-F8C086CC962D}" type="datetimeFigureOut">
               <a:rPr lang="en-AU" smtClean="0"/>
-              <a:t>28/7/2025</a:t>
+              <a:t>1/8/2025</a:t>
             </a:fld>
             <a:endParaRPr lang="en-AU"/>
           </a:p>
@@ -2459,7 +2454,7 @@
           <a:p>
             <a:fld id="{AFB82B32-26EB-9840-B5EC-F8C086CC962D}" type="datetimeFigureOut">
               <a:rPr lang="en-AU" smtClean="0"/>
-              <a:t>28/7/2025</a:t>
+              <a:t>1/8/2025</a:t>
             </a:fld>
             <a:endParaRPr lang="en-AU"/>
           </a:p>
@@ -2727,7 +2722,7 @@
           <a:p>
             <a:fld id="{AFB82B32-26EB-9840-B5EC-F8C086CC962D}" type="datetimeFigureOut">
               <a:rPr lang="en-AU" smtClean="0"/>
-              <a:t>28/7/2025</a:t>
+              <a:t>1/8/2025</a:t>
             </a:fld>
             <a:endParaRPr lang="en-AU"/>
           </a:p>
@@ -3142,7 +3137,7 @@
           <a:p>
             <a:fld id="{AFB82B32-26EB-9840-B5EC-F8C086CC962D}" type="datetimeFigureOut">
               <a:rPr lang="en-AU" smtClean="0"/>
-              <a:t>28/7/2025</a:t>
+              <a:t>1/8/2025</a:t>
             </a:fld>
             <a:endParaRPr lang="en-AU"/>
           </a:p>
@@ -3284,7 +3279,7 @@
           <a:p>
             <a:fld id="{AFB82B32-26EB-9840-B5EC-F8C086CC962D}" type="datetimeFigureOut">
               <a:rPr lang="en-AU" smtClean="0"/>
-              <a:t>28/7/2025</a:t>
+              <a:t>1/8/2025</a:t>
             </a:fld>
             <a:endParaRPr lang="en-AU"/>
           </a:p>
@@ -3397,7 +3392,7 @@
           <a:p>
             <a:fld id="{AFB82B32-26EB-9840-B5EC-F8C086CC962D}" type="datetimeFigureOut">
               <a:rPr lang="en-AU" smtClean="0"/>
-              <a:t>28/7/2025</a:t>
+              <a:t>1/8/2025</a:t>
             </a:fld>
             <a:endParaRPr lang="en-AU"/>
           </a:p>
@@ -3710,7 +3705,7 @@
           <a:p>
             <a:fld id="{AFB82B32-26EB-9840-B5EC-F8C086CC962D}" type="datetimeFigureOut">
               <a:rPr lang="en-AU" smtClean="0"/>
-              <a:t>28/7/2025</a:t>
+              <a:t>1/8/2025</a:t>
             </a:fld>
             <a:endParaRPr lang="en-AU"/>
           </a:p>
@@ -3999,7 +3994,7 @@
           <a:p>
             <a:fld id="{AFB82B32-26EB-9840-B5EC-F8C086CC962D}" type="datetimeFigureOut">
               <a:rPr lang="en-AU" smtClean="0"/>
-              <a:t>28/7/2025</a:t>
+              <a:t>1/8/2025</a:t>
             </a:fld>
             <a:endParaRPr lang="en-AU"/>
           </a:p>
@@ -4242,7 +4237,7 @@
           <a:p>
             <a:fld id="{AFB82B32-26EB-9840-B5EC-F8C086CC962D}" type="datetimeFigureOut">
               <a:rPr lang="en-AU" smtClean="0"/>
-              <a:t>28/7/2025</a:t>
+              <a:t>1/8/2025</a:t>
             </a:fld>
             <a:endParaRPr lang="en-AU"/>
           </a:p>
@@ -4741,13 +4736,7 @@
   <p:cSld>
     <p:spTree>
       <p:nvGrpSpPr>
-        <p:cNvPr id="1" name="">
-          <a:extLst>
-            <a:ext uri="{FF2B5EF4-FFF2-40B4-BE49-F238E27FC236}">
-              <a16:creationId xmlns:a16="http://schemas.microsoft.com/office/drawing/2014/main" id="{BE45EF01-A60B-9821-E09B-32E4B428F5B1}"/>
-            </a:ext>
-          </a:extLst>
-        </p:cNvPr>
+        <p:cNvPr id="1" name=""/>
         <p:cNvGrpSpPr/>
         <p:nvPr/>
       </p:nvGrpSpPr>
@@ -4761,10 +4750,10 @@
       </p:grpSpPr>
       <p:sp>
         <p:nvSpPr>
-          <p:cNvPr id="4" name="TextBox 3">
-            <a:extLst>
-              <a:ext uri="{FF2B5EF4-FFF2-40B4-BE49-F238E27FC236}">
-                <a16:creationId xmlns:a16="http://schemas.microsoft.com/office/drawing/2014/main" id="{2602F072-7FA2-CAB5-FEE8-A8D7DCF2C871}"/>
+          <p:cNvPr id="4" name="TextBox 2">
+            <a:extLst>
+              <a:ext uri="{FF2B5EF4-FFF2-40B4-BE49-F238E27FC236}">
+                <a16:creationId xmlns:a16="http://schemas.microsoft.com/office/drawing/2014/main" id="{A0265BAD-1940-4223-13B5-51D14B93F309}"/>
               </a:ext>
             </a:extLst>
           </p:cNvPr>
@@ -4773,129 +4762,187 @@
         </p:nvSpPr>
         <p:spPr>
           <a:xfrm>
-            <a:off x="164592" y="2066544"/>
-            <a:ext cx="7050024" cy="3477875"/>
+            <a:off x="912768" y="1938281"/>
+            <a:ext cx="10122265" cy="2781900"/>
           </a:xfrm>
           <a:prstGeom prst="rect">
             <a:avLst/>
           </a:prstGeom>
-          <a:noFill/>
-        </p:spPr>
-        <p:txBody>
-          <a:bodyPr wrap="square" rtlCol="0">
+        </p:spPr>
+        <p:txBody>
+          <a:bodyPr lIns="0" tIns="0" rIns="0" bIns="0" rtlCol="0" anchor="t">
             <a:spAutoFit/>
           </a:bodyPr>
           <a:lstStyle/>
           <a:p>
-            <a:r>
-              <a:rPr lang="en-AU" sz="2000" b="1" dirty="0"/>
-              <a:t>Purpose</a:t>
-            </a:r>
-            <a:r>
-              <a:rPr lang="en-AU" sz="2000" dirty="0"/>
-              <a:t>: Contain all R scripts files for data processing and analysis.</a:t>
-            </a:r>
-          </a:p>
-          <a:p>
-            <a:endParaRPr lang="en-AU" sz="2000" b="1" dirty="0"/>
-          </a:p>
-          <a:p>
-            <a:r>
-              <a:rPr lang="en-AU" sz="2000" b="1" dirty="0"/>
-              <a:t>Best Practices</a:t>
-            </a:r>
-            <a:r>
-              <a:rPr lang="en-AU" sz="2000" dirty="0"/>
-              <a:t>:</a:t>
-            </a:r>
-          </a:p>
-          <a:p>
-            <a:pPr marL="342900" indent="-342900">
-              <a:buFont typeface="Arial" panose="020B0604020202020204" pitchFamily="34" charset="0"/>
-              <a:buChar char="•"/>
+            <a:pPr algn="ctr">
+              <a:lnSpc>
+                <a:spcPts val="7297"/>
+              </a:lnSpc>
             </a:pPr>
             <a:r>
-              <a:rPr lang="en-AU" sz="2000" dirty="0"/>
-              <a:t>Organize scripts logically, e.g., Scripts/</a:t>
-            </a:r>
-            <a:r>
-              <a:rPr lang="en-AU" sz="2000" dirty="0" err="1"/>
-              <a:t>Data_Cleaning.R</a:t>
-            </a:r>
-            <a:r>
-              <a:rPr lang="en-AU" sz="2000" dirty="0"/>
-              <a:t>, Scripts/</a:t>
-            </a:r>
-            <a:r>
-              <a:rPr lang="en-AU" sz="2000" dirty="0" err="1"/>
-              <a:t>Analysis.R</a:t>
-            </a:r>
-            <a:r>
-              <a:rPr lang="en-AU" sz="2000" dirty="0"/>
-              <a:t>.</a:t>
-            </a:r>
-          </a:p>
-          <a:p>
-            <a:pPr marL="342900" indent="-342900">
-              <a:buFont typeface="Arial" panose="020B0604020202020204" pitchFamily="34" charset="0"/>
-              <a:buChar char="•"/>
+              <a:rPr lang="en-US" sz="6131" dirty="0">
+                <a:solidFill>
+                  <a:srgbClr val="000000"/>
+                </a:solidFill>
+                <a:latin typeface="Helvetica World"/>
+                <a:ea typeface="Helvetica World"/>
+                <a:cs typeface="Helvetica World"/>
+                <a:sym typeface="Helvetica World"/>
+              </a:rPr>
+              <a:t>Data analysis is the process by which data becomes understanding, knowledge </a:t>
+            </a:r>
+          </a:p>
+        </p:txBody>
+      </p:sp>
+    </p:spTree>
+    <p:extLst>
+      <p:ext uri="{BB962C8B-B14F-4D97-AF65-F5344CB8AC3E}">
+        <p14:creationId xmlns:p14="http://schemas.microsoft.com/office/powerpoint/2010/main" val="577756968"/>
+      </p:ext>
+    </p:extLst>
+  </p:cSld>
+  <p:clrMapOvr>
+    <a:masterClrMapping/>
+  </p:clrMapOvr>
+</p:sld>
+</file>
+
+<file path=ppt/slides/slide11.xml><?xml version="1.0" encoding="utf-8"?>
+<p:sld xmlns:a="http://schemas.openxmlformats.org/drawingml/2006/main" xmlns:r="http://schemas.openxmlformats.org/officeDocument/2006/relationships" xmlns:p="http://schemas.openxmlformats.org/presentationml/2006/main">
+  <p:cSld>
+    <p:spTree>
+      <p:nvGrpSpPr>
+        <p:cNvPr id="1" name=""/>
+        <p:cNvGrpSpPr/>
+        <p:nvPr/>
+      </p:nvGrpSpPr>
+      <p:grpSpPr>
+        <a:xfrm>
+          <a:off x="0" y="0"/>
+          <a:ext cx="0" cy="0"/>
+          <a:chOff x="0" y="0"/>
+          <a:chExt cx="0" cy="0"/>
+        </a:xfrm>
+      </p:grpSpPr>
+      <p:sp>
+        <p:nvSpPr>
+          <p:cNvPr id="6" name="TextBox 5">
+            <a:extLst>
+              <a:ext uri="{FF2B5EF4-FFF2-40B4-BE49-F238E27FC236}">
+                <a16:creationId xmlns:a16="http://schemas.microsoft.com/office/drawing/2014/main" id="{F2891E45-532C-3C49-C2FC-93F3AACA6637}"/>
+              </a:ext>
+            </a:extLst>
+          </p:cNvPr>
+          <p:cNvSpPr txBox="1"/>
+          <p:nvPr/>
+        </p:nvSpPr>
+        <p:spPr>
+          <a:xfrm>
+            <a:off x="480291" y="1314382"/>
+            <a:ext cx="11563928" cy="4229235"/>
+          </a:xfrm>
+          <a:prstGeom prst="rect">
+            <a:avLst/>
+          </a:prstGeom>
+        </p:spPr>
+        <p:txBody>
+          <a:bodyPr wrap="square" lIns="0" tIns="0" rIns="0" bIns="0" rtlCol="0" anchor="t">
+            <a:spAutoFit/>
+          </a:bodyPr>
+          <a:lstStyle/>
+          <a:p>
+            <a:pPr marL="914400" indent="-914400" algn="l">
+              <a:lnSpc>
+                <a:spcPts val="8500"/>
+              </a:lnSpc>
+              <a:buFont typeface="+mj-lt"/>
+              <a:buAutoNum type="arabicPeriod"/>
             </a:pPr>
             <a:r>
-              <a:rPr lang="en-AU" sz="2000" dirty="0"/>
-              <a:t>Use relative paths to reference data and outputs.</a:t>
-            </a:r>
-          </a:p>
-          <a:p>
-            <a:pPr marL="342900" indent="-342900">
-              <a:buFont typeface="Arial" panose="020B0604020202020204" pitchFamily="34" charset="0"/>
-              <a:buChar char="•"/>
+              <a:rPr lang="en-US" sz="4000" dirty="0">
+                <a:solidFill>
+                  <a:srgbClr val="000000"/>
+                </a:solidFill>
+                <a:latin typeface="+mj-lt"/>
+                <a:ea typeface="Helvetica World"/>
+                <a:cs typeface="Helvetica World"/>
+                <a:sym typeface="Helvetica World"/>
+              </a:rPr>
+              <a:t>Flights data </a:t>
+            </a:r>
+          </a:p>
+          <a:p>
+            <a:pPr marL="914400" indent="-914400" algn="l">
+              <a:lnSpc>
+                <a:spcPts val="8500"/>
+              </a:lnSpc>
+              <a:buFont typeface="+mj-lt"/>
+              <a:buAutoNum type="arabicPeriod"/>
             </a:pPr>
-            <a:endParaRPr lang="en-AU" sz="2000" dirty="0"/>
-          </a:p>
-          <a:p>
-            <a:r>
-              <a:rPr lang="en-AU" sz="2000" b="1" dirty="0"/>
-              <a:t>Example:</a:t>
-            </a:r>
-          </a:p>
-          <a:p>
-            <a:r>
-              <a:rPr lang="en-AU" sz="2000" dirty="0">
+            <a:r>
+              <a:rPr lang="en-US" sz="4000" dirty="0">
                 <a:solidFill>
-                  <a:srgbClr val="FF0000"/>
+                  <a:srgbClr val="000000"/>
                 </a:solidFill>
+                <a:latin typeface="+mj-lt"/>
+                <a:ea typeface="Helvetica World"/>
+                <a:cs typeface="Helvetica World"/>
+                <a:sym typeface="Helvetica World"/>
               </a:rPr>
-              <a:t>source("Scripts/</a:t>
-            </a:r>
-            <a:r>
-              <a:rPr lang="en-AU" sz="2000" dirty="0" err="1">
+              <a:t>One table verbs &amp; grouped summaries </a:t>
+            </a:r>
+          </a:p>
+          <a:p>
+            <a:pPr marL="914400" indent="-914400" algn="l">
+              <a:lnSpc>
+                <a:spcPts val="8500"/>
+              </a:lnSpc>
+              <a:buFont typeface="+mj-lt"/>
+              <a:buAutoNum type="arabicPeriod"/>
+            </a:pPr>
+            <a:r>
+              <a:rPr lang="en-US" sz="4000" dirty="0">
                 <a:solidFill>
-                  <a:srgbClr val="FF0000"/>
+                  <a:srgbClr val="000000"/>
                 </a:solidFill>
+                <a:latin typeface="+mj-lt"/>
+                <a:ea typeface="Helvetica World"/>
+                <a:cs typeface="Helvetica World"/>
+                <a:sym typeface="Helvetica World"/>
               </a:rPr>
-              <a:t>Data_Cleaning.R</a:t>
-            </a:r>
-            <a:r>
-              <a:rPr lang="en-AU" sz="2000" dirty="0">
+              <a:t>Data pipelines </a:t>
+            </a:r>
+          </a:p>
+          <a:p>
+            <a:pPr marL="914400" indent="-914400" algn="l">
+              <a:lnSpc>
+                <a:spcPts val="8500"/>
+              </a:lnSpc>
+              <a:buFont typeface="+mj-lt"/>
+              <a:buAutoNum type="arabicPeriod"/>
+            </a:pPr>
+            <a:r>
+              <a:rPr lang="en-US" sz="4000" dirty="0">
                 <a:solidFill>
-                  <a:srgbClr val="FF0000"/>
+                  <a:srgbClr val="000000"/>
                 </a:solidFill>
+                <a:latin typeface="+mj-lt"/>
+                <a:ea typeface="Helvetica World"/>
+                <a:cs typeface="Helvetica World"/>
+                <a:sym typeface="Helvetica World"/>
               </a:rPr>
-              <a:t>")</a:t>
-            </a:r>
-            <a:endParaRPr lang="en-AU" sz="2000" b="1" dirty="0"/>
-          </a:p>
-          <a:p>
-            <a:endParaRPr lang="en-AU" sz="2000" dirty="0"/>
-          </a:p>
-        </p:txBody>
-      </p:sp>
-      <p:sp>
-        <p:nvSpPr>
-          <p:cNvPr id="8" name="Title 1">
-            <a:extLst>
-              <a:ext uri="{FF2B5EF4-FFF2-40B4-BE49-F238E27FC236}">
-                <a16:creationId xmlns:a16="http://schemas.microsoft.com/office/drawing/2014/main" id="{BC29EAC8-5D7B-91DA-4A8E-52660E0BE1A7}"/>
+              <a:t>Grouped mutate/ﬁlter &amp; window functions </a:t>
+            </a:r>
+          </a:p>
+        </p:txBody>
+      </p:sp>
+      <p:sp>
+        <p:nvSpPr>
+          <p:cNvPr id="3" name="Title 1">
+            <a:extLst>
+              <a:ext uri="{FF2B5EF4-FFF2-40B4-BE49-F238E27FC236}">
+                <a16:creationId xmlns:a16="http://schemas.microsoft.com/office/drawing/2014/main" id="{14E98541-17DF-920B-6662-F94409DBB27F}"/>
               </a:ext>
             </a:extLst>
           </p:cNvPr>
@@ -4906,7 +4953,7 @@
         </p:nvSpPr>
         <p:spPr>
           <a:xfrm>
-            <a:off x="0" y="283239"/>
+            <a:off x="0" y="0"/>
             <a:ext cx="10515600" cy="1325563"/>
           </a:xfrm>
           <a:prstGeom prst="rect">
@@ -4939,419 +4986,15 @@
           <a:p>
             <a:r>
               <a:rPr lang="en-AU" dirty="0"/>
-              <a:t>Now lets get organised : Script</a:t>
-            </a:r>
-          </a:p>
-        </p:txBody>
-      </p:sp>
-      <p:sp>
-        <p:nvSpPr>
-          <p:cNvPr id="12" name="TextBox 11">
-            <a:extLst>
-              <a:ext uri="{FF2B5EF4-FFF2-40B4-BE49-F238E27FC236}">
-                <a16:creationId xmlns:a16="http://schemas.microsoft.com/office/drawing/2014/main" id="{736CAC0D-EFBE-2CD7-6096-732823AE5AB2}"/>
-              </a:ext>
-            </a:extLst>
-          </p:cNvPr>
-          <p:cNvSpPr txBox="1"/>
-          <p:nvPr/>
-        </p:nvSpPr>
-        <p:spPr>
-          <a:xfrm>
-            <a:off x="7479624" y="252170"/>
-            <a:ext cx="4258410" cy="553998"/>
-          </a:xfrm>
-          <a:prstGeom prst="rect">
-            <a:avLst/>
-          </a:prstGeom>
-          <a:noFill/>
-        </p:spPr>
-        <p:txBody>
-          <a:bodyPr wrap="none" rtlCol="0">
-            <a:spAutoFit/>
-          </a:bodyPr>
-          <a:lstStyle/>
-          <a:p>
-            <a:r>
-              <a:rPr lang="en-AU" sz="3000" b="1" dirty="0"/>
-              <a:t>A basic R project set up</a:t>
-            </a:r>
-          </a:p>
-        </p:txBody>
-      </p:sp>
-      <p:pic>
-        <p:nvPicPr>
-          <p:cNvPr id="13" name="Picture 12">
-            <a:extLst>
-              <a:ext uri="{FF2B5EF4-FFF2-40B4-BE49-F238E27FC236}">
-                <a16:creationId xmlns:a16="http://schemas.microsoft.com/office/drawing/2014/main" id="{A405BE85-B836-CCBD-6B38-4964497A3D31}"/>
-              </a:ext>
-            </a:extLst>
-          </p:cNvPr>
-          <p:cNvPicPr>
-            <a:picLocks noChangeAspect="1"/>
-          </p:cNvPicPr>
-          <p:nvPr/>
-        </p:nvPicPr>
-        <p:blipFill>
-          <a:blip r:embed="rId3">
-            <a:alphaModFix amt="20000"/>
-          </a:blip>
-          <a:stretch>
-            <a:fillRect/>
-          </a:stretch>
-        </p:blipFill>
-        <p:spPr>
-          <a:xfrm>
-            <a:off x="7378700" y="758114"/>
-            <a:ext cx="4813300" cy="5778500"/>
-          </a:xfrm>
-          <a:prstGeom prst="rect">
-            <a:avLst/>
-          </a:prstGeom>
-        </p:spPr>
-      </p:pic>
-      <p:pic>
-        <p:nvPicPr>
-          <p:cNvPr id="14" name="Picture 13">
-            <a:extLst>
-              <a:ext uri="{FF2B5EF4-FFF2-40B4-BE49-F238E27FC236}">
-                <a16:creationId xmlns:a16="http://schemas.microsoft.com/office/drawing/2014/main" id="{FA6DB58B-A414-225D-4620-9D59E06AC162}"/>
-              </a:ext>
-            </a:extLst>
-          </p:cNvPr>
-          <p:cNvPicPr>
-            <a:picLocks noChangeAspect="1"/>
-          </p:cNvPicPr>
-          <p:nvPr/>
-        </p:nvPicPr>
-        <p:blipFill>
-          <a:blip r:embed="rId3"/>
-          <a:srcRect t="43330" b="26438"/>
-          <a:stretch/>
-        </p:blipFill>
-        <p:spPr>
-          <a:xfrm>
-            <a:off x="7378700" y="3261815"/>
-            <a:ext cx="4813300" cy="1746913"/>
-          </a:xfrm>
-          <a:prstGeom prst="rect">
-            <a:avLst/>
-          </a:prstGeom>
-        </p:spPr>
-      </p:pic>
+              <a:t>Today’s learning objectives</a:t>
+            </a:r>
+          </a:p>
+        </p:txBody>
+      </p:sp>
     </p:spTree>
     <p:extLst>
       <p:ext uri="{BB962C8B-B14F-4D97-AF65-F5344CB8AC3E}">
-        <p14:creationId xmlns:p14="http://schemas.microsoft.com/office/powerpoint/2010/main" val="3236717552"/>
-      </p:ext>
-    </p:extLst>
-  </p:cSld>
-  <p:clrMapOvr>
-    <a:masterClrMapping/>
-  </p:clrMapOvr>
-</p:sld>
-</file>
-
-<file path=ppt/slides/slide11.xml><?xml version="1.0" encoding="utf-8"?>
-<p:sld xmlns:a="http://schemas.openxmlformats.org/drawingml/2006/main" xmlns:r="http://schemas.openxmlformats.org/officeDocument/2006/relationships" xmlns:p="http://schemas.openxmlformats.org/presentationml/2006/main">
-  <p:cSld>
-    <p:spTree>
-      <p:nvGrpSpPr>
-        <p:cNvPr id="1" name="">
-          <a:extLst>
-            <a:ext uri="{FF2B5EF4-FFF2-40B4-BE49-F238E27FC236}">
-              <a16:creationId xmlns:a16="http://schemas.microsoft.com/office/drawing/2014/main" id="{2CBCF18C-ACEA-B410-5797-5CCE4FB78DBD}"/>
-            </a:ext>
-          </a:extLst>
-        </p:cNvPr>
-        <p:cNvGrpSpPr/>
-        <p:nvPr/>
-      </p:nvGrpSpPr>
-      <p:grpSpPr>
-        <a:xfrm>
-          <a:off x="0" y="0"/>
-          <a:ext cx="0" cy="0"/>
-          <a:chOff x="0" y="0"/>
-          <a:chExt cx="0" cy="0"/>
-        </a:xfrm>
-      </p:grpSpPr>
-      <p:sp>
-        <p:nvSpPr>
-          <p:cNvPr id="4" name="TextBox 3">
-            <a:extLst>
-              <a:ext uri="{FF2B5EF4-FFF2-40B4-BE49-F238E27FC236}">
-                <a16:creationId xmlns:a16="http://schemas.microsoft.com/office/drawing/2014/main" id="{53A7FE06-A095-43C2-814A-BBF5268B8548}"/>
-              </a:ext>
-            </a:extLst>
-          </p:cNvPr>
-          <p:cNvSpPr txBox="1"/>
-          <p:nvPr/>
-        </p:nvSpPr>
-        <p:spPr>
-          <a:xfrm>
-            <a:off x="164592" y="2066544"/>
-            <a:ext cx="7050024" cy="3785652"/>
-          </a:xfrm>
-          <a:prstGeom prst="rect">
-            <a:avLst/>
-          </a:prstGeom>
-          <a:noFill/>
-        </p:spPr>
-        <p:txBody>
-          <a:bodyPr wrap="square" rtlCol="0">
-            <a:spAutoFit/>
-          </a:bodyPr>
-          <a:lstStyle/>
-          <a:p>
-            <a:r>
-              <a:rPr lang="en-AU" sz="2000" b="1" dirty="0"/>
-              <a:t>Purpose</a:t>
-            </a:r>
-            <a:r>
-              <a:rPr lang="en-AU" sz="2000" dirty="0"/>
-              <a:t>: Store results such as figures, tables, and reports generated from analyses.</a:t>
-            </a:r>
-          </a:p>
-          <a:p>
-            <a:endParaRPr lang="en-AU" sz="2000" b="1" dirty="0"/>
-          </a:p>
-          <a:p>
-            <a:r>
-              <a:rPr lang="en-AU" sz="2000" b="1" dirty="0"/>
-              <a:t>Best Practices</a:t>
-            </a:r>
-            <a:r>
-              <a:rPr lang="en-AU" sz="2000" dirty="0"/>
-              <a:t>:</a:t>
-            </a:r>
-          </a:p>
-          <a:p>
-            <a:pPr marL="342900" indent="-342900">
-              <a:buFont typeface="Arial" panose="020B0604020202020204" pitchFamily="34" charset="0"/>
-              <a:buChar char="•"/>
-            </a:pPr>
-            <a:r>
-              <a:rPr lang="en-AU" sz="2000" dirty="0"/>
-              <a:t>Separate outputs into folders like Outputs/Figures/, Outputs/Tables/</a:t>
-            </a:r>
-          </a:p>
-          <a:p>
-            <a:pPr marL="342900" indent="-342900">
-              <a:buFont typeface="Arial" panose="020B0604020202020204" pitchFamily="34" charset="0"/>
-              <a:buChar char="•"/>
-            </a:pPr>
-            <a:r>
-              <a:rPr lang="en-AU" sz="2000" dirty="0"/>
-              <a:t>Ensure outputs are reproducible by generating them through scripts</a:t>
-            </a:r>
-          </a:p>
-          <a:p>
-            <a:pPr marL="342900" indent="-342900">
-              <a:buFont typeface="Arial" panose="020B0604020202020204" pitchFamily="34" charset="0"/>
-              <a:buChar char="•"/>
-            </a:pPr>
-            <a:endParaRPr lang="en-AU" sz="2000" dirty="0"/>
-          </a:p>
-          <a:p>
-            <a:r>
-              <a:rPr lang="en-AU" sz="2000" b="1" dirty="0"/>
-              <a:t>Example:</a:t>
-            </a:r>
-          </a:p>
-          <a:p>
-            <a:r>
-              <a:rPr lang="en-AU" sz="2000" dirty="0" err="1">
-                <a:solidFill>
-                  <a:srgbClr val="FF0000"/>
-                </a:solidFill>
-              </a:rPr>
-              <a:t>ggsave</a:t>
-            </a:r>
-            <a:r>
-              <a:rPr lang="en-AU" sz="2000" dirty="0">
-                <a:solidFill>
-                  <a:srgbClr val="FF0000"/>
-                </a:solidFill>
-              </a:rPr>
-              <a:t>("Outputs/Figures/</a:t>
-            </a:r>
-            <a:r>
-              <a:rPr lang="en-AU" sz="2000" dirty="0" err="1">
-                <a:solidFill>
-                  <a:srgbClr val="FF0000"/>
-                </a:solidFill>
-              </a:rPr>
-              <a:t>plot.png</a:t>
-            </a:r>
-            <a:r>
-              <a:rPr lang="en-AU" sz="2000" dirty="0">
-                <a:solidFill>
-                  <a:srgbClr val="FF0000"/>
-                </a:solidFill>
-              </a:rPr>
-              <a:t>")</a:t>
-            </a:r>
-          </a:p>
-          <a:p>
-            <a:endParaRPr lang="en-AU" sz="2000" dirty="0"/>
-          </a:p>
-        </p:txBody>
-      </p:sp>
-      <p:sp>
-        <p:nvSpPr>
-          <p:cNvPr id="11" name="Title 1">
-            <a:extLst>
-              <a:ext uri="{FF2B5EF4-FFF2-40B4-BE49-F238E27FC236}">
-                <a16:creationId xmlns:a16="http://schemas.microsoft.com/office/drawing/2014/main" id="{96D36BBE-2795-8840-139E-825C998CADEE}"/>
-              </a:ext>
-            </a:extLst>
-          </p:cNvPr>
-          <p:cNvSpPr txBox="1">
-            <a:spLocks/>
-          </p:cNvSpPr>
-          <p:nvPr/>
-        </p:nvSpPr>
-        <p:spPr>
-          <a:xfrm>
-            <a:off x="0" y="283239"/>
-            <a:ext cx="10515600" cy="1325563"/>
-          </a:xfrm>
-          <a:prstGeom prst="rect">
-            <a:avLst/>
-          </a:prstGeom>
-        </p:spPr>
-        <p:txBody>
-          <a:bodyPr vert="horz" lIns="91440" tIns="45720" rIns="91440" bIns="45720" rtlCol="0" anchor="ctr">
-            <a:normAutofit/>
-          </a:bodyPr>
-          <a:lstStyle>
-            <a:lvl1pPr algn="l" defTabSz="914400" rtl="0" eaLnBrk="1" latinLnBrk="0" hangingPunct="1">
-              <a:lnSpc>
-                <a:spcPct val="90000"/>
-              </a:lnSpc>
-              <a:spcBef>
-                <a:spcPct val="0"/>
-              </a:spcBef>
-              <a:buNone/>
-              <a:defRPr sz="4400" kern="1200">
-                <a:solidFill>
-                  <a:schemeClr val="tx1"/>
-                </a:solidFill>
-                <a:latin typeface="+mj-lt"/>
-                <a:ea typeface="+mj-ea"/>
-                <a:cs typeface="+mj-cs"/>
-              </a:defRPr>
-            </a:lvl1pPr>
-          </a:lstStyle>
-          <a:p>
-            <a:r>
-              <a:rPr lang="en-AU" dirty="0"/>
-              <a:t>Now lets get organised : Output</a:t>
-            </a:r>
-          </a:p>
-        </p:txBody>
-      </p:sp>
-      <p:sp>
-        <p:nvSpPr>
-          <p:cNvPr id="17" name="TextBox 16">
-            <a:extLst>
-              <a:ext uri="{FF2B5EF4-FFF2-40B4-BE49-F238E27FC236}">
-                <a16:creationId xmlns:a16="http://schemas.microsoft.com/office/drawing/2014/main" id="{A1D12883-4BB9-88F6-2474-A3F77D98DE3F}"/>
-              </a:ext>
-            </a:extLst>
-          </p:cNvPr>
-          <p:cNvSpPr txBox="1"/>
-          <p:nvPr/>
-        </p:nvSpPr>
-        <p:spPr>
-          <a:xfrm>
-            <a:off x="7479624" y="252170"/>
-            <a:ext cx="4258410" cy="553998"/>
-          </a:xfrm>
-          <a:prstGeom prst="rect">
-            <a:avLst/>
-          </a:prstGeom>
-          <a:noFill/>
-        </p:spPr>
-        <p:txBody>
-          <a:bodyPr wrap="none" rtlCol="0">
-            <a:spAutoFit/>
-          </a:bodyPr>
-          <a:lstStyle/>
-          <a:p>
-            <a:r>
-              <a:rPr lang="en-AU" sz="3000" b="1" dirty="0"/>
-              <a:t>A basic R project set up</a:t>
-            </a:r>
-          </a:p>
-        </p:txBody>
-      </p:sp>
-      <p:pic>
-        <p:nvPicPr>
-          <p:cNvPr id="18" name="Picture 17">
-            <a:extLst>
-              <a:ext uri="{FF2B5EF4-FFF2-40B4-BE49-F238E27FC236}">
-                <a16:creationId xmlns:a16="http://schemas.microsoft.com/office/drawing/2014/main" id="{56D28880-D4DC-83CE-0C26-C724DA8BB99A}"/>
-              </a:ext>
-            </a:extLst>
-          </p:cNvPr>
-          <p:cNvPicPr>
-            <a:picLocks noChangeAspect="1"/>
-          </p:cNvPicPr>
-          <p:nvPr/>
-        </p:nvPicPr>
-        <p:blipFill>
-          <a:blip r:embed="rId3">
-            <a:alphaModFix amt="20000"/>
-          </a:blip>
-          <a:stretch>
-            <a:fillRect/>
-          </a:stretch>
-        </p:blipFill>
-        <p:spPr>
-          <a:xfrm>
-            <a:off x="7378700" y="758114"/>
-            <a:ext cx="4813300" cy="5778500"/>
-          </a:xfrm>
-          <a:prstGeom prst="rect">
-            <a:avLst/>
-          </a:prstGeom>
-        </p:spPr>
-      </p:pic>
-      <p:pic>
-        <p:nvPicPr>
-          <p:cNvPr id="19" name="Picture 18">
-            <a:extLst>
-              <a:ext uri="{FF2B5EF4-FFF2-40B4-BE49-F238E27FC236}">
-                <a16:creationId xmlns:a16="http://schemas.microsoft.com/office/drawing/2014/main" id="{B3C1A862-7ABE-9B60-02EC-C5592E839310}"/>
-              </a:ext>
-            </a:extLst>
-          </p:cNvPr>
-          <p:cNvPicPr>
-            <a:picLocks noChangeAspect="1"/>
-          </p:cNvPicPr>
-          <p:nvPr/>
-        </p:nvPicPr>
-        <p:blipFill>
-          <a:blip r:embed="rId3"/>
-          <a:srcRect t="76631" b="223"/>
-          <a:stretch/>
-        </p:blipFill>
-        <p:spPr>
-          <a:xfrm>
-            <a:off x="7378700" y="5186149"/>
-            <a:ext cx="4813300" cy="1337480"/>
-          </a:xfrm>
-          <a:prstGeom prst="rect">
-            <a:avLst/>
-          </a:prstGeom>
-        </p:spPr>
-      </p:pic>
-    </p:spTree>
-    <p:extLst>
-      <p:ext uri="{BB962C8B-B14F-4D97-AF65-F5344CB8AC3E}">
-        <p14:creationId xmlns:p14="http://schemas.microsoft.com/office/powerpoint/2010/main" val="3076281415"/>
+        <p14:creationId xmlns:p14="http://schemas.microsoft.com/office/powerpoint/2010/main" val="2784696615"/>
       </p:ext>
     </p:extLst>
   </p:cSld>
@@ -5366,13 +5009,7 @@
   <p:cSld>
     <p:spTree>
       <p:nvGrpSpPr>
-        <p:cNvPr id="1" name="">
-          <a:extLst>
-            <a:ext uri="{FF2B5EF4-FFF2-40B4-BE49-F238E27FC236}">
-              <a16:creationId xmlns:a16="http://schemas.microsoft.com/office/drawing/2014/main" id="{4874375E-61F6-6134-487F-06469B122E5B}"/>
-            </a:ext>
-          </a:extLst>
-        </p:cNvPr>
+        <p:cNvPr id="1" name=""/>
         <p:cNvGrpSpPr/>
         <p:nvPr/>
       </p:nvGrpSpPr>
@@ -5386,283 +5023,257 @@
       </p:grpSpPr>
       <p:sp>
         <p:nvSpPr>
-          <p:cNvPr id="4" name="TextBox 3">
-            <a:extLst>
-              <a:ext uri="{FF2B5EF4-FFF2-40B4-BE49-F238E27FC236}">
-                <a16:creationId xmlns:a16="http://schemas.microsoft.com/office/drawing/2014/main" id="{EE6155F7-ACF0-B9C9-90F4-B177D1E4FCE8}"/>
-              </a:ext>
-            </a:extLst>
-          </p:cNvPr>
+          <p:cNvPr id="2" name="Freeform 2"/>
+          <p:cNvSpPr/>
+          <p:nvPr/>
+        </p:nvSpPr>
+        <p:spPr>
+          <a:xfrm>
+            <a:off x="3082231" y="0"/>
+            <a:ext cx="9143998" cy="6858000"/>
+          </a:xfrm>
+          <a:custGeom>
+            <a:avLst/>
+            <a:gdLst/>
+            <a:ahLst/>
+            <a:cxnLst/>
+            <a:rect l="l" t="t" r="r" b="b"/>
+            <a:pathLst>
+              <a:path w="13004797" h="9753600">
+                <a:moveTo>
+                  <a:pt x="0" y="0"/>
+                </a:moveTo>
+                <a:lnTo>
+                  <a:pt x="13004797" y="0"/>
+                </a:lnTo>
+                <a:lnTo>
+                  <a:pt x="13004797" y="9753600"/>
+                </a:lnTo>
+                <a:lnTo>
+                  <a:pt x="0" y="9753600"/>
+                </a:lnTo>
+                <a:lnTo>
+                  <a:pt x="0" y="0"/>
+                </a:lnTo>
+                <a:close/>
+              </a:path>
+            </a:pathLst>
+          </a:custGeom>
+          <a:blipFill>
+            <a:blip r:embed="rId2"/>
+            <a:stretch>
+              <a:fillRect/>
+            </a:stretch>
+          </a:blipFill>
+        </p:spPr>
+        <p:txBody>
+          <a:bodyPr/>
+          <a:lstStyle/>
+          <a:p>
+            <a:endParaRPr lang="en-AU" sz="1266"/>
+          </a:p>
+        </p:txBody>
+      </p:sp>
+      <p:grpSp>
+        <p:nvGrpSpPr>
+          <p:cNvPr id="3" name="Group 3"/>
+          <p:cNvGrpSpPr>
+            <a:grpSpLocks noChangeAspect="1"/>
+          </p:cNvGrpSpPr>
+          <p:nvPr/>
+        </p:nvGrpSpPr>
+        <p:grpSpPr>
+          <a:xfrm>
+            <a:off x="1568648" y="6796674"/>
+            <a:ext cx="8893969" cy="13501"/>
+            <a:chOff x="0" y="0"/>
+            <a:chExt cx="12649200" cy="19202"/>
+          </a:xfrm>
+        </p:grpSpPr>
+        <p:sp>
+          <p:nvSpPr>
+            <p:cNvPr id="4" name="Freeform 4"/>
+            <p:cNvSpPr/>
+            <p:nvPr/>
+          </p:nvSpPr>
+          <p:spPr>
+            <a:xfrm>
+              <a:off x="0" y="0"/>
+              <a:ext cx="12649200" cy="19177"/>
+            </a:xfrm>
+            <a:custGeom>
+              <a:avLst/>
+              <a:gdLst/>
+              <a:ahLst/>
+              <a:cxnLst/>
+              <a:rect l="l" t="t" r="r" b="b"/>
+              <a:pathLst>
+                <a:path w="12649200" h="19177">
+                  <a:moveTo>
+                    <a:pt x="0" y="0"/>
+                  </a:moveTo>
+                  <a:lnTo>
+                    <a:pt x="0" y="19177"/>
+                  </a:lnTo>
+                  <a:lnTo>
+                    <a:pt x="12649200" y="19177"/>
+                  </a:lnTo>
+                  <a:lnTo>
+                    <a:pt x="12649200" y="0"/>
+                  </a:lnTo>
+                  <a:close/>
+                </a:path>
+              </a:pathLst>
+            </a:custGeom>
+            <a:solidFill>
+              <a:srgbClr val="000000"/>
+            </a:solidFill>
+          </p:spPr>
+          <p:txBody>
+            <a:bodyPr/>
+            <a:lstStyle/>
+            <a:p>
+              <a:endParaRPr lang="en-AU" sz="1266"/>
+            </a:p>
+          </p:txBody>
+        </p:sp>
+      </p:grpSp>
+      <p:sp>
+        <p:nvSpPr>
+          <p:cNvPr id="5" name="TextBox 5"/>
           <p:cNvSpPr txBox="1"/>
           <p:nvPr/>
         </p:nvSpPr>
         <p:spPr>
           <a:xfrm>
-            <a:off x="164592" y="2066544"/>
-            <a:ext cx="7050024" cy="3785652"/>
+            <a:off x="1786457" y="438678"/>
+            <a:ext cx="3740115" cy="1846659"/>
           </a:xfrm>
           <a:prstGeom prst="rect">
             <a:avLst/>
           </a:prstGeom>
-          <a:noFill/>
-        </p:spPr>
-        <p:txBody>
-          <a:bodyPr wrap="square" rtlCol="0">
+        </p:spPr>
+        <p:txBody>
+          <a:bodyPr lIns="0" tIns="0" rIns="0" bIns="0" rtlCol="0" anchor="t">
             <a:spAutoFit/>
           </a:bodyPr>
           <a:lstStyle/>
           <a:p>
-            <a:r>
-              <a:rPr lang="en-AU" sz="2000" b="1" dirty="0"/>
-              <a:t>Purpose</a:t>
-            </a:r>
-            <a:r>
-              <a:rPr lang="en-AU" sz="2000" dirty="0"/>
-              <a:t>: Define the root of the project, enabling consistent relative paths.</a:t>
-            </a:r>
-          </a:p>
-          <a:p>
-            <a:endParaRPr lang="en-AU" sz="2000" b="1" dirty="0"/>
-          </a:p>
-          <a:p>
-            <a:r>
-              <a:rPr lang="en-AU" sz="2000" b="1" dirty="0"/>
-              <a:t>Benefits</a:t>
-            </a:r>
-            <a:r>
-              <a:rPr lang="en-AU" sz="2000" dirty="0"/>
-              <a:t>:</a:t>
-            </a:r>
-          </a:p>
-          <a:p>
-            <a:pPr marL="342900" indent="-342900">
-              <a:buFont typeface="Arial" panose="020B0604020202020204" pitchFamily="34" charset="0"/>
-              <a:buChar char="•"/>
+            <a:pPr>
+              <a:lnSpc>
+                <a:spcPts val="4789"/>
+              </a:lnSpc>
             </a:pPr>
             <a:r>
-              <a:rPr lang="en-AU" sz="2000" dirty="0"/>
-              <a:t>Automatically sets the working directory to the project root.</a:t>
-            </a:r>
-          </a:p>
-          <a:p>
-            <a:pPr marL="342900" indent="-342900">
-              <a:buFont typeface="Arial" panose="020B0604020202020204" pitchFamily="34" charset="0"/>
-              <a:buChar char="•"/>
-            </a:pPr>
-            <a:r>
-              <a:rPr lang="en-AU" sz="2000" dirty="0"/>
-              <a:t>Enhances collaboration by avoiding hard-coded paths.</a:t>
-            </a:r>
-          </a:p>
-          <a:p>
-            <a:endParaRPr lang="en-AU" sz="2000" dirty="0"/>
-          </a:p>
-          <a:p>
-            <a:endParaRPr lang="en-AU" sz="2000" dirty="0"/>
-          </a:p>
-          <a:p>
-            <a:r>
-              <a:rPr lang="en-AU" sz="2000" b="1" dirty="0"/>
-              <a:t>Example:</a:t>
-            </a:r>
-          </a:p>
-          <a:p>
-            <a:pPr marL="342900" indent="-342900">
-              <a:buFont typeface="Arial" panose="020B0604020202020204" pitchFamily="34" charset="0"/>
-              <a:buChar char="•"/>
-            </a:pPr>
-            <a:r>
-              <a:rPr lang="en-AU" sz="2000" dirty="0"/>
-              <a:t>Open the .</a:t>
-            </a:r>
-            <a:r>
-              <a:rPr lang="en-AU" sz="2000" dirty="0" err="1"/>
-              <a:t>Rproj</a:t>
-            </a:r>
-            <a:r>
-              <a:rPr lang="en-AU" sz="2000" dirty="0"/>
-              <a:t> file to start the project session.</a:t>
-            </a:r>
-          </a:p>
-          <a:p>
-            <a:r>
-              <a:rPr lang="en-AU" sz="2000" dirty="0" err="1">
+              <a:rPr lang="en-US" sz="4008" b="1">
                 <a:solidFill>
-                  <a:srgbClr val="FF0000"/>
+                  <a:srgbClr val="000000"/>
                 </a:solidFill>
+                <a:latin typeface="Helvetica World Bold"/>
+                <a:ea typeface="Helvetica World Bold"/>
+                <a:cs typeface="Helvetica World Bold"/>
+                <a:sym typeface="Helvetica World Bold"/>
               </a:rPr>
-              <a:t>getwd</a:t>
-            </a:r>
-            <a:r>
-              <a:rPr lang="en-AU" sz="2000" dirty="0">
+              <a:t>The bad news: </a:t>
+            </a:r>
+            <a:r>
+              <a:rPr lang="en-US" sz="4008">
                 <a:solidFill>
-                  <a:srgbClr val="FF0000"/>
+                  <a:srgbClr val="000000"/>
                 </a:solidFill>
+                <a:latin typeface="Helvetica World"/>
+                <a:ea typeface="Helvetica World"/>
+                <a:cs typeface="Helvetica World"/>
+                <a:sym typeface="Helvetica World"/>
               </a:rPr>
-              <a:t>()</a:t>
-            </a:r>
-          </a:p>
-          <a:p>
-            <a:endParaRPr lang="en-AU" sz="2000" dirty="0"/>
-          </a:p>
-        </p:txBody>
-      </p:sp>
-      <p:sp>
-        <p:nvSpPr>
-          <p:cNvPr id="11" name="Title 1">
-            <a:extLst>
-              <a:ext uri="{FF2B5EF4-FFF2-40B4-BE49-F238E27FC236}">
-                <a16:creationId xmlns:a16="http://schemas.microsoft.com/office/drawing/2014/main" id="{61A890B7-B2A5-AA17-7ADA-D9D26ED11E3A}"/>
-              </a:ext>
-            </a:extLst>
-          </p:cNvPr>
-          <p:cNvSpPr txBox="1">
-            <a:spLocks/>
-          </p:cNvSpPr>
+              <a:t>It’s going to be frustrating</a:t>
+            </a:r>
+          </a:p>
+        </p:txBody>
+      </p:sp>
+      <p:sp>
+        <p:nvSpPr>
+          <p:cNvPr id="6" name="TextBox 6"/>
+          <p:cNvSpPr txBox="1"/>
           <p:nvPr/>
         </p:nvSpPr>
         <p:spPr>
           <a:xfrm>
-            <a:off x="0" y="283239"/>
-            <a:ext cx="10515600" cy="1325563"/>
+            <a:off x="1740098" y="6322815"/>
+            <a:ext cx="60771" cy="280911"/>
           </a:xfrm>
           <a:prstGeom prst="rect">
             <a:avLst/>
           </a:prstGeom>
         </p:spPr>
         <p:txBody>
-          <a:bodyPr vert="horz" lIns="91440" tIns="45720" rIns="91440" bIns="45720" rtlCol="0" anchor="ctr">
-            <a:normAutofit/>
+          <a:bodyPr lIns="0" tIns="0" rIns="0" bIns="0" rtlCol="0" anchor="t">
+            <a:spAutoFit/>
           </a:bodyPr>
-          <a:lstStyle>
-            <a:lvl1pPr algn="l" defTabSz="914400" rtl="0" eaLnBrk="1" latinLnBrk="0" hangingPunct="1">
+          <a:lstStyle/>
+          <a:p>
+            <a:pPr>
               <a:lnSpc>
-                <a:spcPct val="90000"/>
+                <a:spcPts val="2301"/>
               </a:lnSpc>
-              <a:spcBef>
-                <a:spcPct val="0"/>
-              </a:spcBef>
-              <a:buNone/>
-              <a:defRPr sz="4400" kern="1200">
+            </a:pPr>
+            <a:r>
+              <a:rPr lang="en-US" sz="1687">
                 <a:solidFill>
-                  <a:schemeClr val="tx1"/>
+                  <a:srgbClr val="000000"/>
                 </a:solidFill>
-                <a:latin typeface="+mj-lt"/>
-                <a:ea typeface="+mj-ea"/>
-                <a:cs typeface="+mj-cs"/>
-              </a:defRPr>
-            </a:lvl1pPr>
-          </a:lstStyle>
-          <a:p>
-            <a:r>
-              <a:rPr lang="en-AU" dirty="0"/>
-              <a:t>Now lets get organised : Project</a:t>
-            </a:r>
-          </a:p>
-        </p:txBody>
-      </p:sp>
-      <p:sp>
-        <p:nvSpPr>
-          <p:cNvPr id="17" name="TextBox 16">
-            <a:extLst>
-              <a:ext uri="{FF2B5EF4-FFF2-40B4-BE49-F238E27FC236}">
-                <a16:creationId xmlns:a16="http://schemas.microsoft.com/office/drawing/2014/main" id="{7F3BC8FD-3D6F-6322-D318-1A597605C952}"/>
-              </a:ext>
-            </a:extLst>
-          </p:cNvPr>
+                <a:latin typeface="Helvetica World"/>
+                <a:ea typeface="Helvetica World"/>
+                <a:cs typeface="Helvetica World"/>
+                <a:sym typeface="Helvetica World"/>
+              </a:rPr>
+              <a:t> </a:t>
+            </a:r>
+          </a:p>
+        </p:txBody>
+      </p:sp>
+      <p:sp>
+        <p:nvSpPr>
+          <p:cNvPr id="8" name="TextBox 8"/>
           <p:cNvSpPr txBox="1"/>
           <p:nvPr/>
         </p:nvSpPr>
         <p:spPr>
           <a:xfrm>
-            <a:off x="7479624" y="252170"/>
-            <a:ext cx="4258410" cy="553998"/>
+            <a:off x="1540940" y="6500846"/>
+            <a:ext cx="1275963" cy="290529"/>
           </a:xfrm>
           <a:prstGeom prst="rect">
             <a:avLst/>
           </a:prstGeom>
-          <a:noFill/>
-        </p:spPr>
-        <p:txBody>
-          <a:bodyPr wrap="none" rtlCol="0">
+        </p:spPr>
+        <p:txBody>
+          <a:bodyPr lIns="0" tIns="0" rIns="0" bIns="0" rtlCol="0" anchor="t">
             <a:spAutoFit/>
           </a:bodyPr>
           <a:lstStyle/>
           <a:p>
-            <a:r>
-              <a:rPr lang="en-AU" sz="3000" b="1" dirty="0"/>
-              <a:t>A basic R project set up</a:t>
-            </a:r>
-          </a:p>
-        </p:txBody>
-      </p:sp>
-      <p:pic>
-        <p:nvPicPr>
-          <p:cNvPr id="18" name="Picture 17">
-            <a:extLst>
-              <a:ext uri="{FF2B5EF4-FFF2-40B4-BE49-F238E27FC236}">
-                <a16:creationId xmlns:a16="http://schemas.microsoft.com/office/drawing/2014/main" id="{33AAC1E6-EEF9-CEF1-1550-E8AEC6EDEE9E}"/>
-              </a:ext>
-            </a:extLst>
-          </p:cNvPr>
-          <p:cNvPicPr>
-            <a:picLocks noChangeAspect="1"/>
-          </p:cNvPicPr>
-          <p:nvPr/>
-        </p:nvPicPr>
-        <p:blipFill>
-          <a:blip r:embed="rId3">
-            <a:alphaModFix amt="20000"/>
-          </a:blip>
-          <a:stretch>
-            <a:fillRect/>
-          </a:stretch>
-        </p:blipFill>
-        <p:spPr>
-          <a:xfrm>
-            <a:off x="7378700" y="758114"/>
-            <a:ext cx="4813300" cy="5778500"/>
-          </a:xfrm>
-          <a:prstGeom prst="rect">
-            <a:avLst/>
-          </a:prstGeom>
-        </p:spPr>
-      </p:pic>
-      <p:pic>
-        <p:nvPicPr>
-          <p:cNvPr id="19" name="Picture 18">
-            <a:extLst>
-              <a:ext uri="{FF2B5EF4-FFF2-40B4-BE49-F238E27FC236}">
-                <a16:creationId xmlns:a16="http://schemas.microsoft.com/office/drawing/2014/main" id="{34FCE4ED-10F9-DFCC-2BDC-E36674AFB6B6}"/>
-              </a:ext>
-            </a:extLst>
-          </p:cNvPr>
-          <p:cNvPicPr>
-            <a:picLocks noChangeAspect="1"/>
-          </p:cNvPicPr>
-          <p:nvPr/>
-        </p:nvPicPr>
-        <p:blipFill>
-          <a:blip r:embed="rId3"/>
-          <a:srcRect t="12863" b="71785"/>
-          <a:stretch/>
-        </p:blipFill>
-        <p:spPr>
-          <a:xfrm>
-            <a:off x="7378700" y="1501254"/>
-            <a:ext cx="4813300" cy="887104"/>
-          </a:xfrm>
-          <a:prstGeom prst="rect">
-            <a:avLst/>
-          </a:prstGeom>
-        </p:spPr>
-      </p:pic>
+            <a:pPr>
+              <a:lnSpc>
+                <a:spcPts val="2362"/>
+              </a:lnSpc>
+            </a:pPr>
+            <a:r>
+              <a:rPr lang="en-US" sz="1687" dirty="0">
+                <a:solidFill>
+                  <a:srgbClr val="000000"/>
+                </a:solidFill>
+                <a:latin typeface="Helvetica World"/>
+                <a:ea typeface="Helvetica World"/>
+                <a:cs typeface="Helvetica World"/>
+                <a:sym typeface="Helvetica World"/>
+              </a:rPr>
+              <a:t>© Allie Brosh</a:t>
+            </a:r>
+          </a:p>
+        </p:txBody>
+      </p:sp>
     </p:spTree>
-    <p:extLst>
-      <p:ext uri="{BB962C8B-B14F-4D97-AF65-F5344CB8AC3E}">
-        <p14:creationId xmlns:p14="http://schemas.microsoft.com/office/powerpoint/2010/main" val="967744417"/>
-      </p:ext>
-    </p:extLst>
   </p:cSld>
   <p:clrMapOvr>
     <a:masterClrMapping/>
@@ -5689,6 +5300,3198 @@
       </p:grpSpPr>
       <p:sp>
         <p:nvSpPr>
+          <p:cNvPr id="2" name="Freeform 2"/>
+          <p:cNvSpPr/>
+          <p:nvPr/>
+        </p:nvSpPr>
+        <p:spPr>
+          <a:xfrm>
+            <a:off x="1528465" y="0"/>
+            <a:ext cx="9143998" cy="6858000"/>
+          </a:xfrm>
+          <a:custGeom>
+            <a:avLst/>
+            <a:gdLst/>
+            <a:ahLst/>
+            <a:cxnLst/>
+            <a:rect l="l" t="t" r="r" b="b"/>
+            <a:pathLst>
+              <a:path w="13004797" h="9753600">
+                <a:moveTo>
+                  <a:pt x="0" y="0"/>
+                </a:moveTo>
+                <a:lnTo>
+                  <a:pt x="13004797" y="0"/>
+                </a:lnTo>
+                <a:lnTo>
+                  <a:pt x="13004797" y="9753600"/>
+                </a:lnTo>
+                <a:lnTo>
+                  <a:pt x="0" y="9753600"/>
+                </a:lnTo>
+                <a:lnTo>
+                  <a:pt x="0" y="0"/>
+                </a:lnTo>
+                <a:close/>
+              </a:path>
+            </a:pathLst>
+          </a:custGeom>
+          <a:blipFill>
+            <a:blip r:embed="rId2"/>
+            <a:stretch>
+              <a:fillRect/>
+            </a:stretch>
+          </a:blipFill>
+        </p:spPr>
+        <p:txBody>
+          <a:bodyPr/>
+          <a:lstStyle/>
+          <a:p>
+            <a:endParaRPr lang="en-AU" sz="1266"/>
+          </a:p>
+        </p:txBody>
+      </p:sp>
+      <p:grpSp>
+        <p:nvGrpSpPr>
+          <p:cNvPr id="3" name="Group 3"/>
+          <p:cNvGrpSpPr>
+            <a:grpSpLocks noChangeAspect="1"/>
+          </p:cNvGrpSpPr>
+          <p:nvPr/>
+        </p:nvGrpSpPr>
+        <p:grpSpPr>
+          <a:xfrm>
+            <a:off x="1542047" y="6796674"/>
+            <a:ext cx="8679656" cy="13501"/>
+            <a:chOff x="0" y="0"/>
+            <a:chExt cx="12344400" cy="19202"/>
+          </a:xfrm>
+        </p:grpSpPr>
+        <p:sp>
+          <p:nvSpPr>
+            <p:cNvPr id="4" name="Freeform 4"/>
+            <p:cNvSpPr/>
+            <p:nvPr/>
+          </p:nvSpPr>
+          <p:spPr>
+            <a:xfrm>
+              <a:off x="0" y="0"/>
+              <a:ext cx="12344400" cy="19177"/>
+            </a:xfrm>
+            <a:custGeom>
+              <a:avLst/>
+              <a:gdLst/>
+              <a:ahLst/>
+              <a:cxnLst/>
+              <a:rect l="l" t="t" r="r" b="b"/>
+              <a:pathLst>
+                <a:path w="12344400" h="19177">
+                  <a:moveTo>
+                    <a:pt x="0" y="0"/>
+                  </a:moveTo>
+                  <a:lnTo>
+                    <a:pt x="12344400" y="0"/>
+                  </a:lnTo>
+                  <a:lnTo>
+                    <a:pt x="12344400" y="19177"/>
+                  </a:lnTo>
+                  <a:lnTo>
+                    <a:pt x="0" y="19177"/>
+                  </a:lnTo>
+                  <a:close/>
+                </a:path>
+              </a:pathLst>
+            </a:custGeom>
+            <a:solidFill>
+              <a:srgbClr val="FFFFFF"/>
+            </a:solidFill>
+          </p:spPr>
+          <p:txBody>
+            <a:bodyPr/>
+            <a:lstStyle/>
+            <a:p>
+              <a:endParaRPr lang="en-AU" sz="1266"/>
+            </a:p>
+          </p:txBody>
+        </p:sp>
+      </p:grpSp>
+      <p:sp>
+        <p:nvSpPr>
+          <p:cNvPr id="5" name="TextBox 5"/>
+          <p:cNvSpPr txBox="1"/>
+          <p:nvPr/>
+        </p:nvSpPr>
+        <p:spPr>
+          <a:xfrm>
+            <a:off x="6046889" y="2894344"/>
+            <a:ext cx="4076539" cy="2462213"/>
+          </a:xfrm>
+          <a:prstGeom prst="rect">
+            <a:avLst/>
+          </a:prstGeom>
+        </p:spPr>
+        <p:txBody>
+          <a:bodyPr lIns="0" tIns="0" rIns="0" bIns="0" rtlCol="0" anchor="t">
+            <a:spAutoFit/>
+          </a:bodyPr>
+          <a:lstStyle/>
+          <a:p>
+            <a:pPr>
+              <a:lnSpc>
+                <a:spcPts val="4801"/>
+              </a:lnSpc>
+            </a:pPr>
+            <a:r>
+              <a:rPr lang="en-US" sz="4008" b="1">
+                <a:solidFill>
+                  <a:srgbClr val="FFFFFF"/>
+                </a:solidFill>
+                <a:latin typeface="Helvetica World Bold"/>
+                <a:ea typeface="Helvetica World Bold"/>
+                <a:cs typeface="Helvetica World Bold"/>
+                <a:sym typeface="Helvetica World Bold"/>
+              </a:rPr>
+              <a:t>The good news: </a:t>
+            </a:r>
+            <a:r>
+              <a:rPr lang="en-US" sz="4008">
+                <a:solidFill>
+                  <a:srgbClr val="FFFFFF"/>
+                </a:solidFill>
+                <a:latin typeface="Helvetica World"/>
+                <a:ea typeface="Helvetica World"/>
+                <a:cs typeface="Helvetica World"/>
+                <a:sym typeface="Helvetica World"/>
+              </a:rPr>
+              <a:t>Frustration is </a:t>
+            </a:r>
+            <a:r>
+              <a:rPr lang="en-US" sz="4008" b="1">
+                <a:solidFill>
+                  <a:srgbClr val="FFFFFF"/>
+                </a:solidFill>
+                <a:latin typeface="Helvetica World Bold"/>
+                <a:ea typeface="Helvetica World Bold"/>
+                <a:cs typeface="Helvetica World Bold"/>
+                <a:sym typeface="Helvetica World Bold"/>
+              </a:rPr>
+              <a:t>typical</a:t>
+            </a:r>
+            <a:r>
+              <a:rPr lang="en-US" sz="4008">
+                <a:solidFill>
+                  <a:srgbClr val="FFFFFF"/>
+                </a:solidFill>
+                <a:latin typeface="Helvetica World"/>
+                <a:ea typeface="Helvetica World"/>
+                <a:cs typeface="Helvetica World"/>
+                <a:sym typeface="Helvetica World"/>
+              </a:rPr>
+              <a:t> and temporary</a:t>
+            </a:r>
+          </a:p>
+        </p:txBody>
+      </p:sp>
+      <p:sp>
+        <p:nvSpPr>
+          <p:cNvPr id="6" name="TextBox 6"/>
+          <p:cNvSpPr txBox="1"/>
+          <p:nvPr/>
+        </p:nvSpPr>
+        <p:spPr>
+          <a:xfrm>
+            <a:off x="1740098" y="6322815"/>
+            <a:ext cx="60771" cy="280911"/>
+          </a:xfrm>
+          <a:prstGeom prst="rect">
+            <a:avLst/>
+          </a:prstGeom>
+        </p:spPr>
+        <p:txBody>
+          <a:bodyPr lIns="0" tIns="0" rIns="0" bIns="0" rtlCol="0" anchor="t">
+            <a:spAutoFit/>
+          </a:bodyPr>
+          <a:lstStyle/>
+          <a:p>
+            <a:pPr>
+              <a:lnSpc>
+                <a:spcPts val="2301"/>
+              </a:lnSpc>
+            </a:pPr>
+            <a:r>
+              <a:rPr lang="en-US" sz="1687">
+                <a:solidFill>
+                  <a:srgbClr val="FFFFFF"/>
+                </a:solidFill>
+                <a:latin typeface="Helvetica World"/>
+                <a:ea typeface="Helvetica World"/>
+                <a:cs typeface="Helvetica World"/>
+                <a:sym typeface="Helvetica World"/>
+              </a:rPr>
+              <a:t> </a:t>
+            </a:r>
+          </a:p>
+        </p:txBody>
+      </p:sp>
+      <p:sp>
+        <p:nvSpPr>
+          <p:cNvPr id="8" name="TextBox 8"/>
+          <p:cNvSpPr txBox="1"/>
+          <p:nvPr/>
+        </p:nvSpPr>
+        <p:spPr>
+          <a:xfrm>
+            <a:off x="1568649" y="6316118"/>
+            <a:ext cx="1275963" cy="290529"/>
+          </a:xfrm>
+          <a:prstGeom prst="rect">
+            <a:avLst/>
+          </a:prstGeom>
+        </p:spPr>
+        <p:txBody>
+          <a:bodyPr lIns="0" tIns="0" rIns="0" bIns="0" rtlCol="0" anchor="t">
+            <a:spAutoFit/>
+          </a:bodyPr>
+          <a:lstStyle/>
+          <a:p>
+            <a:pPr>
+              <a:lnSpc>
+                <a:spcPts val="2362"/>
+              </a:lnSpc>
+            </a:pPr>
+            <a:r>
+              <a:rPr lang="en-US" sz="1687">
+                <a:solidFill>
+                  <a:srgbClr val="FFFFFF"/>
+                </a:solidFill>
+                <a:latin typeface="Helvetica World"/>
+                <a:ea typeface="Helvetica World"/>
+                <a:cs typeface="Helvetica World"/>
+                <a:sym typeface="Helvetica World"/>
+              </a:rPr>
+              <a:t>© Allie Brosh</a:t>
+            </a:r>
+          </a:p>
+        </p:txBody>
+      </p:sp>
+    </p:spTree>
+  </p:cSld>
+  <p:clrMapOvr>
+    <a:masterClrMapping/>
+  </p:clrMapOvr>
+</p:sld>
+</file>
+
+<file path=ppt/slides/slide2.xml><?xml version="1.0" encoding="utf-8"?>
+<p:sld xmlns:a="http://schemas.openxmlformats.org/drawingml/2006/main" xmlns:r="http://schemas.openxmlformats.org/officeDocument/2006/relationships" xmlns:p="http://schemas.openxmlformats.org/presentationml/2006/main">
+  <p:cSld>
+    <p:spTree>
+      <p:nvGrpSpPr>
+        <p:cNvPr id="1" name=""/>
+        <p:cNvGrpSpPr/>
+        <p:nvPr/>
+      </p:nvGrpSpPr>
+      <p:grpSpPr>
+        <a:xfrm>
+          <a:off x="0" y="0"/>
+          <a:ext cx="0" cy="0"/>
+          <a:chOff x="0" y="0"/>
+          <a:chExt cx="0" cy="0"/>
+        </a:xfrm>
+      </p:grpSpPr>
+      <p:sp>
+        <p:nvSpPr>
+          <p:cNvPr id="2" name="Title 1">
+            <a:extLst>
+              <a:ext uri="{FF2B5EF4-FFF2-40B4-BE49-F238E27FC236}">
+                <a16:creationId xmlns:a16="http://schemas.microsoft.com/office/drawing/2014/main" id="{2B7BDB3C-634C-E3CA-58C2-158103BF74F9}"/>
+              </a:ext>
+            </a:extLst>
+          </p:cNvPr>
+          <p:cNvSpPr>
+            <a:spLocks noGrp="1"/>
+          </p:cNvSpPr>
+          <p:nvPr>
+            <p:ph type="title"/>
+          </p:nvPr>
+        </p:nvSpPr>
+        <p:spPr/>
+        <p:txBody>
+          <a:bodyPr/>
+          <a:lstStyle/>
+          <a:p>
+            <a:r>
+              <a:rPr lang="en-AU" dirty="0"/>
+              <a:t>Semester Group Projects</a:t>
+            </a:r>
+          </a:p>
+        </p:txBody>
+      </p:sp>
+      <p:sp>
+        <p:nvSpPr>
+          <p:cNvPr id="3" name="Content Placeholder 2">
+            <a:extLst>
+              <a:ext uri="{FF2B5EF4-FFF2-40B4-BE49-F238E27FC236}">
+                <a16:creationId xmlns:a16="http://schemas.microsoft.com/office/drawing/2014/main" id="{082507D7-72A8-E91A-929E-0952ADF7BBF8}"/>
+              </a:ext>
+            </a:extLst>
+          </p:cNvPr>
+          <p:cNvSpPr>
+            <a:spLocks noGrp="1"/>
+          </p:cNvSpPr>
+          <p:nvPr>
+            <p:ph idx="1"/>
+          </p:nvPr>
+        </p:nvSpPr>
+        <p:spPr/>
+        <p:txBody>
+          <a:bodyPr/>
+          <a:lstStyle/>
+          <a:p>
+            <a:endParaRPr lang="en-AU"/>
+          </a:p>
+        </p:txBody>
+      </p:sp>
+    </p:spTree>
+    <p:extLst>
+      <p:ext uri="{BB962C8B-B14F-4D97-AF65-F5344CB8AC3E}">
+        <p14:creationId xmlns:p14="http://schemas.microsoft.com/office/powerpoint/2010/main" val="3056886889"/>
+      </p:ext>
+    </p:extLst>
+  </p:cSld>
+  <p:clrMapOvr>
+    <a:masterClrMapping/>
+  </p:clrMapOvr>
+</p:sld>
+</file>
+
+<file path=ppt/slides/slide3.xml><?xml version="1.0" encoding="utf-8"?>
+<p:sld xmlns:a="http://schemas.openxmlformats.org/drawingml/2006/main" xmlns:r="http://schemas.openxmlformats.org/officeDocument/2006/relationships" xmlns:p="http://schemas.openxmlformats.org/presentationml/2006/main">
+  <p:cSld>
+    <p:spTree>
+      <p:nvGrpSpPr>
+        <p:cNvPr id="1" name=""/>
+        <p:cNvGrpSpPr/>
+        <p:nvPr/>
+      </p:nvGrpSpPr>
+      <p:grpSpPr>
+        <a:xfrm>
+          <a:off x="0" y="0"/>
+          <a:ext cx="0" cy="0"/>
+          <a:chOff x="0" y="0"/>
+          <a:chExt cx="0" cy="0"/>
+        </a:xfrm>
+      </p:grpSpPr>
+      <p:sp>
+        <p:nvSpPr>
+          <p:cNvPr id="4" name="TextBox 3">
+            <a:extLst>
+              <a:ext uri="{FF2B5EF4-FFF2-40B4-BE49-F238E27FC236}">
+                <a16:creationId xmlns:a16="http://schemas.microsoft.com/office/drawing/2014/main" id="{22E03997-4B1A-EBA8-434B-F0DB56B1676C}"/>
+              </a:ext>
+            </a:extLst>
+          </p:cNvPr>
+          <p:cNvSpPr txBox="1"/>
+          <p:nvPr/>
+        </p:nvSpPr>
+        <p:spPr>
+          <a:xfrm>
+            <a:off x="164592" y="2066544"/>
+            <a:ext cx="6080760" cy="3785652"/>
+          </a:xfrm>
+          <a:prstGeom prst="rect">
+            <a:avLst/>
+          </a:prstGeom>
+          <a:noFill/>
+        </p:spPr>
+        <p:txBody>
+          <a:bodyPr wrap="square" rtlCol="0">
+            <a:spAutoFit/>
+          </a:bodyPr>
+          <a:lstStyle/>
+          <a:p>
+            <a:pPr marL="342900" indent="-342900">
+              <a:buFont typeface="Arial" panose="020B0604020202020204" pitchFamily="34" charset="0"/>
+              <a:buChar char="•"/>
+            </a:pPr>
+            <a:r>
+              <a:rPr lang="en-AU" sz="2000" b="1" dirty="0"/>
+              <a:t>Reproducibility</a:t>
+            </a:r>
+            <a:r>
+              <a:rPr lang="en-AU" sz="2000" dirty="0"/>
+              <a:t>: Ensures analyses can be reliably repeated and verified.</a:t>
+            </a:r>
+          </a:p>
+          <a:p>
+            <a:pPr marL="342900" indent="-342900">
+              <a:buFont typeface="Arial" panose="020B0604020202020204" pitchFamily="34" charset="0"/>
+              <a:buChar char="•"/>
+            </a:pPr>
+            <a:endParaRPr lang="en-AU" sz="2000" b="1" dirty="0"/>
+          </a:p>
+          <a:p>
+            <a:pPr marL="342900" indent="-342900">
+              <a:buFont typeface="Arial" panose="020B0604020202020204" pitchFamily="34" charset="0"/>
+              <a:buChar char="•"/>
+            </a:pPr>
+            <a:r>
+              <a:rPr lang="en-AU" sz="2000" b="1" dirty="0"/>
+              <a:t>Portability</a:t>
+            </a:r>
+            <a:r>
+              <a:rPr lang="en-AU" sz="2000" dirty="0"/>
+              <a:t>: Facilitates seamless collaboration and transition across different systems.</a:t>
+            </a:r>
+          </a:p>
+          <a:p>
+            <a:pPr marL="342900" indent="-342900">
+              <a:buFont typeface="Arial" panose="020B0604020202020204" pitchFamily="34" charset="0"/>
+              <a:buChar char="•"/>
+            </a:pPr>
+            <a:endParaRPr lang="en-AU" sz="2000" b="1" dirty="0"/>
+          </a:p>
+          <a:p>
+            <a:pPr marL="342900" indent="-342900">
+              <a:buFont typeface="Arial" panose="020B0604020202020204" pitchFamily="34" charset="0"/>
+              <a:buChar char="•"/>
+            </a:pPr>
+            <a:r>
+              <a:rPr lang="en-AU" sz="2000" b="1" dirty="0"/>
+              <a:t>Clarity</a:t>
+            </a:r>
+            <a:r>
+              <a:rPr lang="en-AU" sz="2000" dirty="0"/>
+              <a:t>: Maintains a clean separation between raw data, scripts, and outputs.</a:t>
+            </a:r>
+          </a:p>
+          <a:p>
+            <a:pPr marL="342900" indent="-342900">
+              <a:buFont typeface="Arial" panose="020B0604020202020204" pitchFamily="34" charset="0"/>
+              <a:buChar char="•"/>
+            </a:pPr>
+            <a:endParaRPr lang="en-AU" sz="2000" b="1" dirty="0"/>
+          </a:p>
+          <a:p>
+            <a:pPr marL="342900" indent="-342900">
+              <a:buFont typeface="Arial" panose="020B0604020202020204" pitchFamily="34" charset="0"/>
+              <a:buChar char="•"/>
+            </a:pPr>
+            <a:r>
+              <a:rPr lang="en-AU" sz="2000" b="1" dirty="0"/>
+              <a:t>Efficiency</a:t>
+            </a:r>
+            <a:r>
+              <a:rPr lang="en-AU" sz="2000" dirty="0"/>
+              <a:t>: Simplifies navigation and reduces errors in file handling.</a:t>
+            </a:r>
+          </a:p>
+          <a:p>
+            <a:endParaRPr lang="en-AU" sz="2000" dirty="0"/>
+          </a:p>
+        </p:txBody>
+      </p:sp>
+      <p:sp>
+        <p:nvSpPr>
+          <p:cNvPr id="1044" name="TextBox 1043">
+            <a:extLst>
+              <a:ext uri="{FF2B5EF4-FFF2-40B4-BE49-F238E27FC236}">
+                <a16:creationId xmlns:a16="http://schemas.microsoft.com/office/drawing/2014/main" id="{88A6783C-0B9A-F703-8B25-026768011BD7}"/>
+              </a:ext>
+            </a:extLst>
+          </p:cNvPr>
+          <p:cNvSpPr txBox="1"/>
+          <p:nvPr/>
+        </p:nvSpPr>
+        <p:spPr>
+          <a:xfrm>
+            <a:off x="8449849" y="945931"/>
+            <a:ext cx="2993320" cy="492443"/>
+          </a:xfrm>
+          <a:prstGeom prst="rect">
+            <a:avLst/>
+          </a:prstGeom>
+          <a:noFill/>
+        </p:spPr>
+        <p:txBody>
+          <a:bodyPr wrap="none" rtlCol="0">
+            <a:spAutoFit/>
+          </a:bodyPr>
+          <a:lstStyle/>
+          <a:p>
+            <a:r>
+              <a:rPr lang="en-AU" sz="2600" b="1" dirty="0"/>
+              <a:t>Your Project Name</a:t>
+            </a:r>
+          </a:p>
+        </p:txBody>
+      </p:sp>
+      <p:sp>
+        <p:nvSpPr>
+          <p:cNvPr id="1045" name="TextBox 1044">
+            <a:extLst>
+              <a:ext uri="{FF2B5EF4-FFF2-40B4-BE49-F238E27FC236}">
+                <a16:creationId xmlns:a16="http://schemas.microsoft.com/office/drawing/2014/main" id="{0B9101F5-8A75-C332-7BE1-2A43F93581A4}"/>
+              </a:ext>
+            </a:extLst>
+          </p:cNvPr>
+          <p:cNvSpPr txBox="1"/>
+          <p:nvPr/>
+        </p:nvSpPr>
+        <p:spPr>
+          <a:xfrm>
+            <a:off x="9384826" y="2422635"/>
+            <a:ext cx="792268" cy="430887"/>
+          </a:xfrm>
+          <a:prstGeom prst="rect">
+            <a:avLst/>
+          </a:prstGeom>
+          <a:noFill/>
+        </p:spPr>
+        <p:txBody>
+          <a:bodyPr wrap="none" rtlCol="0">
+            <a:spAutoFit/>
+          </a:bodyPr>
+          <a:lstStyle/>
+          <a:p>
+            <a:r>
+              <a:rPr lang="en-AU" sz="2200" b="1" dirty="0"/>
+              <a:t>Data</a:t>
+            </a:r>
+          </a:p>
+        </p:txBody>
+      </p:sp>
+      <p:sp>
+        <p:nvSpPr>
+          <p:cNvPr id="1046" name="TextBox 1045">
+            <a:extLst>
+              <a:ext uri="{FF2B5EF4-FFF2-40B4-BE49-F238E27FC236}">
+                <a16:creationId xmlns:a16="http://schemas.microsoft.com/office/drawing/2014/main" id="{B04705D6-6E2D-24CF-7C57-B63F20B591CD}"/>
+              </a:ext>
+            </a:extLst>
+          </p:cNvPr>
+          <p:cNvSpPr txBox="1"/>
+          <p:nvPr/>
+        </p:nvSpPr>
+        <p:spPr>
+          <a:xfrm>
+            <a:off x="9400592" y="3237186"/>
+            <a:ext cx="954107" cy="430887"/>
+          </a:xfrm>
+          <a:prstGeom prst="rect">
+            <a:avLst/>
+          </a:prstGeom>
+          <a:noFill/>
+        </p:spPr>
+        <p:txBody>
+          <a:bodyPr wrap="none" rtlCol="0">
+            <a:spAutoFit/>
+          </a:bodyPr>
+          <a:lstStyle/>
+          <a:p>
+            <a:r>
+              <a:rPr lang="en-AU" sz="2200" b="1" dirty="0"/>
+              <a:t>Script</a:t>
+            </a:r>
+          </a:p>
+        </p:txBody>
+      </p:sp>
+      <p:sp>
+        <p:nvSpPr>
+          <p:cNvPr id="1047" name="TextBox 1046">
+            <a:extLst>
+              <a:ext uri="{FF2B5EF4-FFF2-40B4-BE49-F238E27FC236}">
+                <a16:creationId xmlns:a16="http://schemas.microsoft.com/office/drawing/2014/main" id="{C84B326D-7F4A-0724-C9D8-476D6BBFF00B}"/>
+              </a:ext>
+            </a:extLst>
+          </p:cNvPr>
+          <p:cNvSpPr txBox="1"/>
+          <p:nvPr/>
+        </p:nvSpPr>
+        <p:spPr>
+          <a:xfrm>
+            <a:off x="9442633" y="5160579"/>
+            <a:ext cx="1087157" cy="430887"/>
+          </a:xfrm>
+          <a:prstGeom prst="rect">
+            <a:avLst/>
+          </a:prstGeom>
+          <a:noFill/>
+        </p:spPr>
+        <p:txBody>
+          <a:bodyPr wrap="none" rtlCol="0">
+            <a:spAutoFit/>
+          </a:bodyPr>
+          <a:lstStyle/>
+          <a:p>
+            <a:r>
+              <a:rPr lang="en-AU" sz="2200" b="1" dirty="0"/>
+              <a:t>Output</a:t>
+            </a:r>
+          </a:p>
+        </p:txBody>
+      </p:sp>
+      <p:sp>
+        <p:nvSpPr>
+          <p:cNvPr id="1048" name="TextBox 1047">
+            <a:extLst>
+              <a:ext uri="{FF2B5EF4-FFF2-40B4-BE49-F238E27FC236}">
+                <a16:creationId xmlns:a16="http://schemas.microsoft.com/office/drawing/2014/main" id="{D7F15107-6EB0-4417-ABD8-409720334B71}"/>
+              </a:ext>
+            </a:extLst>
+          </p:cNvPr>
+          <p:cNvSpPr txBox="1"/>
+          <p:nvPr/>
+        </p:nvSpPr>
+        <p:spPr>
+          <a:xfrm>
+            <a:off x="10189309" y="4563384"/>
+            <a:ext cx="1256754" cy="369332"/>
+          </a:xfrm>
+          <a:prstGeom prst="rect">
+            <a:avLst/>
+          </a:prstGeom>
+          <a:noFill/>
+        </p:spPr>
+        <p:txBody>
+          <a:bodyPr wrap="none" rtlCol="0">
+            <a:spAutoFit/>
+          </a:bodyPr>
+          <a:lstStyle/>
+          <a:p>
+            <a:r>
+              <a:rPr lang="en-AU" b="1" dirty="0"/>
+              <a:t>Analysis B</a:t>
+            </a:r>
+          </a:p>
+        </p:txBody>
+      </p:sp>
+      <p:cxnSp>
+        <p:nvCxnSpPr>
+          <p:cNvPr id="1049" name="Straight Connector 1048">
+            <a:extLst>
+              <a:ext uri="{FF2B5EF4-FFF2-40B4-BE49-F238E27FC236}">
+                <a16:creationId xmlns:a16="http://schemas.microsoft.com/office/drawing/2014/main" id="{9B826961-8FE1-DC37-7CF8-461C49C2122A}"/>
+              </a:ext>
+            </a:extLst>
+          </p:cNvPr>
+          <p:cNvCxnSpPr>
+            <a:cxnSpLocks/>
+          </p:cNvCxnSpPr>
+          <p:nvPr/>
+        </p:nvCxnSpPr>
+        <p:spPr>
+          <a:xfrm>
+            <a:off x="7913821" y="1397876"/>
+            <a:ext cx="0" cy="4035972"/>
+          </a:xfrm>
+          <a:prstGeom prst="line">
+            <a:avLst/>
+          </a:prstGeom>
+          <a:ln w="111125">
+            <a:solidFill>
+              <a:schemeClr val="bg1">
+                <a:lumMod val="50000"/>
+              </a:schemeClr>
+            </a:solidFill>
+          </a:ln>
+        </p:spPr>
+        <p:style>
+          <a:lnRef idx="2">
+            <a:schemeClr val="accent1"/>
+          </a:lnRef>
+          <a:fillRef idx="0">
+            <a:schemeClr val="accent1"/>
+          </a:fillRef>
+          <a:effectRef idx="1">
+            <a:schemeClr val="accent1"/>
+          </a:effectRef>
+          <a:fontRef idx="minor">
+            <a:schemeClr val="tx1"/>
+          </a:fontRef>
+        </p:style>
+      </p:cxnSp>
+      <p:pic>
+        <p:nvPicPr>
+          <p:cNvPr id="1050" name="Graphic 1049" descr="Open folder with solid fill">
+            <a:extLst>
+              <a:ext uri="{FF2B5EF4-FFF2-40B4-BE49-F238E27FC236}">
+                <a16:creationId xmlns:a16="http://schemas.microsoft.com/office/drawing/2014/main" id="{31DE8D0D-CB7B-DEE5-F914-5DB954A181A4}"/>
+              </a:ext>
+            </a:extLst>
+          </p:cNvPr>
+          <p:cNvPicPr>
+            <a:picLocks noChangeAspect="1"/>
+          </p:cNvPicPr>
+          <p:nvPr/>
+        </p:nvPicPr>
+        <p:blipFill>
+          <a:blip r:embed="rId3">
+            <a:extLst>
+              <a:ext uri="{96DAC541-7B7A-43D3-8B79-37D633B846F1}">
+                <asvg:svgBlip xmlns:asvg="http://schemas.microsoft.com/office/drawing/2016/SVG/main" r:embed="rId4"/>
+              </a:ext>
+            </a:extLst>
+          </a:blip>
+          <a:stretch>
+            <a:fillRect/>
+          </a:stretch>
+        </p:blipFill>
+        <p:spPr>
+          <a:xfrm>
+            <a:off x="7488153" y="701566"/>
+            <a:ext cx="914400" cy="914400"/>
+          </a:xfrm>
+          <a:prstGeom prst="rect">
+            <a:avLst/>
+          </a:prstGeom>
+        </p:spPr>
+      </p:pic>
+      <p:cxnSp>
+        <p:nvCxnSpPr>
+          <p:cNvPr id="1051" name="Straight Connector 1050">
+            <a:extLst>
+              <a:ext uri="{FF2B5EF4-FFF2-40B4-BE49-F238E27FC236}">
+                <a16:creationId xmlns:a16="http://schemas.microsoft.com/office/drawing/2014/main" id="{B1E42C8F-90C9-CA32-EAE2-B11678FC5B68}"/>
+              </a:ext>
+            </a:extLst>
+          </p:cNvPr>
+          <p:cNvCxnSpPr>
+            <a:cxnSpLocks/>
+          </p:cNvCxnSpPr>
+          <p:nvPr/>
+        </p:nvCxnSpPr>
+        <p:spPr>
+          <a:xfrm flipH="1">
+            <a:off x="7861917" y="5381712"/>
+            <a:ext cx="1098331" cy="0"/>
+          </a:xfrm>
+          <a:prstGeom prst="line">
+            <a:avLst/>
+          </a:prstGeom>
+          <a:ln w="111125">
+            <a:solidFill>
+              <a:schemeClr val="bg1">
+                <a:lumMod val="50000"/>
+              </a:schemeClr>
+            </a:solidFill>
+          </a:ln>
+        </p:spPr>
+        <p:style>
+          <a:lnRef idx="2">
+            <a:schemeClr val="accent1"/>
+          </a:lnRef>
+          <a:fillRef idx="0">
+            <a:schemeClr val="accent1"/>
+          </a:fillRef>
+          <a:effectRef idx="1">
+            <a:schemeClr val="accent1"/>
+          </a:effectRef>
+          <a:fontRef idx="minor">
+            <a:schemeClr val="tx1"/>
+          </a:fontRef>
+        </p:style>
+      </p:cxnSp>
+      <p:cxnSp>
+        <p:nvCxnSpPr>
+          <p:cNvPr id="1052" name="Straight Connector 1051">
+            <a:extLst>
+              <a:ext uri="{FF2B5EF4-FFF2-40B4-BE49-F238E27FC236}">
+                <a16:creationId xmlns:a16="http://schemas.microsoft.com/office/drawing/2014/main" id="{65B8B1D6-DF30-5777-A325-F192CD48DCF4}"/>
+              </a:ext>
+            </a:extLst>
+          </p:cNvPr>
+          <p:cNvCxnSpPr>
+            <a:cxnSpLocks/>
+          </p:cNvCxnSpPr>
+          <p:nvPr/>
+        </p:nvCxnSpPr>
+        <p:spPr>
+          <a:xfrm flipH="1">
+            <a:off x="7861917" y="3413652"/>
+            <a:ext cx="1098331" cy="0"/>
+          </a:xfrm>
+          <a:prstGeom prst="line">
+            <a:avLst/>
+          </a:prstGeom>
+          <a:ln w="111125">
+            <a:solidFill>
+              <a:schemeClr val="bg1">
+                <a:lumMod val="50000"/>
+              </a:schemeClr>
+            </a:solidFill>
+          </a:ln>
+        </p:spPr>
+        <p:style>
+          <a:lnRef idx="2">
+            <a:schemeClr val="accent1"/>
+          </a:lnRef>
+          <a:fillRef idx="0">
+            <a:schemeClr val="accent1"/>
+          </a:fillRef>
+          <a:effectRef idx="1">
+            <a:schemeClr val="accent1"/>
+          </a:effectRef>
+          <a:fontRef idx="minor">
+            <a:schemeClr val="tx1"/>
+          </a:fontRef>
+        </p:style>
+      </p:cxnSp>
+      <p:cxnSp>
+        <p:nvCxnSpPr>
+          <p:cNvPr id="1053" name="Straight Connector 1052">
+            <a:extLst>
+              <a:ext uri="{FF2B5EF4-FFF2-40B4-BE49-F238E27FC236}">
+                <a16:creationId xmlns:a16="http://schemas.microsoft.com/office/drawing/2014/main" id="{2ED465DE-4D38-0BE8-BD08-E096E4895A55}"/>
+              </a:ext>
+            </a:extLst>
+          </p:cNvPr>
+          <p:cNvCxnSpPr>
+            <a:cxnSpLocks/>
+          </p:cNvCxnSpPr>
+          <p:nvPr/>
+        </p:nvCxnSpPr>
+        <p:spPr>
+          <a:xfrm flipH="1">
+            <a:off x="7861917" y="2574494"/>
+            <a:ext cx="1098331" cy="0"/>
+          </a:xfrm>
+          <a:prstGeom prst="line">
+            <a:avLst/>
+          </a:prstGeom>
+          <a:ln w="111125">
+            <a:solidFill>
+              <a:schemeClr val="bg1">
+                <a:lumMod val="50000"/>
+              </a:schemeClr>
+            </a:solidFill>
+          </a:ln>
+        </p:spPr>
+        <p:style>
+          <a:lnRef idx="2">
+            <a:schemeClr val="accent1"/>
+          </a:lnRef>
+          <a:fillRef idx="0">
+            <a:schemeClr val="accent1"/>
+          </a:fillRef>
+          <a:effectRef idx="1">
+            <a:schemeClr val="accent1"/>
+          </a:effectRef>
+          <a:fontRef idx="minor">
+            <a:schemeClr val="tx1"/>
+          </a:fontRef>
+        </p:style>
+      </p:cxnSp>
+      <p:cxnSp>
+        <p:nvCxnSpPr>
+          <p:cNvPr id="1054" name="Straight Connector 1053">
+            <a:extLst>
+              <a:ext uri="{FF2B5EF4-FFF2-40B4-BE49-F238E27FC236}">
+                <a16:creationId xmlns:a16="http://schemas.microsoft.com/office/drawing/2014/main" id="{500CA41F-53CF-E6D1-498D-5D33C64C52BD}"/>
+              </a:ext>
+            </a:extLst>
+          </p:cNvPr>
+          <p:cNvCxnSpPr>
+            <a:cxnSpLocks/>
+          </p:cNvCxnSpPr>
+          <p:nvPr/>
+        </p:nvCxnSpPr>
+        <p:spPr>
+          <a:xfrm flipH="1">
+            <a:off x="7861917" y="1883829"/>
+            <a:ext cx="1098331" cy="0"/>
+          </a:xfrm>
+          <a:prstGeom prst="line">
+            <a:avLst/>
+          </a:prstGeom>
+          <a:ln w="111125">
+            <a:solidFill>
+              <a:schemeClr val="bg1">
+                <a:lumMod val="50000"/>
+              </a:schemeClr>
+            </a:solidFill>
+          </a:ln>
+        </p:spPr>
+        <p:style>
+          <a:lnRef idx="2">
+            <a:schemeClr val="accent1"/>
+          </a:lnRef>
+          <a:fillRef idx="0">
+            <a:schemeClr val="accent1"/>
+          </a:fillRef>
+          <a:effectRef idx="1">
+            <a:schemeClr val="accent1"/>
+          </a:effectRef>
+          <a:fontRef idx="minor">
+            <a:schemeClr val="tx1"/>
+          </a:fontRef>
+        </p:style>
+      </p:cxnSp>
+      <p:pic>
+        <p:nvPicPr>
+          <p:cNvPr id="1055" name="Graphic 1054" descr="Open folder with solid fill">
+            <a:extLst>
+              <a:ext uri="{FF2B5EF4-FFF2-40B4-BE49-F238E27FC236}">
+                <a16:creationId xmlns:a16="http://schemas.microsoft.com/office/drawing/2014/main" id="{46DF97A9-5A8A-5E61-39F2-3469CCDF1EB1}"/>
+              </a:ext>
+            </a:extLst>
+          </p:cNvPr>
+          <p:cNvPicPr>
+            <a:picLocks noChangeAspect="1"/>
+          </p:cNvPicPr>
+          <p:nvPr/>
+        </p:nvPicPr>
+        <p:blipFill>
+          <a:blip r:embed="rId3">
+            <a:extLst>
+              <a:ext uri="{96DAC541-7B7A-43D3-8B79-37D633B846F1}">
+                <asvg:svgBlip xmlns:asvg="http://schemas.microsoft.com/office/drawing/2016/SVG/main" r:embed="rId4"/>
+              </a:ext>
+            </a:extLst>
+          </a:blip>
+          <a:stretch>
+            <a:fillRect/>
+          </a:stretch>
+        </p:blipFill>
+        <p:spPr>
+          <a:xfrm>
+            <a:off x="8815797" y="2291969"/>
+            <a:ext cx="687003" cy="687003"/>
+          </a:xfrm>
+          <a:prstGeom prst="rect">
+            <a:avLst/>
+          </a:prstGeom>
+        </p:spPr>
+      </p:pic>
+      <p:pic>
+        <p:nvPicPr>
+          <p:cNvPr id="1056" name="Picture 6" descr="RStudio SVG and transparent PNG icons | TechIcons">
+            <a:extLst>
+              <a:ext uri="{FF2B5EF4-FFF2-40B4-BE49-F238E27FC236}">
+                <a16:creationId xmlns:a16="http://schemas.microsoft.com/office/drawing/2014/main" id="{52D8F3C3-9E17-217B-41E8-941A7E0AA873}"/>
+              </a:ext>
+            </a:extLst>
+          </p:cNvPr>
+          <p:cNvPicPr>
+            <a:picLocks noChangeAspect="1" noChangeArrowheads="1"/>
+          </p:cNvPicPr>
+          <p:nvPr/>
+        </p:nvPicPr>
+        <p:blipFill>
+          <a:blip r:embed="rId5">
+            <a:extLst>
+              <a:ext uri="{28A0092B-C50C-407E-A947-70E740481C1C}">
+                <a14:useLocalDpi xmlns:a14="http://schemas.microsoft.com/office/drawing/2010/main" val="0"/>
+              </a:ext>
+            </a:extLst>
+          </a:blip>
+          <a:srcRect/>
+          <a:stretch>
+            <a:fillRect/>
+          </a:stretch>
+        </p:blipFill>
+        <p:spPr bwMode="auto">
+          <a:xfrm>
+            <a:off x="8780481" y="1541953"/>
+            <a:ext cx="684063" cy="684063"/>
+          </a:xfrm>
+          <a:prstGeom prst="rect">
+            <a:avLst/>
+          </a:prstGeom>
+          <a:noFill/>
+          <a:extLst>
+            <a:ext uri="{909E8E84-426E-40DD-AFC4-6F175D3DCCD1}">
+              <a14:hiddenFill xmlns:a14="http://schemas.microsoft.com/office/drawing/2010/main">
+                <a:solidFill>
+                  <a:srgbClr val="FFFFFF"/>
+                </a:solidFill>
+              </a14:hiddenFill>
+            </a:ext>
+          </a:extLst>
+        </p:spPr>
+      </p:pic>
+      <p:cxnSp>
+        <p:nvCxnSpPr>
+          <p:cNvPr id="1057" name="Straight Connector 1056">
+            <a:extLst>
+              <a:ext uri="{FF2B5EF4-FFF2-40B4-BE49-F238E27FC236}">
+                <a16:creationId xmlns:a16="http://schemas.microsoft.com/office/drawing/2014/main" id="{10B9B908-4F4D-3B99-3D1E-15B84EB5EC20}"/>
+              </a:ext>
+            </a:extLst>
+          </p:cNvPr>
+          <p:cNvCxnSpPr>
+            <a:cxnSpLocks/>
+          </p:cNvCxnSpPr>
+          <p:nvPr/>
+        </p:nvCxnSpPr>
+        <p:spPr>
+          <a:xfrm flipH="1">
+            <a:off x="9096458" y="4732020"/>
+            <a:ext cx="777498" cy="0"/>
+          </a:xfrm>
+          <a:prstGeom prst="line">
+            <a:avLst/>
+          </a:prstGeom>
+          <a:ln w="111125">
+            <a:solidFill>
+              <a:schemeClr val="bg1">
+                <a:lumMod val="50000"/>
+              </a:schemeClr>
+            </a:solidFill>
+          </a:ln>
+        </p:spPr>
+        <p:style>
+          <a:lnRef idx="2">
+            <a:schemeClr val="accent1"/>
+          </a:lnRef>
+          <a:fillRef idx="0">
+            <a:schemeClr val="accent1"/>
+          </a:fillRef>
+          <a:effectRef idx="1">
+            <a:schemeClr val="accent1"/>
+          </a:effectRef>
+          <a:fontRef idx="minor">
+            <a:schemeClr val="tx1"/>
+          </a:fontRef>
+        </p:style>
+      </p:cxnSp>
+      <p:pic>
+        <p:nvPicPr>
+          <p:cNvPr id="1058" name="Picture 6" descr="RStudio SVG and transparent PNG icons | TechIcons">
+            <a:extLst>
+              <a:ext uri="{FF2B5EF4-FFF2-40B4-BE49-F238E27FC236}">
+                <a16:creationId xmlns:a16="http://schemas.microsoft.com/office/drawing/2014/main" id="{6EE8789B-BF7D-B1ED-F436-F40CFBE56D7F}"/>
+              </a:ext>
+            </a:extLst>
+          </p:cNvPr>
+          <p:cNvPicPr>
+            <a:picLocks noChangeAspect="1" noChangeArrowheads="1"/>
+          </p:cNvPicPr>
+          <p:nvPr/>
+        </p:nvPicPr>
+        <p:blipFill>
+          <a:blip r:embed="rId5">
+            <a:extLst>
+              <a:ext uri="{28A0092B-C50C-407E-A947-70E740481C1C}">
+                <a14:useLocalDpi xmlns:a14="http://schemas.microsoft.com/office/drawing/2010/main" val="0"/>
+              </a:ext>
+            </a:extLst>
+          </a:blip>
+          <a:srcRect/>
+          <a:stretch>
+            <a:fillRect/>
+          </a:stretch>
+        </p:blipFill>
+        <p:spPr bwMode="auto">
+          <a:xfrm>
+            <a:off x="9780782" y="4549730"/>
+            <a:ext cx="386135" cy="386135"/>
+          </a:xfrm>
+          <a:prstGeom prst="rect">
+            <a:avLst/>
+          </a:prstGeom>
+          <a:noFill/>
+          <a:extLst>
+            <a:ext uri="{909E8E84-426E-40DD-AFC4-6F175D3DCCD1}">
+              <a14:hiddenFill xmlns:a14="http://schemas.microsoft.com/office/drawing/2010/main">
+                <a:solidFill>
+                  <a:srgbClr val="FFFFFF"/>
+                </a:solidFill>
+              </a14:hiddenFill>
+            </a:ext>
+          </a:extLst>
+        </p:spPr>
+      </p:pic>
+      <p:sp>
+        <p:nvSpPr>
+          <p:cNvPr id="1059" name="TextBox 1058">
+            <a:extLst>
+              <a:ext uri="{FF2B5EF4-FFF2-40B4-BE49-F238E27FC236}">
+                <a16:creationId xmlns:a16="http://schemas.microsoft.com/office/drawing/2014/main" id="{81C5A596-ADD1-2DF0-1575-6A27B21BD562}"/>
+              </a:ext>
+            </a:extLst>
+          </p:cNvPr>
+          <p:cNvSpPr txBox="1"/>
+          <p:nvPr/>
+        </p:nvSpPr>
+        <p:spPr>
+          <a:xfrm>
+            <a:off x="10157779" y="3638475"/>
+            <a:ext cx="1230273" cy="369332"/>
+          </a:xfrm>
+          <a:prstGeom prst="rect">
+            <a:avLst/>
+          </a:prstGeom>
+          <a:noFill/>
+        </p:spPr>
+        <p:txBody>
+          <a:bodyPr wrap="none" rtlCol="0">
+            <a:spAutoFit/>
+          </a:bodyPr>
+          <a:lstStyle/>
+          <a:p>
+            <a:r>
+              <a:rPr lang="en-AU" b="1" dirty="0"/>
+              <a:t>Functions</a:t>
+            </a:r>
+          </a:p>
+        </p:txBody>
+      </p:sp>
+      <p:sp>
+        <p:nvSpPr>
+          <p:cNvPr id="1060" name="TextBox 1059">
+            <a:extLst>
+              <a:ext uri="{FF2B5EF4-FFF2-40B4-BE49-F238E27FC236}">
+                <a16:creationId xmlns:a16="http://schemas.microsoft.com/office/drawing/2014/main" id="{08B882BE-BF21-EDF4-98D3-BE5400C451D0}"/>
+              </a:ext>
+            </a:extLst>
+          </p:cNvPr>
+          <p:cNvSpPr txBox="1"/>
+          <p:nvPr/>
+        </p:nvSpPr>
+        <p:spPr>
+          <a:xfrm>
+            <a:off x="10184054" y="4100930"/>
+            <a:ext cx="1256754" cy="369332"/>
+          </a:xfrm>
+          <a:prstGeom prst="rect">
+            <a:avLst/>
+          </a:prstGeom>
+          <a:noFill/>
+        </p:spPr>
+        <p:txBody>
+          <a:bodyPr wrap="none" rtlCol="0">
+            <a:spAutoFit/>
+          </a:bodyPr>
+          <a:lstStyle/>
+          <a:p>
+            <a:r>
+              <a:rPr lang="en-AU" b="1" dirty="0"/>
+              <a:t>Analysis A</a:t>
+            </a:r>
+          </a:p>
+        </p:txBody>
+      </p:sp>
+      <p:cxnSp>
+        <p:nvCxnSpPr>
+          <p:cNvPr id="1061" name="Straight Connector 1060">
+            <a:extLst>
+              <a:ext uri="{FF2B5EF4-FFF2-40B4-BE49-F238E27FC236}">
+                <a16:creationId xmlns:a16="http://schemas.microsoft.com/office/drawing/2014/main" id="{14A0CA23-92C5-5A20-E331-A2177C9E36CC}"/>
+              </a:ext>
+            </a:extLst>
+          </p:cNvPr>
+          <p:cNvCxnSpPr>
+            <a:cxnSpLocks/>
+          </p:cNvCxnSpPr>
+          <p:nvPr/>
+        </p:nvCxnSpPr>
+        <p:spPr>
+          <a:xfrm>
+            <a:off x="9151102" y="3627049"/>
+            <a:ext cx="0" cy="1130931"/>
+          </a:xfrm>
+          <a:prstGeom prst="line">
+            <a:avLst/>
+          </a:prstGeom>
+          <a:ln w="111125">
+            <a:solidFill>
+              <a:schemeClr val="bg1">
+                <a:lumMod val="50000"/>
+              </a:schemeClr>
+            </a:solidFill>
+          </a:ln>
+        </p:spPr>
+        <p:style>
+          <a:lnRef idx="2">
+            <a:schemeClr val="accent1"/>
+          </a:lnRef>
+          <a:fillRef idx="0">
+            <a:schemeClr val="accent1"/>
+          </a:fillRef>
+          <a:effectRef idx="1">
+            <a:schemeClr val="accent1"/>
+          </a:effectRef>
+          <a:fontRef idx="minor">
+            <a:schemeClr val="tx1"/>
+          </a:fontRef>
+        </p:style>
+      </p:cxnSp>
+      <p:cxnSp>
+        <p:nvCxnSpPr>
+          <p:cNvPr id="1062" name="Straight Connector 1061">
+            <a:extLst>
+              <a:ext uri="{FF2B5EF4-FFF2-40B4-BE49-F238E27FC236}">
+                <a16:creationId xmlns:a16="http://schemas.microsoft.com/office/drawing/2014/main" id="{51905D52-A8AC-00F3-72BC-0C1BB3D70839}"/>
+              </a:ext>
+            </a:extLst>
+          </p:cNvPr>
+          <p:cNvCxnSpPr>
+            <a:cxnSpLocks/>
+          </p:cNvCxnSpPr>
+          <p:nvPr/>
+        </p:nvCxnSpPr>
+        <p:spPr>
+          <a:xfrm flipH="1">
+            <a:off x="9096458" y="4281409"/>
+            <a:ext cx="777498" cy="0"/>
+          </a:xfrm>
+          <a:prstGeom prst="line">
+            <a:avLst/>
+          </a:prstGeom>
+          <a:ln w="111125">
+            <a:solidFill>
+              <a:schemeClr val="bg1">
+                <a:lumMod val="50000"/>
+              </a:schemeClr>
+            </a:solidFill>
+          </a:ln>
+        </p:spPr>
+        <p:style>
+          <a:lnRef idx="2">
+            <a:schemeClr val="accent1"/>
+          </a:lnRef>
+          <a:fillRef idx="0">
+            <a:schemeClr val="accent1"/>
+          </a:fillRef>
+          <a:effectRef idx="1">
+            <a:schemeClr val="accent1"/>
+          </a:effectRef>
+          <a:fontRef idx="minor">
+            <a:schemeClr val="tx1"/>
+          </a:fontRef>
+        </p:style>
+      </p:cxnSp>
+      <p:cxnSp>
+        <p:nvCxnSpPr>
+          <p:cNvPr id="1063" name="Straight Connector 1062">
+            <a:extLst>
+              <a:ext uri="{FF2B5EF4-FFF2-40B4-BE49-F238E27FC236}">
+                <a16:creationId xmlns:a16="http://schemas.microsoft.com/office/drawing/2014/main" id="{42B94871-4B01-C7A7-8422-7F28AA7A7199}"/>
+              </a:ext>
+            </a:extLst>
+          </p:cNvPr>
+          <p:cNvCxnSpPr>
+            <a:cxnSpLocks/>
+            <a:stCxn id="1064" idx="1"/>
+          </p:cNvCxnSpPr>
+          <p:nvPr/>
+        </p:nvCxnSpPr>
+        <p:spPr>
+          <a:xfrm flipH="1" flipV="1">
+            <a:off x="9096458" y="3820914"/>
+            <a:ext cx="684000" cy="2228"/>
+          </a:xfrm>
+          <a:prstGeom prst="line">
+            <a:avLst/>
+          </a:prstGeom>
+          <a:ln w="111125">
+            <a:solidFill>
+              <a:schemeClr val="bg1">
+                <a:lumMod val="50000"/>
+              </a:schemeClr>
+            </a:solidFill>
+          </a:ln>
+        </p:spPr>
+        <p:style>
+          <a:lnRef idx="2">
+            <a:schemeClr val="accent1"/>
+          </a:lnRef>
+          <a:fillRef idx="0">
+            <a:schemeClr val="accent1"/>
+          </a:fillRef>
+          <a:effectRef idx="1">
+            <a:schemeClr val="accent1"/>
+          </a:effectRef>
+          <a:fontRef idx="minor">
+            <a:schemeClr val="tx1"/>
+          </a:fontRef>
+        </p:style>
+      </p:cxnSp>
+      <p:pic>
+        <p:nvPicPr>
+          <p:cNvPr id="1064" name="Graphic 1063" descr="Open folder with solid fill">
+            <a:extLst>
+              <a:ext uri="{FF2B5EF4-FFF2-40B4-BE49-F238E27FC236}">
+                <a16:creationId xmlns:a16="http://schemas.microsoft.com/office/drawing/2014/main" id="{5D73152C-F47E-F6D3-FC38-7BE443EC278C}"/>
+              </a:ext>
+            </a:extLst>
+          </p:cNvPr>
+          <p:cNvPicPr>
+            <a:picLocks noChangeAspect="1"/>
+          </p:cNvPicPr>
+          <p:nvPr/>
+        </p:nvPicPr>
+        <p:blipFill>
+          <a:blip r:embed="rId3">
+            <a:extLst>
+              <a:ext uri="{96DAC541-7B7A-43D3-8B79-37D633B846F1}">
+                <asvg:svgBlip xmlns:asvg="http://schemas.microsoft.com/office/drawing/2016/SVG/main" r:embed="rId4"/>
+              </a:ext>
+            </a:extLst>
+          </a:blip>
+          <a:stretch>
+            <a:fillRect/>
+          </a:stretch>
+        </p:blipFill>
+        <p:spPr>
+          <a:xfrm>
+            <a:off x="9710516" y="3565064"/>
+            <a:ext cx="516155" cy="516155"/>
+          </a:xfrm>
+          <a:prstGeom prst="rect">
+            <a:avLst/>
+          </a:prstGeom>
+        </p:spPr>
+      </p:pic>
+      <p:pic>
+        <p:nvPicPr>
+          <p:cNvPr id="1065" name="Picture 6" descr="RStudio SVG and transparent PNG icons | TechIcons">
+            <a:extLst>
+              <a:ext uri="{FF2B5EF4-FFF2-40B4-BE49-F238E27FC236}">
+                <a16:creationId xmlns:a16="http://schemas.microsoft.com/office/drawing/2014/main" id="{F948D457-0550-42FC-228E-C87EFB812845}"/>
+              </a:ext>
+            </a:extLst>
+          </p:cNvPr>
+          <p:cNvPicPr>
+            <a:picLocks noChangeAspect="1" noChangeArrowheads="1"/>
+          </p:cNvPicPr>
+          <p:nvPr/>
+        </p:nvPicPr>
+        <p:blipFill>
+          <a:blip r:embed="rId5">
+            <a:extLst>
+              <a:ext uri="{28A0092B-C50C-407E-A947-70E740481C1C}">
+                <a14:useLocalDpi xmlns:a14="http://schemas.microsoft.com/office/drawing/2010/main" val="0"/>
+              </a:ext>
+            </a:extLst>
+          </a:blip>
+          <a:srcRect/>
+          <a:stretch>
+            <a:fillRect/>
+          </a:stretch>
+        </p:blipFill>
+        <p:spPr bwMode="auto">
+          <a:xfrm>
+            <a:off x="9765017" y="4082022"/>
+            <a:ext cx="386135" cy="386135"/>
+          </a:xfrm>
+          <a:prstGeom prst="rect">
+            <a:avLst/>
+          </a:prstGeom>
+          <a:noFill/>
+          <a:extLst>
+            <a:ext uri="{909E8E84-426E-40DD-AFC4-6F175D3DCCD1}">
+              <a14:hiddenFill xmlns:a14="http://schemas.microsoft.com/office/drawing/2010/main">
+                <a:solidFill>
+                  <a:srgbClr val="FFFFFF"/>
+                </a:solidFill>
+              </a14:hiddenFill>
+            </a:ext>
+          </a:extLst>
+        </p:spPr>
+      </p:pic>
+      <p:cxnSp>
+        <p:nvCxnSpPr>
+          <p:cNvPr id="1066" name="Straight Connector 1065">
+            <a:extLst>
+              <a:ext uri="{FF2B5EF4-FFF2-40B4-BE49-F238E27FC236}">
+                <a16:creationId xmlns:a16="http://schemas.microsoft.com/office/drawing/2014/main" id="{9616EDF8-1DC3-261A-8415-7753B699DF12}"/>
+              </a:ext>
+            </a:extLst>
+          </p:cNvPr>
+          <p:cNvCxnSpPr>
+            <a:cxnSpLocks/>
+          </p:cNvCxnSpPr>
+          <p:nvPr/>
+        </p:nvCxnSpPr>
+        <p:spPr>
+          <a:xfrm>
+            <a:off x="9146224" y="5532872"/>
+            <a:ext cx="0" cy="707611"/>
+          </a:xfrm>
+          <a:prstGeom prst="line">
+            <a:avLst/>
+          </a:prstGeom>
+          <a:ln w="111125">
+            <a:solidFill>
+              <a:schemeClr val="bg1">
+                <a:lumMod val="50000"/>
+              </a:schemeClr>
+            </a:solidFill>
+          </a:ln>
+        </p:spPr>
+        <p:style>
+          <a:lnRef idx="2">
+            <a:schemeClr val="accent1"/>
+          </a:lnRef>
+          <a:fillRef idx="0">
+            <a:schemeClr val="accent1"/>
+          </a:fillRef>
+          <a:effectRef idx="1">
+            <a:schemeClr val="accent1"/>
+          </a:effectRef>
+          <a:fontRef idx="minor">
+            <a:schemeClr val="tx1"/>
+          </a:fontRef>
+        </p:style>
+      </p:cxnSp>
+      <p:cxnSp>
+        <p:nvCxnSpPr>
+          <p:cNvPr id="1067" name="Straight Connector 1066">
+            <a:extLst>
+              <a:ext uri="{FF2B5EF4-FFF2-40B4-BE49-F238E27FC236}">
+                <a16:creationId xmlns:a16="http://schemas.microsoft.com/office/drawing/2014/main" id="{6B05A336-A575-81D8-4F93-9294C1E7DFED}"/>
+              </a:ext>
+            </a:extLst>
+          </p:cNvPr>
+          <p:cNvCxnSpPr>
+            <a:cxnSpLocks/>
+          </p:cNvCxnSpPr>
+          <p:nvPr/>
+        </p:nvCxnSpPr>
+        <p:spPr>
+          <a:xfrm flipH="1">
+            <a:off x="9097518" y="6187232"/>
+            <a:ext cx="648000" cy="0"/>
+          </a:xfrm>
+          <a:prstGeom prst="line">
+            <a:avLst/>
+          </a:prstGeom>
+          <a:ln w="111125">
+            <a:solidFill>
+              <a:schemeClr val="bg1">
+                <a:lumMod val="50000"/>
+              </a:schemeClr>
+            </a:solidFill>
+          </a:ln>
+        </p:spPr>
+        <p:style>
+          <a:lnRef idx="2">
+            <a:schemeClr val="accent1"/>
+          </a:lnRef>
+          <a:fillRef idx="0">
+            <a:schemeClr val="accent1"/>
+          </a:fillRef>
+          <a:effectRef idx="1">
+            <a:schemeClr val="accent1"/>
+          </a:effectRef>
+          <a:fontRef idx="minor">
+            <a:schemeClr val="tx1"/>
+          </a:fontRef>
+        </p:style>
+      </p:cxnSp>
+      <p:cxnSp>
+        <p:nvCxnSpPr>
+          <p:cNvPr id="1068" name="Straight Connector 1067">
+            <a:extLst>
+              <a:ext uri="{FF2B5EF4-FFF2-40B4-BE49-F238E27FC236}">
+                <a16:creationId xmlns:a16="http://schemas.microsoft.com/office/drawing/2014/main" id="{1AF993DB-E2AA-19FF-D9F0-77667F74EC04}"/>
+              </a:ext>
+            </a:extLst>
+          </p:cNvPr>
+          <p:cNvCxnSpPr>
+            <a:cxnSpLocks/>
+            <a:stCxn id="1071" idx="1"/>
+          </p:cNvCxnSpPr>
+          <p:nvPr/>
+        </p:nvCxnSpPr>
+        <p:spPr>
+          <a:xfrm flipH="1" flipV="1">
+            <a:off x="9097518" y="5726737"/>
+            <a:ext cx="648000" cy="2228"/>
+          </a:xfrm>
+          <a:prstGeom prst="line">
+            <a:avLst/>
+          </a:prstGeom>
+          <a:ln w="111125">
+            <a:solidFill>
+              <a:schemeClr val="bg1">
+                <a:lumMod val="50000"/>
+              </a:schemeClr>
+            </a:solidFill>
+          </a:ln>
+        </p:spPr>
+        <p:style>
+          <a:lnRef idx="2">
+            <a:schemeClr val="accent1"/>
+          </a:lnRef>
+          <a:fillRef idx="0">
+            <a:schemeClr val="accent1"/>
+          </a:fillRef>
+          <a:effectRef idx="1">
+            <a:schemeClr val="accent1"/>
+          </a:effectRef>
+          <a:fontRef idx="minor">
+            <a:schemeClr val="tx1"/>
+          </a:fontRef>
+        </p:style>
+      </p:cxnSp>
+      <p:grpSp>
+        <p:nvGrpSpPr>
+          <p:cNvPr id="1069" name="Group 1068">
+            <a:extLst>
+              <a:ext uri="{FF2B5EF4-FFF2-40B4-BE49-F238E27FC236}">
+                <a16:creationId xmlns:a16="http://schemas.microsoft.com/office/drawing/2014/main" id="{B7600255-54B9-4AFC-73CE-6395B8AD50D9}"/>
+              </a:ext>
+            </a:extLst>
+          </p:cNvPr>
+          <p:cNvGrpSpPr/>
+          <p:nvPr/>
+        </p:nvGrpSpPr>
+        <p:grpSpPr>
+          <a:xfrm>
+            <a:off x="9711576" y="5470887"/>
+            <a:ext cx="1308653" cy="516155"/>
+            <a:chOff x="9302141" y="5470887"/>
+            <a:chExt cx="1308653" cy="516155"/>
+          </a:xfrm>
+        </p:grpSpPr>
+        <p:sp>
+          <p:nvSpPr>
+            <p:cNvPr id="1070" name="TextBox 1069">
+              <a:extLst>
+                <a:ext uri="{FF2B5EF4-FFF2-40B4-BE49-F238E27FC236}">
+                  <a16:creationId xmlns:a16="http://schemas.microsoft.com/office/drawing/2014/main" id="{4E2EDA8D-F4EC-AE12-A85D-02FB147C3C88}"/>
+                </a:ext>
+              </a:extLst>
+            </p:cNvPr>
+            <p:cNvSpPr txBox="1"/>
+            <p:nvPr/>
+          </p:nvSpPr>
+          <p:spPr>
+            <a:xfrm>
+              <a:off x="9749404" y="5544298"/>
+              <a:ext cx="861390" cy="369332"/>
+            </a:xfrm>
+            <a:prstGeom prst="rect">
+              <a:avLst/>
+            </a:prstGeom>
+            <a:noFill/>
+          </p:spPr>
+          <p:txBody>
+            <a:bodyPr wrap="none" rtlCol="0">
+              <a:spAutoFit/>
+            </a:bodyPr>
+            <a:lstStyle/>
+            <a:p>
+              <a:r>
+                <a:rPr lang="en-AU" b="1" dirty="0"/>
+                <a:t>Tables</a:t>
+              </a:r>
+            </a:p>
+          </p:txBody>
+        </p:sp>
+        <p:pic>
+          <p:nvPicPr>
+            <p:cNvPr id="1071" name="Graphic 1070" descr="Open folder with solid fill">
+              <a:extLst>
+                <a:ext uri="{FF2B5EF4-FFF2-40B4-BE49-F238E27FC236}">
+                  <a16:creationId xmlns:a16="http://schemas.microsoft.com/office/drawing/2014/main" id="{19C0E6C9-5237-77ED-AD26-3154FCC721AC}"/>
+                </a:ext>
+              </a:extLst>
+            </p:cNvPr>
+            <p:cNvPicPr>
+              <a:picLocks noChangeAspect="1"/>
+            </p:cNvPicPr>
+            <p:nvPr/>
+          </p:nvPicPr>
+          <p:blipFill>
+            <a:blip r:embed="rId3">
+              <a:extLst>
+                <a:ext uri="{96DAC541-7B7A-43D3-8B79-37D633B846F1}">
+                  <asvg:svgBlip xmlns:asvg="http://schemas.microsoft.com/office/drawing/2016/SVG/main" r:embed="rId4"/>
+                </a:ext>
+              </a:extLst>
+            </a:blip>
+            <a:stretch>
+              <a:fillRect/>
+            </a:stretch>
+          </p:blipFill>
+          <p:spPr>
+            <a:xfrm>
+              <a:off x="9302141" y="5470887"/>
+              <a:ext cx="516155" cy="516155"/>
+            </a:xfrm>
+            <a:prstGeom prst="rect">
+              <a:avLst/>
+            </a:prstGeom>
+          </p:spPr>
+        </p:pic>
+      </p:grpSp>
+      <p:grpSp>
+        <p:nvGrpSpPr>
+          <p:cNvPr id="1072" name="Group 1071">
+            <a:extLst>
+              <a:ext uri="{FF2B5EF4-FFF2-40B4-BE49-F238E27FC236}">
+                <a16:creationId xmlns:a16="http://schemas.microsoft.com/office/drawing/2014/main" id="{DDE58737-1A89-1D08-11F0-2AA9CEDB0434}"/>
+              </a:ext>
+            </a:extLst>
+          </p:cNvPr>
+          <p:cNvGrpSpPr/>
+          <p:nvPr/>
+        </p:nvGrpSpPr>
+        <p:grpSpPr>
+          <a:xfrm>
+            <a:off x="9711576" y="5932047"/>
+            <a:ext cx="1173424" cy="516155"/>
+            <a:chOff x="9418915" y="5890481"/>
+            <a:chExt cx="1173424" cy="516155"/>
+          </a:xfrm>
+        </p:grpSpPr>
+        <p:sp>
+          <p:nvSpPr>
+            <p:cNvPr id="1073" name="TextBox 1072">
+              <a:extLst>
+                <a:ext uri="{FF2B5EF4-FFF2-40B4-BE49-F238E27FC236}">
+                  <a16:creationId xmlns:a16="http://schemas.microsoft.com/office/drawing/2014/main" id="{AE3D3E0A-0538-D473-F31F-E7CE0DBAE6B7}"/>
+                </a:ext>
+              </a:extLst>
+            </p:cNvPr>
+            <p:cNvSpPr txBox="1"/>
+            <p:nvPr/>
+          </p:nvSpPr>
+          <p:spPr>
+            <a:xfrm>
+              <a:off x="9866178" y="5963892"/>
+              <a:ext cx="726161" cy="369332"/>
+            </a:xfrm>
+            <a:prstGeom prst="rect">
+              <a:avLst/>
+            </a:prstGeom>
+            <a:noFill/>
+          </p:spPr>
+          <p:txBody>
+            <a:bodyPr wrap="none" rtlCol="0">
+              <a:spAutoFit/>
+            </a:bodyPr>
+            <a:lstStyle/>
+            <a:p>
+              <a:r>
+                <a:rPr lang="en-AU" b="1" dirty="0"/>
+                <a:t>Plots</a:t>
+              </a:r>
+            </a:p>
+          </p:txBody>
+        </p:sp>
+        <p:pic>
+          <p:nvPicPr>
+            <p:cNvPr id="1074" name="Graphic 1073" descr="Open folder with solid fill">
+              <a:extLst>
+                <a:ext uri="{FF2B5EF4-FFF2-40B4-BE49-F238E27FC236}">
+                  <a16:creationId xmlns:a16="http://schemas.microsoft.com/office/drawing/2014/main" id="{14BA0B18-3FB2-DD3D-3BBE-31B29EFF088A}"/>
+                </a:ext>
+              </a:extLst>
+            </p:cNvPr>
+            <p:cNvPicPr>
+              <a:picLocks noChangeAspect="1"/>
+            </p:cNvPicPr>
+            <p:nvPr/>
+          </p:nvPicPr>
+          <p:blipFill>
+            <a:blip r:embed="rId3">
+              <a:extLst>
+                <a:ext uri="{96DAC541-7B7A-43D3-8B79-37D633B846F1}">
+                  <asvg:svgBlip xmlns:asvg="http://schemas.microsoft.com/office/drawing/2016/SVG/main" r:embed="rId4"/>
+                </a:ext>
+              </a:extLst>
+            </a:blip>
+            <a:stretch>
+              <a:fillRect/>
+            </a:stretch>
+          </p:blipFill>
+          <p:spPr>
+            <a:xfrm>
+              <a:off x="9418915" y="5890481"/>
+              <a:ext cx="516155" cy="516155"/>
+            </a:xfrm>
+            <a:prstGeom prst="rect">
+              <a:avLst/>
+            </a:prstGeom>
+          </p:spPr>
+        </p:pic>
+      </p:grpSp>
+      <p:pic>
+        <p:nvPicPr>
+          <p:cNvPr id="1075" name="Graphic 1074" descr="Open folder with solid fill">
+            <a:extLst>
+              <a:ext uri="{FF2B5EF4-FFF2-40B4-BE49-F238E27FC236}">
+                <a16:creationId xmlns:a16="http://schemas.microsoft.com/office/drawing/2014/main" id="{8C04569B-4B33-8A20-56DA-ED5B9E8451B3}"/>
+              </a:ext>
+            </a:extLst>
+          </p:cNvPr>
+          <p:cNvPicPr>
+            <a:picLocks noChangeAspect="1"/>
+          </p:cNvPicPr>
+          <p:nvPr/>
+        </p:nvPicPr>
+        <p:blipFill>
+          <a:blip r:embed="rId3">
+            <a:extLst>
+              <a:ext uri="{96DAC541-7B7A-43D3-8B79-37D633B846F1}">
+                <asvg:svgBlip xmlns:asvg="http://schemas.microsoft.com/office/drawing/2016/SVG/main" r:embed="rId4"/>
+              </a:ext>
+            </a:extLst>
+          </a:blip>
+          <a:stretch>
+            <a:fillRect/>
+          </a:stretch>
+        </p:blipFill>
+        <p:spPr>
+          <a:xfrm>
+            <a:off x="8873604" y="5029913"/>
+            <a:ext cx="687003" cy="687003"/>
+          </a:xfrm>
+          <a:prstGeom prst="rect">
+            <a:avLst/>
+          </a:prstGeom>
+        </p:spPr>
+      </p:pic>
+      <p:pic>
+        <p:nvPicPr>
+          <p:cNvPr id="1076" name="Graphic 1075" descr="Open folder with solid fill">
+            <a:extLst>
+              <a:ext uri="{FF2B5EF4-FFF2-40B4-BE49-F238E27FC236}">
+                <a16:creationId xmlns:a16="http://schemas.microsoft.com/office/drawing/2014/main" id="{EEA9E22F-5AEE-D80F-F11D-2362196D3EF8}"/>
+              </a:ext>
+            </a:extLst>
+          </p:cNvPr>
+          <p:cNvPicPr>
+            <a:picLocks noChangeAspect="1"/>
+          </p:cNvPicPr>
+          <p:nvPr/>
+        </p:nvPicPr>
+        <p:blipFill>
+          <a:blip r:embed="rId3">
+            <a:extLst>
+              <a:ext uri="{96DAC541-7B7A-43D3-8B79-37D633B846F1}">
+                <asvg:svgBlip xmlns:asvg="http://schemas.microsoft.com/office/drawing/2016/SVG/main" r:embed="rId4"/>
+              </a:ext>
+            </a:extLst>
+          </a:blip>
+          <a:stretch>
+            <a:fillRect/>
+          </a:stretch>
+        </p:blipFill>
+        <p:spPr>
+          <a:xfrm>
+            <a:off x="8831563" y="3106520"/>
+            <a:ext cx="687003" cy="687003"/>
+          </a:xfrm>
+          <a:prstGeom prst="rect">
+            <a:avLst/>
+          </a:prstGeom>
+        </p:spPr>
+      </p:pic>
+      <p:sp>
+        <p:nvSpPr>
+          <p:cNvPr id="1077" name="TextBox 1076">
+            <a:extLst>
+              <a:ext uri="{FF2B5EF4-FFF2-40B4-BE49-F238E27FC236}">
+                <a16:creationId xmlns:a16="http://schemas.microsoft.com/office/drawing/2014/main" id="{1EA639D2-9527-668B-D313-10C3EE19205B}"/>
+              </a:ext>
+            </a:extLst>
+          </p:cNvPr>
+          <p:cNvSpPr txBox="1"/>
+          <p:nvPr/>
+        </p:nvSpPr>
+        <p:spPr>
+          <a:xfrm>
+            <a:off x="7469484" y="252170"/>
+            <a:ext cx="4258410" cy="553998"/>
+          </a:xfrm>
+          <a:prstGeom prst="rect">
+            <a:avLst/>
+          </a:prstGeom>
+          <a:noFill/>
+        </p:spPr>
+        <p:txBody>
+          <a:bodyPr wrap="none" rtlCol="0">
+            <a:spAutoFit/>
+          </a:bodyPr>
+          <a:lstStyle/>
+          <a:p>
+            <a:r>
+              <a:rPr lang="en-AU" sz="3000" b="1" dirty="0"/>
+              <a:t>A basic R project set up</a:t>
+            </a:r>
+          </a:p>
+        </p:txBody>
+      </p:sp>
+      <p:sp>
+        <p:nvSpPr>
+          <p:cNvPr id="1078" name="TextBox 1077">
+            <a:extLst>
+              <a:ext uri="{FF2B5EF4-FFF2-40B4-BE49-F238E27FC236}">
+                <a16:creationId xmlns:a16="http://schemas.microsoft.com/office/drawing/2014/main" id="{023B66D5-F8C5-2DFB-89F2-CE6625ABC685}"/>
+              </a:ext>
+            </a:extLst>
+          </p:cNvPr>
+          <p:cNvSpPr txBox="1"/>
+          <p:nvPr/>
+        </p:nvSpPr>
+        <p:spPr>
+          <a:xfrm>
+            <a:off x="9387101" y="1687930"/>
+            <a:ext cx="2857514" cy="430887"/>
+          </a:xfrm>
+          <a:prstGeom prst="rect">
+            <a:avLst/>
+          </a:prstGeom>
+          <a:noFill/>
+        </p:spPr>
+        <p:txBody>
+          <a:bodyPr wrap="none" rtlCol="0">
+            <a:spAutoFit/>
+          </a:bodyPr>
+          <a:lstStyle/>
+          <a:p>
+            <a:r>
+              <a:rPr lang="en-AU" sz="2200" b="1" dirty="0"/>
+              <a:t>.</a:t>
+            </a:r>
+            <a:r>
+              <a:rPr lang="en-AU" sz="2200" b="1" dirty="0" err="1"/>
+              <a:t>Rproj</a:t>
+            </a:r>
+            <a:r>
+              <a:rPr lang="en-AU" sz="2200" b="1" dirty="0"/>
+              <a:t> (R Project File)</a:t>
+            </a:r>
+          </a:p>
+        </p:txBody>
+      </p:sp>
+      <p:sp>
+        <p:nvSpPr>
+          <p:cNvPr id="1081" name="Title 1">
+            <a:extLst>
+              <a:ext uri="{FF2B5EF4-FFF2-40B4-BE49-F238E27FC236}">
+                <a16:creationId xmlns:a16="http://schemas.microsoft.com/office/drawing/2014/main" id="{056F0444-F6C9-E9E0-3E1C-87EAE185D37C}"/>
+              </a:ext>
+            </a:extLst>
+          </p:cNvPr>
+          <p:cNvSpPr txBox="1">
+            <a:spLocks/>
+          </p:cNvSpPr>
+          <p:nvPr/>
+        </p:nvSpPr>
+        <p:spPr>
+          <a:xfrm>
+            <a:off x="0" y="283239"/>
+            <a:ext cx="10515600" cy="1325563"/>
+          </a:xfrm>
+          <a:prstGeom prst="rect">
+            <a:avLst/>
+          </a:prstGeom>
+        </p:spPr>
+        <p:txBody>
+          <a:bodyPr vert="horz" lIns="91440" tIns="45720" rIns="91440" bIns="45720" rtlCol="0" anchor="ctr">
+            <a:normAutofit/>
+          </a:bodyPr>
+          <a:lstStyle>
+            <a:lvl1pPr algn="l" defTabSz="914400" rtl="0" eaLnBrk="1" latinLnBrk="0" hangingPunct="1">
+              <a:lnSpc>
+                <a:spcPct val="90000"/>
+              </a:lnSpc>
+              <a:spcBef>
+                <a:spcPct val="0"/>
+              </a:spcBef>
+              <a:buNone/>
+              <a:defRPr sz="4400" kern="1200">
+                <a:solidFill>
+                  <a:schemeClr val="tx1"/>
+                </a:solidFill>
+                <a:latin typeface="+mj-lt"/>
+                <a:ea typeface="+mj-ea"/>
+                <a:cs typeface="+mj-cs"/>
+              </a:defRPr>
+            </a:lvl1pPr>
+          </a:lstStyle>
+          <a:p>
+            <a:r>
+              <a:rPr lang="en-AU" dirty="0"/>
+              <a:t>Getting organised : Data</a:t>
+            </a:r>
+          </a:p>
+        </p:txBody>
+      </p:sp>
+    </p:spTree>
+    <p:extLst>
+      <p:ext uri="{BB962C8B-B14F-4D97-AF65-F5344CB8AC3E}">
+        <p14:creationId xmlns:p14="http://schemas.microsoft.com/office/powerpoint/2010/main" val="1320845194"/>
+      </p:ext>
+    </p:extLst>
+  </p:cSld>
+  <p:clrMapOvr>
+    <a:masterClrMapping/>
+  </p:clrMapOvr>
+</p:sld>
+</file>
+
+<file path=ppt/slides/slide4.xml><?xml version="1.0" encoding="utf-8"?>
+<p:sld xmlns:a="http://schemas.openxmlformats.org/drawingml/2006/main" xmlns:r="http://schemas.openxmlformats.org/officeDocument/2006/relationships" xmlns:p="http://schemas.openxmlformats.org/presentationml/2006/main">
+  <p:cSld>
+    <p:spTree>
+      <p:nvGrpSpPr>
+        <p:cNvPr id="1" name="">
+          <a:extLst>
+            <a:ext uri="{FF2B5EF4-FFF2-40B4-BE49-F238E27FC236}">
+              <a16:creationId xmlns:a16="http://schemas.microsoft.com/office/drawing/2014/main" id="{9B0CF3C4-2EFB-657F-C35C-36305E88B753}"/>
+            </a:ext>
+          </a:extLst>
+        </p:cNvPr>
+        <p:cNvGrpSpPr/>
+        <p:nvPr/>
+      </p:nvGrpSpPr>
+      <p:grpSpPr>
+        <a:xfrm>
+          <a:off x="0" y="0"/>
+          <a:ext cx="0" cy="0"/>
+          <a:chOff x="0" y="0"/>
+          <a:chExt cx="0" cy="0"/>
+        </a:xfrm>
+      </p:grpSpPr>
+      <p:sp>
+        <p:nvSpPr>
+          <p:cNvPr id="4" name="TextBox 3">
+            <a:extLst>
+              <a:ext uri="{FF2B5EF4-FFF2-40B4-BE49-F238E27FC236}">
+                <a16:creationId xmlns:a16="http://schemas.microsoft.com/office/drawing/2014/main" id="{2EA88EF4-8D55-7DFB-0AAD-052327B73173}"/>
+              </a:ext>
+            </a:extLst>
+          </p:cNvPr>
+          <p:cNvSpPr txBox="1"/>
+          <p:nvPr/>
+        </p:nvSpPr>
+        <p:spPr>
+          <a:xfrm>
+            <a:off x="164592" y="2066544"/>
+            <a:ext cx="6080760" cy="3477875"/>
+          </a:xfrm>
+          <a:prstGeom prst="rect">
+            <a:avLst/>
+          </a:prstGeom>
+          <a:noFill/>
+        </p:spPr>
+        <p:txBody>
+          <a:bodyPr wrap="square" rtlCol="0">
+            <a:spAutoFit/>
+          </a:bodyPr>
+          <a:lstStyle/>
+          <a:p>
+            <a:r>
+              <a:rPr lang="en-AU" sz="2000" b="1" dirty="0"/>
+              <a:t>Purpose</a:t>
+            </a:r>
+            <a:r>
+              <a:rPr lang="en-AU" sz="2000" dirty="0"/>
+              <a:t>: Store all raw datasets required for analysis.</a:t>
+            </a:r>
+          </a:p>
+          <a:p>
+            <a:endParaRPr lang="en-AU" sz="2000" b="1" dirty="0"/>
+          </a:p>
+          <a:p>
+            <a:r>
+              <a:rPr lang="en-AU" sz="2000" b="1" dirty="0"/>
+              <a:t>Best Practices</a:t>
+            </a:r>
+            <a:r>
+              <a:rPr lang="en-AU" sz="2000" dirty="0"/>
+              <a:t>:</a:t>
+            </a:r>
+          </a:p>
+          <a:p>
+            <a:pPr marL="342900" indent="-342900">
+              <a:buFont typeface="Arial" panose="020B0604020202020204" pitchFamily="34" charset="0"/>
+              <a:buChar char="•"/>
+            </a:pPr>
+            <a:r>
+              <a:rPr lang="en-AU" sz="2000" dirty="0"/>
+              <a:t>Keep original data unaltered to maintain integrity.</a:t>
+            </a:r>
+          </a:p>
+          <a:p>
+            <a:pPr marL="342900" indent="-342900">
+              <a:buFont typeface="Arial" panose="020B0604020202020204" pitchFamily="34" charset="0"/>
+              <a:buChar char="•"/>
+            </a:pPr>
+            <a:r>
+              <a:rPr lang="en-AU" sz="2000" dirty="0"/>
+              <a:t>Use subfolders like Data/Raw/ for original data and Data/Processed/ for cleaned versions.</a:t>
+            </a:r>
+          </a:p>
+          <a:p>
+            <a:pPr marL="342900" indent="-342900">
+              <a:buFont typeface="Arial" panose="020B0604020202020204" pitchFamily="34" charset="0"/>
+              <a:buChar char="•"/>
+            </a:pPr>
+            <a:endParaRPr lang="en-AU" sz="2000" dirty="0"/>
+          </a:p>
+          <a:p>
+            <a:r>
+              <a:rPr lang="en-AU" sz="2000" b="1" dirty="0"/>
+              <a:t>Example:</a:t>
+            </a:r>
+          </a:p>
+          <a:p>
+            <a:r>
+              <a:rPr lang="en-AU" sz="2000" dirty="0" err="1">
+                <a:solidFill>
+                  <a:srgbClr val="FF0000"/>
+                </a:solidFill>
+              </a:rPr>
+              <a:t>read.csv</a:t>
+            </a:r>
+            <a:r>
+              <a:rPr lang="en-AU" sz="2000" dirty="0">
+                <a:solidFill>
+                  <a:srgbClr val="FF0000"/>
+                </a:solidFill>
+              </a:rPr>
+              <a:t>("Data/</a:t>
+            </a:r>
+            <a:r>
+              <a:rPr lang="en-AU" sz="2000" dirty="0" err="1">
+                <a:solidFill>
+                  <a:srgbClr val="FF0000"/>
+                </a:solidFill>
+              </a:rPr>
+              <a:t>dataset.csv</a:t>
+            </a:r>
+            <a:r>
+              <a:rPr lang="en-AU" sz="2000" dirty="0">
+                <a:solidFill>
+                  <a:srgbClr val="FF0000"/>
+                </a:solidFill>
+              </a:rPr>
+              <a:t>")</a:t>
+            </a:r>
+          </a:p>
+          <a:p>
+            <a:endParaRPr lang="en-AU" sz="2000" b="1" dirty="0"/>
+          </a:p>
+          <a:p>
+            <a:endParaRPr lang="en-AU" sz="2000" dirty="0"/>
+          </a:p>
+        </p:txBody>
+      </p:sp>
+      <p:sp>
+        <p:nvSpPr>
+          <p:cNvPr id="47" name="Title 1">
+            <a:extLst>
+              <a:ext uri="{FF2B5EF4-FFF2-40B4-BE49-F238E27FC236}">
+                <a16:creationId xmlns:a16="http://schemas.microsoft.com/office/drawing/2014/main" id="{2A5BB354-D638-29C3-3ED8-407293F80945}"/>
+              </a:ext>
+            </a:extLst>
+          </p:cNvPr>
+          <p:cNvSpPr txBox="1">
+            <a:spLocks/>
+          </p:cNvSpPr>
+          <p:nvPr/>
+        </p:nvSpPr>
+        <p:spPr>
+          <a:xfrm>
+            <a:off x="0" y="283239"/>
+            <a:ext cx="10515600" cy="1325563"/>
+          </a:xfrm>
+          <a:prstGeom prst="rect">
+            <a:avLst/>
+          </a:prstGeom>
+        </p:spPr>
+        <p:txBody>
+          <a:bodyPr vert="horz" lIns="91440" tIns="45720" rIns="91440" bIns="45720" rtlCol="0" anchor="ctr">
+            <a:normAutofit/>
+          </a:bodyPr>
+          <a:lstStyle>
+            <a:lvl1pPr algn="l" defTabSz="914400" rtl="0" eaLnBrk="1" latinLnBrk="0" hangingPunct="1">
+              <a:lnSpc>
+                <a:spcPct val="90000"/>
+              </a:lnSpc>
+              <a:spcBef>
+                <a:spcPct val="0"/>
+              </a:spcBef>
+              <a:buNone/>
+              <a:defRPr sz="4400" kern="1200">
+                <a:solidFill>
+                  <a:schemeClr val="tx1"/>
+                </a:solidFill>
+                <a:latin typeface="+mj-lt"/>
+                <a:ea typeface="+mj-ea"/>
+                <a:cs typeface="+mj-cs"/>
+              </a:defRPr>
+            </a:lvl1pPr>
+          </a:lstStyle>
+          <a:p>
+            <a:r>
+              <a:rPr lang="en-AU" dirty="0"/>
+              <a:t>Now lets get organised : Data</a:t>
+            </a:r>
+          </a:p>
+        </p:txBody>
+      </p:sp>
+      <p:sp>
+        <p:nvSpPr>
+          <p:cNvPr id="51" name="TextBox 50">
+            <a:extLst>
+              <a:ext uri="{FF2B5EF4-FFF2-40B4-BE49-F238E27FC236}">
+                <a16:creationId xmlns:a16="http://schemas.microsoft.com/office/drawing/2014/main" id="{3E282DB1-C780-4D04-F031-CDC36F022BF9}"/>
+              </a:ext>
+            </a:extLst>
+          </p:cNvPr>
+          <p:cNvSpPr txBox="1"/>
+          <p:nvPr/>
+        </p:nvSpPr>
+        <p:spPr>
+          <a:xfrm>
+            <a:off x="7479624" y="252170"/>
+            <a:ext cx="4258410" cy="553998"/>
+          </a:xfrm>
+          <a:prstGeom prst="rect">
+            <a:avLst/>
+          </a:prstGeom>
+          <a:noFill/>
+        </p:spPr>
+        <p:txBody>
+          <a:bodyPr wrap="none" rtlCol="0">
+            <a:spAutoFit/>
+          </a:bodyPr>
+          <a:lstStyle/>
+          <a:p>
+            <a:r>
+              <a:rPr lang="en-AU" sz="3000" b="1" dirty="0"/>
+              <a:t>A basic R project set up</a:t>
+            </a:r>
+          </a:p>
+        </p:txBody>
+      </p:sp>
+      <p:pic>
+        <p:nvPicPr>
+          <p:cNvPr id="52" name="Picture 51">
+            <a:extLst>
+              <a:ext uri="{FF2B5EF4-FFF2-40B4-BE49-F238E27FC236}">
+                <a16:creationId xmlns:a16="http://schemas.microsoft.com/office/drawing/2014/main" id="{C3A6F942-5EF1-6B61-BE2D-F566FB180F79}"/>
+              </a:ext>
+            </a:extLst>
+          </p:cNvPr>
+          <p:cNvPicPr>
+            <a:picLocks noChangeAspect="1"/>
+          </p:cNvPicPr>
+          <p:nvPr/>
+        </p:nvPicPr>
+        <p:blipFill>
+          <a:blip r:embed="rId3">
+            <a:alphaModFix amt="20000"/>
+          </a:blip>
+          <a:stretch>
+            <a:fillRect/>
+          </a:stretch>
+        </p:blipFill>
+        <p:spPr>
+          <a:xfrm>
+            <a:off x="7378700" y="758114"/>
+            <a:ext cx="4813300" cy="5778500"/>
+          </a:xfrm>
+          <a:prstGeom prst="rect">
+            <a:avLst/>
+          </a:prstGeom>
+        </p:spPr>
+      </p:pic>
+      <p:pic>
+        <p:nvPicPr>
+          <p:cNvPr id="53" name="Picture 52">
+            <a:extLst>
+              <a:ext uri="{FF2B5EF4-FFF2-40B4-BE49-F238E27FC236}">
+                <a16:creationId xmlns:a16="http://schemas.microsoft.com/office/drawing/2014/main" id="{6786FCE2-CF81-5693-DFC6-FC31C37815BC}"/>
+              </a:ext>
+            </a:extLst>
+          </p:cNvPr>
+          <p:cNvPicPr>
+            <a:picLocks noChangeAspect="1"/>
+          </p:cNvPicPr>
+          <p:nvPr/>
+        </p:nvPicPr>
+        <p:blipFill>
+          <a:blip r:embed="rId3"/>
+          <a:srcRect t="28212" b="62341"/>
+          <a:stretch/>
+        </p:blipFill>
+        <p:spPr>
+          <a:xfrm>
+            <a:off x="7378700" y="2388358"/>
+            <a:ext cx="4813300" cy="545911"/>
+          </a:xfrm>
+          <a:prstGeom prst="rect">
+            <a:avLst/>
+          </a:prstGeom>
+        </p:spPr>
+      </p:pic>
+    </p:spTree>
+    <p:extLst>
+      <p:ext uri="{BB962C8B-B14F-4D97-AF65-F5344CB8AC3E}">
+        <p14:creationId xmlns:p14="http://schemas.microsoft.com/office/powerpoint/2010/main" val="4068959706"/>
+      </p:ext>
+    </p:extLst>
+  </p:cSld>
+  <p:clrMapOvr>
+    <a:masterClrMapping/>
+  </p:clrMapOvr>
+</p:sld>
+</file>
+
+<file path=ppt/slides/slide5.xml><?xml version="1.0" encoding="utf-8"?>
+<p:sld xmlns:a="http://schemas.openxmlformats.org/drawingml/2006/main" xmlns:r="http://schemas.openxmlformats.org/officeDocument/2006/relationships" xmlns:p="http://schemas.openxmlformats.org/presentationml/2006/main">
+  <p:cSld>
+    <p:spTree>
+      <p:nvGrpSpPr>
+        <p:cNvPr id="1" name="">
+          <a:extLst>
+            <a:ext uri="{FF2B5EF4-FFF2-40B4-BE49-F238E27FC236}">
+              <a16:creationId xmlns:a16="http://schemas.microsoft.com/office/drawing/2014/main" id="{BE45EF01-A60B-9821-E09B-32E4B428F5B1}"/>
+            </a:ext>
+          </a:extLst>
+        </p:cNvPr>
+        <p:cNvGrpSpPr/>
+        <p:nvPr/>
+      </p:nvGrpSpPr>
+      <p:grpSpPr>
+        <a:xfrm>
+          <a:off x="0" y="0"/>
+          <a:ext cx="0" cy="0"/>
+          <a:chOff x="0" y="0"/>
+          <a:chExt cx="0" cy="0"/>
+        </a:xfrm>
+      </p:grpSpPr>
+      <p:sp>
+        <p:nvSpPr>
+          <p:cNvPr id="4" name="TextBox 3">
+            <a:extLst>
+              <a:ext uri="{FF2B5EF4-FFF2-40B4-BE49-F238E27FC236}">
+                <a16:creationId xmlns:a16="http://schemas.microsoft.com/office/drawing/2014/main" id="{2602F072-7FA2-CAB5-FEE8-A8D7DCF2C871}"/>
+              </a:ext>
+            </a:extLst>
+          </p:cNvPr>
+          <p:cNvSpPr txBox="1"/>
+          <p:nvPr/>
+        </p:nvSpPr>
+        <p:spPr>
+          <a:xfrm>
+            <a:off x="164592" y="2066544"/>
+            <a:ext cx="7050024" cy="3477875"/>
+          </a:xfrm>
+          <a:prstGeom prst="rect">
+            <a:avLst/>
+          </a:prstGeom>
+          <a:noFill/>
+        </p:spPr>
+        <p:txBody>
+          <a:bodyPr wrap="square" rtlCol="0">
+            <a:spAutoFit/>
+          </a:bodyPr>
+          <a:lstStyle/>
+          <a:p>
+            <a:r>
+              <a:rPr lang="en-AU" sz="2000" b="1" dirty="0"/>
+              <a:t>Purpose</a:t>
+            </a:r>
+            <a:r>
+              <a:rPr lang="en-AU" sz="2000" dirty="0"/>
+              <a:t>: Contain all R scripts files for data processing and analysis.</a:t>
+            </a:r>
+          </a:p>
+          <a:p>
+            <a:endParaRPr lang="en-AU" sz="2000" b="1" dirty="0"/>
+          </a:p>
+          <a:p>
+            <a:r>
+              <a:rPr lang="en-AU" sz="2000" b="1" dirty="0"/>
+              <a:t>Best Practices</a:t>
+            </a:r>
+            <a:r>
+              <a:rPr lang="en-AU" sz="2000" dirty="0"/>
+              <a:t>:</a:t>
+            </a:r>
+          </a:p>
+          <a:p>
+            <a:pPr marL="342900" indent="-342900">
+              <a:buFont typeface="Arial" panose="020B0604020202020204" pitchFamily="34" charset="0"/>
+              <a:buChar char="•"/>
+            </a:pPr>
+            <a:r>
+              <a:rPr lang="en-AU" sz="2000" dirty="0"/>
+              <a:t>Organize scripts logically, e.g., Scripts/</a:t>
+            </a:r>
+            <a:r>
+              <a:rPr lang="en-AU" sz="2000" dirty="0" err="1"/>
+              <a:t>Data_Cleaning.R</a:t>
+            </a:r>
+            <a:r>
+              <a:rPr lang="en-AU" sz="2000" dirty="0"/>
+              <a:t>, Scripts/</a:t>
+            </a:r>
+            <a:r>
+              <a:rPr lang="en-AU" sz="2000" dirty="0" err="1"/>
+              <a:t>Analysis.R</a:t>
+            </a:r>
+            <a:r>
+              <a:rPr lang="en-AU" sz="2000" dirty="0"/>
+              <a:t>.</a:t>
+            </a:r>
+          </a:p>
+          <a:p>
+            <a:pPr marL="342900" indent="-342900">
+              <a:buFont typeface="Arial" panose="020B0604020202020204" pitchFamily="34" charset="0"/>
+              <a:buChar char="•"/>
+            </a:pPr>
+            <a:r>
+              <a:rPr lang="en-AU" sz="2000" dirty="0"/>
+              <a:t>Use relative paths to reference data and outputs.</a:t>
+            </a:r>
+          </a:p>
+          <a:p>
+            <a:pPr marL="342900" indent="-342900">
+              <a:buFont typeface="Arial" panose="020B0604020202020204" pitchFamily="34" charset="0"/>
+              <a:buChar char="•"/>
+            </a:pPr>
+            <a:endParaRPr lang="en-AU" sz="2000" dirty="0"/>
+          </a:p>
+          <a:p>
+            <a:r>
+              <a:rPr lang="en-AU" sz="2000" b="1" dirty="0"/>
+              <a:t>Example:</a:t>
+            </a:r>
+          </a:p>
+          <a:p>
+            <a:r>
+              <a:rPr lang="en-AU" sz="2000" dirty="0">
+                <a:solidFill>
+                  <a:srgbClr val="FF0000"/>
+                </a:solidFill>
+              </a:rPr>
+              <a:t>source("Scripts/</a:t>
+            </a:r>
+            <a:r>
+              <a:rPr lang="en-AU" sz="2000" dirty="0" err="1">
+                <a:solidFill>
+                  <a:srgbClr val="FF0000"/>
+                </a:solidFill>
+              </a:rPr>
+              <a:t>Data_Cleaning.R</a:t>
+            </a:r>
+            <a:r>
+              <a:rPr lang="en-AU" sz="2000" dirty="0">
+                <a:solidFill>
+                  <a:srgbClr val="FF0000"/>
+                </a:solidFill>
+              </a:rPr>
+              <a:t>")</a:t>
+            </a:r>
+            <a:endParaRPr lang="en-AU" sz="2000" b="1" dirty="0"/>
+          </a:p>
+          <a:p>
+            <a:endParaRPr lang="en-AU" sz="2000" dirty="0"/>
+          </a:p>
+        </p:txBody>
+      </p:sp>
+      <p:sp>
+        <p:nvSpPr>
+          <p:cNvPr id="8" name="Title 1">
+            <a:extLst>
+              <a:ext uri="{FF2B5EF4-FFF2-40B4-BE49-F238E27FC236}">
+                <a16:creationId xmlns:a16="http://schemas.microsoft.com/office/drawing/2014/main" id="{BC29EAC8-5D7B-91DA-4A8E-52660E0BE1A7}"/>
+              </a:ext>
+            </a:extLst>
+          </p:cNvPr>
+          <p:cNvSpPr txBox="1">
+            <a:spLocks/>
+          </p:cNvSpPr>
+          <p:nvPr/>
+        </p:nvSpPr>
+        <p:spPr>
+          <a:xfrm>
+            <a:off x="0" y="283239"/>
+            <a:ext cx="10515600" cy="1325563"/>
+          </a:xfrm>
+          <a:prstGeom prst="rect">
+            <a:avLst/>
+          </a:prstGeom>
+        </p:spPr>
+        <p:txBody>
+          <a:bodyPr vert="horz" lIns="91440" tIns="45720" rIns="91440" bIns="45720" rtlCol="0" anchor="ctr">
+            <a:normAutofit/>
+          </a:bodyPr>
+          <a:lstStyle>
+            <a:lvl1pPr algn="l" defTabSz="914400" rtl="0" eaLnBrk="1" latinLnBrk="0" hangingPunct="1">
+              <a:lnSpc>
+                <a:spcPct val="90000"/>
+              </a:lnSpc>
+              <a:spcBef>
+                <a:spcPct val="0"/>
+              </a:spcBef>
+              <a:buNone/>
+              <a:defRPr sz="4400" kern="1200">
+                <a:solidFill>
+                  <a:schemeClr val="tx1"/>
+                </a:solidFill>
+                <a:latin typeface="+mj-lt"/>
+                <a:ea typeface="+mj-ea"/>
+                <a:cs typeface="+mj-cs"/>
+              </a:defRPr>
+            </a:lvl1pPr>
+          </a:lstStyle>
+          <a:p>
+            <a:r>
+              <a:rPr lang="en-AU" dirty="0"/>
+              <a:t>Now lets get organised : Script</a:t>
+            </a:r>
+          </a:p>
+        </p:txBody>
+      </p:sp>
+      <p:sp>
+        <p:nvSpPr>
+          <p:cNvPr id="12" name="TextBox 11">
+            <a:extLst>
+              <a:ext uri="{FF2B5EF4-FFF2-40B4-BE49-F238E27FC236}">
+                <a16:creationId xmlns:a16="http://schemas.microsoft.com/office/drawing/2014/main" id="{736CAC0D-EFBE-2CD7-6096-732823AE5AB2}"/>
+              </a:ext>
+            </a:extLst>
+          </p:cNvPr>
+          <p:cNvSpPr txBox="1"/>
+          <p:nvPr/>
+        </p:nvSpPr>
+        <p:spPr>
+          <a:xfrm>
+            <a:off x="7479624" y="252170"/>
+            <a:ext cx="4258410" cy="553998"/>
+          </a:xfrm>
+          <a:prstGeom prst="rect">
+            <a:avLst/>
+          </a:prstGeom>
+          <a:noFill/>
+        </p:spPr>
+        <p:txBody>
+          <a:bodyPr wrap="none" rtlCol="0">
+            <a:spAutoFit/>
+          </a:bodyPr>
+          <a:lstStyle/>
+          <a:p>
+            <a:r>
+              <a:rPr lang="en-AU" sz="3000" b="1" dirty="0"/>
+              <a:t>A basic R project set up</a:t>
+            </a:r>
+          </a:p>
+        </p:txBody>
+      </p:sp>
+      <p:pic>
+        <p:nvPicPr>
+          <p:cNvPr id="13" name="Picture 12">
+            <a:extLst>
+              <a:ext uri="{FF2B5EF4-FFF2-40B4-BE49-F238E27FC236}">
+                <a16:creationId xmlns:a16="http://schemas.microsoft.com/office/drawing/2014/main" id="{A405BE85-B836-CCBD-6B38-4964497A3D31}"/>
+              </a:ext>
+            </a:extLst>
+          </p:cNvPr>
+          <p:cNvPicPr>
+            <a:picLocks noChangeAspect="1"/>
+          </p:cNvPicPr>
+          <p:nvPr/>
+        </p:nvPicPr>
+        <p:blipFill>
+          <a:blip r:embed="rId3">
+            <a:alphaModFix amt="20000"/>
+          </a:blip>
+          <a:stretch>
+            <a:fillRect/>
+          </a:stretch>
+        </p:blipFill>
+        <p:spPr>
+          <a:xfrm>
+            <a:off x="7378700" y="758114"/>
+            <a:ext cx="4813300" cy="5778500"/>
+          </a:xfrm>
+          <a:prstGeom prst="rect">
+            <a:avLst/>
+          </a:prstGeom>
+        </p:spPr>
+      </p:pic>
+      <p:pic>
+        <p:nvPicPr>
+          <p:cNvPr id="14" name="Picture 13">
+            <a:extLst>
+              <a:ext uri="{FF2B5EF4-FFF2-40B4-BE49-F238E27FC236}">
+                <a16:creationId xmlns:a16="http://schemas.microsoft.com/office/drawing/2014/main" id="{FA6DB58B-A414-225D-4620-9D59E06AC162}"/>
+              </a:ext>
+            </a:extLst>
+          </p:cNvPr>
+          <p:cNvPicPr>
+            <a:picLocks noChangeAspect="1"/>
+          </p:cNvPicPr>
+          <p:nvPr/>
+        </p:nvPicPr>
+        <p:blipFill>
+          <a:blip r:embed="rId3"/>
+          <a:srcRect t="43330" b="26438"/>
+          <a:stretch/>
+        </p:blipFill>
+        <p:spPr>
+          <a:xfrm>
+            <a:off x="7378700" y="3261815"/>
+            <a:ext cx="4813300" cy="1746913"/>
+          </a:xfrm>
+          <a:prstGeom prst="rect">
+            <a:avLst/>
+          </a:prstGeom>
+        </p:spPr>
+      </p:pic>
+    </p:spTree>
+    <p:extLst>
+      <p:ext uri="{BB962C8B-B14F-4D97-AF65-F5344CB8AC3E}">
+        <p14:creationId xmlns:p14="http://schemas.microsoft.com/office/powerpoint/2010/main" val="3236717552"/>
+      </p:ext>
+    </p:extLst>
+  </p:cSld>
+  <p:clrMapOvr>
+    <a:masterClrMapping/>
+  </p:clrMapOvr>
+</p:sld>
+</file>
+
+<file path=ppt/slides/slide6.xml><?xml version="1.0" encoding="utf-8"?>
+<p:sld xmlns:a="http://schemas.openxmlformats.org/drawingml/2006/main" xmlns:r="http://schemas.openxmlformats.org/officeDocument/2006/relationships" xmlns:p="http://schemas.openxmlformats.org/presentationml/2006/main">
+  <p:cSld>
+    <p:spTree>
+      <p:nvGrpSpPr>
+        <p:cNvPr id="1" name="">
+          <a:extLst>
+            <a:ext uri="{FF2B5EF4-FFF2-40B4-BE49-F238E27FC236}">
+              <a16:creationId xmlns:a16="http://schemas.microsoft.com/office/drawing/2014/main" id="{2CBCF18C-ACEA-B410-5797-5CCE4FB78DBD}"/>
+            </a:ext>
+          </a:extLst>
+        </p:cNvPr>
+        <p:cNvGrpSpPr/>
+        <p:nvPr/>
+      </p:nvGrpSpPr>
+      <p:grpSpPr>
+        <a:xfrm>
+          <a:off x="0" y="0"/>
+          <a:ext cx="0" cy="0"/>
+          <a:chOff x="0" y="0"/>
+          <a:chExt cx="0" cy="0"/>
+        </a:xfrm>
+      </p:grpSpPr>
+      <p:sp>
+        <p:nvSpPr>
+          <p:cNvPr id="4" name="TextBox 3">
+            <a:extLst>
+              <a:ext uri="{FF2B5EF4-FFF2-40B4-BE49-F238E27FC236}">
+                <a16:creationId xmlns:a16="http://schemas.microsoft.com/office/drawing/2014/main" id="{53A7FE06-A095-43C2-814A-BBF5268B8548}"/>
+              </a:ext>
+            </a:extLst>
+          </p:cNvPr>
+          <p:cNvSpPr txBox="1"/>
+          <p:nvPr/>
+        </p:nvSpPr>
+        <p:spPr>
+          <a:xfrm>
+            <a:off x="164592" y="2066544"/>
+            <a:ext cx="7050024" cy="3785652"/>
+          </a:xfrm>
+          <a:prstGeom prst="rect">
+            <a:avLst/>
+          </a:prstGeom>
+          <a:noFill/>
+        </p:spPr>
+        <p:txBody>
+          <a:bodyPr wrap="square" rtlCol="0">
+            <a:spAutoFit/>
+          </a:bodyPr>
+          <a:lstStyle/>
+          <a:p>
+            <a:r>
+              <a:rPr lang="en-AU" sz="2000" b="1" dirty="0"/>
+              <a:t>Purpose</a:t>
+            </a:r>
+            <a:r>
+              <a:rPr lang="en-AU" sz="2000" dirty="0"/>
+              <a:t>: Store results such as figures, tables, and reports generated from analyses.</a:t>
+            </a:r>
+          </a:p>
+          <a:p>
+            <a:endParaRPr lang="en-AU" sz="2000" b="1" dirty="0"/>
+          </a:p>
+          <a:p>
+            <a:r>
+              <a:rPr lang="en-AU" sz="2000" b="1" dirty="0"/>
+              <a:t>Best Practices</a:t>
+            </a:r>
+            <a:r>
+              <a:rPr lang="en-AU" sz="2000" dirty="0"/>
+              <a:t>:</a:t>
+            </a:r>
+          </a:p>
+          <a:p>
+            <a:pPr marL="342900" indent="-342900">
+              <a:buFont typeface="Arial" panose="020B0604020202020204" pitchFamily="34" charset="0"/>
+              <a:buChar char="•"/>
+            </a:pPr>
+            <a:r>
+              <a:rPr lang="en-AU" sz="2000" dirty="0"/>
+              <a:t>Separate outputs into folders like Outputs/Figures/, Outputs/Tables/</a:t>
+            </a:r>
+          </a:p>
+          <a:p>
+            <a:pPr marL="342900" indent="-342900">
+              <a:buFont typeface="Arial" panose="020B0604020202020204" pitchFamily="34" charset="0"/>
+              <a:buChar char="•"/>
+            </a:pPr>
+            <a:r>
+              <a:rPr lang="en-AU" sz="2000" dirty="0"/>
+              <a:t>Ensure outputs are reproducible by generating them through scripts</a:t>
+            </a:r>
+          </a:p>
+          <a:p>
+            <a:pPr marL="342900" indent="-342900">
+              <a:buFont typeface="Arial" panose="020B0604020202020204" pitchFamily="34" charset="0"/>
+              <a:buChar char="•"/>
+            </a:pPr>
+            <a:endParaRPr lang="en-AU" sz="2000" dirty="0"/>
+          </a:p>
+          <a:p>
+            <a:r>
+              <a:rPr lang="en-AU" sz="2000" b="1" dirty="0"/>
+              <a:t>Example:</a:t>
+            </a:r>
+          </a:p>
+          <a:p>
+            <a:r>
+              <a:rPr lang="en-AU" sz="2000" dirty="0" err="1">
+                <a:solidFill>
+                  <a:srgbClr val="FF0000"/>
+                </a:solidFill>
+              </a:rPr>
+              <a:t>ggsave</a:t>
+            </a:r>
+            <a:r>
+              <a:rPr lang="en-AU" sz="2000" dirty="0">
+                <a:solidFill>
+                  <a:srgbClr val="FF0000"/>
+                </a:solidFill>
+              </a:rPr>
+              <a:t>("Outputs/Figures/</a:t>
+            </a:r>
+            <a:r>
+              <a:rPr lang="en-AU" sz="2000" dirty="0" err="1">
+                <a:solidFill>
+                  <a:srgbClr val="FF0000"/>
+                </a:solidFill>
+              </a:rPr>
+              <a:t>plot.png</a:t>
+            </a:r>
+            <a:r>
+              <a:rPr lang="en-AU" sz="2000" dirty="0">
+                <a:solidFill>
+                  <a:srgbClr val="FF0000"/>
+                </a:solidFill>
+              </a:rPr>
+              <a:t>")</a:t>
+            </a:r>
+          </a:p>
+          <a:p>
+            <a:endParaRPr lang="en-AU" sz="2000" dirty="0"/>
+          </a:p>
+        </p:txBody>
+      </p:sp>
+      <p:sp>
+        <p:nvSpPr>
+          <p:cNvPr id="11" name="Title 1">
+            <a:extLst>
+              <a:ext uri="{FF2B5EF4-FFF2-40B4-BE49-F238E27FC236}">
+                <a16:creationId xmlns:a16="http://schemas.microsoft.com/office/drawing/2014/main" id="{96D36BBE-2795-8840-139E-825C998CADEE}"/>
+              </a:ext>
+            </a:extLst>
+          </p:cNvPr>
+          <p:cNvSpPr txBox="1">
+            <a:spLocks/>
+          </p:cNvSpPr>
+          <p:nvPr/>
+        </p:nvSpPr>
+        <p:spPr>
+          <a:xfrm>
+            <a:off x="0" y="283239"/>
+            <a:ext cx="10515600" cy="1325563"/>
+          </a:xfrm>
+          <a:prstGeom prst="rect">
+            <a:avLst/>
+          </a:prstGeom>
+        </p:spPr>
+        <p:txBody>
+          <a:bodyPr vert="horz" lIns="91440" tIns="45720" rIns="91440" bIns="45720" rtlCol="0" anchor="ctr">
+            <a:normAutofit/>
+          </a:bodyPr>
+          <a:lstStyle>
+            <a:lvl1pPr algn="l" defTabSz="914400" rtl="0" eaLnBrk="1" latinLnBrk="0" hangingPunct="1">
+              <a:lnSpc>
+                <a:spcPct val="90000"/>
+              </a:lnSpc>
+              <a:spcBef>
+                <a:spcPct val="0"/>
+              </a:spcBef>
+              <a:buNone/>
+              <a:defRPr sz="4400" kern="1200">
+                <a:solidFill>
+                  <a:schemeClr val="tx1"/>
+                </a:solidFill>
+                <a:latin typeface="+mj-lt"/>
+                <a:ea typeface="+mj-ea"/>
+                <a:cs typeface="+mj-cs"/>
+              </a:defRPr>
+            </a:lvl1pPr>
+          </a:lstStyle>
+          <a:p>
+            <a:r>
+              <a:rPr lang="en-AU" dirty="0"/>
+              <a:t>Now lets get organised : Output</a:t>
+            </a:r>
+          </a:p>
+        </p:txBody>
+      </p:sp>
+      <p:sp>
+        <p:nvSpPr>
+          <p:cNvPr id="17" name="TextBox 16">
+            <a:extLst>
+              <a:ext uri="{FF2B5EF4-FFF2-40B4-BE49-F238E27FC236}">
+                <a16:creationId xmlns:a16="http://schemas.microsoft.com/office/drawing/2014/main" id="{A1D12883-4BB9-88F6-2474-A3F77D98DE3F}"/>
+              </a:ext>
+            </a:extLst>
+          </p:cNvPr>
+          <p:cNvSpPr txBox="1"/>
+          <p:nvPr/>
+        </p:nvSpPr>
+        <p:spPr>
+          <a:xfrm>
+            <a:off x="7479624" y="252170"/>
+            <a:ext cx="4258410" cy="553998"/>
+          </a:xfrm>
+          <a:prstGeom prst="rect">
+            <a:avLst/>
+          </a:prstGeom>
+          <a:noFill/>
+        </p:spPr>
+        <p:txBody>
+          <a:bodyPr wrap="none" rtlCol="0">
+            <a:spAutoFit/>
+          </a:bodyPr>
+          <a:lstStyle/>
+          <a:p>
+            <a:r>
+              <a:rPr lang="en-AU" sz="3000" b="1" dirty="0"/>
+              <a:t>A basic R project set up</a:t>
+            </a:r>
+          </a:p>
+        </p:txBody>
+      </p:sp>
+      <p:pic>
+        <p:nvPicPr>
+          <p:cNvPr id="18" name="Picture 17">
+            <a:extLst>
+              <a:ext uri="{FF2B5EF4-FFF2-40B4-BE49-F238E27FC236}">
+                <a16:creationId xmlns:a16="http://schemas.microsoft.com/office/drawing/2014/main" id="{56D28880-D4DC-83CE-0C26-C724DA8BB99A}"/>
+              </a:ext>
+            </a:extLst>
+          </p:cNvPr>
+          <p:cNvPicPr>
+            <a:picLocks noChangeAspect="1"/>
+          </p:cNvPicPr>
+          <p:nvPr/>
+        </p:nvPicPr>
+        <p:blipFill>
+          <a:blip r:embed="rId3">
+            <a:alphaModFix amt="20000"/>
+          </a:blip>
+          <a:stretch>
+            <a:fillRect/>
+          </a:stretch>
+        </p:blipFill>
+        <p:spPr>
+          <a:xfrm>
+            <a:off x="7378700" y="758114"/>
+            <a:ext cx="4813300" cy="5778500"/>
+          </a:xfrm>
+          <a:prstGeom prst="rect">
+            <a:avLst/>
+          </a:prstGeom>
+        </p:spPr>
+      </p:pic>
+      <p:pic>
+        <p:nvPicPr>
+          <p:cNvPr id="19" name="Picture 18">
+            <a:extLst>
+              <a:ext uri="{FF2B5EF4-FFF2-40B4-BE49-F238E27FC236}">
+                <a16:creationId xmlns:a16="http://schemas.microsoft.com/office/drawing/2014/main" id="{B3C1A862-7ABE-9B60-02EC-C5592E839310}"/>
+              </a:ext>
+            </a:extLst>
+          </p:cNvPr>
+          <p:cNvPicPr>
+            <a:picLocks noChangeAspect="1"/>
+          </p:cNvPicPr>
+          <p:nvPr/>
+        </p:nvPicPr>
+        <p:blipFill>
+          <a:blip r:embed="rId3"/>
+          <a:srcRect t="76631" b="223"/>
+          <a:stretch/>
+        </p:blipFill>
+        <p:spPr>
+          <a:xfrm>
+            <a:off x="7378700" y="5186149"/>
+            <a:ext cx="4813300" cy="1337480"/>
+          </a:xfrm>
+          <a:prstGeom prst="rect">
+            <a:avLst/>
+          </a:prstGeom>
+        </p:spPr>
+      </p:pic>
+    </p:spTree>
+    <p:extLst>
+      <p:ext uri="{BB962C8B-B14F-4D97-AF65-F5344CB8AC3E}">
+        <p14:creationId xmlns:p14="http://schemas.microsoft.com/office/powerpoint/2010/main" val="3076281415"/>
+      </p:ext>
+    </p:extLst>
+  </p:cSld>
+  <p:clrMapOvr>
+    <a:masterClrMapping/>
+  </p:clrMapOvr>
+</p:sld>
+</file>
+
+<file path=ppt/slides/slide7.xml><?xml version="1.0" encoding="utf-8"?>
+<p:sld xmlns:a="http://schemas.openxmlformats.org/drawingml/2006/main" xmlns:r="http://schemas.openxmlformats.org/officeDocument/2006/relationships" xmlns:p="http://schemas.openxmlformats.org/presentationml/2006/main">
+  <p:cSld>
+    <p:spTree>
+      <p:nvGrpSpPr>
+        <p:cNvPr id="1" name="">
+          <a:extLst>
+            <a:ext uri="{FF2B5EF4-FFF2-40B4-BE49-F238E27FC236}">
+              <a16:creationId xmlns:a16="http://schemas.microsoft.com/office/drawing/2014/main" id="{4874375E-61F6-6134-487F-06469B122E5B}"/>
+            </a:ext>
+          </a:extLst>
+        </p:cNvPr>
+        <p:cNvGrpSpPr/>
+        <p:nvPr/>
+      </p:nvGrpSpPr>
+      <p:grpSpPr>
+        <a:xfrm>
+          <a:off x="0" y="0"/>
+          <a:ext cx="0" cy="0"/>
+          <a:chOff x="0" y="0"/>
+          <a:chExt cx="0" cy="0"/>
+        </a:xfrm>
+      </p:grpSpPr>
+      <p:sp>
+        <p:nvSpPr>
+          <p:cNvPr id="4" name="TextBox 3">
+            <a:extLst>
+              <a:ext uri="{FF2B5EF4-FFF2-40B4-BE49-F238E27FC236}">
+                <a16:creationId xmlns:a16="http://schemas.microsoft.com/office/drawing/2014/main" id="{EE6155F7-ACF0-B9C9-90F4-B177D1E4FCE8}"/>
+              </a:ext>
+            </a:extLst>
+          </p:cNvPr>
+          <p:cNvSpPr txBox="1"/>
+          <p:nvPr/>
+        </p:nvSpPr>
+        <p:spPr>
+          <a:xfrm>
+            <a:off x="164592" y="2066544"/>
+            <a:ext cx="7050024" cy="3785652"/>
+          </a:xfrm>
+          <a:prstGeom prst="rect">
+            <a:avLst/>
+          </a:prstGeom>
+          <a:noFill/>
+        </p:spPr>
+        <p:txBody>
+          <a:bodyPr wrap="square" rtlCol="0">
+            <a:spAutoFit/>
+          </a:bodyPr>
+          <a:lstStyle/>
+          <a:p>
+            <a:r>
+              <a:rPr lang="en-AU" sz="2000" b="1" dirty="0"/>
+              <a:t>Purpose</a:t>
+            </a:r>
+            <a:r>
+              <a:rPr lang="en-AU" sz="2000" dirty="0"/>
+              <a:t>: Define the root of the project, enabling consistent relative paths.</a:t>
+            </a:r>
+          </a:p>
+          <a:p>
+            <a:endParaRPr lang="en-AU" sz="2000" b="1" dirty="0"/>
+          </a:p>
+          <a:p>
+            <a:r>
+              <a:rPr lang="en-AU" sz="2000" b="1" dirty="0"/>
+              <a:t>Benefits</a:t>
+            </a:r>
+            <a:r>
+              <a:rPr lang="en-AU" sz="2000" dirty="0"/>
+              <a:t>:</a:t>
+            </a:r>
+          </a:p>
+          <a:p>
+            <a:pPr marL="342900" indent="-342900">
+              <a:buFont typeface="Arial" panose="020B0604020202020204" pitchFamily="34" charset="0"/>
+              <a:buChar char="•"/>
+            </a:pPr>
+            <a:r>
+              <a:rPr lang="en-AU" sz="2000" dirty="0"/>
+              <a:t>Automatically sets the working directory to the project root.</a:t>
+            </a:r>
+          </a:p>
+          <a:p>
+            <a:pPr marL="342900" indent="-342900">
+              <a:buFont typeface="Arial" panose="020B0604020202020204" pitchFamily="34" charset="0"/>
+              <a:buChar char="•"/>
+            </a:pPr>
+            <a:r>
+              <a:rPr lang="en-AU" sz="2000" dirty="0"/>
+              <a:t>Enhances collaboration by avoiding hard-coded paths.</a:t>
+            </a:r>
+          </a:p>
+          <a:p>
+            <a:endParaRPr lang="en-AU" sz="2000" dirty="0"/>
+          </a:p>
+          <a:p>
+            <a:endParaRPr lang="en-AU" sz="2000" dirty="0"/>
+          </a:p>
+          <a:p>
+            <a:r>
+              <a:rPr lang="en-AU" sz="2000" b="1" dirty="0"/>
+              <a:t>Example:</a:t>
+            </a:r>
+          </a:p>
+          <a:p>
+            <a:pPr marL="342900" indent="-342900">
+              <a:buFont typeface="Arial" panose="020B0604020202020204" pitchFamily="34" charset="0"/>
+              <a:buChar char="•"/>
+            </a:pPr>
+            <a:r>
+              <a:rPr lang="en-AU" sz="2000" dirty="0"/>
+              <a:t>Open the .</a:t>
+            </a:r>
+            <a:r>
+              <a:rPr lang="en-AU" sz="2000" dirty="0" err="1"/>
+              <a:t>Rproj</a:t>
+            </a:r>
+            <a:r>
+              <a:rPr lang="en-AU" sz="2000" dirty="0"/>
+              <a:t> file to start the project session.</a:t>
+            </a:r>
+          </a:p>
+          <a:p>
+            <a:r>
+              <a:rPr lang="en-AU" sz="2000" dirty="0" err="1">
+                <a:solidFill>
+                  <a:srgbClr val="FF0000"/>
+                </a:solidFill>
+              </a:rPr>
+              <a:t>getwd</a:t>
+            </a:r>
+            <a:r>
+              <a:rPr lang="en-AU" sz="2000" dirty="0">
+                <a:solidFill>
+                  <a:srgbClr val="FF0000"/>
+                </a:solidFill>
+              </a:rPr>
+              <a:t>()</a:t>
+            </a:r>
+          </a:p>
+          <a:p>
+            <a:endParaRPr lang="en-AU" sz="2000" dirty="0"/>
+          </a:p>
+        </p:txBody>
+      </p:sp>
+      <p:sp>
+        <p:nvSpPr>
+          <p:cNvPr id="11" name="Title 1">
+            <a:extLst>
+              <a:ext uri="{FF2B5EF4-FFF2-40B4-BE49-F238E27FC236}">
+                <a16:creationId xmlns:a16="http://schemas.microsoft.com/office/drawing/2014/main" id="{61A890B7-B2A5-AA17-7ADA-D9D26ED11E3A}"/>
+              </a:ext>
+            </a:extLst>
+          </p:cNvPr>
+          <p:cNvSpPr txBox="1">
+            <a:spLocks/>
+          </p:cNvSpPr>
+          <p:nvPr/>
+        </p:nvSpPr>
+        <p:spPr>
+          <a:xfrm>
+            <a:off x="0" y="283239"/>
+            <a:ext cx="10515600" cy="1325563"/>
+          </a:xfrm>
+          <a:prstGeom prst="rect">
+            <a:avLst/>
+          </a:prstGeom>
+        </p:spPr>
+        <p:txBody>
+          <a:bodyPr vert="horz" lIns="91440" tIns="45720" rIns="91440" bIns="45720" rtlCol="0" anchor="ctr">
+            <a:normAutofit/>
+          </a:bodyPr>
+          <a:lstStyle>
+            <a:lvl1pPr algn="l" defTabSz="914400" rtl="0" eaLnBrk="1" latinLnBrk="0" hangingPunct="1">
+              <a:lnSpc>
+                <a:spcPct val="90000"/>
+              </a:lnSpc>
+              <a:spcBef>
+                <a:spcPct val="0"/>
+              </a:spcBef>
+              <a:buNone/>
+              <a:defRPr sz="4400" kern="1200">
+                <a:solidFill>
+                  <a:schemeClr val="tx1"/>
+                </a:solidFill>
+                <a:latin typeface="+mj-lt"/>
+                <a:ea typeface="+mj-ea"/>
+                <a:cs typeface="+mj-cs"/>
+              </a:defRPr>
+            </a:lvl1pPr>
+          </a:lstStyle>
+          <a:p>
+            <a:r>
+              <a:rPr lang="en-AU" dirty="0"/>
+              <a:t>Now lets get organised : Project</a:t>
+            </a:r>
+          </a:p>
+        </p:txBody>
+      </p:sp>
+      <p:sp>
+        <p:nvSpPr>
+          <p:cNvPr id="17" name="TextBox 16">
+            <a:extLst>
+              <a:ext uri="{FF2B5EF4-FFF2-40B4-BE49-F238E27FC236}">
+                <a16:creationId xmlns:a16="http://schemas.microsoft.com/office/drawing/2014/main" id="{7F3BC8FD-3D6F-6322-D318-1A597605C952}"/>
+              </a:ext>
+            </a:extLst>
+          </p:cNvPr>
+          <p:cNvSpPr txBox="1"/>
+          <p:nvPr/>
+        </p:nvSpPr>
+        <p:spPr>
+          <a:xfrm>
+            <a:off x="7479624" y="252170"/>
+            <a:ext cx="4258410" cy="553998"/>
+          </a:xfrm>
+          <a:prstGeom prst="rect">
+            <a:avLst/>
+          </a:prstGeom>
+          <a:noFill/>
+        </p:spPr>
+        <p:txBody>
+          <a:bodyPr wrap="none" rtlCol="0">
+            <a:spAutoFit/>
+          </a:bodyPr>
+          <a:lstStyle/>
+          <a:p>
+            <a:r>
+              <a:rPr lang="en-AU" sz="3000" b="1" dirty="0"/>
+              <a:t>A basic R project set up</a:t>
+            </a:r>
+          </a:p>
+        </p:txBody>
+      </p:sp>
+      <p:pic>
+        <p:nvPicPr>
+          <p:cNvPr id="18" name="Picture 17">
+            <a:extLst>
+              <a:ext uri="{FF2B5EF4-FFF2-40B4-BE49-F238E27FC236}">
+                <a16:creationId xmlns:a16="http://schemas.microsoft.com/office/drawing/2014/main" id="{33AAC1E6-EEF9-CEF1-1550-E8AEC6EDEE9E}"/>
+              </a:ext>
+            </a:extLst>
+          </p:cNvPr>
+          <p:cNvPicPr>
+            <a:picLocks noChangeAspect="1"/>
+          </p:cNvPicPr>
+          <p:nvPr/>
+        </p:nvPicPr>
+        <p:blipFill>
+          <a:blip r:embed="rId3">
+            <a:alphaModFix amt="20000"/>
+          </a:blip>
+          <a:stretch>
+            <a:fillRect/>
+          </a:stretch>
+        </p:blipFill>
+        <p:spPr>
+          <a:xfrm>
+            <a:off x="7378700" y="758114"/>
+            <a:ext cx="4813300" cy="5778500"/>
+          </a:xfrm>
+          <a:prstGeom prst="rect">
+            <a:avLst/>
+          </a:prstGeom>
+        </p:spPr>
+      </p:pic>
+      <p:pic>
+        <p:nvPicPr>
+          <p:cNvPr id="19" name="Picture 18">
+            <a:extLst>
+              <a:ext uri="{FF2B5EF4-FFF2-40B4-BE49-F238E27FC236}">
+                <a16:creationId xmlns:a16="http://schemas.microsoft.com/office/drawing/2014/main" id="{34FCE4ED-10F9-DFCC-2BDC-E36674AFB6B6}"/>
+              </a:ext>
+            </a:extLst>
+          </p:cNvPr>
+          <p:cNvPicPr>
+            <a:picLocks noChangeAspect="1"/>
+          </p:cNvPicPr>
+          <p:nvPr/>
+        </p:nvPicPr>
+        <p:blipFill>
+          <a:blip r:embed="rId3"/>
+          <a:srcRect t="12863" b="71785"/>
+          <a:stretch/>
+        </p:blipFill>
+        <p:spPr>
+          <a:xfrm>
+            <a:off x="7378700" y="1501254"/>
+            <a:ext cx="4813300" cy="887104"/>
+          </a:xfrm>
+          <a:prstGeom prst="rect">
+            <a:avLst/>
+          </a:prstGeom>
+        </p:spPr>
+      </p:pic>
+    </p:spTree>
+    <p:extLst>
+      <p:ext uri="{BB962C8B-B14F-4D97-AF65-F5344CB8AC3E}">
+        <p14:creationId xmlns:p14="http://schemas.microsoft.com/office/powerpoint/2010/main" val="967744417"/>
+      </p:ext>
+    </p:extLst>
+  </p:cSld>
+  <p:clrMapOvr>
+    <a:masterClrMapping/>
+  </p:clrMapOvr>
+</p:sld>
+</file>
+
+<file path=ppt/slides/slide8.xml><?xml version="1.0" encoding="utf-8"?>
+<p:sld xmlns:a="http://schemas.openxmlformats.org/drawingml/2006/main" xmlns:r="http://schemas.openxmlformats.org/officeDocument/2006/relationships" xmlns:p="http://schemas.openxmlformats.org/presentationml/2006/main">
+  <p:cSld>
+    <p:spTree>
+      <p:nvGrpSpPr>
+        <p:cNvPr id="1" name=""/>
+        <p:cNvGrpSpPr/>
+        <p:nvPr/>
+      </p:nvGrpSpPr>
+      <p:grpSpPr>
+        <a:xfrm>
+          <a:off x="0" y="0"/>
+          <a:ext cx="0" cy="0"/>
+          <a:chOff x="0" y="0"/>
+          <a:chExt cx="0" cy="0"/>
+        </a:xfrm>
+      </p:grpSpPr>
+      <p:sp>
+        <p:nvSpPr>
           <p:cNvPr id="2" name="Title 1">
             <a:extLst>
               <a:ext uri="{FF2B5EF4-FFF2-40B4-BE49-F238E27FC236}">
@@ -5868,10 +8671,10 @@
       </p:sp>
       <p:sp>
         <p:nvSpPr>
-          <p:cNvPr id="6" name="TextBox 5">
-            <a:extLst>
-              <a:ext uri="{FF2B5EF4-FFF2-40B4-BE49-F238E27FC236}">
-                <a16:creationId xmlns:a16="http://schemas.microsoft.com/office/drawing/2014/main" id="{28C5FA63-156B-4E6A-32E1-EA1D7F222CFA}"/>
+          <p:cNvPr id="7" name="TextBox 6">
+            <a:extLst>
+              <a:ext uri="{FF2B5EF4-FFF2-40B4-BE49-F238E27FC236}">
+                <a16:creationId xmlns:a16="http://schemas.microsoft.com/office/drawing/2014/main" id="{A27ED4DD-06C6-086B-ECB2-74C6EF2D8806}"/>
               </a:ext>
             </a:extLst>
           </p:cNvPr>
@@ -5880,8 +8683,8 @@
         </p:nvSpPr>
         <p:spPr>
           <a:xfrm>
-            <a:off x="9320694" y="3787602"/>
-            <a:ext cx="954107" cy="430887"/>
+            <a:off x="9336102" y="4731798"/>
+            <a:ext cx="1087157" cy="430887"/>
           </a:xfrm>
           <a:prstGeom prst="rect">
             <a:avLst/>
@@ -5889,86 +8692,51 @@
           <a:noFill/>
         </p:spPr>
         <p:txBody>
+          <a:bodyPr wrap="square" rtlCol="0">
+            <a:spAutoFit/>
+          </a:bodyPr>
+          <a:lstStyle/>
+          <a:p>
+            <a:r>
+              <a:rPr lang="en-AU" sz="2200" b="1" dirty="0"/>
+              <a:t>Output</a:t>
+            </a:r>
+          </a:p>
+        </p:txBody>
+      </p:sp>
+      <p:sp>
+        <p:nvSpPr>
+          <p:cNvPr id="8" name="TextBox 7">
+            <a:extLst>
+              <a:ext uri="{FF2B5EF4-FFF2-40B4-BE49-F238E27FC236}">
+                <a16:creationId xmlns:a16="http://schemas.microsoft.com/office/drawing/2014/main" id="{9B7B80D9-DFC7-DF4A-43CB-6DD95A1497EB}"/>
+              </a:ext>
+            </a:extLst>
+          </p:cNvPr>
+          <p:cNvSpPr txBox="1"/>
+          <p:nvPr/>
+        </p:nvSpPr>
+        <p:spPr>
+          <a:xfrm>
+            <a:off x="9492552" y="3779364"/>
+            <a:ext cx="2307427" cy="430887"/>
+          </a:xfrm>
+          <a:prstGeom prst="rect">
+            <a:avLst/>
+          </a:prstGeom>
+          <a:noFill/>
+        </p:spPr>
+        <p:txBody>
           <a:bodyPr wrap="none" rtlCol="0">
             <a:spAutoFit/>
           </a:bodyPr>
           <a:lstStyle/>
           <a:p>
             <a:r>
-              <a:rPr lang="en-AU" sz="2200" b="1" dirty="0"/>
-              <a:t>Script</a:t>
-            </a:r>
-          </a:p>
-        </p:txBody>
-      </p:sp>
-      <p:sp>
-        <p:nvSpPr>
-          <p:cNvPr id="7" name="TextBox 6">
-            <a:extLst>
-              <a:ext uri="{FF2B5EF4-FFF2-40B4-BE49-F238E27FC236}">
-                <a16:creationId xmlns:a16="http://schemas.microsoft.com/office/drawing/2014/main" id="{A27ED4DD-06C6-086B-ECB2-74C6EF2D8806}"/>
-              </a:ext>
-            </a:extLst>
-          </p:cNvPr>
-          <p:cNvSpPr txBox="1"/>
-          <p:nvPr/>
-        </p:nvSpPr>
-        <p:spPr>
-          <a:xfrm>
-            <a:off x="9336102" y="4731798"/>
-            <a:ext cx="1087157" cy="430887"/>
-          </a:xfrm>
-          <a:prstGeom prst="rect">
-            <a:avLst/>
-          </a:prstGeom>
-          <a:noFill/>
-        </p:spPr>
-        <p:txBody>
-          <a:bodyPr wrap="square" rtlCol="0">
-            <a:spAutoFit/>
-          </a:bodyPr>
-          <a:lstStyle/>
-          <a:p>
-            <a:r>
-              <a:rPr lang="en-AU" sz="2200" b="1" dirty="0"/>
-              <a:t>Output</a:t>
-            </a:r>
-          </a:p>
-        </p:txBody>
-      </p:sp>
-      <p:sp>
-        <p:nvSpPr>
-          <p:cNvPr id="8" name="TextBox 7">
-            <a:extLst>
-              <a:ext uri="{FF2B5EF4-FFF2-40B4-BE49-F238E27FC236}">
-                <a16:creationId xmlns:a16="http://schemas.microsoft.com/office/drawing/2014/main" id="{9B7B80D9-DFC7-DF4A-43CB-6DD95A1497EB}"/>
-              </a:ext>
-            </a:extLst>
-          </p:cNvPr>
-          <p:cNvSpPr txBox="1"/>
-          <p:nvPr/>
-        </p:nvSpPr>
-        <p:spPr>
-          <a:xfrm>
-            <a:off x="9998579" y="4267636"/>
-            <a:ext cx="1916550" cy="369332"/>
-          </a:xfrm>
-          <a:prstGeom prst="rect">
-            <a:avLst/>
-          </a:prstGeom>
-          <a:noFill/>
-        </p:spPr>
-        <p:txBody>
-          <a:bodyPr wrap="none" rtlCol="0">
-            <a:spAutoFit/>
-          </a:bodyPr>
-          <a:lstStyle/>
-          <a:p>
-            <a:r>
-              <a:rPr lang="en-AU" b="1" dirty="0" err="1"/>
+              <a:rPr lang="en-AU" sz="2200" b="1" dirty="0" err="1"/>
               <a:t>Lecture_script.R</a:t>
             </a:r>
-            <a:endParaRPr lang="en-AU" b="1" dirty="0"/>
+            <a:endParaRPr lang="en-AU" sz="2200" b="1" dirty="0"/>
           </a:p>
         </p:txBody>
       </p:sp>
@@ -6280,143 +9048,6 @@
           </a:extLst>
         </p:spPr>
       </p:pic>
-      <p:cxnSp>
-        <p:nvCxnSpPr>
-          <p:cNvPr id="17" name="Straight Connector 16">
-            <a:extLst>
-              <a:ext uri="{FF2B5EF4-FFF2-40B4-BE49-F238E27FC236}">
-                <a16:creationId xmlns:a16="http://schemas.microsoft.com/office/drawing/2014/main" id="{2A87AA02-9452-B0AC-4D1F-6C86F67AAED2}"/>
-              </a:ext>
-            </a:extLst>
-          </p:cNvPr>
-          <p:cNvCxnSpPr>
-            <a:cxnSpLocks/>
-          </p:cNvCxnSpPr>
-          <p:nvPr/>
-        </p:nvCxnSpPr>
-        <p:spPr>
-          <a:xfrm flipH="1">
-            <a:off x="9016560" y="4436272"/>
-            <a:ext cx="777498" cy="0"/>
-          </a:xfrm>
-          <a:prstGeom prst="line">
-            <a:avLst/>
-          </a:prstGeom>
-          <a:ln w="111125">
-            <a:solidFill>
-              <a:schemeClr val="bg1">
-                <a:lumMod val="50000"/>
-              </a:schemeClr>
-            </a:solidFill>
-          </a:ln>
-        </p:spPr>
-        <p:style>
-          <a:lnRef idx="2">
-            <a:schemeClr val="accent1"/>
-          </a:lnRef>
-          <a:fillRef idx="0">
-            <a:schemeClr val="accent1"/>
-          </a:fillRef>
-          <a:effectRef idx="1">
-            <a:schemeClr val="accent1"/>
-          </a:effectRef>
-          <a:fontRef idx="minor">
-            <a:schemeClr val="tx1"/>
-          </a:fontRef>
-        </p:style>
-      </p:cxnSp>
-      <p:pic>
-        <p:nvPicPr>
-          <p:cNvPr id="18" name="Picture 6" descr="RStudio SVG and transparent PNG icons | TechIcons">
-            <a:extLst>
-              <a:ext uri="{FF2B5EF4-FFF2-40B4-BE49-F238E27FC236}">
-                <a16:creationId xmlns:a16="http://schemas.microsoft.com/office/drawing/2014/main" id="{1A94F330-3C7C-760E-047E-4112F4A9D1FC}"/>
-              </a:ext>
-            </a:extLst>
-          </p:cNvPr>
-          <p:cNvPicPr>
-            <a:picLocks noChangeAspect="1" noChangeArrowheads="1"/>
-          </p:cNvPicPr>
-          <p:nvPr/>
-        </p:nvPicPr>
-        <p:blipFill>
-          <a:blip r:embed="rId5">
-            <a:extLst>
-              <a:ext uri="{28A0092B-C50C-407E-A947-70E740481C1C}">
-                <a14:useLocalDpi xmlns:a14="http://schemas.microsoft.com/office/drawing/2010/main" val="0"/>
-              </a:ext>
-            </a:extLst>
-          </a:blip>
-          <a:srcRect/>
-          <a:stretch>
-            <a:fillRect/>
-          </a:stretch>
-        </p:blipFill>
-        <p:spPr bwMode="auto">
-          <a:xfrm>
-            <a:off x="9700884" y="4253982"/>
-            <a:ext cx="386135" cy="386135"/>
-          </a:xfrm>
-          <a:prstGeom prst="rect">
-            <a:avLst/>
-          </a:prstGeom>
-          <a:noFill/>
-          <a:extLst>
-            <a:ext uri="{909E8E84-426E-40DD-AFC4-6F175D3DCCD1}">
-              <a14:hiddenFill xmlns:a14="http://schemas.microsoft.com/office/drawing/2010/main">
-                <a:solidFill>
-                  <a:srgbClr val="FFFFFF"/>
-                </a:solidFill>
-              </a14:hiddenFill>
-            </a:ext>
-          </a:extLst>
-        </p:spPr>
-      </p:pic>
-      <p:cxnSp>
-        <p:nvCxnSpPr>
-          <p:cNvPr id="21" name="Straight Connector 20">
-            <a:extLst>
-              <a:ext uri="{FF2B5EF4-FFF2-40B4-BE49-F238E27FC236}">
-                <a16:creationId xmlns:a16="http://schemas.microsoft.com/office/drawing/2014/main" id="{542D216A-70DD-777E-D19F-101D022C7DFE}"/>
-              </a:ext>
-            </a:extLst>
-          </p:cNvPr>
-          <p:cNvCxnSpPr>
-            <a:cxnSpLocks/>
-          </p:cNvCxnSpPr>
-          <p:nvPr/>
-        </p:nvCxnSpPr>
-        <p:spPr>
-          <a:xfrm>
-            <a:off x="9062326" y="4186343"/>
-            <a:ext cx="0" cy="289858"/>
-          </a:xfrm>
-          <a:prstGeom prst="line">
-            <a:avLst/>
-          </a:prstGeom>
-          <a:ln w="111125">
-            <a:solidFill>
-              <a:schemeClr val="bg1">
-                <a:lumMod val="50000"/>
-              </a:schemeClr>
-            </a:solidFill>
-          </a:ln>
-        </p:spPr>
-        <p:style>
-          <a:lnRef idx="2">
-            <a:schemeClr val="accent1"/>
-          </a:lnRef>
-          <a:fillRef idx="0">
-            <a:schemeClr val="accent1"/>
-          </a:fillRef>
-          <a:effectRef idx="1">
-            <a:schemeClr val="accent1"/>
-          </a:effectRef>
-          <a:fontRef idx="minor">
-            <a:schemeClr val="tx1"/>
-          </a:fontRef>
-        </p:style>
-      </p:cxnSp>
       <p:cxnSp>
         <p:nvCxnSpPr>
           <p:cNvPr id="26" name="Straight Connector 25">
@@ -6636,42 +9267,6 @@
           </a:prstGeom>
         </p:spPr>
       </p:pic>
-      <p:pic>
-        <p:nvPicPr>
-          <p:cNvPr id="36" name="Graphic 35" descr="Open folder with solid fill">
-            <a:extLst>
-              <a:ext uri="{FF2B5EF4-FFF2-40B4-BE49-F238E27FC236}">
-                <a16:creationId xmlns:a16="http://schemas.microsoft.com/office/drawing/2014/main" id="{37B23F2B-1A68-3AA0-5E5C-B2C958F3A557}"/>
-              </a:ext>
-            </a:extLst>
-          </p:cNvPr>
-          <p:cNvPicPr>
-            <a:picLocks noChangeAspect="1"/>
-          </p:cNvPicPr>
-          <p:nvPr/>
-        </p:nvPicPr>
-        <p:blipFill>
-          <a:blip r:embed="rId3">
-            <a:extLst>
-              <a:ext uri="{96DAC541-7B7A-43D3-8B79-37D633B846F1}">
-                <asvg:svgBlip xmlns:asvg="http://schemas.microsoft.com/office/drawing/2016/SVG/main" r:embed="rId4"/>
-              </a:ext>
-            </a:extLst>
-          </a:blip>
-          <a:stretch>
-            <a:fillRect/>
-          </a:stretch>
-        </p:blipFill>
-        <p:spPr>
-          <a:xfrm>
-            <a:off x="8751665" y="3656936"/>
-            <a:ext cx="687003" cy="687003"/>
-          </a:xfrm>
-          <a:prstGeom prst="rect">
-            <a:avLst/>
-          </a:prstGeom>
-        </p:spPr>
-      </p:pic>
       <p:sp>
         <p:nvSpPr>
           <p:cNvPr id="37" name="TextBox 36">
@@ -7250,6 +9845,53 @@
           </a:prstGeom>
         </p:spPr>
       </p:pic>
+      <p:pic>
+        <p:nvPicPr>
+          <p:cNvPr id="15" name="Picture 6" descr="RStudio SVG and transparent PNG icons | TechIcons">
+            <a:extLst>
+              <a:ext uri="{FF2B5EF4-FFF2-40B4-BE49-F238E27FC236}">
+                <a16:creationId xmlns:a16="http://schemas.microsoft.com/office/drawing/2014/main" id="{DEA101CC-D852-E546-1666-8650E57CC520}"/>
+              </a:ext>
+            </a:extLst>
+          </p:cNvPr>
+          <p:cNvPicPr>
+            <a:picLocks noChangeAspect="1" noChangeArrowheads="1"/>
+          </p:cNvPicPr>
+          <p:nvPr/>
+        </p:nvPicPr>
+        <p:blipFill>
+          <a:blip r:embed="rId5">
+            <a:extLst>
+              <a:ext uri="{28A0092B-C50C-407E-A947-70E740481C1C}">
+                <a14:useLocalDpi xmlns:a14="http://schemas.microsoft.com/office/drawing/2010/main" val="0"/>
+              </a:ext>
+            </a:extLst>
+          </a:blip>
+          <a:srcRect/>
+          <a:stretch>
+            <a:fillRect/>
+          </a:stretch>
+        </p:blipFill>
+        <p:spPr bwMode="auto">
+          <a:xfrm>
+            <a:off x="8888493" y="3647441"/>
+            <a:ext cx="684063" cy="684063"/>
+          </a:xfrm>
+          <a:prstGeom prst="rect">
+            <a:avLst/>
+          </a:prstGeom>
+          <a:noFill/>
+          <a:extLst>
+            <a:ext uri="{909E8E84-426E-40DD-AFC4-6F175D3DCCD1}">
+              <a14:hiddenFill xmlns:a14="http://schemas.microsoft.com/office/drawing/2010/main">
+                <a:solidFill>
+                  <a:srgbClr val="FFFFFF"/>
+                </a:solidFill>
+              </a14:hiddenFill>
+            </a:ext>
+          </a:extLst>
+        </p:spPr>
+      </p:pic>
     </p:spTree>
     <p:extLst>
       <p:ext uri="{BB962C8B-B14F-4D97-AF65-F5344CB8AC3E}">
@@ -7263,7 +9905,7 @@
 </p:sld>
 </file>
 
-<file path=ppt/slides/slide14.xml><?xml version="1.0" encoding="utf-8"?>
+<file path=ppt/slides/slide9.xml><?xml version="1.0" encoding="utf-8"?>
 <p:sld xmlns:a="http://schemas.openxmlformats.org/drawingml/2006/main" xmlns:r="http://schemas.openxmlformats.org/officeDocument/2006/relationships" xmlns:p="http://schemas.openxmlformats.org/presentationml/2006/main">
   <p:cSld>
     <p:spTree>
@@ -7352,3259 +9994,6 @@
     <p:extLst>
       <p:ext uri="{BB962C8B-B14F-4D97-AF65-F5344CB8AC3E}">
         <p14:creationId xmlns:p14="http://schemas.microsoft.com/office/powerpoint/2010/main" val="1560766961"/>
-      </p:ext>
-    </p:extLst>
-  </p:cSld>
-  <p:clrMapOvr>
-    <a:masterClrMapping/>
-  </p:clrMapOvr>
-</p:sld>
-</file>
-
-<file path=ppt/slides/slide15.xml><?xml version="1.0" encoding="utf-8"?>
-<p:sld xmlns:a="http://schemas.openxmlformats.org/drawingml/2006/main" xmlns:r="http://schemas.openxmlformats.org/officeDocument/2006/relationships" xmlns:p="http://schemas.openxmlformats.org/presentationml/2006/main">
-  <p:cSld>
-    <p:spTree>
-      <p:nvGrpSpPr>
-        <p:cNvPr id="1" name=""/>
-        <p:cNvGrpSpPr/>
-        <p:nvPr/>
-      </p:nvGrpSpPr>
-      <p:grpSpPr>
-        <a:xfrm>
-          <a:off x="0" y="0"/>
-          <a:ext cx="0" cy="0"/>
-          <a:chOff x="0" y="0"/>
-          <a:chExt cx="0" cy="0"/>
-        </a:xfrm>
-      </p:grpSpPr>
-      <p:sp>
-        <p:nvSpPr>
-          <p:cNvPr id="4" name="TextBox 2">
-            <a:extLst>
-              <a:ext uri="{FF2B5EF4-FFF2-40B4-BE49-F238E27FC236}">
-                <a16:creationId xmlns:a16="http://schemas.microsoft.com/office/drawing/2014/main" id="{A0265BAD-1940-4223-13B5-51D14B93F309}"/>
-              </a:ext>
-            </a:extLst>
-          </p:cNvPr>
-          <p:cNvSpPr txBox="1"/>
-          <p:nvPr/>
-        </p:nvSpPr>
-        <p:spPr>
-          <a:xfrm>
-            <a:off x="912768" y="1938281"/>
-            <a:ext cx="10122265" cy="2781900"/>
-          </a:xfrm>
-          <a:prstGeom prst="rect">
-            <a:avLst/>
-          </a:prstGeom>
-        </p:spPr>
-        <p:txBody>
-          <a:bodyPr lIns="0" tIns="0" rIns="0" bIns="0" rtlCol="0" anchor="t">
-            <a:spAutoFit/>
-          </a:bodyPr>
-          <a:lstStyle/>
-          <a:p>
-            <a:pPr algn="ctr">
-              <a:lnSpc>
-                <a:spcPts val="7297"/>
-              </a:lnSpc>
-            </a:pPr>
-            <a:r>
-              <a:rPr lang="en-US" sz="6131" dirty="0">
-                <a:solidFill>
-                  <a:srgbClr val="000000"/>
-                </a:solidFill>
-                <a:latin typeface="Helvetica World"/>
-                <a:ea typeface="Helvetica World"/>
-                <a:cs typeface="Helvetica World"/>
-                <a:sym typeface="Helvetica World"/>
-              </a:rPr>
-              <a:t>Data analysis is the process by which data becomes understanding, knowledge </a:t>
-            </a:r>
-          </a:p>
-        </p:txBody>
-      </p:sp>
-    </p:spTree>
-    <p:extLst>
-      <p:ext uri="{BB962C8B-B14F-4D97-AF65-F5344CB8AC3E}">
-        <p14:creationId xmlns:p14="http://schemas.microsoft.com/office/powerpoint/2010/main" val="577756968"/>
-      </p:ext>
-    </p:extLst>
-  </p:cSld>
-  <p:clrMapOvr>
-    <a:masterClrMapping/>
-  </p:clrMapOvr>
-</p:sld>
-</file>
-
-<file path=ppt/slides/slide16.xml><?xml version="1.0" encoding="utf-8"?>
-<p:sld xmlns:a="http://schemas.openxmlformats.org/drawingml/2006/main" xmlns:r="http://schemas.openxmlformats.org/officeDocument/2006/relationships" xmlns:p="http://schemas.openxmlformats.org/presentationml/2006/main">
-  <p:cSld>
-    <p:spTree>
-      <p:nvGrpSpPr>
-        <p:cNvPr id="1" name=""/>
-        <p:cNvGrpSpPr/>
-        <p:nvPr/>
-      </p:nvGrpSpPr>
-      <p:grpSpPr>
-        <a:xfrm>
-          <a:off x="0" y="0"/>
-          <a:ext cx="0" cy="0"/>
-          <a:chOff x="0" y="0"/>
-          <a:chExt cx="0" cy="0"/>
-        </a:xfrm>
-      </p:grpSpPr>
-      <p:sp>
-        <p:nvSpPr>
-          <p:cNvPr id="6" name="TextBox 5">
-            <a:extLst>
-              <a:ext uri="{FF2B5EF4-FFF2-40B4-BE49-F238E27FC236}">
-                <a16:creationId xmlns:a16="http://schemas.microsoft.com/office/drawing/2014/main" id="{F2891E45-532C-3C49-C2FC-93F3AACA6637}"/>
-              </a:ext>
-            </a:extLst>
-          </p:cNvPr>
-          <p:cNvSpPr txBox="1"/>
-          <p:nvPr/>
-        </p:nvSpPr>
-        <p:spPr>
-          <a:xfrm>
-            <a:off x="480291" y="1314382"/>
-            <a:ext cx="11563928" cy="4229235"/>
-          </a:xfrm>
-          <a:prstGeom prst="rect">
-            <a:avLst/>
-          </a:prstGeom>
-        </p:spPr>
-        <p:txBody>
-          <a:bodyPr wrap="square" lIns="0" tIns="0" rIns="0" bIns="0" rtlCol="0" anchor="t">
-            <a:spAutoFit/>
-          </a:bodyPr>
-          <a:lstStyle/>
-          <a:p>
-            <a:pPr marL="914400" indent="-914400" algn="l">
-              <a:lnSpc>
-                <a:spcPts val="8500"/>
-              </a:lnSpc>
-              <a:buFont typeface="+mj-lt"/>
-              <a:buAutoNum type="arabicPeriod"/>
-            </a:pPr>
-            <a:r>
-              <a:rPr lang="en-US" sz="4000" dirty="0">
-                <a:solidFill>
-                  <a:srgbClr val="000000"/>
-                </a:solidFill>
-                <a:latin typeface="+mj-lt"/>
-                <a:ea typeface="Helvetica World"/>
-                <a:cs typeface="Helvetica World"/>
-                <a:sym typeface="Helvetica World"/>
-              </a:rPr>
-              <a:t>Flights data </a:t>
-            </a:r>
-          </a:p>
-          <a:p>
-            <a:pPr marL="914400" indent="-914400" algn="l">
-              <a:lnSpc>
-                <a:spcPts val="8500"/>
-              </a:lnSpc>
-              <a:buFont typeface="+mj-lt"/>
-              <a:buAutoNum type="arabicPeriod"/>
-            </a:pPr>
-            <a:r>
-              <a:rPr lang="en-US" sz="4000" dirty="0">
-                <a:solidFill>
-                  <a:srgbClr val="000000"/>
-                </a:solidFill>
-                <a:latin typeface="+mj-lt"/>
-                <a:ea typeface="Helvetica World"/>
-                <a:cs typeface="Helvetica World"/>
-                <a:sym typeface="Helvetica World"/>
-              </a:rPr>
-              <a:t>One table verbs &amp; grouped summaries </a:t>
-            </a:r>
-          </a:p>
-          <a:p>
-            <a:pPr marL="914400" indent="-914400" algn="l">
-              <a:lnSpc>
-                <a:spcPts val="8500"/>
-              </a:lnSpc>
-              <a:buFont typeface="+mj-lt"/>
-              <a:buAutoNum type="arabicPeriod"/>
-            </a:pPr>
-            <a:r>
-              <a:rPr lang="en-US" sz="4000" dirty="0">
-                <a:solidFill>
-                  <a:srgbClr val="000000"/>
-                </a:solidFill>
-                <a:latin typeface="+mj-lt"/>
-                <a:ea typeface="Helvetica World"/>
-                <a:cs typeface="Helvetica World"/>
-                <a:sym typeface="Helvetica World"/>
-              </a:rPr>
-              <a:t>Data pipelines </a:t>
-            </a:r>
-          </a:p>
-          <a:p>
-            <a:pPr marL="914400" indent="-914400" algn="l">
-              <a:lnSpc>
-                <a:spcPts val="8500"/>
-              </a:lnSpc>
-              <a:buFont typeface="+mj-lt"/>
-              <a:buAutoNum type="arabicPeriod"/>
-            </a:pPr>
-            <a:r>
-              <a:rPr lang="en-US" sz="4000" dirty="0">
-                <a:solidFill>
-                  <a:srgbClr val="000000"/>
-                </a:solidFill>
-                <a:latin typeface="+mj-lt"/>
-                <a:ea typeface="Helvetica World"/>
-                <a:cs typeface="Helvetica World"/>
-                <a:sym typeface="Helvetica World"/>
-              </a:rPr>
-              <a:t>Grouped mutate/ﬁlter &amp; window functions </a:t>
-            </a:r>
-          </a:p>
-        </p:txBody>
-      </p:sp>
-      <p:sp>
-        <p:nvSpPr>
-          <p:cNvPr id="3" name="Title 1">
-            <a:extLst>
-              <a:ext uri="{FF2B5EF4-FFF2-40B4-BE49-F238E27FC236}">
-                <a16:creationId xmlns:a16="http://schemas.microsoft.com/office/drawing/2014/main" id="{14E98541-17DF-920B-6662-F94409DBB27F}"/>
-              </a:ext>
-            </a:extLst>
-          </p:cNvPr>
-          <p:cNvSpPr txBox="1">
-            <a:spLocks/>
-          </p:cNvSpPr>
-          <p:nvPr/>
-        </p:nvSpPr>
-        <p:spPr>
-          <a:xfrm>
-            <a:off x="0" y="0"/>
-            <a:ext cx="10515600" cy="1325563"/>
-          </a:xfrm>
-          <a:prstGeom prst="rect">
-            <a:avLst/>
-          </a:prstGeom>
-        </p:spPr>
-        <p:txBody>
-          <a:bodyPr vert="horz" lIns="91440" tIns="45720" rIns="91440" bIns="45720" rtlCol="0" anchor="ctr">
-            <a:normAutofit/>
-          </a:bodyPr>
-          <a:lstStyle>
-            <a:lvl1pPr algn="l" defTabSz="914400" rtl="0" eaLnBrk="1" latinLnBrk="0" hangingPunct="1">
-              <a:lnSpc>
-                <a:spcPct val="90000"/>
-              </a:lnSpc>
-              <a:spcBef>
-                <a:spcPct val="0"/>
-              </a:spcBef>
-              <a:buNone/>
-              <a:defRPr sz="4400" kern="1200">
-                <a:solidFill>
-                  <a:schemeClr val="tx1"/>
-                </a:solidFill>
-                <a:latin typeface="+mj-lt"/>
-                <a:ea typeface="+mj-ea"/>
-                <a:cs typeface="+mj-cs"/>
-              </a:defRPr>
-            </a:lvl1pPr>
-          </a:lstStyle>
-          <a:p>
-            <a:r>
-              <a:rPr lang="en-AU" dirty="0"/>
-              <a:t>Today’s learning objectives</a:t>
-            </a:r>
-          </a:p>
-        </p:txBody>
-      </p:sp>
-    </p:spTree>
-    <p:extLst>
-      <p:ext uri="{BB962C8B-B14F-4D97-AF65-F5344CB8AC3E}">
-        <p14:creationId xmlns:p14="http://schemas.microsoft.com/office/powerpoint/2010/main" val="2784696615"/>
-      </p:ext>
-    </p:extLst>
-  </p:cSld>
-  <p:clrMapOvr>
-    <a:masterClrMapping/>
-  </p:clrMapOvr>
-</p:sld>
-</file>
-
-<file path=ppt/slides/slide17.xml><?xml version="1.0" encoding="utf-8"?>
-<p:sld xmlns:a="http://schemas.openxmlformats.org/drawingml/2006/main" xmlns:r="http://schemas.openxmlformats.org/officeDocument/2006/relationships" xmlns:p="http://schemas.openxmlformats.org/presentationml/2006/main">
-  <p:cSld>
-    <p:spTree>
-      <p:nvGrpSpPr>
-        <p:cNvPr id="1" name=""/>
-        <p:cNvGrpSpPr/>
-        <p:nvPr/>
-      </p:nvGrpSpPr>
-      <p:grpSpPr>
-        <a:xfrm>
-          <a:off x="0" y="0"/>
-          <a:ext cx="0" cy="0"/>
-          <a:chOff x="0" y="0"/>
-          <a:chExt cx="0" cy="0"/>
-        </a:xfrm>
-      </p:grpSpPr>
-      <p:sp>
-        <p:nvSpPr>
-          <p:cNvPr id="2" name="Freeform 2"/>
-          <p:cNvSpPr/>
-          <p:nvPr/>
-        </p:nvSpPr>
-        <p:spPr>
-          <a:xfrm>
-            <a:off x="3082231" y="0"/>
-            <a:ext cx="9143998" cy="6858000"/>
-          </a:xfrm>
-          <a:custGeom>
-            <a:avLst/>
-            <a:gdLst/>
-            <a:ahLst/>
-            <a:cxnLst/>
-            <a:rect l="l" t="t" r="r" b="b"/>
-            <a:pathLst>
-              <a:path w="13004797" h="9753600">
-                <a:moveTo>
-                  <a:pt x="0" y="0"/>
-                </a:moveTo>
-                <a:lnTo>
-                  <a:pt x="13004797" y="0"/>
-                </a:lnTo>
-                <a:lnTo>
-                  <a:pt x="13004797" y="9753600"/>
-                </a:lnTo>
-                <a:lnTo>
-                  <a:pt x="0" y="9753600"/>
-                </a:lnTo>
-                <a:lnTo>
-                  <a:pt x="0" y="0"/>
-                </a:lnTo>
-                <a:close/>
-              </a:path>
-            </a:pathLst>
-          </a:custGeom>
-          <a:blipFill>
-            <a:blip r:embed="rId2"/>
-            <a:stretch>
-              <a:fillRect/>
-            </a:stretch>
-          </a:blipFill>
-        </p:spPr>
-        <p:txBody>
-          <a:bodyPr/>
-          <a:lstStyle/>
-          <a:p>
-            <a:endParaRPr lang="en-AU" sz="1266"/>
-          </a:p>
-        </p:txBody>
-      </p:sp>
-      <p:grpSp>
-        <p:nvGrpSpPr>
-          <p:cNvPr id="3" name="Group 3"/>
-          <p:cNvGrpSpPr>
-            <a:grpSpLocks noChangeAspect="1"/>
-          </p:cNvGrpSpPr>
-          <p:nvPr/>
-        </p:nvGrpSpPr>
-        <p:grpSpPr>
-          <a:xfrm>
-            <a:off x="1568648" y="6796674"/>
-            <a:ext cx="8893969" cy="13501"/>
-            <a:chOff x="0" y="0"/>
-            <a:chExt cx="12649200" cy="19202"/>
-          </a:xfrm>
-        </p:grpSpPr>
-        <p:sp>
-          <p:nvSpPr>
-            <p:cNvPr id="4" name="Freeform 4"/>
-            <p:cNvSpPr/>
-            <p:nvPr/>
-          </p:nvSpPr>
-          <p:spPr>
-            <a:xfrm>
-              <a:off x="0" y="0"/>
-              <a:ext cx="12649200" cy="19177"/>
-            </a:xfrm>
-            <a:custGeom>
-              <a:avLst/>
-              <a:gdLst/>
-              <a:ahLst/>
-              <a:cxnLst/>
-              <a:rect l="l" t="t" r="r" b="b"/>
-              <a:pathLst>
-                <a:path w="12649200" h="19177">
-                  <a:moveTo>
-                    <a:pt x="0" y="0"/>
-                  </a:moveTo>
-                  <a:lnTo>
-                    <a:pt x="0" y="19177"/>
-                  </a:lnTo>
-                  <a:lnTo>
-                    <a:pt x="12649200" y="19177"/>
-                  </a:lnTo>
-                  <a:lnTo>
-                    <a:pt x="12649200" y="0"/>
-                  </a:lnTo>
-                  <a:close/>
-                </a:path>
-              </a:pathLst>
-            </a:custGeom>
-            <a:solidFill>
-              <a:srgbClr val="000000"/>
-            </a:solidFill>
-          </p:spPr>
-          <p:txBody>
-            <a:bodyPr/>
-            <a:lstStyle/>
-            <a:p>
-              <a:endParaRPr lang="en-AU" sz="1266"/>
-            </a:p>
-          </p:txBody>
-        </p:sp>
-      </p:grpSp>
-      <p:sp>
-        <p:nvSpPr>
-          <p:cNvPr id="5" name="TextBox 5"/>
-          <p:cNvSpPr txBox="1"/>
-          <p:nvPr/>
-        </p:nvSpPr>
-        <p:spPr>
-          <a:xfrm>
-            <a:off x="1786457" y="438678"/>
-            <a:ext cx="3740115" cy="1846659"/>
-          </a:xfrm>
-          <a:prstGeom prst="rect">
-            <a:avLst/>
-          </a:prstGeom>
-        </p:spPr>
-        <p:txBody>
-          <a:bodyPr lIns="0" tIns="0" rIns="0" bIns="0" rtlCol="0" anchor="t">
-            <a:spAutoFit/>
-          </a:bodyPr>
-          <a:lstStyle/>
-          <a:p>
-            <a:pPr>
-              <a:lnSpc>
-                <a:spcPts val="4789"/>
-              </a:lnSpc>
-            </a:pPr>
-            <a:r>
-              <a:rPr lang="en-US" sz="4008" b="1">
-                <a:solidFill>
-                  <a:srgbClr val="000000"/>
-                </a:solidFill>
-                <a:latin typeface="Helvetica World Bold"/>
-                <a:ea typeface="Helvetica World Bold"/>
-                <a:cs typeface="Helvetica World Bold"/>
-                <a:sym typeface="Helvetica World Bold"/>
-              </a:rPr>
-              <a:t>The bad news: </a:t>
-            </a:r>
-            <a:r>
-              <a:rPr lang="en-US" sz="4008">
-                <a:solidFill>
-                  <a:srgbClr val="000000"/>
-                </a:solidFill>
-                <a:latin typeface="Helvetica World"/>
-                <a:ea typeface="Helvetica World"/>
-                <a:cs typeface="Helvetica World"/>
-                <a:sym typeface="Helvetica World"/>
-              </a:rPr>
-              <a:t>It’s going to be frustrating</a:t>
-            </a:r>
-          </a:p>
-        </p:txBody>
-      </p:sp>
-      <p:sp>
-        <p:nvSpPr>
-          <p:cNvPr id="6" name="TextBox 6"/>
-          <p:cNvSpPr txBox="1"/>
-          <p:nvPr/>
-        </p:nvSpPr>
-        <p:spPr>
-          <a:xfrm>
-            <a:off x="1740098" y="6322815"/>
-            <a:ext cx="60771" cy="280911"/>
-          </a:xfrm>
-          <a:prstGeom prst="rect">
-            <a:avLst/>
-          </a:prstGeom>
-        </p:spPr>
-        <p:txBody>
-          <a:bodyPr lIns="0" tIns="0" rIns="0" bIns="0" rtlCol="0" anchor="t">
-            <a:spAutoFit/>
-          </a:bodyPr>
-          <a:lstStyle/>
-          <a:p>
-            <a:pPr>
-              <a:lnSpc>
-                <a:spcPts val="2301"/>
-              </a:lnSpc>
-            </a:pPr>
-            <a:r>
-              <a:rPr lang="en-US" sz="1687">
-                <a:solidFill>
-                  <a:srgbClr val="000000"/>
-                </a:solidFill>
-                <a:latin typeface="Helvetica World"/>
-                <a:ea typeface="Helvetica World"/>
-                <a:cs typeface="Helvetica World"/>
-                <a:sym typeface="Helvetica World"/>
-              </a:rPr>
-              <a:t> </a:t>
-            </a:r>
-          </a:p>
-        </p:txBody>
-      </p:sp>
-      <p:sp>
-        <p:nvSpPr>
-          <p:cNvPr id="8" name="TextBox 8"/>
-          <p:cNvSpPr txBox="1"/>
-          <p:nvPr/>
-        </p:nvSpPr>
-        <p:spPr>
-          <a:xfrm>
-            <a:off x="1540940" y="6500846"/>
-            <a:ext cx="1275963" cy="290529"/>
-          </a:xfrm>
-          <a:prstGeom prst="rect">
-            <a:avLst/>
-          </a:prstGeom>
-        </p:spPr>
-        <p:txBody>
-          <a:bodyPr lIns="0" tIns="0" rIns="0" bIns="0" rtlCol="0" anchor="t">
-            <a:spAutoFit/>
-          </a:bodyPr>
-          <a:lstStyle/>
-          <a:p>
-            <a:pPr>
-              <a:lnSpc>
-                <a:spcPts val="2362"/>
-              </a:lnSpc>
-            </a:pPr>
-            <a:r>
-              <a:rPr lang="en-US" sz="1687" dirty="0">
-                <a:solidFill>
-                  <a:srgbClr val="000000"/>
-                </a:solidFill>
-                <a:latin typeface="Helvetica World"/>
-                <a:ea typeface="Helvetica World"/>
-                <a:cs typeface="Helvetica World"/>
-                <a:sym typeface="Helvetica World"/>
-              </a:rPr>
-              <a:t>© Allie Brosh</a:t>
-            </a:r>
-          </a:p>
-        </p:txBody>
-      </p:sp>
-    </p:spTree>
-  </p:cSld>
-  <p:clrMapOvr>
-    <a:masterClrMapping/>
-  </p:clrMapOvr>
-</p:sld>
-</file>
-
-<file path=ppt/slides/slide18.xml><?xml version="1.0" encoding="utf-8"?>
-<p:sld xmlns:a="http://schemas.openxmlformats.org/drawingml/2006/main" xmlns:r="http://schemas.openxmlformats.org/officeDocument/2006/relationships" xmlns:p="http://schemas.openxmlformats.org/presentationml/2006/main">
-  <p:cSld>
-    <p:spTree>
-      <p:nvGrpSpPr>
-        <p:cNvPr id="1" name=""/>
-        <p:cNvGrpSpPr/>
-        <p:nvPr/>
-      </p:nvGrpSpPr>
-      <p:grpSpPr>
-        <a:xfrm>
-          <a:off x="0" y="0"/>
-          <a:ext cx="0" cy="0"/>
-          <a:chOff x="0" y="0"/>
-          <a:chExt cx="0" cy="0"/>
-        </a:xfrm>
-      </p:grpSpPr>
-      <p:sp>
-        <p:nvSpPr>
-          <p:cNvPr id="2" name="Freeform 2"/>
-          <p:cNvSpPr/>
-          <p:nvPr/>
-        </p:nvSpPr>
-        <p:spPr>
-          <a:xfrm>
-            <a:off x="1528465" y="0"/>
-            <a:ext cx="9143998" cy="6858000"/>
-          </a:xfrm>
-          <a:custGeom>
-            <a:avLst/>
-            <a:gdLst/>
-            <a:ahLst/>
-            <a:cxnLst/>
-            <a:rect l="l" t="t" r="r" b="b"/>
-            <a:pathLst>
-              <a:path w="13004797" h="9753600">
-                <a:moveTo>
-                  <a:pt x="0" y="0"/>
-                </a:moveTo>
-                <a:lnTo>
-                  <a:pt x="13004797" y="0"/>
-                </a:lnTo>
-                <a:lnTo>
-                  <a:pt x="13004797" y="9753600"/>
-                </a:lnTo>
-                <a:lnTo>
-                  <a:pt x="0" y="9753600"/>
-                </a:lnTo>
-                <a:lnTo>
-                  <a:pt x="0" y="0"/>
-                </a:lnTo>
-                <a:close/>
-              </a:path>
-            </a:pathLst>
-          </a:custGeom>
-          <a:blipFill>
-            <a:blip r:embed="rId2"/>
-            <a:stretch>
-              <a:fillRect/>
-            </a:stretch>
-          </a:blipFill>
-        </p:spPr>
-        <p:txBody>
-          <a:bodyPr/>
-          <a:lstStyle/>
-          <a:p>
-            <a:endParaRPr lang="en-AU" sz="1266"/>
-          </a:p>
-        </p:txBody>
-      </p:sp>
-      <p:grpSp>
-        <p:nvGrpSpPr>
-          <p:cNvPr id="3" name="Group 3"/>
-          <p:cNvGrpSpPr>
-            <a:grpSpLocks noChangeAspect="1"/>
-          </p:cNvGrpSpPr>
-          <p:nvPr/>
-        </p:nvGrpSpPr>
-        <p:grpSpPr>
-          <a:xfrm>
-            <a:off x="1542047" y="6796674"/>
-            <a:ext cx="8679656" cy="13501"/>
-            <a:chOff x="0" y="0"/>
-            <a:chExt cx="12344400" cy="19202"/>
-          </a:xfrm>
-        </p:grpSpPr>
-        <p:sp>
-          <p:nvSpPr>
-            <p:cNvPr id="4" name="Freeform 4"/>
-            <p:cNvSpPr/>
-            <p:nvPr/>
-          </p:nvSpPr>
-          <p:spPr>
-            <a:xfrm>
-              <a:off x="0" y="0"/>
-              <a:ext cx="12344400" cy="19177"/>
-            </a:xfrm>
-            <a:custGeom>
-              <a:avLst/>
-              <a:gdLst/>
-              <a:ahLst/>
-              <a:cxnLst/>
-              <a:rect l="l" t="t" r="r" b="b"/>
-              <a:pathLst>
-                <a:path w="12344400" h="19177">
-                  <a:moveTo>
-                    <a:pt x="0" y="0"/>
-                  </a:moveTo>
-                  <a:lnTo>
-                    <a:pt x="12344400" y="0"/>
-                  </a:lnTo>
-                  <a:lnTo>
-                    <a:pt x="12344400" y="19177"/>
-                  </a:lnTo>
-                  <a:lnTo>
-                    <a:pt x="0" y="19177"/>
-                  </a:lnTo>
-                  <a:close/>
-                </a:path>
-              </a:pathLst>
-            </a:custGeom>
-            <a:solidFill>
-              <a:srgbClr val="FFFFFF"/>
-            </a:solidFill>
-          </p:spPr>
-          <p:txBody>
-            <a:bodyPr/>
-            <a:lstStyle/>
-            <a:p>
-              <a:endParaRPr lang="en-AU" sz="1266"/>
-            </a:p>
-          </p:txBody>
-        </p:sp>
-      </p:grpSp>
-      <p:sp>
-        <p:nvSpPr>
-          <p:cNvPr id="5" name="TextBox 5"/>
-          <p:cNvSpPr txBox="1"/>
-          <p:nvPr/>
-        </p:nvSpPr>
-        <p:spPr>
-          <a:xfrm>
-            <a:off x="6046889" y="2894344"/>
-            <a:ext cx="4076539" cy="2462213"/>
-          </a:xfrm>
-          <a:prstGeom prst="rect">
-            <a:avLst/>
-          </a:prstGeom>
-        </p:spPr>
-        <p:txBody>
-          <a:bodyPr lIns="0" tIns="0" rIns="0" bIns="0" rtlCol="0" anchor="t">
-            <a:spAutoFit/>
-          </a:bodyPr>
-          <a:lstStyle/>
-          <a:p>
-            <a:pPr>
-              <a:lnSpc>
-                <a:spcPts val="4801"/>
-              </a:lnSpc>
-            </a:pPr>
-            <a:r>
-              <a:rPr lang="en-US" sz="4008" b="1">
-                <a:solidFill>
-                  <a:srgbClr val="FFFFFF"/>
-                </a:solidFill>
-                <a:latin typeface="Helvetica World Bold"/>
-                <a:ea typeface="Helvetica World Bold"/>
-                <a:cs typeface="Helvetica World Bold"/>
-                <a:sym typeface="Helvetica World Bold"/>
-              </a:rPr>
-              <a:t>The good news: </a:t>
-            </a:r>
-            <a:r>
-              <a:rPr lang="en-US" sz="4008">
-                <a:solidFill>
-                  <a:srgbClr val="FFFFFF"/>
-                </a:solidFill>
-                <a:latin typeface="Helvetica World"/>
-                <a:ea typeface="Helvetica World"/>
-                <a:cs typeface="Helvetica World"/>
-                <a:sym typeface="Helvetica World"/>
-              </a:rPr>
-              <a:t>Frustration is </a:t>
-            </a:r>
-            <a:r>
-              <a:rPr lang="en-US" sz="4008" b="1">
-                <a:solidFill>
-                  <a:srgbClr val="FFFFFF"/>
-                </a:solidFill>
-                <a:latin typeface="Helvetica World Bold"/>
-                <a:ea typeface="Helvetica World Bold"/>
-                <a:cs typeface="Helvetica World Bold"/>
-                <a:sym typeface="Helvetica World Bold"/>
-              </a:rPr>
-              <a:t>typical</a:t>
-            </a:r>
-            <a:r>
-              <a:rPr lang="en-US" sz="4008">
-                <a:solidFill>
-                  <a:srgbClr val="FFFFFF"/>
-                </a:solidFill>
-                <a:latin typeface="Helvetica World"/>
-                <a:ea typeface="Helvetica World"/>
-                <a:cs typeface="Helvetica World"/>
-                <a:sym typeface="Helvetica World"/>
-              </a:rPr>
-              <a:t> and temporary</a:t>
-            </a:r>
-          </a:p>
-        </p:txBody>
-      </p:sp>
-      <p:sp>
-        <p:nvSpPr>
-          <p:cNvPr id="6" name="TextBox 6"/>
-          <p:cNvSpPr txBox="1"/>
-          <p:nvPr/>
-        </p:nvSpPr>
-        <p:spPr>
-          <a:xfrm>
-            <a:off x="1740098" y="6322815"/>
-            <a:ext cx="60771" cy="280911"/>
-          </a:xfrm>
-          <a:prstGeom prst="rect">
-            <a:avLst/>
-          </a:prstGeom>
-        </p:spPr>
-        <p:txBody>
-          <a:bodyPr lIns="0" tIns="0" rIns="0" bIns="0" rtlCol="0" anchor="t">
-            <a:spAutoFit/>
-          </a:bodyPr>
-          <a:lstStyle/>
-          <a:p>
-            <a:pPr>
-              <a:lnSpc>
-                <a:spcPts val="2301"/>
-              </a:lnSpc>
-            </a:pPr>
-            <a:r>
-              <a:rPr lang="en-US" sz="1687">
-                <a:solidFill>
-                  <a:srgbClr val="FFFFFF"/>
-                </a:solidFill>
-                <a:latin typeface="Helvetica World"/>
-                <a:ea typeface="Helvetica World"/>
-                <a:cs typeface="Helvetica World"/>
-                <a:sym typeface="Helvetica World"/>
-              </a:rPr>
-              <a:t> </a:t>
-            </a:r>
-          </a:p>
-        </p:txBody>
-      </p:sp>
-      <p:sp>
-        <p:nvSpPr>
-          <p:cNvPr id="8" name="TextBox 8"/>
-          <p:cNvSpPr txBox="1"/>
-          <p:nvPr/>
-        </p:nvSpPr>
-        <p:spPr>
-          <a:xfrm>
-            <a:off x="1568649" y="6316118"/>
-            <a:ext cx="1275963" cy="290529"/>
-          </a:xfrm>
-          <a:prstGeom prst="rect">
-            <a:avLst/>
-          </a:prstGeom>
-        </p:spPr>
-        <p:txBody>
-          <a:bodyPr lIns="0" tIns="0" rIns="0" bIns="0" rtlCol="0" anchor="t">
-            <a:spAutoFit/>
-          </a:bodyPr>
-          <a:lstStyle/>
-          <a:p>
-            <a:pPr>
-              <a:lnSpc>
-                <a:spcPts val="2362"/>
-              </a:lnSpc>
-            </a:pPr>
-            <a:r>
-              <a:rPr lang="en-US" sz="1687">
-                <a:solidFill>
-                  <a:srgbClr val="FFFFFF"/>
-                </a:solidFill>
-                <a:latin typeface="Helvetica World"/>
-                <a:ea typeface="Helvetica World"/>
-                <a:cs typeface="Helvetica World"/>
-                <a:sym typeface="Helvetica World"/>
-              </a:rPr>
-              <a:t>© Allie Brosh</a:t>
-            </a:r>
-          </a:p>
-        </p:txBody>
-      </p:sp>
-    </p:spTree>
-  </p:cSld>
-  <p:clrMapOvr>
-    <a:masterClrMapping/>
-  </p:clrMapOvr>
-</p:sld>
-</file>
-
-<file path=ppt/slides/slide2.xml><?xml version="1.0" encoding="utf-8"?>
-<p:sld xmlns:a="http://schemas.openxmlformats.org/drawingml/2006/main" xmlns:r="http://schemas.openxmlformats.org/officeDocument/2006/relationships" xmlns:p="http://schemas.openxmlformats.org/presentationml/2006/main">
-  <p:cSld>
-    <p:spTree>
-      <p:nvGrpSpPr>
-        <p:cNvPr id="1" name=""/>
-        <p:cNvGrpSpPr/>
-        <p:nvPr/>
-      </p:nvGrpSpPr>
-      <p:grpSpPr>
-        <a:xfrm>
-          <a:off x="0" y="0"/>
-          <a:ext cx="0" cy="0"/>
-          <a:chOff x="0" y="0"/>
-          <a:chExt cx="0" cy="0"/>
-        </a:xfrm>
-      </p:grpSpPr>
-      <p:sp>
-        <p:nvSpPr>
-          <p:cNvPr id="2" name="Title 1">
-            <a:extLst>
-              <a:ext uri="{FF2B5EF4-FFF2-40B4-BE49-F238E27FC236}">
-                <a16:creationId xmlns:a16="http://schemas.microsoft.com/office/drawing/2014/main" id="{2B7BDB3C-634C-E3CA-58C2-158103BF74F9}"/>
-              </a:ext>
-            </a:extLst>
-          </p:cNvPr>
-          <p:cNvSpPr>
-            <a:spLocks noGrp="1"/>
-          </p:cNvSpPr>
-          <p:nvPr>
-            <p:ph type="title"/>
-          </p:nvPr>
-        </p:nvSpPr>
-        <p:spPr/>
-        <p:txBody>
-          <a:bodyPr/>
-          <a:lstStyle/>
-          <a:p>
-            <a:r>
-              <a:rPr lang="en-AU" dirty="0"/>
-              <a:t>Semester Group Projects</a:t>
-            </a:r>
-          </a:p>
-        </p:txBody>
-      </p:sp>
-      <p:sp>
-        <p:nvSpPr>
-          <p:cNvPr id="3" name="Content Placeholder 2">
-            <a:extLst>
-              <a:ext uri="{FF2B5EF4-FFF2-40B4-BE49-F238E27FC236}">
-                <a16:creationId xmlns:a16="http://schemas.microsoft.com/office/drawing/2014/main" id="{082507D7-72A8-E91A-929E-0952ADF7BBF8}"/>
-              </a:ext>
-            </a:extLst>
-          </p:cNvPr>
-          <p:cNvSpPr>
-            <a:spLocks noGrp="1"/>
-          </p:cNvSpPr>
-          <p:nvPr>
-            <p:ph idx="1"/>
-          </p:nvPr>
-        </p:nvSpPr>
-        <p:spPr/>
-        <p:txBody>
-          <a:bodyPr/>
-          <a:lstStyle/>
-          <a:p>
-            <a:endParaRPr lang="en-AU"/>
-          </a:p>
-        </p:txBody>
-      </p:sp>
-    </p:spTree>
-    <p:extLst>
-      <p:ext uri="{BB962C8B-B14F-4D97-AF65-F5344CB8AC3E}">
-        <p14:creationId xmlns:p14="http://schemas.microsoft.com/office/powerpoint/2010/main" val="3056886889"/>
-      </p:ext>
-    </p:extLst>
-  </p:cSld>
-  <p:clrMapOvr>
-    <a:masterClrMapping/>
-  </p:clrMapOvr>
-</p:sld>
-</file>
-
-<file path=ppt/slides/slide3.xml><?xml version="1.0" encoding="utf-8"?>
-<p:sld xmlns:a="http://schemas.openxmlformats.org/drawingml/2006/main" xmlns:r="http://schemas.openxmlformats.org/officeDocument/2006/relationships" xmlns:p="http://schemas.openxmlformats.org/presentationml/2006/main">
-  <p:cSld>
-    <p:spTree>
-      <p:nvGrpSpPr>
-        <p:cNvPr id="1" name="">
-          <a:extLst>
-            <a:ext uri="{FF2B5EF4-FFF2-40B4-BE49-F238E27FC236}">
-              <a16:creationId xmlns:a16="http://schemas.microsoft.com/office/drawing/2014/main" id="{DD1A6881-E136-61F6-8796-B35E700A87E6}"/>
-            </a:ext>
-          </a:extLst>
-        </p:cNvPr>
-        <p:cNvGrpSpPr/>
-        <p:nvPr/>
-      </p:nvGrpSpPr>
-      <p:grpSpPr>
-        <a:xfrm>
-          <a:off x="0" y="0"/>
-          <a:ext cx="0" cy="0"/>
-          <a:chOff x="0" y="0"/>
-          <a:chExt cx="0" cy="0"/>
-        </a:xfrm>
-      </p:grpSpPr>
-      <p:sp>
-        <p:nvSpPr>
-          <p:cNvPr id="2" name="Title 1">
-            <a:extLst>
-              <a:ext uri="{FF2B5EF4-FFF2-40B4-BE49-F238E27FC236}">
-                <a16:creationId xmlns:a16="http://schemas.microsoft.com/office/drawing/2014/main" id="{4A7D612D-5EA1-E82B-E06B-347037BBA533}"/>
-              </a:ext>
-            </a:extLst>
-          </p:cNvPr>
-          <p:cNvSpPr>
-            <a:spLocks noGrp="1"/>
-          </p:cNvSpPr>
-          <p:nvPr>
-            <p:ph type="title"/>
-          </p:nvPr>
-        </p:nvSpPr>
-        <p:spPr/>
-        <p:txBody>
-          <a:bodyPr/>
-          <a:lstStyle/>
-          <a:p>
-            <a:r>
-              <a:rPr lang="en-AU" dirty="0"/>
-              <a:t>Semester Group Projects</a:t>
-            </a:r>
-          </a:p>
-        </p:txBody>
-      </p:sp>
-      <p:sp>
-        <p:nvSpPr>
-          <p:cNvPr id="3" name="Content Placeholder 2">
-            <a:extLst>
-              <a:ext uri="{FF2B5EF4-FFF2-40B4-BE49-F238E27FC236}">
-                <a16:creationId xmlns:a16="http://schemas.microsoft.com/office/drawing/2014/main" id="{12B3136B-67F2-99FA-3C23-48768726A912}"/>
-              </a:ext>
-            </a:extLst>
-          </p:cNvPr>
-          <p:cNvSpPr>
-            <a:spLocks noGrp="1"/>
-          </p:cNvSpPr>
-          <p:nvPr>
-            <p:ph idx="1"/>
-          </p:nvPr>
-        </p:nvSpPr>
-        <p:spPr/>
-        <p:txBody>
-          <a:bodyPr/>
-          <a:lstStyle/>
-          <a:p>
-            <a:endParaRPr lang="en-AU"/>
-          </a:p>
-        </p:txBody>
-      </p:sp>
-    </p:spTree>
-    <p:extLst>
-      <p:ext uri="{BB962C8B-B14F-4D97-AF65-F5344CB8AC3E}">
-        <p14:creationId xmlns:p14="http://schemas.microsoft.com/office/powerpoint/2010/main" val="3393969281"/>
-      </p:ext>
-    </p:extLst>
-  </p:cSld>
-  <p:clrMapOvr>
-    <a:masterClrMapping/>
-  </p:clrMapOvr>
-</p:sld>
-</file>
-
-<file path=ppt/slides/slide4.xml><?xml version="1.0" encoding="utf-8"?>
-<p:sld xmlns:a="http://schemas.openxmlformats.org/drawingml/2006/main" xmlns:r="http://schemas.openxmlformats.org/officeDocument/2006/relationships" xmlns:p="http://schemas.openxmlformats.org/presentationml/2006/main">
-  <p:cSld>
-    <p:spTree>
-      <p:nvGrpSpPr>
-        <p:cNvPr id="1" name="">
-          <a:extLst>
-            <a:ext uri="{FF2B5EF4-FFF2-40B4-BE49-F238E27FC236}">
-              <a16:creationId xmlns:a16="http://schemas.microsoft.com/office/drawing/2014/main" id="{2DD1499F-4184-F5EC-4B9F-8AF2D686C5B6}"/>
-            </a:ext>
-          </a:extLst>
-        </p:cNvPr>
-        <p:cNvGrpSpPr/>
-        <p:nvPr/>
-      </p:nvGrpSpPr>
-      <p:grpSpPr>
-        <a:xfrm>
-          <a:off x="0" y="0"/>
-          <a:ext cx="0" cy="0"/>
-          <a:chOff x="0" y="0"/>
-          <a:chExt cx="0" cy="0"/>
-        </a:xfrm>
-      </p:grpSpPr>
-      <p:sp>
-        <p:nvSpPr>
-          <p:cNvPr id="2" name="Title 1">
-            <a:extLst>
-              <a:ext uri="{FF2B5EF4-FFF2-40B4-BE49-F238E27FC236}">
-                <a16:creationId xmlns:a16="http://schemas.microsoft.com/office/drawing/2014/main" id="{5DFBEEBE-9E3A-2986-8BDA-CDAEB1381E0E}"/>
-              </a:ext>
-            </a:extLst>
-          </p:cNvPr>
-          <p:cNvSpPr>
-            <a:spLocks noGrp="1"/>
-          </p:cNvSpPr>
-          <p:nvPr>
-            <p:ph type="title"/>
-          </p:nvPr>
-        </p:nvSpPr>
-        <p:spPr/>
-        <p:txBody>
-          <a:bodyPr/>
-          <a:lstStyle/>
-          <a:p>
-            <a:r>
-              <a:rPr lang="en-AU" dirty="0"/>
-              <a:t>Semester Group Projects</a:t>
-            </a:r>
-          </a:p>
-        </p:txBody>
-      </p:sp>
-      <p:sp>
-        <p:nvSpPr>
-          <p:cNvPr id="3" name="Content Placeholder 2">
-            <a:extLst>
-              <a:ext uri="{FF2B5EF4-FFF2-40B4-BE49-F238E27FC236}">
-                <a16:creationId xmlns:a16="http://schemas.microsoft.com/office/drawing/2014/main" id="{C084587D-F340-F1EC-A7C5-812238053F06}"/>
-              </a:ext>
-            </a:extLst>
-          </p:cNvPr>
-          <p:cNvSpPr>
-            <a:spLocks noGrp="1"/>
-          </p:cNvSpPr>
-          <p:nvPr>
-            <p:ph idx="1"/>
-          </p:nvPr>
-        </p:nvSpPr>
-        <p:spPr/>
-        <p:txBody>
-          <a:bodyPr/>
-          <a:lstStyle/>
-          <a:p>
-            <a:endParaRPr lang="en-AU"/>
-          </a:p>
-        </p:txBody>
-      </p:sp>
-    </p:spTree>
-    <p:extLst>
-      <p:ext uri="{BB962C8B-B14F-4D97-AF65-F5344CB8AC3E}">
-        <p14:creationId xmlns:p14="http://schemas.microsoft.com/office/powerpoint/2010/main" val="425579335"/>
-      </p:ext>
-    </p:extLst>
-  </p:cSld>
-  <p:clrMapOvr>
-    <a:masterClrMapping/>
-  </p:clrMapOvr>
-</p:sld>
-</file>
-
-<file path=ppt/slides/slide5.xml><?xml version="1.0" encoding="utf-8"?>
-<p:sld xmlns:a="http://schemas.openxmlformats.org/drawingml/2006/main" xmlns:r="http://schemas.openxmlformats.org/officeDocument/2006/relationships" xmlns:p="http://schemas.openxmlformats.org/presentationml/2006/main">
-  <p:cSld>
-    <p:spTree>
-      <p:nvGrpSpPr>
-        <p:cNvPr id="1" name="">
-          <a:extLst>
-            <a:ext uri="{FF2B5EF4-FFF2-40B4-BE49-F238E27FC236}">
-              <a16:creationId xmlns:a16="http://schemas.microsoft.com/office/drawing/2014/main" id="{F9967D07-3889-BC2D-E651-102ECB86EFD5}"/>
-            </a:ext>
-          </a:extLst>
-        </p:cNvPr>
-        <p:cNvGrpSpPr/>
-        <p:nvPr/>
-      </p:nvGrpSpPr>
-      <p:grpSpPr>
-        <a:xfrm>
-          <a:off x="0" y="0"/>
-          <a:ext cx="0" cy="0"/>
-          <a:chOff x="0" y="0"/>
-          <a:chExt cx="0" cy="0"/>
-        </a:xfrm>
-      </p:grpSpPr>
-      <p:sp>
-        <p:nvSpPr>
-          <p:cNvPr id="2" name="Title 1">
-            <a:extLst>
-              <a:ext uri="{FF2B5EF4-FFF2-40B4-BE49-F238E27FC236}">
-                <a16:creationId xmlns:a16="http://schemas.microsoft.com/office/drawing/2014/main" id="{99B20FD7-FB27-AFD3-1864-FBA55ACF6163}"/>
-              </a:ext>
-            </a:extLst>
-          </p:cNvPr>
-          <p:cNvSpPr>
-            <a:spLocks noGrp="1"/>
-          </p:cNvSpPr>
-          <p:nvPr>
-            <p:ph type="title"/>
-          </p:nvPr>
-        </p:nvSpPr>
-        <p:spPr/>
-        <p:txBody>
-          <a:bodyPr/>
-          <a:lstStyle/>
-          <a:p>
-            <a:r>
-              <a:rPr lang="en-AU" dirty="0"/>
-              <a:t>Semester Group Projects</a:t>
-            </a:r>
-          </a:p>
-        </p:txBody>
-      </p:sp>
-      <p:sp>
-        <p:nvSpPr>
-          <p:cNvPr id="3" name="Content Placeholder 2">
-            <a:extLst>
-              <a:ext uri="{FF2B5EF4-FFF2-40B4-BE49-F238E27FC236}">
-                <a16:creationId xmlns:a16="http://schemas.microsoft.com/office/drawing/2014/main" id="{E039656B-623E-D32B-4EB3-27B3C89B48DD}"/>
-              </a:ext>
-            </a:extLst>
-          </p:cNvPr>
-          <p:cNvSpPr>
-            <a:spLocks noGrp="1"/>
-          </p:cNvSpPr>
-          <p:nvPr>
-            <p:ph idx="1"/>
-          </p:nvPr>
-        </p:nvSpPr>
-        <p:spPr/>
-        <p:txBody>
-          <a:bodyPr/>
-          <a:lstStyle/>
-          <a:p>
-            <a:endParaRPr lang="en-AU"/>
-          </a:p>
-        </p:txBody>
-      </p:sp>
-    </p:spTree>
-    <p:extLst>
-      <p:ext uri="{BB962C8B-B14F-4D97-AF65-F5344CB8AC3E}">
-        <p14:creationId xmlns:p14="http://schemas.microsoft.com/office/powerpoint/2010/main" val="589489870"/>
-      </p:ext>
-    </p:extLst>
-  </p:cSld>
-  <p:clrMapOvr>
-    <a:masterClrMapping/>
-  </p:clrMapOvr>
-</p:sld>
-</file>
-
-<file path=ppt/slides/slide6.xml><?xml version="1.0" encoding="utf-8"?>
-<p:sld xmlns:a="http://schemas.openxmlformats.org/drawingml/2006/main" xmlns:r="http://schemas.openxmlformats.org/officeDocument/2006/relationships" xmlns:p="http://schemas.openxmlformats.org/presentationml/2006/main">
-  <p:cSld>
-    <p:spTree>
-      <p:nvGrpSpPr>
-        <p:cNvPr id="1" name="">
-          <a:extLst>
-            <a:ext uri="{FF2B5EF4-FFF2-40B4-BE49-F238E27FC236}">
-              <a16:creationId xmlns:a16="http://schemas.microsoft.com/office/drawing/2014/main" id="{9CAA9467-A4EA-4116-83AB-799A5259A569}"/>
-            </a:ext>
-          </a:extLst>
-        </p:cNvPr>
-        <p:cNvGrpSpPr/>
-        <p:nvPr/>
-      </p:nvGrpSpPr>
-      <p:grpSpPr>
-        <a:xfrm>
-          <a:off x="0" y="0"/>
-          <a:ext cx="0" cy="0"/>
-          <a:chOff x="0" y="0"/>
-          <a:chExt cx="0" cy="0"/>
-        </a:xfrm>
-      </p:grpSpPr>
-      <p:sp>
-        <p:nvSpPr>
-          <p:cNvPr id="2" name="Title 1">
-            <a:extLst>
-              <a:ext uri="{FF2B5EF4-FFF2-40B4-BE49-F238E27FC236}">
-                <a16:creationId xmlns:a16="http://schemas.microsoft.com/office/drawing/2014/main" id="{21D83001-8A0A-9586-9CBD-ED6A8142283D}"/>
-              </a:ext>
-            </a:extLst>
-          </p:cNvPr>
-          <p:cNvSpPr>
-            <a:spLocks noGrp="1"/>
-          </p:cNvSpPr>
-          <p:nvPr>
-            <p:ph type="title"/>
-          </p:nvPr>
-        </p:nvSpPr>
-        <p:spPr/>
-        <p:txBody>
-          <a:bodyPr/>
-          <a:lstStyle/>
-          <a:p>
-            <a:r>
-              <a:rPr lang="en-AU" dirty="0"/>
-              <a:t>Semester Group Projects</a:t>
-            </a:r>
-          </a:p>
-        </p:txBody>
-      </p:sp>
-      <p:sp>
-        <p:nvSpPr>
-          <p:cNvPr id="3" name="Content Placeholder 2">
-            <a:extLst>
-              <a:ext uri="{FF2B5EF4-FFF2-40B4-BE49-F238E27FC236}">
-                <a16:creationId xmlns:a16="http://schemas.microsoft.com/office/drawing/2014/main" id="{9EB287D4-B114-2ED2-E9E2-EB19EF105348}"/>
-              </a:ext>
-            </a:extLst>
-          </p:cNvPr>
-          <p:cNvSpPr>
-            <a:spLocks noGrp="1"/>
-          </p:cNvSpPr>
-          <p:nvPr>
-            <p:ph idx="1"/>
-          </p:nvPr>
-        </p:nvSpPr>
-        <p:spPr/>
-        <p:txBody>
-          <a:bodyPr/>
-          <a:lstStyle/>
-          <a:p>
-            <a:endParaRPr lang="en-AU"/>
-          </a:p>
-        </p:txBody>
-      </p:sp>
-    </p:spTree>
-    <p:extLst>
-      <p:ext uri="{BB962C8B-B14F-4D97-AF65-F5344CB8AC3E}">
-        <p14:creationId xmlns:p14="http://schemas.microsoft.com/office/powerpoint/2010/main" val="1379502651"/>
-      </p:ext>
-    </p:extLst>
-  </p:cSld>
-  <p:clrMapOvr>
-    <a:masterClrMapping/>
-  </p:clrMapOvr>
-</p:sld>
-</file>
-
-<file path=ppt/slides/slide7.xml><?xml version="1.0" encoding="utf-8"?>
-<p:sld xmlns:a="http://schemas.openxmlformats.org/drawingml/2006/main" xmlns:r="http://schemas.openxmlformats.org/officeDocument/2006/relationships" xmlns:p="http://schemas.openxmlformats.org/presentationml/2006/main">
-  <p:cSld>
-    <p:spTree>
-      <p:nvGrpSpPr>
-        <p:cNvPr id="1" name="">
-          <a:extLst>
-            <a:ext uri="{FF2B5EF4-FFF2-40B4-BE49-F238E27FC236}">
-              <a16:creationId xmlns:a16="http://schemas.microsoft.com/office/drawing/2014/main" id="{D0DF9731-E2CF-27C2-28A1-A27D855DFF02}"/>
-            </a:ext>
-          </a:extLst>
-        </p:cNvPr>
-        <p:cNvGrpSpPr/>
-        <p:nvPr/>
-      </p:nvGrpSpPr>
-      <p:grpSpPr>
-        <a:xfrm>
-          <a:off x="0" y="0"/>
-          <a:ext cx="0" cy="0"/>
-          <a:chOff x="0" y="0"/>
-          <a:chExt cx="0" cy="0"/>
-        </a:xfrm>
-      </p:grpSpPr>
-      <p:sp>
-        <p:nvSpPr>
-          <p:cNvPr id="2" name="Title 1">
-            <a:extLst>
-              <a:ext uri="{FF2B5EF4-FFF2-40B4-BE49-F238E27FC236}">
-                <a16:creationId xmlns:a16="http://schemas.microsoft.com/office/drawing/2014/main" id="{3E56393F-BB7E-2F7D-A063-413FD193DFE9}"/>
-              </a:ext>
-            </a:extLst>
-          </p:cNvPr>
-          <p:cNvSpPr>
-            <a:spLocks noGrp="1"/>
-          </p:cNvSpPr>
-          <p:nvPr>
-            <p:ph type="title"/>
-          </p:nvPr>
-        </p:nvSpPr>
-        <p:spPr/>
-        <p:txBody>
-          <a:bodyPr/>
-          <a:lstStyle/>
-          <a:p>
-            <a:r>
-              <a:rPr lang="en-AU" dirty="0"/>
-              <a:t>Semester Group Projects</a:t>
-            </a:r>
-          </a:p>
-        </p:txBody>
-      </p:sp>
-      <p:sp>
-        <p:nvSpPr>
-          <p:cNvPr id="3" name="Content Placeholder 2">
-            <a:extLst>
-              <a:ext uri="{FF2B5EF4-FFF2-40B4-BE49-F238E27FC236}">
-                <a16:creationId xmlns:a16="http://schemas.microsoft.com/office/drawing/2014/main" id="{36BE4807-2E76-F617-EFC8-99CADF36709E}"/>
-              </a:ext>
-            </a:extLst>
-          </p:cNvPr>
-          <p:cNvSpPr>
-            <a:spLocks noGrp="1"/>
-          </p:cNvSpPr>
-          <p:nvPr>
-            <p:ph idx="1"/>
-          </p:nvPr>
-        </p:nvSpPr>
-        <p:spPr/>
-        <p:txBody>
-          <a:bodyPr/>
-          <a:lstStyle/>
-          <a:p>
-            <a:endParaRPr lang="en-AU"/>
-          </a:p>
-        </p:txBody>
-      </p:sp>
-    </p:spTree>
-    <p:extLst>
-      <p:ext uri="{BB962C8B-B14F-4D97-AF65-F5344CB8AC3E}">
-        <p14:creationId xmlns:p14="http://schemas.microsoft.com/office/powerpoint/2010/main" val="2165570906"/>
-      </p:ext>
-    </p:extLst>
-  </p:cSld>
-  <p:clrMapOvr>
-    <a:masterClrMapping/>
-  </p:clrMapOvr>
-</p:sld>
-</file>
-
-<file path=ppt/slides/slide8.xml><?xml version="1.0" encoding="utf-8"?>
-<p:sld xmlns:a="http://schemas.openxmlformats.org/drawingml/2006/main" xmlns:r="http://schemas.openxmlformats.org/officeDocument/2006/relationships" xmlns:p="http://schemas.openxmlformats.org/presentationml/2006/main">
-  <p:cSld>
-    <p:spTree>
-      <p:nvGrpSpPr>
-        <p:cNvPr id="1" name=""/>
-        <p:cNvGrpSpPr/>
-        <p:nvPr/>
-      </p:nvGrpSpPr>
-      <p:grpSpPr>
-        <a:xfrm>
-          <a:off x="0" y="0"/>
-          <a:ext cx="0" cy="0"/>
-          <a:chOff x="0" y="0"/>
-          <a:chExt cx="0" cy="0"/>
-        </a:xfrm>
-      </p:grpSpPr>
-      <p:sp>
-        <p:nvSpPr>
-          <p:cNvPr id="4" name="TextBox 3">
-            <a:extLst>
-              <a:ext uri="{FF2B5EF4-FFF2-40B4-BE49-F238E27FC236}">
-                <a16:creationId xmlns:a16="http://schemas.microsoft.com/office/drawing/2014/main" id="{22E03997-4B1A-EBA8-434B-F0DB56B1676C}"/>
-              </a:ext>
-            </a:extLst>
-          </p:cNvPr>
-          <p:cNvSpPr txBox="1"/>
-          <p:nvPr/>
-        </p:nvSpPr>
-        <p:spPr>
-          <a:xfrm>
-            <a:off x="164592" y="2066544"/>
-            <a:ext cx="6080760" cy="3785652"/>
-          </a:xfrm>
-          <a:prstGeom prst="rect">
-            <a:avLst/>
-          </a:prstGeom>
-          <a:noFill/>
-        </p:spPr>
-        <p:txBody>
-          <a:bodyPr wrap="square" rtlCol="0">
-            <a:spAutoFit/>
-          </a:bodyPr>
-          <a:lstStyle/>
-          <a:p>
-            <a:pPr marL="342900" indent="-342900">
-              <a:buFont typeface="Arial" panose="020B0604020202020204" pitchFamily="34" charset="0"/>
-              <a:buChar char="•"/>
-            </a:pPr>
-            <a:r>
-              <a:rPr lang="en-AU" sz="2000" b="1" dirty="0"/>
-              <a:t>Reproducibility</a:t>
-            </a:r>
-            <a:r>
-              <a:rPr lang="en-AU" sz="2000" dirty="0"/>
-              <a:t>: Ensures analyses can be reliably repeated and verified.</a:t>
-            </a:r>
-          </a:p>
-          <a:p>
-            <a:pPr marL="342900" indent="-342900">
-              <a:buFont typeface="Arial" panose="020B0604020202020204" pitchFamily="34" charset="0"/>
-              <a:buChar char="•"/>
-            </a:pPr>
-            <a:endParaRPr lang="en-AU" sz="2000" b="1" dirty="0"/>
-          </a:p>
-          <a:p>
-            <a:pPr marL="342900" indent="-342900">
-              <a:buFont typeface="Arial" panose="020B0604020202020204" pitchFamily="34" charset="0"/>
-              <a:buChar char="•"/>
-            </a:pPr>
-            <a:r>
-              <a:rPr lang="en-AU" sz="2000" b="1" dirty="0"/>
-              <a:t>Portability</a:t>
-            </a:r>
-            <a:r>
-              <a:rPr lang="en-AU" sz="2000" dirty="0"/>
-              <a:t>: Facilitates seamless collaboration and transition across different systems.</a:t>
-            </a:r>
-          </a:p>
-          <a:p>
-            <a:pPr marL="342900" indent="-342900">
-              <a:buFont typeface="Arial" panose="020B0604020202020204" pitchFamily="34" charset="0"/>
-              <a:buChar char="•"/>
-            </a:pPr>
-            <a:endParaRPr lang="en-AU" sz="2000" b="1" dirty="0"/>
-          </a:p>
-          <a:p>
-            <a:pPr marL="342900" indent="-342900">
-              <a:buFont typeface="Arial" panose="020B0604020202020204" pitchFamily="34" charset="0"/>
-              <a:buChar char="•"/>
-            </a:pPr>
-            <a:r>
-              <a:rPr lang="en-AU" sz="2000" b="1" dirty="0"/>
-              <a:t>Clarity</a:t>
-            </a:r>
-            <a:r>
-              <a:rPr lang="en-AU" sz="2000" dirty="0"/>
-              <a:t>: Maintains a clean separation between raw data, scripts, and outputs.</a:t>
-            </a:r>
-          </a:p>
-          <a:p>
-            <a:pPr marL="342900" indent="-342900">
-              <a:buFont typeface="Arial" panose="020B0604020202020204" pitchFamily="34" charset="0"/>
-              <a:buChar char="•"/>
-            </a:pPr>
-            <a:endParaRPr lang="en-AU" sz="2000" b="1" dirty="0"/>
-          </a:p>
-          <a:p>
-            <a:pPr marL="342900" indent="-342900">
-              <a:buFont typeface="Arial" panose="020B0604020202020204" pitchFamily="34" charset="0"/>
-              <a:buChar char="•"/>
-            </a:pPr>
-            <a:r>
-              <a:rPr lang="en-AU" sz="2000" b="1" dirty="0"/>
-              <a:t>Efficiency</a:t>
-            </a:r>
-            <a:r>
-              <a:rPr lang="en-AU" sz="2000" dirty="0"/>
-              <a:t>: Simplifies navigation and reduces errors in file handling.</a:t>
-            </a:r>
-          </a:p>
-          <a:p>
-            <a:endParaRPr lang="en-AU" sz="2000" dirty="0"/>
-          </a:p>
-        </p:txBody>
-      </p:sp>
-      <p:sp>
-        <p:nvSpPr>
-          <p:cNvPr id="1044" name="TextBox 1043">
-            <a:extLst>
-              <a:ext uri="{FF2B5EF4-FFF2-40B4-BE49-F238E27FC236}">
-                <a16:creationId xmlns:a16="http://schemas.microsoft.com/office/drawing/2014/main" id="{88A6783C-0B9A-F703-8B25-026768011BD7}"/>
-              </a:ext>
-            </a:extLst>
-          </p:cNvPr>
-          <p:cNvSpPr txBox="1"/>
-          <p:nvPr/>
-        </p:nvSpPr>
-        <p:spPr>
-          <a:xfrm>
-            <a:off x="8449849" y="945931"/>
-            <a:ext cx="2993320" cy="492443"/>
-          </a:xfrm>
-          <a:prstGeom prst="rect">
-            <a:avLst/>
-          </a:prstGeom>
-          <a:noFill/>
-        </p:spPr>
-        <p:txBody>
-          <a:bodyPr wrap="none" rtlCol="0">
-            <a:spAutoFit/>
-          </a:bodyPr>
-          <a:lstStyle/>
-          <a:p>
-            <a:r>
-              <a:rPr lang="en-AU" sz="2600" b="1" dirty="0"/>
-              <a:t>Your Project Name</a:t>
-            </a:r>
-          </a:p>
-        </p:txBody>
-      </p:sp>
-      <p:sp>
-        <p:nvSpPr>
-          <p:cNvPr id="1045" name="TextBox 1044">
-            <a:extLst>
-              <a:ext uri="{FF2B5EF4-FFF2-40B4-BE49-F238E27FC236}">
-                <a16:creationId xmlns:a16="http://schemas.microsoft.com/office/drawing/2014/main" id="{0B9101F5-8A75-C332-7BE1-2A43F93581A4}"/>
-              </a:ext>
-            </a:extLst>
-          </p:cNvPr>
-          <p:cNvSpPr txBox="1"/>
-          <p:nvPr/>
-        </p:nvSpPr>
-        <p:spPr>
-          <a:xfrm>
-            <a:off x="9384826" y="2422635"/>
-            <a:ext cx="792268" cy="430887"/>
-          </a:xfrm>
-          <a:prstGeom prst="rect">
-            <a:avLst/>
-          </a:prstGeom>
-          <a:noFill/>
-        </p:spPr>
-        <p:txBody>
-          <a:bodyPr wrap="none" rtlCol="0">
-            <a:spAutoFit/>
-          </a:bodyPr>
-          <a:lstStyle/>
-          <a:p>
-            <a:r>
-              <a:rPr lang="en-AU" sz="2200" b="1" dirty="0"/>
-              <a:t>Data</a:t>
-            </a:r>
-          </a:p>
-        </p:txBody>
-      </p:sp>
-      <p:sp>
-        <p:nvSpPr>
-          <p:cNvPr id="1046" name="TextBox 1045">
-            <a:extLst>
-              <a:ext uri="{FF2B5EF4-FFF2-40B4-BE49-F238E27FC236}">
-                <a16:creationId xmlns:a16="http://schemas.microsoft.com/office/drawing/2014/main" id="{B04705D6-6E2D-24CF-7C57-B63F20B591CD}"/>
-              </a:ext>
-            </a:extLst>
-          </p:cNvPr>
-          <p:cNvSpPr txBox="1"/>
-          <p:nvPr/>
-        </p:nvSpPr>
-        <p:spPr>
-          <a:xfrm>
-            <a:off x="9400592" y="3237186"/>
-            <a:ext cx="954107" cy="430887"/>
-          </a:xfrm>
-          <a:prstGeom prst="rect">
-            <a:avLst/>
-          </a:prstGeom>
-          <a:noFill/>
-        </p:spPr>
-        <p:txBody>
-          <a:bodyPr wrap="none" rtlCol="0">
-            <a:spAutoFit/>
-          </a:bodyPr>
-          <a:lstStyle/>
-          <a:p>
-            <a:r>
-              <a:rPr lang="en-AU" sz="2200" b="1" dirty="0"/>
-              <a:t>Script</a:t>
-            </a:r>
-          </a:p>
-        </p:txBody>
-      </p:sp>
-      <p:sp>
-        <p:nvSpPr>
-          <p:cNvPr id="1047" name="TextBox 1046">
-            <a:extLst>
-              <a:ext uri="{FF2B5EF4-FFF2-40B4-BE49-F238E27FC236}">
-                <a16:creationId xmlns:a16="http://schemas.microsoft.com/office/drawing/2014/main" id="{C84B326D-7F4A-0724-C9D8-476D6BBFF00B}"/>
-              </a:ext>
-            </a:extLst>
-          </p:cNvPr>
-          <p:cNvSpPr txBox="1"/>
-          <p:nvPr/>
-        </p:nvSpPr>
-        <p:spPr>
-          <a:xfrm>
-            <a:off x="9442633" y="5160579"/>
-            <a:ext cx="1087157" cy="430887"/>
-          </a:xfrm>
-          <a:prstGeom prst="rect">
-            <a:avLst/>
-          </a:prstGeom>
-          <a:noFill/>
-        </p:spPr>
-        <p:txBody>
-          <a:bodyPr wrap="none" rtlCol="0">
-            <a:spAutoFit/>
-          </a:bodyPr>
-          <a:lstStyle/>
-          <a:p>
-            <a:r>
-              <a:rPr lang="en-AU" sz="2200" b="1" dirty="0"/>
-              <a:t>Output</a:t>
-            </a:r>
-          </a:p>
-        </p:txBody>
-      </p:sp>
-      <p:sp>
-        <p:nvSpPr>
-          <p:cNvPr id="1048" name="TextBox 1047">
-            <a:extLst>
-              <a:ext uri="{FF2B5EF4-FFF2-40B4-BE49-F238E27FC236}">
-                <a16:creationId xmlns:a16="http://schemas.microsoft.com/office/drawing/2014/main" id="{D7F15107-6EB0-4417-ABD8-409720334B71}"/>
-              </a:ext>
-            </a:extLst>
-          </p:cNvPr>
-          <p:cNvSpPr txBox="1"/>
-          <p:nvPr/>
-        </p:nvSpPr>
-        <p:spPr>
-          <a:xfrm>
-            <a:off x="10189309" y="4563384"/>
-            <a:ext cx="1256754" cy="369332"/>
-          </a:xfrm>
-          <a:prstGeom prst="rect">
-            <a:avLst/>
-          </a:prstGeom>
-          <a:noFill/>
-        </p:spPr>
-        <p:txBody>
-          <a:bodyPr wrap="none" rtlCol="0">
-            <a:spAutoFit/>
-          </a:bodyPr>
-          <a:lstStyle/>
-          <a:p>
-            <a:r>
-              <a:rPr lang="en-AU" b="1" dirty="0"/>
-              <a:t>Analysis B</a:t>
-            </a:r>
-          </a:p>
-        </p:txBody>
-      </p:sp>
-      <p:cxnSp>
-        <p:nvCxnSpPr>
-          <p:cNvPr id="1049" name="Straight Connector 1048">
-            <a:extLst>
-              <a:ext uri="{FF2B5EF4-FFF2-40B4-BE49-F238E27FC236}">
-                <a16:creationId xmlns:a16="http://schemas.microsoft.com/office/drawing/2014/main" id="{9B826961-8FE1-DC37-7CF8-461C49C2122A}"/>
-              </a:ext>
-            </a:extLst>
-          </p:cNvPr>
-          <p:cNvCxnSpPr>
-            <a:cxnSpLocks/>
-          </p:cNvCxnSpPr>
-          <p:nvPr/>
-        </p:nvCxnSpPr>
-        <p:spPr>
-          <a:xfrm>
-            <a:off x="7913821" y="1397876"/>
-            <a:ext cx="0" cy="4035972"/>
-          </a:xfrm>
-          <a:prstGeom prst="line">
-            <a:avLst/>
-          </a:prstGeom>
-          <a:ln w="111125">
-            <a:solidFill>
-              <a:schemeClr val="bg1">
-                <a:lumMod val="50000"/>
-              </a:schemeClr>
-            </a:solidFill>
-          </a:ln>
-        </p:spPr>
-        <p:style>
-          <a:lnRef idx="2">
-            <a:schemeClr val="accent1"/>
-          </a:lnRef>
-          <a:fillRef idx="0">
-            <a:schemeClr val="accent1"/>
-          </a:fillRef>
-          <a:effectRef idx="1">
-            <a:schemeClr val="accent1"/>
-          </a:effectRef>
-          <a:fontRef idx="minor">
-            <a:schemeClr val="tx1"/>
-          </a:fontRef>
-        </p:style>
-      </p:cxnSp>
-      <p:pic>
-        <p:nvPicPr>
-          <p:cNvPr id="1050" name="Graphic 1049" descr="Open folder with solid fill">
-            <a:extLst>
-              <a:ext uri="{FF2B5EF4-FFF2-40B4-BE49-F238E27FC236}">
-                <a16:creationId xmlns:a16="http://schemas.microsoft.com/office/drawing/2014/main" id="{31DE8D0D-CB7B-DEE5-F914-5DB954A181A4}"/>
-              </a:ext>
-            </a:extLst>
-          </p:cNvPr>
-          <p:cNvPicPr>
-            <a:picLocks noChangeAspect="1"/>
-          </p:cNvPicPr>
-          <p:nvPr/>
-        </p:nvPicPr>
-        <p:blipFill>
-          <a:blip r:embed="rId3">
-            <a:extLst>
-              <a:ext uri="{96DAC541-7B7A-43D3-8B79-37D633B846F1}">
-                <asvg:svgBlip xmlns:asvg="http://schemas.microsoft.com/office/drawing/2016/SVG/main" r:embed="rId4"/>
-              </a:ext>
-            </a:extLst>
-          </a:blip>
-          <a:stretch>
-            <a:fillRect/>
-          </a:stretch>
-        </p:blipFill>
-        <p:spPr>
-          <a:xfrm>
-            <a:off x="7488153" y="701566"/>
-            <a:ext cx="914400" cy="914400"/>
-          </a:xfrm>
-          <a:prstGeom prst="rect">
-            <a:avLst/>
-          </a:prstGeom>
-        </p:spPr>
-      </p:pic>
-      <p:cxnSp>
-        <p:nvCxnSpPr>
-          <p:cNvPr id="1051" name="Straight Connector 1050">
-            <a:extLst>
-              <a:ext uri="{FF2B5EF4-FFF2-40B4-BE49-F238E27FC236}">
-                <a16:creationId xmlns:a16="http://schemas.microsoft.com/office/drawing/2014/main" id="{B1E42C8F-90C9-CA32-EAE2-B11678FC5B68}"/>
-              </a:ext>
-            </a:extLst>
-          </p:cNvPr>
-          <p:cNvCxnSpPr>
-            <a:cxnSpLocks/>
-          </p:cNvCxnSpPr>
-          <p:nvPr/>
-        </p:nvCxnSpPr>
-        <p:spPr>
-          <a:xfrm flipH="1">
-            <a:off x="7861917" y="5381712"/>
-            <a:ext cx="1098331" cy="0"/>
-          </a:xfrm>
-          <a:prstGeom prst="line">
-            <a:avLst/>
-          </a:prstGeom>
-          <a:ln w="111125">
-            <a:solidFill>
-              <a:schemeClr val="bg1">
-                <a:lumMod val="50000"/>
-              </a:schemeClr>
-            </a:solidFill>
-          </a:ln>
-        </p:spPr>
-        <p:style>
-          <a:lnRef idx="2">
-            <a:schemeClr val="accent1"/>
-          </a:lnRef>
-          <a:fillRef idx="0">
-            <a:schemeClr val="accent1"/>
-          </a:fillRef>
-          <a:effectRef idx="1">
-            <a:schemeClr val="accent1"/>
-          </a:effectRef>
-          <a:fontRef idx="minor">
-            <a:schemeClr val="tx1"/>
-          </a:fontRef>
-        </p:style>
-      </p:cxnSp>
-      <p:cxnSp>
-        <p:nvCxnSpPr>
-          <p:cNvPr id="1052" name="Straight Connector 1051">
-            <a:extLst>
-              <a:ext uri="{FF2B5EF4-FFF2-40B4-BE49-F238E27FC236}">
-                <a16:creationId xmlns:a16="http://schemas.microsoft.com/office/drawing/2014/main" id="{65B8B1D6-DF30-5777-A325-F192CD48DCF4}"/>
-              </a:ext>
-            </a:extLst>
-          </p:cNvPr>
-          <p:cNvCxnSpPr>
-            <a:cxnSpLocks/>
-          </p:cNvCxnSpPr>
-          <p:nvPr/>
-        </p:nvCxnSpPr>
-        <p:spPr>
-          <a:xfrm flipH="1">
-            <a:off x="7861917" y="3413652"/>
-            <a:ext cx="1098331" cy="0"/>
-          </a:xfrm>
-          <a:prstGeom prst="line">
-            <a:avLst/>
-          </a:prstGeom>
-          <a:ln w="111125">
-            <a:solidFill>
-              <a:schemeClr val="bg1">
-                <a:lumMod val="50000"/>
-              </a:schemeClr>
-            </a:solidFill>
-          </a:ln>
-        </p:spPr>
-        <p:style>
-          <a:lnRef idx="2">
-            <a:schemeClr val="accent1"/>
-          </a:lnRef>
-          <a:fillRef idx="0">
-            <a:schemeClr val="accent1"/>
-          </a:fillRef>
-          <a:effectRef idx="1">
-            <a:schemeClr val="accent1"/>
-          </a:effectRef>
-          <a:fontRef idx="minor">
-            <a:schemeClr val="tx1"/>
-          </a:fontRef>
-        </p:style>
-      </p:cxnSp>
-      <p:cxnSp>
-        <p:nvCxnSpPr>
-          <p:cNvPr id="1053" name="Straight Connector 1052">
-            <a:extLst>
-              <a:ext uri="{FF2B5EF4-FFF2-40B4-BE49-F238E27FC236}">
-                <a16:creationId xmlns:a16="http://schemas.microsoft.com/office/drawing/2014/main" id="{2ED465DE-4D38-0BE8-BD08-E096E4895A55}"/>
-              </a:ext>
-            </a:extLst>
-          </p:cNvPr>
-          <p:cNvCxnSpPr>
-            <a:cxnSpLocks/>
-          </p:cNvCxnSpPr>
-          <p:nvPr/>
-        </p:nvCxnSpPr>
-        <p:spPr>
-          <a:xfrm flipH="1">
-            <a:off x="7861917" y="2574494"/>
-            <a:ext cx="1098331" cy="0"/>
-          </a:xfrm>
-          <a:prstGeom prst="line">
-            <a:avLst/>
-          </a:prstGeom>
-          <a:ln w="111125">
-            <a:solidFill>
-              <a:schemeClr val="bg1">
-                <a:lumMod val="50000"/>
-              </a:schemeClr>
-            </a:solidFill>
-          </a:ln>
-        </p:spPr>
-        <p:style>
-          <a:lnRef idx="2">
-            <a:schemeClr val="accent1"/>
-          </a:lnRef>
-          <a:fillRef idx="0">
-            <a:schemeClr val="accent1"/>
-          </a:fillRef>
-          <a:effectRef idx="1">
-            <a:schemeClr val="accent1"/>
-          </a:effectRef>
-          <a:fontRef idx="minor">
-            <a:schemeClr val="tx1"/>
-          </a:fontRef>
-        </p:style>
-      </p:cxnSp>
-      <p:cxnSp>
-        <p:nvCxnSpPr>
-          <p:cNvPr id="1054" name="Straight Connector 1053">
-            <a:extLst>
-              <a:ext uri="{FF2B5EF4-FFF2-40B4-BE49-F238E27FC236}">
-                <a16:creationId xmlns:a16="http://schemas.microsoft.com/office/drawing/2014/main" id="{500CA41F-53CF-E6D1-498D-5D33C64C52BD}"/>
-              </a:ext>
-            </a:extLst>
-          </p:cNvPr>
-          <p:cNvCxnSpPr>
-            <a:cxnSpLocks/>
-          </p:cNvCxnSpPr>
-          <p:nvPr/>
-        </p:nvCxnSpPr>
-        <p:spPr>
-          <a:xfrm flipH="1">
-            <a:off x="7861917" y="1883829"/>
-            <a:ext cx="1098331" cy="0"/>
-          </a:xfrm>
-          <a:prstGeom prst="line">
-            <a:avLst/>
-          </a:prstGeom>
-          <a:ln w="111125">
-            <a:solidFill>
-              <a:schemeClr val="bg1">
-                <a:lumMod val="50000"/>
-              </a:schemeClr>
-            </a:solidFill>
-          </a:ln>
-        </p:spPr>
-        <p:style>
-          <a:lnRef idx="2">
-            <a:schemeClr val="accent1"/>
-          </a:lnRef>
-          <a:fillRef idx="0">
-            <a:schemeClr val="accent1"/>
-          </a:fillRef>
-          <a:effectRef idx="1">
-            <a:schemeClr val="accent1"/>
-          </a:effectRef>
-          <a:fontRef idx="minor">
-            <a:schemeClr val="tx1"/>
-          </a:fontRef>
-        </p:style>
-      </p:cxnSp>
-      <p:pic>
-        <p:nvPicPr>
-          <p:cNvPr id="1055" name="Graphic 1054" descr="Open folder with solid fill">
-            <a:extLst>
-              <a:ext uri="{FF2B5EF4-FFF2-40B4-BE49-F238E27FC236}">
-                <a16:creationId xmlns:a16="http://schemas.microsoft.com/office/drawing/2014/main" id="{46DF97A9-5A8A-5E61-39F2-3469CCDF1EB1}"/>
-              </a:ext>
-            </a:extLst>
-          </p:cNvPr>
-          <p:cNvPicPr>
-            <a:picLocks noChangeAspect="1"/>
-          </p:cNvPicPr>
-          <p:nvPr/>
-        </p:nvPicPr>
-        <p:blipFill>
-          <a:blip r:embed="rId3">
-            <a:extLst>
-              <a:ext uri="{96DAC541-7B7A-43D3-8B79-37D633B846F1}">
-                <asvg:svgBlip xmlns:asvg="http://schemas.microsoft.com/office/drawing/2016/SVG/main" r:embed="rId4"/>
-              </a:ext>
-            </a:extLst>
-          </a:blip>
-          <a:stretch>
-            <a:fillRect/>
-          </a:stretch>
-        </p:blipFill>
-        <p:spPr>
-          <a:xfrm>
-            <a:off x="8815797" y="2291969"/>
-            <a:ext cx="687003" cy="687003"/>
-          </a:xfrm>
-          <a:prstGeom prst="rect">
-            <a:avLst/>
-          </a:prstGeom>
-        </p:spPr>
-      </p:pic>
-      <p:pic>
-        <p:nvPicPr>
-          <p:cNvPr id="1056" name="Picture 6" descr="RStudio SVG and transparent PNG icons | TechIcons">
-            <a:extLst>
-              <a:ext uri="{FF2B5EF4-FFF2-40B4-BE49-F238E27FC236}">
-                <a16:creationId xmlns:a16="http://schemas.microsoft.com/office/drawing/2014/main" id="{52D8F3C3-9E17-217B-41E8-941A7E0AA873}"/>
-              </a:ext>
-            </a:extLst>
-          </p:cNvPr>
-          <p:cNvPicPr>
-            <a:picLocks noChangeAspect="1" noChangeArrowheads="1"/>
-          </p:cNvPicPr>
-          <p:nvPr/>
-        </p:nvPicPr>
-        <p:blipFill>
-          <a:blip r:embed="rId5">
-            <a:extLst>
-              <a:ext uri="{28A0092B-C50C-407E-A947-70E740481C1C}">
-                <a14:useLocalDpi xmlns:a14="http://schemas.microsoft.com/office/drawing/2010/main" val="0"/>
-              </a:ext>
-            </a:extLst>
-          </a:blip>
-          <a:srcRect/>
-          <a:stretch>
-            <a:fillRect/>
-          </a:stretch>
-        </p:blipFill>
-        <p:spPr bwMode="auto">
-          <a:xfrm>
-            <a:off x="8780481" y="1541953"/>
-            <a:ext cx="684063" cy="684063"/>
-          </a:xfrm>
-          <a:prstGeom prst="rect">
-            <a:avLst/>
-          </a:prstGeom>
-          <a:noFill/>
-          <a:extLst>
-            <a:ext uri="{909E8E84-426E-40DD-AFC4-6F175D3DCCD1}">
-              <a14:hiddenFill xmlns:a14="http://schemas.microsoft.com/office/drawing/2010/main">
-                <a:solidFill>
-                  <a:srgbClr val="FFFFFF"/>
-                </a:solidFill>
-              </a14:hiddenFill>
-            </a:ext>
-          </a:extLst>
-        </p:spPr>
-      </p:pic>
-      <p:cxnSp>
-        <p:nvCxnSpPr>
-          <p:cNvPr id="1057" name="Straight Connector 1056">
-            <a:extLst>
-              <a:ext uri="{FF2B5EF4-FFF2-40B4-BE49-F238E27FC236}">
-                <a16:creationId xmlns:a16="http://schemas.microsoft.com/office/drawing/2014/main" id="{10B9B908-4F4D-3B99-3D1E-15B84EB5EC20}"/>
-              </a:ext>
-            </a:extLst>
-          </p:cNvPr>
-          <p:cNvCxnSpPr>
-            <a:cxnSpLocks/>
-          </p:cNvCxnSpPr>
-          <p:nvPr/>
-        </p:nvCxnSpPr>
-        <p:spPr>
-          <a:xfrm flipH="1">
-            <a:off x="9096458" y="4732020"/>
-            <a:ext cx="777498" cy="0"/>
-          </a:xfrm>
-          <a:prstGeom prst="line">
-            <a:avLst/>
-          </a:prstGeom>
-          <a:ln w="111125">
-            <a:solidFill>
-              <a:schemeClr val="bg1">
-                <a:lumMod val="50000"/>
-              </a:schemeClr>
-            </a:solidFill>
-          </a:ln>
-        </p:spPr>
-        <p:style>
-          <a:lnRef idx="2">
-            <a:schemeClr val="accent1"/>
-          </a:lnRef>
-          <a:fillRef idx="0">
-            <a:schemeClr val="accent1"/>
-          </a:fillRef>
-          <a:effectRef idx="1">
-            <a:schemeClr val="accent1"/>
-          </a:effectRef>
-          <a:fontRef idx="minor">
-            <a:schemeClr val="tx1"/>
-          </a:fontRef>
-        </p:style>
-      </p:cxnSp>
-      <p:pic>
-        <p:nvPicPr>
-          <p:cNvPr id="1058" name="Picture 6" descr="RStudio SVG and transparent PNG icons | TechIcons">
-            <a:extLst>
-              <a:ext uri="{FF2B5EF4-FFF2-40B4-BE49-F238E27FC236}">
-                <a16:creationId xmlns:a16="http://schemas.microsoft.com/office/drawing/2014/main" id="{6EE8789B-BF7D-B1ED-F436-F40CFBE56D7F}"/>
-              </a:ext>
-            </a:extLst>
-          </p:cNvPr>
-          <p:cNvPicPr>
-            <a:picLocks noChangeAspect="1" noChangeArrowheads="1"/>
-          </p:cNvPicPr>
-          <p:nvPr/>
-        </p:nvPicPr>
-        <p:blipFill>
-          <a:blip r:embed="rId5">
-            <a:extLst>
-              <a:ext uri="{28A0092B-C50C-407E-A947-70E740481C1C}">
-                <a14:useLocalDpi xmlns:a14="http://schemas.microsoft.com/office/drawing/2010/main" val="0"/>
-              </a:ext>
-            </a:extLst>
-          </a:blip>
-          <a:srcRect/>
-          <a:stretch>
-            <a:fillRect/>
-          </a:stretch>
-        </p:blipFill>
-        <p:spPr bwMode="auto">
-          <a:xfrm>
-            <a:off x="9780782" y="4549730"/>
-            <a:ext cx="386135" cy="386135"/>
-          </a:xfrm>
-          <a:prstGeom prst="rect">
-            <a:avLst/>
-          </a:prstGeom>
-          <a:noFill/>
-          <a:extLst>
-            <a:ext uri="{909E8E84-426E-40DD-AFC4-6F175D3DCCD1}">
-              <a14:hiddenFill xmlns:a14="http://schemas.microsoft.com/office/drawing/2010/main">
-                <a:solidFill>
-                  <a:srgbClr val="FFFFFF"/>
-                </a:solidFill>
-              </a14:hiddenFill>
-            </a:ext>
-          </a:extLst>
-        </p:spPr>
-      </p:pic>
-      <p:sp>
-        <p:nvSpPr>
-          <p:cNvPr id="1059" name="TextBox 1058">
-            <a:extLst>
-              <a:ext uri="{FF2B5EF4-FFF2-40B4-BE49-F238E27FC236}">
-                <a16:creationId xmlns:a16="http://schemas.microsoft.com/office/drawing/2014/main" id="{81C5A596-ADD1-2DF0-1575-6A27B21BD562}"/>
-              </a:ext>
-            </a:extLst>
-          </p:cNvPr>
-          <p:cNvSpPr txBox="1"/>
-          <p:nvPr/>
-        </p:nvSpPr>
-        <p:spPr>
-          <a:xfrm>
-            <a:off x="10157779" y="3638475"/>
-            <a:ext cx="1230273" cy="369332"/>
-          </a:xfrm>
-          <a:prstGeom prst="rect">
-            <a:avLst/>
-          </a:prstGeom>
-          <a:noFill/>
-        </p:spPr>
-        <p:txBody>
-          <a:bodyPr wrap="none" rtlCol="0">
-            <a:spAutoFit/>
-          </a:bodyPr>
-          <a:lstStyle/>
-          <a:p>
-            <a:r>
-              <a:rPr lang="en-AU" b="1" dirty="0"/>
-              <a:t>Functions</a:t>
-            </a:r>
-          </a:p>
-        </p:txBody>
-      </p:sp>
-      <p:sp>
-        <p:nvSpPr>
-          <p:cNvPr id="1060" name="TextBox 1059">
-            <a:extLst>
-              <a:ext uri="{FF2B5EF4-FFF2-40B4-BE49-F238E27FC236}">
-                <a16:creationId xmlns:a16="http://schemas.microsoft.com/office/drawing/2014/main" id="{08B882BE-BF21-EDF4-98D3-BE5400C451D0}"/>
-              </a:ext>
-            </a:extLst>
-          </p:cNvPr>
-          <p:cNvSpPr txBox="1"/>
-          <p:nvPr/>
-        </p:nvSpPr>
-        <p:spPr>
-          <a:xfrm>
-            <a:off x="10184054" y="4100930"/>
-            <a:ext cx="1256754" cy="369332"/>
-          </a:xfrm>
-          <a:prstGeom prst="rect">
-            <a:avLst/>
-          </a:prstGeom>
-          <a:noFill/>
-        </p:spPr>
-        <p:txBody>
-          <a:bodyPr wrap="none" rtlCol="0">
-            <a:spAutoFit/>
-          </a:bodyPr>
-          <a:lstStyle/>
-          <a:p>
-            <a:r>
-              <a:rPr lang="en-AU" b="1" dirty="0"/>
-              <a:t>Analysis A</a:t>
-            </a:r>
-          </a:p>
-        </p:txBody>
-      </p:sp>
-      <p:cxnSp>
-        <p:nvCxnSpPr>
-          <p:cNvPr id="1061" name="Straight Connector 1060">
-            <a:extLst>
-              <a:ext uri="{FF2B5EF4-FFF2-40B4-BE49-F238E27FC236}">
-                <a16:creationId xmlns:a16="http://schemas.microsoft.com/office/drawing/2014/main" id="{14A0CA23-92C5-5A20-E331-A2177C9E36CC}"/>
-              </a:ext>
-            </a:extLst>
-          </p:cNvPr>
-          <p:cNvCxnSpPr>
-            <a:cxnSpLocks/>
-          </p:cNvCxnSpPr>
-          <p:nvPr/>
-        </p:nvCxnSpPr>
-        <p:spPr>
-          <a:xfrm>
-            <a:off x="9151102" y="3627049"/>
-            <a:ext cx="0" cy="1130931"/>
-          </a:xfrm>
-          <a:prstGeom prst="line">
-            <a:avLst/>
-          </a:prstGeom>
-          <a:ln w="111125">
-            <a:solidFill>
-              <a:schemeClr val="bg1">
-                <a:lumMod val="50000"/>
-              </a:schemeClr>
-            </a:solidFill>
-          </a:ln>
-        </p:spPr>
-        <p:style>
-          <a:lnRef idx="2">
-            <a:schemeClr val="accent1"/>
-          </a:lnRef>
-          <a:fillRef idx="0">
-            <a:schemeClr val="accent1"/>
-          </a:fillRef>
-          <a:effectRef idx="1">
-            <a:schemeClr val="accent1"/>
-          </a:effectRef>
-          <a:fontRef idx="minor">
-            <a:schemeClr val="tx1"/>
-          </a:fontRef>
-        </p:style>
-      </p:cxnSp>
-      <p:cxnSp>
-        <p:nvCxnSpPr>
-          <p:cNvPr id="1062" name="Straight Connector 1061">
-            <a:extLst>
-              <a:ext uri="{FF2B5EF4-FFF2-40B4-BE49-F238E27FC236}">
-                <a16:creationId xmlns:a16="http://schemas.microsoft.com/office/drawing/2014/main" id="{51905D52-A8AC-00F3-72BC-0C1BB3D70839}"/>
-              </a:ext>
-            </a:extLst>
-          </p:cNvPr>
-          <p:cNvCxnSpPr>
-            <a:cxnSpLocks/>
-          </p:cNvCxnSpPr>
-          <p:nvPr/>
-        </p:nvCxnSpPr>
-        <p:spPr>
-          <a:xfrm flipH="1">
-            <a:off x="9096458" y="4281409"/>
-            <a:ext cx="777498" cy="0"/>
-          </a:xfrm>
-          <a:prstGeom prst="line">
-            <a:avLst/>
-          </a:prstGeom>
-          <a:ln w="111125">
-            <a:solidFill>
-              <a:schemeClr val="bg1">
-                <a:lumMod val="50000"/>
-              </a:schemeClr>
-            </a:solidFill>
-          </a:ln>
-        </p:spPr>
-        <p:style>
-          <a:lnRef idx="2">
-            <a:schemeClr val="accent1"/>
-          </a:lnRef>
-          <a:fillRef idx="0">
-            <a:schemeClr val="accent1"/>
-          </a:fillRef>
-          <a:effectRef idx="1">
-            <a:schemeClr val="accent1"/>
-          </a:effectRef>
-          <a:fontRef idx="minor">
-            <a:schemeClr val="tx1"/>
-          </a:fontRef>
-        </p:style>
-      </p:cxnSp>
-      <p:cxnSp>
-        <p:nvCxnSpPr>
-          <p:cNvPr id="1063" name="Straight Connector 1062">
-            <a:extLst>
-              <a:ext uri="{FF2B5EF4-FFF2-40B4-BE49-F238E27FC236}">
-                <a16:creationId xmlns:a16="http://schemas.microsoft.com/office/drawing/2014/main" id="{42B94871-4B01-C7A7-8422-7F28AA7A7199}"/>
-              </a:ext>
-            </a:extLst>
-          </p:cNvPr>
-          <p:cNvCxnSpPr>
-            <a:cxnSpLocks/>
-            <a:stCxn id="1064" idx="1"/>
-          </p:cNvCxnSpPr>
-          <p:nvPr/>
-        </p:nvCxnSpPr>
-        <p:spPr>
-          <a:xfrm flipH="1" flipV="1">
-            <a:off x="9096458" y="3820914"/>
-            <a:ext cx="684000" cy="2228"/>
-          </a:xfrm>
-          <a:prstGeom prst="line">
-            <a:avLst/>
-          </a:prstGeom>
-          <a:ln w="111125">
-            <a:solidFill>
-              <a:schemeClr val="bg1">
-                <a:lumMod val="50000"/>
-              </a:schemeClr>
-            </a:solidFill>
-          </a:ln>
-        </p:spPr>
-        <p:style>
-          <a:lnRef idx="2">
-            <a:schemeClr val="accent1"/>
-          </a:lnRef>
-          <a:fillRef idx="0">
-            <a:schemeClr val="accent1"/>
-          </a:fillRef>
-          <a:effectRef idx="1">
-            <a:schemeClr val="accent1"/>
-          </a:effectRef>
-          <a:fontRef idx="minor">
-            <a:schemeClr val="tx1"/>
-          </a:fontRef>
-        </p:style>
-      </p:cxnSp>
-      <p:pic>
-        <p:nvPicPr>
-          <p:cNvPr id="1064" name="Graphic 1063" descr="Open folder with solid fill">
-            <a:extLst>
-              <a:ext uri="{FF2B5EF4-FFF2-40B4-BE49-F238E27FC236}">
-                <a16:creationId xmlns:a16="http://schemas.microsoft.com/office/drawing/2014/main" id="{5D73152C-F47E-F6D3-FC38-7BE443EC278C}"/>
-              </a:ext>
-            </a:extLst>
-          </p:cNvPr>
-          <p:cNvPicPr>
-            <a:picLocks noChangeAspect="1"/>
-          </p:cNvPicPr>
-          <p:nvPr/>
-        </p:nvPicPr>
-        <p:blipFill>
-          <a:blip r:embed="rId3">
-            <a:extLst>
-              <a:ext uri="{96DAC541-7B7A-43D3-8B79-37D633B846F1}">
-                <asvg:svgBlip xmlns:asvg="http://schemas.microsoft.com/office/drawing/2016/SVG/main" r:embed="rId4"/>
-              </a:ext>
-            </a:extLst>
-          </a:blip>
-          <a:stretch>
-            <a:fillRect/>
-          </a:stretch>
-        </p:blipFill>
-        <p:spPr>
-          <a:xfrm>
-            <a:off x="9710516" y="3565064"/>
-            <a:ext cx="516155" cy="516155"/>
-          </a:xfrm>
-          <a:prstGeom prst="rect">
-            <a:avLst/>
-          </a:prstGeom>
-        </p:spPr>
-      </p:pic>
-      <p:pic>
-        <p:nvPicPr>
-          <p:cNvPr id="1065" name="Picture 6" descr="RStudio SVG and transparent PNG icons | TechIcons">
-            <a:extLst>
-              <a:ext uri="{FF2B5EF4-FFF2-40B4-BE49-F238E27FC236}">
-                <a16:creationId xmlns:a16="http://schemas.microsoft.com/office/drawing/2014/main" id="{F948D457-0550-42FC-228E-C87EFB812845}"/>
-              </a:ext>
-            </a:extLst>
-          </p:cNvPr>
-          <p:cNvPicPr>
-            <a:picLocks noChangeAspect="1" noChangeArrowheads="1"/>
-          </p:cNvPicPr>
-          <p:nvPr/>
-        </p:nvPicPr>
-        <p:blipFill>
-          <a:blip r:embed="rId5">
-            <a:extLst>
-              <a:ext uri="{28A0092B-C50C-407E-A947-70E740481C1C}">
-                <a14:useLocalDpi xmlns:a14="http://schemas.microsoft.com/office/drawing/2010/main" val="0"/>
-              </a:ext>
-            </a:extLst>
-          </a:blip>
-          <a:srcRect/>
-          <a:stretch>
-            <a:fillRect/>
-          </a:stretch>
-        </p:blipFill>
-        <p:spPr bwMode="auto">
-          <a:xfrm>
-            <a:off x="9765017" y="4082022"/>
-            <a:ext cx="386135" cy="386135"/>
-          </a:xfrm>
-          <a:prstGeom prst="rect">
-            <a:avLst/>
-          </a:prstGeom>
-          <a:noFill/>
-          <a:extLst>
-            <a:ext uri="{909E8E84-426E-40DD-AFC4-6F175D3DCCD1}">
-              <a14:hiddenFill xmlns:a14="http://schemas.microsoft.com/office/drawing/2010/main">
-                <a:solidFill>
-                  <a:srgbClr val="FFFFFF"/>
-                </a:solidFill>
-              </a14:hiddenFill>
-            </a:ext>
-          </a:extLst>
-        </p:spPr>
-      </p:pic>
-      <p:cxnSp>
-        <p:nvCxnSpPr>
-          <p:cNvPr id="1066" name="Straight Connector 1065">
-            <a:extLst>
-              <a:ext uri="{FF2B5EF4-FFF2-40B4-BE49-F238E27FC236}">
-                <a16:creationId xmlns:a16="http://schemas.microsoft.com/office/drawing/2014/main" id="{9616EDF8-1DC3-261A-8415-7753B699DF12}"/>
-              </a:ext>
-            </a:extLst>
-          </p:cNvPr>
-          <p:cNvCxnSpPr>
-            <a:cxnSpLocks/>
-          </p:cNvCxnSpPr>
-          <p:nvPr/>
-        </p:nvCxnSpPr>
-        <p:spPr>
-          <a:xfrm>
-            <a:off x="9146224" y="5532872"/>
-            <a:ext cx="0" cy="707611"/>
-          </a:xfrm>
-          <a:prstGeom prst="line">
-            <a:avLst/>
-          </a:prstGeom>
-          <a:ln w="111125">
-            <a:solidFill>
-              <a:schemeClr val="bg1">
-                <a:lumMod val="50000"/>
-              </a:schemeClr>
-            </a:solidFill>
-          </a:ln>
-        </p:spPr>
-        <p:style>
-          <a:lnRef idx="2">
-            <a:schemeClr val="accent1"/>
-          </a:lnRef>
-          <a:fillRef idx="0">
-            <a:schemeClr val="accent1"/>
-          </a:fillRef>
-          <a:effectRef idx="1">
-            <a:schemeClr val="accent1"/>
-          </a:effectRef>
-          <a:fontRef idx="minor">
-            <a:schemeClr val="tx1"/>
-          </a:fontRef>
-        </p:style>
-      </p:cxnSp>
-      <p:cxnSp>
-        <p:nvCxnSpPr>
-          <p:cNvPr id="1067" name="Straight Connector 1066">
-            <a:extLst>
-              <a:ext uri="{FF2B5EF4-FFF2-40B4-BE49-F238E27FC236}">
-                <a16:creationId xmlns:a16="http://schemas.microsoft.com/office/drawing/2014/main" id="{6B05A336-A575-81D8-4F93-9294C1E7DFED}"/>
-              </a:ext>
-            </a:extLst>
-          </p:cNvPr>
-          <p:cNvCxnSpPr>
-            <a:cxnSpLocks/>
-          </p:cNvCxnSpPr>
-          <p:nvPr/>
-        </p:nvCxnSpPr>
-        <p:spPr>
-          <a:xfrm flipH="1">
-            <a:off x="9097518" y="6187232"/>
-            <a:ext cx="648000" cy="0"/>
-          </a:xfrm>
-          <a:prstGeom prst="line">
-            <a:avLst/>
-          </a:prstGeom>
-          <a:ln w="111125">
-            <a:solidFill>
-              <a:schemeClr val="bg1">
-                <a:lumMod val="50000"/>
-              </a:schemeClr>
-            </a:solidFill>
-          </a:ln>
-        </p:spPr>
-        <p:style>
-          <a:lnRef idx="2">
-            <a:schemeClr val="accent1"/>
-          </a:lnRef>
-          <a:fillRef idx="0">
-            <a:schemeClr val="accent1"/>
-          </a:fillRef>
-          <a:effectRef idx="1">
-            <a:schemeClr val="accent1"/>
-          </a:effectRef>
-          <a:fontRef idx="minor">
-            <a:schemeClr val="tx1"/>
-          </a:fontRef>
-        </p:style>
-      </p:cxnSp>
-      <p:cxnSp>
-        <p:nvCxnSpPr>
-          <p:cNvPr id="1068" name="Straight Connector 1067">
-            <a:extLst>
-              <a:ext uri="{FF2B5EF4-FFF2-40B4-BE49-F238E27FC236}">
-                <a16:creationId xmlns:a16="http://schemas.microsoft.com/office/drawing/2014/main" id="{1AF993DB-E2AA-19FF-D9F0-77667F74EC04}"/>
-              </a:ext>
-            </a:extLst>
-          </p:cNvPr>
-          <p:cNvCxnSpPr>
-            <a:cxnSpLocks/>
-            <a:stCxn id="1071" idx="1"/>
-          </p:cNvCxnSpPr>
-          <p:nvPr/>
-        </p:nvCxnSpPr>
-        <p:spPr>
-          <a:xfrm flipH="1" flipV="1">
-            <a:off x="9097518" y="5726737"/>
-            <a:ext cx="648000" cy="2228"/>
-          </a:xfrm>
-          <a:prstGeom prst="line">
-            <a:avLst/>
-          </a:prstGeom>
-          <a:ln w="111125">
-            <a:solidFill>
-              <a:schemeClr val="bg1">
-                <a:lumMod val="50000"/>
-              </a:schemeClr>
-            </a:solidFill>
-          </a:ln>
-        </p:spPr>
-        <p:style>
-          <a:lnRef idx="2">
-            <a:schemeClr val="accent1"/>
-          </a:lnRef>
-          <a:fillRef idx="0">
-            <a:schemeClr val="accent1"/>
-          </a:fillRef>
-          <a:effectRef idx="1">
-            <a:schemeClr val="accent1"/>
-          </a:effectRef>
-          <a:fontRef idx="minor">
-            <a:schemeClr val="tx1"/>
-          </a:fontRef>
-        </p:style>
-      </p:cxnSp>
-      <p:grpSp>
-        <p:nvGrpSpPr>
-          <p:cNvPr id="1069" name="Group 1068">
-            <a:extLst>
-              <a:ext uri="{FF2B5EF4-FFF2-40B4-BE49-F238E27FC236}">
-                <a16:creationId xmlns:a16="http://schemas.microsoft.com/office/drawing/2014/main" id="{B7600255-54B9-4AFC-73CE-6395B8AD50D9}"/>
-              </a:ext>
-            </a:extLst>
-          </p:cNvPr>
-          <p:cNvGrpSpPr/>
-          <p:nvPr/>
-        </p:nvGrpSpPr>
-        <p:grpSpPr>
-          <a:xfrm>
-            <a:off x="9711576" y="5470887"/>
-            <a:ext cx="1308653" cy="516155"/>
-            <a:chOff x="9302141" y="5470887"/>
-            <a:chExt cx="1308653" cy="516155"/>
-          </a:xfrm>
-        </p:grpSpPr>
-        <p:sp>
-          <p:nvSpPr>
-            <p:cNvPr id="1070" name="TextBox 1069">
-              <a:extLst>
-                <a:ext uri="{FF2B5EF4-FFF2-40B4-BE49-F238E27FC236}">
-                  <a16:creationId xmlns:a16="http://schemas.microsoft.com/office/drawing/2014/main" id="{4E2EDA8D-F4EC-AE12-A85D-02FB147C3C88}"/>
-                </a:ext>
-              </a:extLst>
-            </p:cNvPr>
-            <p:cNvSpPr txBox="1"/>
-            <p:nvPr/>
-          </p:nvSpPr>
-          <p:spPr>
-            <a:xfrm>
-              <a:off x="9749404" y="5544298"/>
-              <a:ext cx="861390" cy="369332"/>
-            </a:xfrm>
-            <a:prstGeom prst="rect">
-              <a:avLst/>
-            </a:prstGeom>
-            <a:noFill/>
-          </p:spPr>
-          <p:txBody>
-            <a:bodyPr wrap="none" rtlCol="0">
-              <a:spAutoFit/>
-            </a:bodyPr>
-            <a:lstStyle/>
-            <a:p>
-              <a:r>
-                <a:rPr lang="en-AU" b="1" dirty="0"/>
-                <a:t>Tables</a:t>
-              </a:r>
-            </a:p>
-          </p:txBody>
-        </p:sp>
-        <p:pic>
-          <p:nvPicPr>
-            <p:cNvPr id="1071" name="Graphic 1070" descr="Open folder with solid fill">
-              <a:extLst>
-                <a:ext uri="{FF2B5EF4-FFF2-40B4-BE49-F238E27FC236}">
-                  <a16:creationId xmlns:a16="http://schemas.microsoft.com/office/drawing/2014/main" id="{19C0E6C9-5237-77ED-AD26-3154FCC721AC}"/>
-                </a:ext>
-              </a:extLst>
-            </p:cNvPr>
-            <p:cNvPicPr>
-              <a:picLocks noChangeAspect="1"/>
-            </p:cNvPicPr>
-            <p:nvPr/>
-          </p:nvPicPr>
-          <p:blipFill>
-            <a:blip r:embed="rId3">
-              <a:extLst>
-                <a:ext uri="{96DAC541-7B7A-43D3-8B79-37D633B846F1}">
-                  <asvg:svgBlip xmlns:asvg="http://schemas.microsoft.com/office/drawing/2016/SVG/main" r:embed="rId4"/>
-                </a:ext>
-              </a:extLst>
-            </a:blip>
-            <a:stretch>
-              <a:fillRect/>
-            </a:stretch>
-          </p:blipFill>
-          <p:spPr>
-            <a:xfrm>
-              <a:off x="9302141" y="5470887"/>
-              <a:ext cx="516155" cy="516155"/>
-            </a:xfrm>
-            <a:prstGeom prst="rect">
-              <a:avLst/>
-            </a:prstGeom>
-          </p:spPr>
-        </p:pic>
-      </p:grpSp>
-      <p:grpSp>
-        <p:nvGrpSpPr>
-          <p:cNvPr id="1072" name="Group 1071">
-            <a:extLst>
-              <a:ext uri="{FF2B5EF4-FFF2-40B4-BE49-F238E27FC236}">
-                <a16:creationId xmlns:a16="http://schemas.microsoft.com/office/drawing/2014/main" id="{DDE58737-1A89-1D08-11F0-2AA9CEDB0434}"/>
-              </a:ext>
-            </a:extLst>
-          </p:cNvPr>
-          <p:cNvGrpSpPr/>
-          <p:nvPr/>
-        </p:nvGrpSpPr>
-        <p:grpSpPr>
-          <a:xfrm>
-            <a:off x="9711576" y="5932047"/>
-            <a:ext cx="1173424" cy="516155"/>
-            <a:chOff x="9418915" y="5890481"/>
-            <a:chExt cx="1173424" cy="516155"/>
-          </a:xfrm>
-        </p:grpSpPr>
-        <p:sp>
-          <p:nvSpPr>
-            <p:cNvPr id="1073" name="TextBox 1072">
-              <a:extLst>
-                <a:ext uri="{FF2B5EF4-FFF2-40B4-BE49-F238E27FC236}">
-                  <a16:creationId xmlns:a16="http://schemas.microsoft.com/office/drawing/2014/main" id="{AE3D3E0A-0538-D473-F31F-E7CE0DBAE6B7}"/>
-                </a:ext>
-              </a:extLst>
-            </p:cNvPr>
-            <p:cNvSpPr txBox="1"/>
-            <p:nvPr/>
-          </p:nvSpPr>
-          <p:spPr>
-            <a:xfrm>
-              <a:off x="9866178" y="5963892"/>
-              <a:ext cx="726161" cy="369332"/>
-            </a:xfrm>
-            <a:prstGeom prst="rect">
-              <a:avLst/>
-            </a:prstGeom>
-            <a:noFill/>
-          </p:spPr>
-          <p:txBody>
-            <a:bodyPr wrap="none" rtlCol="0">
-              <a:spAutoFit/>
-            </a:bodyPr>
-            <a:lstStyle/>
-            <a:p>
-              <a:r>
-                <a:rPr lang="en-AU" b="1" dirty="0"/>
-                <a:t>Plots</a:t>
-              </a:r>
-            </a:p>
-          </p:txBody>
-        </p:sp>
-        <p:pic>
-          <p:nvPicPr>
-            <p:cNvPr id="1074" name="Graphic 1073" descr="Open folder with solid fill">
-              <a:extLst>
-                <a:ext uri="{FF2B5EF4-FFF2-40B4-BE49-F238E27FC236}">
-                  <a16:creationId xmlns:a16="http://schemas.microsoft.com/office/drawing/2014/main" id="{14BA0B18-3FB2-DD3D-3BBE-31B29EFF088A}"/>
-                </a:ext>
-              </a:extLst>
-            </p:cNvPr>
-            <p:cNvPicPr>
-              <a:picLocks noChangeAspect="1"/>
-            </p:cNvPicPr>
-            <p:nvPr/>
-          </p:nvPicPr>
-          <p:blipFill>
-            <a:blip r:embed="rId3">
-              <a:extLst>
-                <a:ext uri="{96DAC541-7B7A-43D3-8B79-37D633B846F1}">
-                  <asvg:svgBlip xmlns:asvg="http://schemas.microsoft.com/office/drawing/2016/SVG/main" r:embed="rId4"/>
-                </a:ext>
-              </a:extLst>
-            </a:blip>
-            <a:stretch>
-              <a:fillRect/>
-            </a:stretch>
-          </p:blipFill>
-          <p:spPr>
-            <a:xfrm>
-              <a:off x="9418915" y="5890481"/>
-              <a:ext cx="516155" cy="516155"/>
-            </a:xfrm>
-            <a:prstGeom prst="rect">
-              <a:avLst/>
-            </a:prstGeom>
-          </p:spPr>
-        </p:pic>
-      </p:grpSp>
-      <p:pic>
-        <p:nvPicPr>
-          <p:cNvPr id="1075" name="Graphic 1074" descr="Open folder with solid fill">
-            <a:extLst>
-              <a:ext uri="{FF2B5EF4-FFF2-40B4-BE49-F238E27FC236}">
-                <a16:creationId xmlns:a16="http://schemas.microsoft.com/office/drawing/2014/main" id="{8C04569B-4B33-8A20-56DA-ED5B9E8451B3}"/>
-              </a:ext>
-            </a:extLst>
-          </p:cNvPr>
-          <p:cNvPicPr>
-            <a:picLocks noChangeAspect="1"/>
-          </p:cNvPicPr>
-          <p:nvPr/>
-        </p:nvPicPr>
-        <p:blipFill>
-          <a:blip r:embed="rId3">
-            <a:extLst>
-              <a:ext uri="{96DAC541-7B7A-43D3-8B79-37D633B846F1}">
-                <asvg:svgBlip xmlns:asvg="http://schemas.microsoft.com/office/drawing/2016/SVG/main" r:embed="rId4"/>
-              </a:ext>
-            </a:extLst>
-          </a:blip>
-          <a:stretch>
-            <a:fillRect/>
-          </a:stretch>
-        </p:blipFill>
-        <p:spPr>
-          <a:xfrm>
-            <a:off x="8873604" y="5029913"/>
-            <a:ext cx="687003" cy="687003"/>
-          </a:xfrm>
-          <a:prstGeom prst="rect">
-            <a:avLst/>
-          </a:prstGeom>
-        </p:spPr>
-      </p:pic>
-      <p:pic>
-        <p:nvPicPr>
-          <p:cNvPr id="1076" name="Graphic 1075" descr="Open folder with solid fill">
-            <a:extLst>
-              <a:ext uri="{FF2B5EF4-FFF2-40B4-BE49-F238E27FC236}">
-                <a16:creationId xmlns:a16="http://schemas.microsoft.com/office/drawing/2014/main" id="{EEA9E22F-5AEE-D80F-F11D-2362196D3EF8}"/>
-              </a:ext>
-            </a:extLst>
-          </p:cNvPr>
-          <p:cNvPicPr>
-            <a:picLocks noChangeAspect="1"/>
-          </p:cNvPicPr>
-          <p:nvPr/>
-        </p:nvPicPr>
-        <p:blipFill>
-          <a:blip r:embed="rId3">
-            <a:extLst>
-              <a:ext uri="{96DAC541-7B7A-43D3-8B79-37D633B846F1}">
-                <asvg:svgBlip xmlns:asvg="http://schemas.microsoft.com/office/drawing/2016/SVG/main" r:embed="rId4"/>
-              </a:ext>
-            </a:extLst>
-          </a:blip>
-          <a:stretch>
-            <a:fillRect/>
-          </a:stretch>
-        </p:blipFill>
-        <p:spPr>
-          <a:xfrm>
-            <a:off x="8831563" y="3106520"/>
-            <a:ext cx="687003" cy="687003"/>
-          </a:xfrm>
-          <a:prstGeom prst="rect">
-            <a:avLst/>
-          </a:prstGeom>
-        </p:spPr>
-      </p:pic>
-      <p:sp>
-        <p:nvSpPr>
-          <p:cNvPr id="1077" name="TextBox 1076">
-            <a:extLst>
-              <a:ext uri="{FF2B5EF4-FFF2-40B4-BE49-F238E27FC236}">
-                <a16:creationId xmlns:a16="http://schemas.microsoft.com/office/drawing/2014/main" id="{1EA639D2-9527-668B-D313-10C3EE19205B}"/>
-              </a:ext>
-            </a:extLst>
-          </p:cNvPr>
-          <p:cNvSpPr txBox="1"/>
-          <p:nvPr/>
-        </p:nvSpPr>
-        <p:spPr>
-          <a:xfrm>
-            <a:off x="7469484" y="252170"/>
-            <a:ext cx="4258410" cy="553998"/>
-          </a:xfrm>
-          <a:prstGeom prst="rect">
-            <a:avLst/>
-          </a:prstGeom>
-          <a:noFill/>
-        </p:spPr>
-        <p:txBody>
-          <a:bodyPr wrap="none" rtlCol="0">
-            <a:spAutoFit/>
-          </a:bodyPr>
-          <a:lstStyle/>
-          <a:p>
-            <a:r>
-              <a:rPr lang="en-AU" sz="3000" b="1" dirty="0"/>
-              <a:t>A basic R project set up</a:t>
-            </a:r>
-          </a:p>
-        </p:txBody>
-      </p:sp>
-      <p:sp>
-        <p:nvSpPr>
-          <p:cNvPr id="1078" name="TextBox 1077">
-            <a:extLst>
-              <a:ext uri="{FF2B5EF4-FFF2-40B4-BE49-F238E27FC236}">
-                <a16:creationId xmlns:a16="http://schemas.microsoft.com/office/drawing/2014/main" id="{023B66D5-F8C5-2DFB-89F2-CE6625ABC685}"/>
-              </a:ext>
-            </a:extLst>
-          </p:cNvPr>
-          <p:cNvSpPr txBox="1"/>
-          <p:nvPr/>
-        </p:nvSpPr>
-        <p:spPr>
-          <a:xfrm>
-            <a:off x="9387101" y="1687930"/>
-            <a:ext cx="2857514" cy="430887"/>
-          </a:xfrm>
-          <a:prstGeom prst="rect">
-            <a:avLst/>
-          </a:prstGeom>
-          <a:noFill/>
-        </p:spPr>
-        <p:txBody>
-          <a:bodyPr wrap="none" rtlCol="0">
-            <a:spAutoFit/>
-          </a:bodyPr>
-          <a:lstStyle/>
-          <a:p>
-            <a:r>
-              <a:rPr lang="en-AU" sz="2200" b="1" dirty="0"/>
-              <a:t>.</a:t>
-            </a:r>
-            <a:r>
-              <a:rPr lang="en-AU" sz="2200" b="1" dirty="0" err="1"/>
-              <a:t>Rproj</a:t>
-            </a:r>
-            <a:r>
-              <a:rPr lang="en-AU" sz="2200" b="1" dirty="0"/>
-              <a:t> (R Project File)</a:t>
-            </a:r>
-          </a:p>
-        </p:txBody>
-      </p:sp>
-      <p:sp>
-        <p:nvSpPr>
-          <p:cNvPr id="1081" name="Title 1">
-            <a:extLst>
-              <a:ext uri="{FF2B5EF4-FFF2-40B4-BE49-F238E27FC236}">
-                <a16:creationId xmlns:a16="http://schemas.microsoft.com/office/drawing/2014/main" id="{056F0444-F6C9-E9E0-3E1C-87EAE185D37C}"/>
-              </a:ext>
-            </a:extLst>
-          </p:cNvPr>
-          <p:cNvSpPr txBox="1">
-            <a:spLocks/>
-          </p:cNvSpPr>
-          <p:nvPr/>
-        </p:nvSpPr>
-        <p:spPr>
-          <a:xfrm>
-            <a:off x="0" y="283239"/>
-            <a:ext cx="10515600" cy="1325563"/>
-          </a:xfrm>
-          <a:prstGeom prst="rect">
-            <a:avLst/>
-          </a:prstGeom>
-        </p:spPr>
-        <p:txBody>
-          <a:bodyPr vert="horz" lIns="91440" tIns="45720" rIns="91440" bIns="45720" rtlCol="0" anchor="ctr">
-            <a:normAutofit/>
-          </a:bodyPr>
-          <a:lstStyle>
-            <a:lvl1pPr algn="l" defTabSz="914400" rtl="0" eaLnBrk="1" latinLnBrk="0" hangingPunct="1">
-              <a:lnSpc>
-                <a:spcPct val="90000"/>
-              </a:lnSpc>
-              <a:spcBef>
-                <a:spcPct val="0"/>
-              </a:spcBef>
-              <a:buNone/>
-              <a:defRPr sz="4400" kern="1200">
-                <a:solidFill>
-                  <a:schemeClr val="tx1"/>
-                </a:solidFill>
-                <a:latin typeface="+mj-lt"/>
-                <a:ea typeface="+mj-ea"/>
-                <a:cs typeface="+mj-cs"/>
-              </a:defRPr>
-            </a:lvl1pPr>
-          </a:lstStyle>
-          <a:p>
-            <a:r>
-              <a:rPr lang="en-AU" dirty="0"/>
-              <a:t>Getting organised : Data</a:t>
-            </a:r>
-          </a:p>
-        </p:txBody>
-      </p:sp>
-    </p:spTree>
-    <p:extLst>
-      <p:ext uri="{BB962C8B-B14F-4D97-AF65-F5344CB8AC3E}">
-        <p14:creationId xmlns:p14="http://schemas.microsoft.com/office/powerpoint/2010/main" val="1320845194"/>
-      </p:ext>
-    </p:extLst>
-  </p:cSld>
-  <p:clrMapOvr>
-    <a:masterClrMapping/>
-  </p:clrMapOvr>
-</p:sld>
-</file>
-
-<file path=ppt/slides/slide9.xml><?xml version="1.0" encoding="utf-8"?>
-<p:sld xmlns:a="http://schemas.openxmlformats.org/drawingml/2006/main" xmlns:r="http://schemas.openxmlformats.org/officeDocument/2006/relationships" xmlns:p="http://schemas.openxmlformats.org/presentationml/2006/main">
-  <p:cSld>
-    <p:spTree>
-      <p:nvGrpSpPr>
-        <p:cNvPr id="1" name="">
-          <a:extLst>
-            <a:ext uri="{FF2B5EF4-FFF2-40B4-BE49-F238E27FC236}">
-              <a16:creationId xmlns:a16="http://schemas.microsoft.com/office/drawing/2014/main" id="{9B0CF3C4-2EFB-657F-C35C-36305E88B753}"/>
-            </a:ext>
-          </a:extLst>
-        </p:cNvPr>
-        <p:cNvGrpSpPr/>
-        <p:nvPr/>
-      </p:nvGrpSpPr>
-      <p:grpSpPr>
-        <a:xfrm>
-          <a:off x="0" y="0"/>
-          <a:ext cx="0" cy="0"/>
-          <a:chOff x="0" y="0"/>
-          <a:chExt cx="0" cy="0"/>
-        </a:xfrm>
-      </p:grpSpPr>
-      <p:sp>
-        <p:nvSpPr>
-          <p:cNvPr id="4" name="TextBox 3">
-            <a:extLst>
-              <a:ext uri="{FF2B5EF4-FFF2-40B4-BE49-F238E27FC236}">
-                <a16:creationId xmlns:a16="http://schemas.microsoft.com/office/drawing/2014/main" id="{2EA88EF4-8D55-7DFB-0AAD-052327B73173}"/>
-              </a:ext>
-            </a:extLst>
-          </p:cNvPr>
-          <p:cNvSpPr txBox="1"/>
-          <p:nvPr/>
-        </p:nvSpPr>
-        <p:spPr>
-          <a:xfrm>
-            <a:off x="164592" y="2066544"/>
-            <a:ext cx="6080760" cy="3477875"/>
-          </a:xfrm>
-          <a:prstGeom prst="rect">
-            <a:avLst/>
-          </a:prstGeom>
-          <a:noFill/>
-        </p:spPr>
-        <p:txBody>
-          <a:bodyPr wrap="square" rtlCol="0">
-            <a:spAutoFit/>
-          </a:bodyPr>
-          <a:lstStyle/>
-          <a:p>
-            <a:r>
-              <a:rPr lang="en-AU" sz="2000" b="1" dirty="0"/>
-              <a:t>Purpose</a:t>
-            </a:r>
-            <a:r>
-              <a:rPr lang="en-AU" sz="2000" dirty="0"/>
-              <a:t>: Store all raw datasets required for analysis.</a:t>
-            </a:r>
-          </a:p>
-          <a:p>
-            <a:endParaRPr lang="en-AU" sz="2000" b="1" dirty="0"/>
-          </a:p>
-          <a:p>
-            <a:r>
-              <a:rPr lang="en-AU" sz="2000" b="1" dirty="0"/>
-              <a:t>Best Practices</a:t>
-            </a:r>
-            <a:r>
-              <a:rPr lang="en-AU" sz="2000" dirty="0"/>
-              <a:t>:</a:t>
-            </a:r>
-          </a:p>
-          <a:p>
-            <a:pPr marL="342900" indent="-342900">
-              <a:buFont typeface="Arial" panose="020B0604020202020204" pitchFamily="34" charset="0"/>
-              <a:buChar char="•"/>
-            </a:pPr>
-            <a:r>
-              <a:rPr lang="en-AU" sz="2000" dirty="0"/>
-              <a:t>Keep original data unaltered to maintain integrity.</a:t>
-            </a:r>
-          </a:p>
-          <a:p>
-            <a:pPr marL="342900" indent="-342900">
-              <a:buFont typeface="Arial" panose="020B0604020202020204" pitchFamily="34" charset="0"/>
-              <a:buChar char="•"/>
-            </a:pPr>
-            <a:r>
-              <a:rPr lang="en-AU" sz="2000" dirty="0"/>
-              <a:t>Use subfolders like Data/Raw/ for original data and Data/Processed/ for cleaned versions.</a:t>
-            </a:r>
-          </a:p>
-          <a:p>
-            <a:pPr marL="342900" indent="-342900">
-              <a:buFont typeface="Arial" panose="020B0604020202020204" pitchFamily="34" charset="0"/>
-              <a:buChar char="•"/>
-            </a:pPr>
-            <a:endParaRPr lang="en-AU" sz="2000" dirty="0"/>
-          </a:p>
-          <a:p>
-            <a:r>
-              <a:rPr lang="en-AU" sz="2000" b="1" dirty="0"/>
-              <a:t>Example:</a:t>
-            </a:r>
-          </a:p>
-          <a:p>
-            <a:r>
-              <a:rPr lang="en-AU" sz="2000" dirty="0" err="1">
-                <a:solidFill>
-                  <a:srgbClr val="FF0000"/>
-                </a:solidFill>
-              </a:rPr>
-              <a:t>read.csv</a:t>
-            </a:r>
-            <a:r>
-              <a:rPr lang="en-AU" sz="2000" dirty="0">
-                <a:solidFill>
-                  <a:srgbClr val="FF0000"/>
-                </a:solidFill>
-              </a:rPr>
-              <a:t>("Data/</a:t>
-            </a:r>
-            <a:r>
-              <a:rPr lang="en-AU" sz="2000" dirty="0" err="1">
-                <a:solidFill>
-                  <a:srgbClr val="FF0000"/>
-                </a:solidFill>
-              </a:rPr>
-              <a:t>dataset.csv</a:t>
-            </a:r>
-            <a:r>
-              <a:rPr lang="en-AU" sz="2000" dirty="0">
-                <a:solidFill>
-                  <a:srgbClr val="FF0000"/>
-                </a:solidFill>
-              </a:rPr>
-              <a:t>")</a:t>
-            </a:r>
-          </a:p>
-          <a:p>
-            <a:endParaRPr lang="en-AU" sz="2000" b="1" dirty="0"/>
-          </a:p>
-          <a:p>
-            <a:endParaRPr lang="en-AU" sz="2000" dirty="0"/>
-          </a:p>
-        </p:txBody>
-      </p:sp>
-      <p:sp>
-        <p:nvSpPr>
-          <p:cNvPr id="47" name="Title 1">
-            <a:extLst>
-              <a:ext uri="{FF2B5EF4-FFF2-40B4-BE49-F238E27FC236}">
-                <a16:creationId xmlns:a16="http://schemas.microsoft.com/office/drawing/2014/main" id="{2A5BB354-D638-29C3-3ED8-407293F80945}"/>
-              </a:ext>
-            </a:extLst>
-          </p:cNvPr>
-          <p:cNvSpPr txBox="1">
-            <a:spLocks/>
-          </p:cNvSpPr>
-          <p:nvPr/>
-        </p:nvSpPr>
-        <p:spPr>
-          <a:xfrm>
-            <a:off x="0" y="283239"/>
-            <a:ext cx="10515600" cy="1325563"/>
-          </a:xfrm>
-          <a:prstGeom prst="rect">
-            <a:avLst/>
-          </a:prstGeom>
-        </p:spPr>
-        <p:txBody>
-          <a:bodyPr vert="horz" lIns="91440" tIns="45720" rIns="91440" bIns="45720" rtlCol="0" anchor="ctr">
-            <a:normAutofit/>
-          </a:bodyPr>
-          <a:lstStyle>
-            <a:lvl1pPr algn="l" defTabSz="914400" rtl="0" eaLnBrk="1" latinLnBrk="0" hangingPunct="1">
-              <a:lnSpc>
-                <a:spcPct val="90000"/>
-              </a:lnSpc>
-              <a:spcBef>
-                <a:spcPct val="0"/>
-              </a:spcBef>
-              <a:buNone/>
-              <a:defRPr sz="4400" kern="1200">
-                <a:solidFill>
-                  <a:schemeClr val="tx1"/>
-                </a:solidFill>
-                <a:latin typeface="+mj-lt"/>
-                <a:ea typeface="+mj-ea"/>
-                <a:cs typeface="+mj-cs"/>
-              </a:defRPr>
-            </a:lvl1pPr>
-          </a:lstStyle>
-          <a:p>
-            <a:r>
-              <a:rPr lang="en-AU" dirty="0"/>
-              <a:t>Now lets get organised : Data</a:t>
-            </a:r>
-          </a:p>
-        </p:txBody>
-      </p:sp>
-      <p:sp>
-        <p:nvSpPr>
-          <p:cNvPr id="51" name="TextBox 50">
-            <a:extLst>
-              <a:ext uri="{FF2B5EF4-FFF2-40B4-BE49-F238E27FC236}">
-                <a16:creationId xmlns:a16="http://schemas.microsoft.com/office/drawing/2014/main" id="{3E282DB1-C780-4D04-F031-CDC36F022BF9}"/>
-              </a:ext>
-            </a:extLst>
-          </p:cNvPr>
-          <p:cNvSpPr txBox="1"/>
-          <p:nvPr/>
-        </p:nvSpPr>
-        <p:spPr>
-          <a:xfrm>
-            <a:off x="7479624" y="252170"/>
-            <a:ext cx="4258410" cy="553998"/>
-          </a:xfrm>
-          <a:prstGeom prst="rect">
-            <a:avLst/>
-          </a:prstGeom>
-          <a:noFill/>
-        </p:spPr>
-        <p:txBody>
-          <a:bodyPr wrap="none" rtlCol="0">
-            <a:spAutoFit/>
-          </a:bodyPr>
-          <a:lstStyle/>
-          <a:p>
-            <a:r>
-              <a:rPr lang="en-AU" sz="3000" b="1" dirty="0"/>
-              <a:t>A basic R project set up</a:t>
-            </a:r>
-          </a:p>
-        </p:txBody>
-      </p:sp>
-      <p:pic>
-        <p:nvPicPr>
-          <p:cNvPr id="52" name="Picture 51">
-            <a:extLst>
-              <a:ext uri="{FF2B5EF4-FFF2-40B4-BE49-F238E27FC236}">
-                <a16:creationId xmlns:a16="http://schemas.microsoft.com/office/drawing/2014/main" id="{C3A6F942-5EF1-6B61-BE2D-F566FB180F79}"/>
-              </a:ext>
-            </a:extLst>
-          </p:cNvPr>
-          <p:cNvPicPr>
-            <a:picLocks noChangeAspect="1"/>
-          </p:cNvPicPr>
-          <p:nvPr/>
-        </p:nvPicPr>
-        <p:blipFill>
-          <a:blip r:embed="rId3">
-            <a:alphaModFix amt="20000"/>
-          </a:blip>
-          <a:stretch>
-            <a:fillRect/>
-          </a:stretch>
-        </p:blipFill>
-        <p:spPr>
-          <a:xfrm>
-            <a:off x="7378700" y="758114"/>
-            <a:ext cx="4813300" cy="5778500"/>
-          </a:xfrm>
-          <a:prstGeom prst="rect">
-            <a:avLst/>
-          </a:prstGeom>
-        </p:spPr>
-      </p:pic>
-      <p:pic>
-        <p:nvPicPr>
-          <p:cNvPr id="53" name="Picture 52">
-            <a:extLst>
-              <a:ext uri="{FF2B5EF4-FFF2-40B4-BE49-F238E27FC236}">
-                <a16:creationId xmlns:a16="http://schemas.microsoft.com/office/drawing/2014/main" id="{6786FCE2-CF81-5693-DFC6-FC31C37815BC}"/>
-              </a:ext>
-            </a:extLst>
-          </p:cNvPr>
-          <p:cNvPicPr>
-            <a:picLocks noChangeAspect="1"/>
-          </p:cNvPicPr>
-          <p:nvPr/>
-        </p:nvPicPr>
-        <p:blipFill>
-          <a:blip r:embed="rId3"/>
-          <a:srcRect t="28212" b="62341"/>
-          <a:stretch/>
-        </p:blipFill>
-        <p:spPr>
-          <a:xfrm>
-            <a:off x="7378700" y="2388358"/>
-            <a:ext cx="4813300" cy="545911"/>
-          </a:xfrm>
-          <a:prstGeom prst="rect">
-            <a:avLst/>
-          </a:prstGeom>
-        </p:spPr>
-      </p:pic>
-    </p:spTree>
-    <p:extLst>
-      <p:ext uri="{BB962C8B-B14F-4D97-AF65-F5344CB8AC3E}">
-        <p14:creationId xmlns:p14="http://schemas.microsoft.com/office/powerpoint/2010/main" val="4068959706"/>
       </p:ext>
     </p:extLst>
   </p:cSld>

--- a/Week_2/Workshop/Workshop_1.pptx
+++ b/Week_2/Workshop/Workshop_1.pptx
@@ -4840,7 +4840,7 @@
         <p:spPr>
           <a:xfrm>
             <a:off x="480291" y="1314382"/>
-            <a:ext cx="11563928" cy="4229235"/>
+            <a:ext cx="11563928" cy="5319790"/>
           </a:xfrm>
           <a:prstGeom prst="rect">
             <a:avLst/>
@@ -4860,7 +4860,7 @@
               <a:buAutoNum type="arabicPeriod"/>
             </a:pPr>
             <a:r>
-              <a:rPr lang="en-US" sz="4000" dirty="0">
+              <a:rPr lang="en-US" sz="4000" dirty="0" err="1">
                 <a:solidFill>
                   <a:srgbClr val="000000"/>
                 </a:solidFill>
@@ -4869,8 +4869,29 @@
                 <a:cs typeface="Helvetica World"/>
                 <a:sym typeface="Helvetica World"/>
               </a:rPr>
-              <a:t>Flights data </a:t>
-            </a:r>
+              <a:t>msleep</a:t>
+            </a:r>
+            <a:r>
+              <a:rPr lang="en-US" sz="4000">
+                <a:solidFill>
+                  <a:srgbClr val="000000"/>
+                </a:solidFill>
+                <a:latin typeface="+mj-lt"/>
+                <a:ea typeface="Helvetica World"/>
+                <a:cs typeface="Helvetica World"/>
+                <a:sym typeface="Helvetica World"/>
+              </a:rPr>
+              <a:t> data</a:t>
+            </a:r>
+            <a:endParaRPr lang="en-US" sz="4000" dirty="0">
+              <a:solidFill>
+                <a:srgbClr val="000000"/>
+              </a:solidFill>
+              <a:latin typeface="+mj-lt"/>
+              <a:ea typeface="Helvetica World"/>
+              <a:cs typeface="Helvetica World"/>
+              <a:sym typeface="Helvetica World"/>
+            </a:endParaRPr>
           </a:p>
           <a:p>
             <a:pPr marL="914400" indent="-914400" algn="l">
@@ -4932,7 +4953,28 @@
                 <a:cs typeface="Helvetica World"/>
                 <a:sym typeface="Helvetica World"/>
               </a:rPr>
-              <a:t>Grouped mutate/ﬁlter &amp; window functions </a:t>
+              <a:t>Grouped mutate/ﬁlter &amp; window functions</a:t>
+            </a:r>
+          </a:p>
+          <a:p>
+            <a:pPr marL="914400" indent="-914400" algn="l">
+              <a:lnSpc>
+                <a:spcPts val="8500"/>
+              </a:lnSpc>
+              <a:buFont typeface="+mj-lt"/>
+              <a:buAutoNum type="arabicPeriod"/>
+            </a:pPr>
+            <a:r>
+              <a:rPr lang="en-US" sz="4000" dirty="0">
+                <a:solidFill>
+                  <a:srgbClr val="000000"/>
+                </a:solidFill>
+                <a:latin typeface="+mj-lt"/>
+                <a:ea typeface="Helvetica World"/>
+                <a:cs typeface="Helvetica World"/>
+                <a:sym typeface="Helvetica World"/>
+              </a:rPr>
+              <a:t>Apply to your group data </a:t>
             </a:r>
           </a:p>
         </p:txBody>

--- a/Week_2/Workshop/Workshop_1.pptx
+++ b/Week_2/Workshop/Workshop_1.pptx
@@ -5,22 +5,23 @@
     <p:sldMasterId id="2147483648" r:id="rId1"/>
   </p:sldMasterIdLst>
   <p:notesMasterIdLst>
-    <p:notesMasterId r:id="rId15"/>
+    <p:notesMasterId r:id="rId16"/>
   </p:notesMasterIdLst>
   <p:sldIdLst>
     <p:sldId id="256" r:id="rId2"/>
-    <p:sldId id="267" r:id="rId3"/>
-    <p:sldId id="352" r:id="rId4"/>
-    <p:sldId id="384" r:id="rId5"/>
-    <p:sldId id="385" r:id="rId6"/>
-    <p:sldId id="386" r:id="rId7"/>
-    <p:sldId id="389" r:id="rId8"/>
-    <p:sldId id="387" r:id="rId9"/>
-    <p:sldId id="390" r:id="rId10"/>
-    <p:sldId id="391" r:id="rId11"/>
-    <p:sldId id="392" r:id="rId12"/>
-    <p:sldId id="262" r:id="rId13"/>
-    <p:sldId id="263" r:id="rId14"/>
+    <p:sldId id="395" r:id="rId3"/>
+    <p:sldId id="267" r:id="rId4"/>
+    <p:sldId id="352" r:id="rId5"/>
+    <p:sldId id="393" r:id="rId6"/>
+    <p:sldId id="384" r:id="rId7"/>
+    <p:sldId id="385" r:id="rId8"/>
+    <p:sldId id="386" r:id="rId9"/>
+    <p:sldId id="389" r:id="rId10"/>
+    <p:sldId id="387" r:id="rId11"/>
+    <p:sldId id="390" r:id="rId12"/>
+    <p:sldId id="392" r:id="rId13"/>
+    <p:sldId id="262" r:id="rId14"/>
+    <p:sldId id="263" r:id="rId15"/>
   </p:sldIdLst>
   <p:sldSz cx="12192000" cy="6858000"/>
   <p:notesSz cx="6858000" cy="9144000"/>
@@ -642,7 +643,7 @@
           <a:p>
             <a:fld id="{61867EBE-A343-C04B-AAD2-0419BBD7E7C8}" type="slidenum">
               <a:rPr lang="en-AU" smtClean="0"/>
-              <a:t>3</a:t>
+              <a:t>4</a:t>
             </a:fld>
             <a:endParaRPr lang="en-AU"/>
           </a:p>
@@ -666,7 +667,13 @@
   <p:cSld>
     <p:spTree>
       <p:nvGrpSpPr>
-        <p:cNvPr id="1" name=""/>
+        <p:cNvPr id="1" name="">
+          <a:extLst>
+            <a:ext uri="{FF2B5EF4-FFF2-40B4-BE49-F238E27FC236}">
+              <a16:creationId xmlns:a16="http://schemas.microsoft.com/office/drawing/2014/main" id="{A939E369-2FAE-DFB1-5518-877A87A38C5B}"/>
+            </a:ext>
+          </a:extLst>
+        </p:cNvPr>
         <p:cNvGrpSpPr/>
         <p:nvPr/>
       </p:nvGrpSpPr>
@@ -680,7 +687,13 @@
       </p:grpSpPr>
       <p:sp>
         <p:nvSpPr>
-          <p:cNvPr id="2" name="Slide Image Placeholder 1"/>
+          <p:cNvPr id="2" name="Slide Image Placeholder 1">
+            <a:extLst>
+              <a:ext uri="{FF2B5EF4-FFF2-40B4-BE49-F238E27FC236}">
+                <a16:creationId xmlns:a16="http://schemas.microsoft.com/office/drawing/2014/main" id="{5DC1684A-208D-E4EB-D7D7-38F798C69C6D}"/>
+              </a:ext>
+            </a:extLst>
+          </p:cNvPr>
           <p:cNvSpPr>
             <a:spLocks noGrp="1" noRot="1" noChangeAspect="1"/>
           </p:cNvSpPr>
@@ -692,7 +705,13 @@
       </p:sp>
       <p:sp>
         <p:nvSpPr>
-          <p:cNvPr id="3" name="Notes Placeholder 2"/>
+          <p:cNvPr id="3" name="Notes Placeholder 2">
+            <a:extLst>
+              <a:ext uri="{FF2B5EF4-FFF2-40B4-BE49-F238E27FC236}">
+                <a16:creationId xmlns:a16="http://schemas.microsoft.com/office/drawing/2014/main" id="{565F3330-AD46-E32B-06E1-878E0E985135}"/>
+              </a:ext>
+            </a:extLst>
+          </p:cNvPr>
           <p:cNvSpPr>
             <a:spLocks noGrp="1"/>
           </p:cNvSpPr>
@@ -707,29 +726,50 @@
           <a:p>
             <a:r>
               <a:rPr lang="en-AU" dirty="0"/>
-              <a:t>Let’s start with the data folder. This is where all your input files go—CSV files, Excel sheets, or even RDS files.</a:t>
+              <a:t>One of the biggest hurdles for beginners in R is managing files—figuring out where your data is and why your script suddenly can’t find it. </a:t>
             </a:r>
           </a:p>
           <a:p>
             <a:r>
               <a:rPr lang="en-AU" dirty="0"/>
-              <a:t>You should separate </a:t>
+              <a:t>This is where project organization makes a huge difference.</a:t>
+            </a:r>
+          </a:p>
+          <a:p>
+            <a:r>
+              <a:rPr lang="en-AU" dirty="0"/>
+              <a:t>1st, it promotes </a:t>
             </a:r>
             <a:r>
               <a:rPr lang="en-AU" b="1" dirty="0"/>
-              <a:t>raw data</a:t>
+              <a:t>reproducibility</a:t>
             </a:r>
             <a:r>
               <a:rPr lang="en-AU" dirty="0"/>
-              <a:t> from </a:t>
+              <a:t>. If someone else—or future you—wants to rerun your analysis, </a:t>
+            </a:r>
+          </a:p>
+          <a:p>
+            <a:r>
+              <a:rPr lang="en-AU" dirty="0"/>
+              <a:t>they can do so easily if everything’s structured properly.</a:t>
+            </a:r>
+          </a:p>
+          <a:p>
+            <a:endParaRPr lang="en-AU" dirty="0"/>
+          </a:p>
+          <a:p>
+            <a:r>
+              <a:rPr lang="en-AU" dirty="0"/>
+              <a:t>2nd, it enhances </a:t>
             </a:r>
             <a:r>
               <a:rPr lang="en-AU" b="1" dirty="0"/>
-              <a:t>processed data</a:t>
+              <a:t>portability</a:t>
             </a:r>
             <a:r>
               <a:rPr lang="en-AU" dirty="0"/>
-              <a:t>. Why? Because you want a clean record of your starting point.</a:t>
+              <a:t>. You can move your project across computers or share with collaborators without breaking paths or scripts.</a:t>
             </a:r>
           </a:p>
           <a:p>
@@ -738,57 +778,54 @@
           <a:p>
             <a:r>
               <a:rPr lang="en-AU" dirty="0"/>
-              <a:t>In R, we’ll use relative paths like this: </a:t>
-            </a:r>
-            <a:r>
-              <a:rPr lang="en-AU" dirty="0" err="1"/>
-              <a:t>read.csv</a:t>
+              <a:t>3rd, it brings </a:t>
+            </a:r>
+            <a:r>
+              <a:rPr lang="en-AU" b="1" dirty="0"/>
+              <a:t>clarity</a:t>
             </a:r>
             <a:r>
               <a:rPr lang="en-AU" dirty="0"/>
-              <a:t>("Data/Raw/</a:t>
-            </a:r>
-            <a:r>
-              <a:rPr lang="en-AU" dirty="0" err="1"/>
-              <a:t>dataset.csv</a:t>
-            </a:r>
+              <a:t> to your workflow. Having a dedicated folder for data, scripts, and outputs helps you stay on track.</a:t>
+            </a:r>
+          </a:p>
+          <a:p>
+            <a:endParaRPr lang="en-AU" dirty="0"/>
+          </a:p>
+          <a:p>
             <a:r>
               <a:rPr lang="en-AU" dirty="0"/>
-              <a:t>"). </a:t>
+              <a:t>And finally, it’s just </a:t>
+            </a:r>
+            <a:r>
+              <a:rPr lang="en-AU" b="1" dirty="0"/>
+              <a:t>more efficient</a:t>
+            </a:r>
+            <a:r>
+              <a:rPr lang="en-AU" dirty="0"/>
+              <a:t>. You save time and avoid frustration by not constantly fixing file paths or wondering where that CSV went.</a:t>
+            </a:r>
+          </a:p>
+          <a:p>
+            <a:r>
+              <a:rPr lang="en-AU" dirty="0"/>
+              <a:t>The figure here shows a clean directory structure using folders like Data, Scripts, and Outputs. This is what we’re aiming for</a:t>
             </a:r>
           </a:p>
           <a:p>
             <a:endParaRPr lang="en-AU" dirty="0"/>
           </a:p>
-          <a:p>
-            <a:r>
-              <a:rPr lang="en-AU" dirty="0"/>
-              <a:t>Notice that there’s no full path. This only works if we’re inside an RStudio Project—more on that soon.</a:t>
-            </a:r>
-          </a:p>
-          <a:p>
-            <a:endParaRPr lang="en-AU" dirty="0"/>
-          </a:p>
-          <a:p>
-            <a:r>
-              <a:rPr lang="en-AU" dirty="0"/>
-              <a:t>Think of the data folder as the foundation of your analysis—don’t overwrite or edit files here manually. </a:t>
-            </a:r>
-          </a:p>
-          <a:p>
-            <a:r>
-              <a:rPr lang="en-AU" dirty="0"/>
-              <a:t>Always write scripts to do any cleaning or transformations.</a:t>
-            </a:r>
-          </a:p>
-          <a:p>
-            <a:endParaRPr lang="en-AU" dirty="0"/>
-          </a:p>
-        </p:txBody>
-      </p:sp>
-      <p:sp>
-        <p:nvSpPr>
-          <p:cNvPr id="4" name="Slide Number Placeholder 3"/>
+        </p:txBody>
+      </p:sp>
+      <p:sp>
+        <p:nvSpPr>
+          <p:cNvPr id="4" name="Slide Number Placeholder 3">
+            <a:extLst>
+              <a:ext uri="{FF2B5EF4-FFF2-40B4-BE49-F238E27FC236}">
+                <a16:creationId xmlns:a16="http://schemas.microsoft.com/office/drawing/2014/main" id="{04069C54-A8F2-EA1B-56E1-1C227DE6AB96}"/>
+              </a:ext>
+            </a:extLst>
+          </p:cNvPr>
           <p:cNvSpPr>
             <a:spLocks noGrp="1"/>
           </p:cNvSpPr>
@@ -803,7 +840,7 @@
           <a:p>
             <a:fld id="{61867EBE-A343-C04B-AAD2-0419BBD7E7C8}" type="slidenum">
               <a:rPr lang="en-AU" smtClean="0"/>
-              <a:t>4</a:t>
+              <a:t>5</a:t>
             </a:fld>
             <a:endParaRPr lang="en-AU"/>
           </a:p>
@@ -812,7 +849,7 @@
     </p:spTree>
     <p:extLst>
       <p:ext uri="{BB962C8B-B14F-4D97-AF65-F5344CB8AC3E}">
-        <p14:creationId xmlns:p14="http://schemas.microsoft.com/office/powerpoint/2010/main" val="2726196082"/>
+        <p14:creationId xmlns:p14="http://schemas.microsoft.com/office/powerpoint/2010/main" val="3772897070"/>
       </p:ext>
     </p:extLst>
   </p:cSld>
@@ -868,7 +905,29 @@
           <a:p>
             <a:r>
               <a:rPr lang="en-AU" dirty="0"/>
-              <a:t>Next is the Scripts folder. This is where all your code lives: from data cleaning to statistical analysis to visualizations.</a:t>
+              <a:t>Let’s start with the data folder. This is where all your input files go—CSV files, Excel sheets, or even RDS files.</a:t>
+            </a:r>
+          </a:p>
+          <a:p>
+            <a:r>
+              <a:rPr lang="en-AU" dirty="0"/>
+              <a:t>You should separate </a:t>
+            </a:r>
+            <a:r>
+              <a:rPr lang="en-AU" b="1" dirty="0"/>
+              <a:t>raw data</a:t>
+            </a:r>
+            <a:r>
+              <a:rPr lang="en-AU" dirty="0"/>
+              <a:t> from </a:t>
+            </a:r>
+            <a:r>
+              <a:rPr lang="en-AU" b="1" dirty="0"/>
+              <a:t>processed data</a:t>
+            </a:r>
+            <a:r>
+              <a:rPr lang="en-AU" dirty="0"/>
+              <a:t>. Why? Because you want a clean record of your starting point.</a:t>
             </a:r>
           </a:p>
           <a:p>
@@ -877,13 +936,23 @@
           <a:p>
             <a:r>
               <a:rPr lang="en-AU" dirty="0"/>
-              <a:t>It's a good habit to name scripts clearly, like 01_data_cleaning.R, 02_analysis.R, and so on. </a:t>
-            </a:r>
-          </a:p>
-          <a:p>
+              <a:t>In R, we’ll use relative paths like this: </a:t>
+            </a:r>
+            <a:r>
+              <a:rPr lang="en-AU" dirty="0" err="1"/>
+              <a:t>read.csv</a:t>
+            </a:r>
             <a:r>
               <a:rPr lang="en-AU" dirty="0"/>
-              <a:t>This helps you and your collaborators follow your logic.</a:t>
+              <a:t>("Data/Raw/</a:t>
+            </a:r>
+            <a:r>
+              <a:rPr lang="en-AU" dirty="0" err="1"/>
+              <a:t>dataset.csv</a:t>
+            </a:r>
+            <a:r>
+              <a:rPr lang="en-AU" dirty="0"/>
+              <a:t>"). </a:t>
             </a:r>
           </a:p>
           <a:p>
@@ -892,26 +961,22 @@
           <a:p>
             <a:r>
               <a:rPr lang="en-AU" dirty="0"/>
-              <a:t>When sourcing scripts or loading files, always use relative paths. For example:</a:t>
-            </a:r>
-            <a:br>
+              <a:t>Notice that there’s no full path. This only works if we’re inside an RStudio Project—more on that soon.</a:t>
+            </a:r>
+          </a:p>
+          <a:p>
+            <a:endParaRPr lang="en-AU" dirty="0"/>
+          </a:p>
+          <a:p>
+            <a:r>
               <a:rPr lang="en-AU" dirty="0"/>
-            </a:br>
+              <a:t>Think of the data folder as the foundation of your analysis—don’t overwrite or edit files here manually. </a:t>
+            </a:r>
+          </a:p>
+          <a:p>
             <a:r>
               <a:rPr lang="en-AU" dirty="0"/>
-              <a:t>source("Scripts/01_data_cleaning.R")</a:t>
-            </a:r>
-          </a:p>
-          <a:p>
-            <a:r>
-              <a:rPr lang="en-AU" dirty="0"/>
-              <a:t>And when you're working in an RStudio Project, R automatically knows to treat your project folder as the root directory. </a:t>
-            </a:r>
-          </a:p>
-          <a:p>
-            <a:r>
-              <a:rPr lang="en-AU" dirty="0"/>
-              <a:t>This means you never need to hard-code full file paths—just stay consistent and organized.</a:t>
+              <a:t>Always write scripts to do any cleaning or transformations.</a:t>
             </a:r>
           </a:p>
           <a:p>
@@ -936,7 +1001,7 @@
           <a:p>
             <a:fld id="{61867EBE-A343-C04B-AAD2-0419BBD7E7C8}" type="slidenum">
               <a:rPr lang="en-AU" smtClean="0"/>
-              <a:t>5</a:t>
+              <a:t>6</a:t>
             </a:fld>
             <a:endParaRPr lang="en-AU"/>
           </a:p>
@@ -945,7 +1010,7 @@
     </p:spTree>
     <p:extLst>
       <p:ext uri="{BB962C8B-B14F-4D97-AF65-F5344CB8AC3E}">
-        <p14:creationId xmlns:p14="http://schemas.microsoft.com/office/powerpoint/2010/main" val="2349184325"/>
+        <p14:creationId xmlns:p14="http://schemas.microsoft.com/office/powerpoint/2010/main" val="2726196082"/>
       </p:ext>
     </p:extLst>
   </p:cSld>
@@ -1001,19 +1066,22 @@
           <a:p>
             <a:r>
               <a:rPr lang="en-AU" dirty="0"/>
-              <a:t>Outputs include everything you generate from your analysis—figures, tables, and maybe even model summaries.</a:t>
-            </a:r>
+              <a:t>Next is the Scripts folder. This is where all your code lives: from data cleaning to statistical analysis to visualizations.</a:t>
+            </a:r>
+          </a:p>
+          <a:p>
+            <a:endParaRPr lang="en-AU" dirty="0"/>
           </a:p>
           <a:p>
             <a:r>
               <a:rPr lang="en-AU" dirty="0"/>
-              <a:t>A good practice is to separate these into subfolders, like Outputs/Figures/ or Outputs/Reports/. </a:t>
+              <a:t>It's a good habit to name scripts clearly, like 01_data_cleaning.R, 02_analysis.R, and so on. </a:t>
             </a:r>
           </a:p>
           <a:p>
             <a:r>
               <a:rPr lang="en-AU" dirty="0"/>
-              <a:t>That way, when you're writing papers or giving talks, everything you need is easy to find.</a:t>
+              <a:t>This helps you and your collaborators follow your logic.</a:t>
             </a:r>
           </a:p>
           <a:p>
@@ -1022,56 +1090,30 @@
           <a:p>
             <a:r>
               <a:rPr lang="en-AU" dirty="0"/>
-              <a:t>Here’s an example:</a:t>
+              <a:t>When sourcing scripts or loading files, always use relative paths. For example:</a:t>
             </a:r>
             <a:br>
               <a:rPr lang="en-AU" dirty="0"/>
             </a:br>
             <a:r>
-              <a:rPr lang="en-AU" dirty="0" err="1"/>
-              <a:t>ggsave</a:t>
-            </a:r>
-            <a:r>
               <a:rPr lang="en-AU" dirty="0"/>
-              <a:t>("Outputs/Figures/</a:t>
-            </a:r>
-            <a:r>
-              <a:rPr lang="en-AU" dirty="0" err="1"/>
-              <a:t>plot.png</a:t>
-            </a:r>
+              <a:t>source("Scripts/01_data_cleaning.R")</a:t>
+            </a:r>
+          </a:p>
+          <a:p>
             <a:r>
               <a:rPr lang="en-AU" dirty="0"/>
-              <a:t>")</a:t>
+              <a:t>And when you're working in an RStudio Project, R automatically knows to treat your project folder as the root directory. </a:t>
+            </a:r>
+          </a:p>
+          <a:p>
+            <a:r>
+              <a:rPr lang="en-AU" dirty="0"/>
+              <a:t>This means you never need to hard-code full file paths—just stay consistent and organized.</a:t>
             </a:r>
           </a:p>
           <a:p>
             <a:endParaRPr lang="en-AU" dirty="0"/>
-          </a:p>
-          <a:p>
-            <a:r>
-              <a:rPr lang="en-AU" dirty="0"/>
-              <a:t>You should always generate outputs </a:t>
-            </a:r>
-            <a:r>
-              <a:rPr lang="en-AU" b="1" dirty="0"/>
-              <a:t>through scripts</a:t>
-            </a:r>
-            <a:r>
-              <a:rPr lang="en-AU" dirty="0"/>
-              <a:t>, </a:t>
-            </a:r>
-          </a:p>
-          <a:p>
-            <a:r>
-              <a:rPr lang="en-AU" dirty="0"/>
-              <a:t>so they can be reproduced by anyone running the code. </a:t>
-            </a:r>
-          </a:p>
-          <a:p>
-            <a:r>
-              <a:rPr lang="en-AU" dirty="0"/>
-              <a:t>Never copy/paste files manually into this folder.</a:t>
-            </a:r>
           </a:p>
         </p:txBody>
       </p:sp>
@@ -1092,7 +1134,163 @@
           <a:p>
             <a:fld id="{61867EBE-A343-C04B-AAD2-0419BBD7E7C8}" type="slidenum">
               <a:rPr lang="en-AU" smtClean="0"/>
-              <a:t>6</a:t>
+              <a:t>7</a:t>
+            </a:fld>
+            <a:endParaRPr lang="en-AU"/>
+          </a:p>
+        </p:txBody>
+      </p:sp>
+    </p:spTree>
+    <p:extLst>
+      <p:ext uri="{BB962C8B-B14F-4D97-AF65-F5344CB8AC3E}">
+        <p14:creationId xmlns:p14="http://schemas.microsoft.com/office/powerpoint/2010/main" val="2349184325"/>
+      </p:ext>
+    </p:extLst>
+  </p:cSld>
+  <p:clrMapOvr>
+    <a:masterClrMapping/>
+  </p:clrMapOvr>
+</p:notes>
+</file>
+
+<file path=ppt/notesSlides/notesSlide5.xml><?xml version="1.0" encoding="utf-8"?>
+<p:notes xmlns:a="http://schemas.openxmlformats.org/drawingml/2006/main" xmlns:r="http://schemas.openxmlformats.org/officeDocument/2006/relationships" xmlns:p="http://schemas.openxmlformats.org/presentationml/2006/main">
+  <p:cSld>
+    <p:spTree>
+      <p:nvGrpSpPr>
+        <p:cNvPr id="1" name=""/>
+        <p:cNvGrpSpPr/>
+        <p:nvPr/>
+      </p:nvGrpSpPr>
+      <p:grpSpPr>
+        <a:xfrm>
+          <a:off x="0" y="0"/>
+          <a:ext cx="0" cy="0"/>
+          <a:chOff x="0" y="0"/>
+          <a:chExt cx="0" cy="0"/>
+        </a:xfrm>
+      </p:grpSpPr>
+      <p:sp>
+        <p:nvSpPr>
+          <p:cNvPr id="2" name="Slide Image Placeholder 1"/>
+          <p:cNvSpPr>
+            <a:spLocks noGrp="1" noRot="1" noChangeAspect="1"/>
+          </p:cNvSpPr>
+          <p:nvPr>
+            <p:ph type="sldImg"/>
+          </p:nvPr>
+        </p:nvSpPr>
+        <p:spPr/>
+      </p:sp>
+      <p:sp>
+        <p:nvSpPr>
+          <p:cNvPr id="3" name="Notes Placeholder 2"/>
+          <p:cNvSpPr>
+            <a:spLocks noGrp="1"/>
+          </p:cNvSpPr>
+          <p:nvPr>
+            <p:ph type="body" idx="1"/>
+          </p:nvPr>
+        </p:nvSpPr>
+        <p:spPr/>
+        <p:txBody>
+          <a:bodyPr/>
+          <a:lstStyle/>
+          <a:p>
+            <a:r>
+              <a:rPr lang="en-AU" dirty="0"/>
+              <a:t>Outputs include everything you generate from your analysis—figures, tables, and maybe even model summaries.</a:t>
+            </a:r>
+          </a:p>
+          <a:p>
+            <a:r>
+              <a:rPr lang="en-AU" dirty="0"/>
+              <a:t>A good practice is to separate these into subfolders, like Outputs/Figures/ or Outputs/Reports/. </a:t>
+            </a:r>
+          </a:p>
+          <a:p>
+            <a:r>
+              <a:rPr lang="en-AU" dirty="0"/>
+              <a:t>That way, when you're writing papers or giving talks, everything you need is easy to find.</a:t>
+            </a:r>
+          </a:p>
+          <a:p>
+            <a:endParaRPr lang="en-AU" dirty="0"/>
+          </a:p>
+          <a:p>
+            <a:r>
+              <a:rPr lang="en-AU" dirty="0"/>
+              <a:t>Here’s an example:</a:t>
+            </a:r>
+            <a:br>
+              <a:rPr lang="en-AU" dirty="0"/>
+            </a:br>
+            <a:r>
+              <a:rPr lang="en-AU" dirty="0" err="1"/>
+              <a:t>ggsave</a:t>
+            </a:r>
+            <a:r>
+              <a:rPr lang="en-AU" dirty="0"/>
+              <a:t>("Outputs/Figures/</a:t>
+            </a:r>
+            <a:r>
+              <a:rPr lang="en-AU" dirty="0" err="1"/>
+              <a:t>plot.png</a:t>
+            </a:r>
+            <a:r>
+              <a:rPr lang="en-AU" dirty="0"/>
+              <a:t>")</a:t>
+            </a:r>
+          </a:p>
+          <a:p>
+            <a:endParaRPr lang="en-AU" dirty="0"/>
+          </a:p>
+          <a:p>
+            <a:r>
+              <a:rPr lang="en-AU" dirty="0"/>
+              <a:t>You should always generate outputs </a:t>
+            </a:r>
+            <a:r>
+              <a:rPr lang="en-AU" b="1" dirty="0"/>
+              <a:t>through scripts</a:t>
+            </a:r>
+            <a:r>
+              <a:rPr lang="en-AU" dirty="0"/>
+              <a:t>, </a:t>
+            </a:r>
+          </a:p>
+          <a:p>
+            <a:r>
+              <a:rPr lang="en-AU" dirty="0"/>
+              <a:t>so they can be reproduced by anyone running the code. </a:t>
+            </a:r>
+          </a:p>
+          <a:p>
+            <a:r>
+              <a:rPr lang="en-AU" dirty="0"/>
+              <a:t>Never copy/paste files manually into this folder.</a:t>
+            </a:r>
+          </a:p>
+        </p:txBody>
+      </p:sp>
+      <p:sp>
+        <p:nvSpPr>
+          <p:cNvPr id="4" name="Slide Number Placeholder 3"/>
+          <p:cNvSpPr>
+            <a:spLocks noGrp="1"/>
+          </p:cNvSpPr>
+          <p:nvPr>
+            <p:ph type="sldNum" sz="quarter" idx="5"/>
+          </p:nvPr>
+        </p:nvSpPr>
+        <p:spPr/>
+        <p:txBody>
+          <a:bodyPr/>
+          <a:lstStyle/>
+          <a:p>
+            <a:fld id="{61867EBE-A343-C04B-AAD2-0419BBD7E7C8}" type="slidenum">
+              <a:rPr lang="en-AU" smtClean="0"/>
+              <a:t>8</a:t>
             </a:fld>
             <a:endParaRPr lang="en-AU"/>
           </a:p>
@@ -1111,7 +1309,7 @@
 </p:notes>
 </file>
 
-<file path=ppt/notesSlides/notesSlide5.xml><?xml version="1.0" encoding="utf-8"?>
+<file path=ppt/notesSlides/notesSlide6.xml><?xml version="1.0" encoding="utf-8"?>
 <p:notes xmlns:a="http://schemas.openxmlformats.org/drawingml/2006/main" xmlns:r="http://schemas.openxmlformats.org/officeDocument/2006/relationships" xmlns:p="http://schemas.openxmlformats.org/presentationml/2006/main">
   <p:cSld>
     <p:spTree>
@@ -1316,7 +1514,7 @@
           <a:p>
             <a:fld id="{61867EBE-A343-C04B-AAD2-0419BBD7E7C8}" type="slidenum">
               <a:rPr lang="en-AU" smtClean="0"/>
-              <a:t>7</a:t>
+              <a:t>9</a:t>
             </a:fld>
             <a:endParaRPr lang="en-AU"/>
           </a:p>
@@ -1335,7 +1533,7 @@
 </p:notes>
 </file>
 
-<file path=ppt/notesSlides/notesSlide6.xml><?xml version="1.0" encoding="utf-8"?>
+<file path=ppt/notesSlides/notesSlide7.xml><?xml version="1.0" encoding="utf-8"?>
 <p:notes xmlns:a="http://schemas.openxmlformats.org/drawingml/2006/main" xmlns:r="http://schemas.openxmlformats.org/officeDocument/2006/relationships" xmlns:p="http://schemas.openxmlformats.org/presentationml/2006/main">
   <p:cSld>
     <p:spTree>
@@ -1400,7 +1598,7 @@
           <a:p>
             <a:fld id="{8227185B-724B-4A4D-9332-480F4441395B}" type="slidenum">
               <a:rPr lang="en-AU" smtClean="0"/>
-              <a:t>8</a:t>
+              <a:t>10</a:t>
             </a:fld>
             <a:endParaRPr lang="en-AU"/>
           </a:p>
@@ -1410,6 +1608,90 @@
     <p:extLst>
       <p:ext uri="{BB962C8B-B14F-4D97-AF65-F5344CB8AC3E}">
         <p14:creationId xmlns:p14="http://schemas.microsoft.com/office/powerpoint/2010/main" val="3790698125"/>
+      </p:ext>
+    </p:extLst>
+  </p:cSld>
+  <p:clrMapOvr>
+    <a:masterClrMapping/>
+  </p:clrMapOvr>
+</p:notes>
+</file>
+
+<file path=ppt/notesSlides/notesSlide8.xml><?xml version="1.0" encoding="utf-8"?>
+<p:notes xmlns:a="http://schemas.openxmlformats.org/drawingml/2006/main" xmlns:r="http://schemas.openxmlformats.org/officeDocument/2006/relationships" xmlns:p="http://schemas.openxmlformats.org/presentationml/2006/main">
+  <p:cSld>
+    <p:spTree>
+      <p:nvGrpSpPr>
+        <p:cNvPr id="1" name=""/>
+        <p:cNvGrpSpPr/>
+        <p:nvPr/>
+      </p:nvGrpSpPr>
+      <p:grpSpPr>
+        <a:xfrm>
+          <a:off x="0" y="0"/>
+          <a:ext cx="0" cy="0"/>
+          <a:chOff x="0" y="0"/>
+          <a:chExt cx="0" cy="0"/>
+        </a:xfrm>
+      </p:grpSpPr>
+      <p:sp>
+        <p:nvSpPr>
+          <p:cNvPr id="2" name="Slide Image Placeholder 1"/>
+          <p:cNvSpPr>
+            <a:spLocks noGrp="1" noRot="1" noChangeAspect="1"/>
+          </p:cNvSpPr>
+          <p:nvPr>
+            <p:ph type="sldImg"/>
+          </p:nvPr>
+        </p:nvSpPr>
+        <p:spPr/>
+      </p:sp>
+      <p:sp>
+        <p:nvSpPr>
+          <p:cNvPr id="3" name="Notes Placeholder 2"/>
+          <p:cNvSpPr>
+            <a:spLocks noGrp="1"/>
+          </p:cNvSpPr>
+          <p:nvPr>
+            <p:ph type="body" idx="1"/>
+          </p:nvPr>
+        </p:nvSpPr>
+        <p:spPr/>
+        <p:txBody>
+          <a:bodyPr/>
+          <a:lstStyle/>
+          <a:p>
+            <a:endParaRPr lang="en-AU" dirty="0"/>
+          </a:p>
+        </p:txBody>
+      </p:sp>
+      <p:sp>
+        <p:nvSpPr>
+          <p:cNvPr id="4" name="Slide Number Placeholder 3"/>
+          <p:cNvSpPr>
+            <a:spLocks noGrp="1"/>
+          </p:cNvSpPr>
+          <p:nvPr>
+            <p:ph type="sldNum" sz="quarter" idx="5"/>
+          </p:nvPr>
+        </p:nvSpPr>
+        <p:spPr/>
+        <p:txBody>
+          <a:bodyPr/>
+          <a:lstStyle/>
+          <a:p>
+            <a:fld id="{8227185B-724B-4A4D-9332-480F4441395B}" type="slidenum">
+              <a:rPr lang="en-AU" smtClean="0"/>
+              <a:t>12</a:t>
+            </a:fld>
+            <a:endParaRPr lang="en-AU"/>
+          </a:p>
+        </p:txBody>
+      </p:sp>
+    </p:spTree>
+    <p:extLst>
+      <p:ext uri="{BB962C8B-B14F-4D97-AF65-F5344CB8AC3E}">
+        <p14:creationId xmlns:p14="http://schemas.microsoft.com/office/powerpoint/2010/main" val="3203619968"/>
       </p:ext>
     </p:extLst>
   </p:cSld>
@@ -4750,3790 +5032,6 @@
       </p:grpSpPr>
       <p:sp>
         <p:nvSpPr>
-          <p:cNvPr id="4" name="TextBox 2">
-            <a:extLst>
-              <a:ext uri="{FF2B5EF4-FFF2-40B4-BE49-F238E27FC236}">
-                <a16:creationId xmlns:a16="http://schemas.microsoft.com/office/drawing/2014/main" id="{A0265BAD-1940-4223-13B5-51D14B93F309}"/>
-              </a:ext>
-            </a:extLst>
-          </p:cNvPr>
-          <p:cNvSpPr txBox="1"/>
-          <p:nvPr/>
-        </p:nvSpPr>
-        <p:spPr>
-          <a:xfrm>
-            <a:off x="912768" y="1938281"/>
-            <a:ext cx="10122265" cy="2781900"/>
-          </a:xfrm>
-          <a:prstGeom prst="rect">
-            <a:avLst/>
-          </a:prstGeom>
-        </p:spPr>
-        <p:txBody>
-          <a:bodyPr lIns="0" tIns="0" rIns="0" bIns="0" rtlCol="0" anchor="t">
-            <a:spAutoFit/>
-          </a:bodyPr>
-          <a:lstStyle/>
-          <a:p>
-            <a:pPr algn="ctr">
-              <a:lnSpc>
-                <a:spcPts val="7297"/>
-              </a:lnSpc>
-            </a:pPr>
-            <a:r>
-              <a:rPr lang="en-US" sz="6131" dirty="0">
-                <a:solidFill>
-                  <a:srgbClr val="000000"/>
-                </a:solidFill>
-                <a:latin typeface="Helvetica World"/>
-                <a:ea typeface="Helvetica World"/>
-                <a:cs typeface="Helvetica World"/>
-                <a:sym typeface="Helvetica World"/>
-              </a:rPr>
-              <a:t>Data analysis is the process by which data becomes understanding, knowledge </a:t>
-            </a:r>
-          </a:p>
-        </p:txBody>
-      </p:sp>
-    </p:spTree>
-    <p:extLst>
-      <p:ext uri="{BB962C8B-B14F-4D97-AF65-F5344CB8AC3E}">
-        <p14:creationId xmlns:p14="http://schemas.microsoft.com/office/powerpoint/2010/main" val="577756968"/>
-      </p:ext>
-    </p:extLst>
-  </p:cSld>
-  <p:clrMapOvr>
-    <a:masterClrMapping/>
-  </p:clrMapOvr>
-</p:sld>
-</file>
-
-<file path=ppt/slides/slide11.xml><?xml version="1.0" encoding="utf-8"?>
-<p:sld xmlns:a="http://schemas.openxmlformats.org/drawingml/2006/main" xmlns:r="http://schemas.openxmlformats.org/officeDocument/2006/relationships" xmlns:p="http://schemas.openxmlformats.org/presentationml/2006/main">
-  <p:cSld>
-    <p:spTree>
-      <p:nvGrpSpPr>
-        <p:cNvPr id="1" name=""/>
-        <p:cNvGrpSpPr/>
-        <p:nvPr/>
-      </p:nvGrpSpPr>
-      <p:grpSpPr>
-        <a:xfrm>
-          <a:off x="0" y="0"/>
-          <a:ext cx="0" cy="0"/>
-          <a:chOff x="0" y="0"/>
-          <a:chExt cx="0" cy="0"/>
-        </a:xfrm>
-      </p:grpSpPr>
-      <p:sp>
-        <p:nvSpPr>
-          <p:cNvPr id="6" name="TextBox 5">
-            <a:extLst>
-              <a:ext uri="{FF2B5EF4-FFF2-40B4-BE49-F238E27FC236}">
-                <a16:creationId xmlns:a16="http://schemas.microsoft.com/office/drawing/2014/main" id="{F2891E45-532C-3C49-C2FC-93F3AACA6637}"/>
-              </a:ext>
-            </a:extLst>
-          </p:cNvPr>
-          <p:cNvSpPr txBox="1"/>
-          <p:nvPr/>
-        </p:nvSpPr>
-        <p:spPr>
-          <a:xfrm>
-            <a:off x="480291" y="1314382"/>
-            <a:ext cx="11563928" cy="5319790"/>
-          </a:xfrm>
-          <a:prstGeom prst="rect">
-            <a:avLst/>
-          </a:prstGeom>
-        </p:spPr>
-        <p:txBody>
-          <a:bodyPr wrap="square" lIns="0" tIns="0" rIns="0" bIns="0" rtlCol="0" anchor="t">
-            <a:spAutoFit/>
-          </a:bodyPr>
-          <a:lstStyle/>
-          <a:p>
-            <a:pPr marL="914400" indent="-914400" algn="l">
-              <a:lnSpc>
-                <a:spcPts val="8500"/>
-              </a:lnSpc>
-              <a:buFont typeface="+mj-lt"/>
-              <a:buAutoNum type="arabicPeriod"/>
-            </a:pPr>
-            <a:r>
-              <a:rPr lang="en-US" sz="4000" dirty="0" err="1">
-                <a:solidFill>
-                  <a:srgbClr val="000000"/>
-                </a:solidFill>
-                <a:latin typeface="+mj-lt"/>
-                <a:ea typeface="Helvetica World"/>
-                <a:cs typeface="Helvetica World"/>
-                <a:sym typeface="Helvetica World"/>
-              </a:rPr>
-              <a:t>msleep</a:t>
-            </a:r>
-            <a:r>
-              <a:rPr lang="en-US" sz="4000">
-                <a:solidFill>
-                  <a:srgbClr val="000000"/>
-                </a:solidFill>
-                <a:latin typeface="+mj-lt"/>
-                <a:ea typeface="Helvetica World"/>
-                <a:cs typeface="Helvetica World"/>
-                <a:sym typeface="Helvetica World"/>
-              </a:rPr>
-              <a:t> data</a:t>
-            </a:r>
-            <a:endParaRPr lang="en-US" sz="4000" dirty="0">
-              <a:solidFill>
-                <a:srgbClr val="000000"/>
-              </a:solidFill>
-              <a:latin typeface="+mj-lt"/>
-              <a:ea typeface="Helvetica World"/>
-              <a:cs typeface="Helvetica World"/>
-              <a:sym typeface="Helvetica World"/>
-            </a:endParaRPr>
-          </a:p>
-          <a:p>
-            <a:pPr marL="914400" indent="-914400" algn="l">
-              <a:lnSpc>
-                <a:spcPts val="8500"/>
-              </a:lnSpc>
-              <a:buFont typeface="+mj-lt"/>
-              <a:buAutoNum type="arabicPeriod"/>
-            </a:pPr>
-            <a:r>
-              <a:rPr lang="en-US" sz="4000" dirty="0">
-                <a:solidFill>
-                  <a:srgbClr val="000000"/>
-                </a:solidFill>
-                <a:latin typeface="+mj-lt"/>
-                <a:ea typeface="Helvetica World"/>
-                <a:cs typeface="Helvetica World"/>
-                <a:sym typeface="Helvetica World"/>
-              </a:rPr>
-              <a:t>One table verbs &amp; grouped summaries </a:t>
-            </a:r>
-          </a:p>
-          <a:p>
-            <a:pPr marL="914400" indent="-914400" algn="l">
-              <a:lnSpc>
-                <a:spcPts val="8500"/>
-              </a:lnSpc>
-              <a:buFont typeface="+mj-lt"/>
-              <a:buAutoNum type="arabicPeriod"/>
-            </a:pPr>
-            <a:r>
-              <a:rPr lang="en-US" sz="4000" dirty="0">
-                <a:solidFill>
-                  <a:srgbClr val="000000"/>
-                </a:solidFill>
-                <a:latin typeface="+mj-lt"/>
-                <a:ea typeface="Helvetica World"/>
-                <a:cs typeface="Helvetica World"/>
-                <a:sym typeface="Helvetica World"/>
-              </a:rPr>
-              <a:t>Data pipelines </a:t>
-            </a:r>
-          </a:p>
-          <a:p>
-            <a:pPr marL="914400" indent="-914400" algn="l">
-              <a:lnSpc>
-                <a:spcPts val="8500"/>
-              </a:lnSpc>
-              <a:buFont typeface="+mj-lt"/>
-              <a:buAutoNum type="arabicPeriod"/>
-            </a:pPr>
-            <a:r>
-              <a:rPr lang="en-US" sz="4000" dirty="0">
-                <a:solidFill>
-                  <a:srgbClr val="000000"/>
-                </a:solidFill>
-                <a:latin typeface="+mj-lt"/>
-                <a:ea typeface="Helvetica World"/>
-                <a:cs typeface="Helvetica World"/>
-                <a:sym typeface="Helvetica World"/>
-              </a:rPr>
-              <a:t>Grouped mutate/ﬁlter &amp; window functions</a:t>
-            </a:r>
-          </a:p>
-          <a:p>
-            <a:pPr marL="914400" indent="-914400" algn="l">
-              <a:lnSpc>
-                <a:spcPts val="8500"/>
-              </a:lnSpc>
-              <a:buFont typeface="+mj-lt"/>
-              <a:buAutoNum type="arabicPeriod"/>
-            </a:pPr>
-            <a:r>
-              <a:rPr lang="en-US" sz="4000" dirty="0">
-                <a:solidFill>
-                  <a:srgbClr val="000000"/>
-                </a:solidFill>
-                <a:latin typeface="+mj-lt"/>
-                <a:ea typeface="Helvetica World"/>
-                <a:cs typeface="Helvetica World"/>
-                <a:sym typeface="Helvetica World"/>
-              </a:rPr>
-              <a:t>Apply to your group data </a:t>
-            </a:r>
-          </a:p>
-        </p:txBody>
-      </p:sp>
-      <p:sp>
-        <p:nvSpPr>
-          <p:cNvPr id="3" name="Title 1">
-            <a:extLst>
-              <a:ext uri="{FF2B5EF4-FFF2-40B4-BE49-F238E27FC236}">
-                <a16:creationId xmlns:a16="http://schemas.microsoft.com/office/drawing/2014/main" id="{14E98541-17DF-920B-6662-F94409DBB27F}"/>
-              </a:ext>
-            </a:extLst>
-          </p:cNvPr>
-          <p:cNvSpPr txBox="1">
-            <a:spLocks/>
-          </p:cNvSpPr>
-          <p:nvPr/>
-        </p:nvSpPr>
-        <p:spPr>
-          <a:xfrm>
-            <a:off x="0" y="0"/>
-            <a:ext cx="10515600" cy="1325563"/>
-          </a:xfrm>
-          <a:prstGeom prst="rect">
-            <a:avLst/>
-          </a:prstGeom>
-        </p:spPr>
-        <p:txBody>
-          <a:bodyPr vert="horz" lIns="91440" tIns="45720" rIns="91440" bIns="45720" rtlCol="0" anchor="ctr">
-            <a:normAutofit/>
-          </a:bodyPr>
-          <a:lstStyle>
-            <a:lvl1pPr algn="l" defTabSz="914400" rtl="0" eaLnBrk="1" latinLnBrk="0" hangingPunct="1">
-              <a:lnSpc>
-                <a:spcPct val="90000"/>
-              </a:lnSpc>
-              <a:spcBef>
-                <a:spcPct val="0"/>
-              </a:spcBef>
-              <a:buNone/>
-              <a:defRPr sz="4400" kern="1200">
-                <a:solidFill>
-                  <a:schemeClr val="tx1"/>
-                </a:solidFill>
-                <a:latin typeface="+mj-lt"/>
-                <a:ea typeface="+mj-ea"/>
-                <a:cs typeface="+mj-cs"/>
-              </a:defRPr>
-            </a:lvl1pPr>
-          </a:lstStyle>
-          <a:p>
-            <a:r>
-              <a:rPr lang="en-AU" dirty="0"/>
-              <a:t>Today’s learning objectives</a:t>
-            </a:r>
-          </a:p>
-        </p:txBody>
-      </p:sp>
-    </p:spTree>
-    <p:extLst>
-      <p:ext uri="{BB962C8B-B14F-4D97-AF65-F5344CB8AC3E}">
-        <p14:creationId xmlns:p14="http://schemas.microsoft.com/office/powerpoint/2010/main" val="2784696615"/>
-      </p:ext>
-    </p:extLst>
-  </p:cSld>
-  <p:clrMapOvr>
-    <a:masterClrMapping/>
-  </p:clrMapOvr>
-</p:sld>
-</file>
-
-<file path=ppt/slides/slide12.xml><?xml version="1.0" encoding="utf-8"?>
-<p:sld xmlns:a="http://schemas.openxmlformats.org/drawingml/2006/main" xmlns:r="http://schemas.openxmlformats.org/officeDocument/2006/relationships" xmlns:p="http://schemas.openxmlformats.org/presentationml/2006/main">
-  <p:cSld>
-    <p:spTree>
-      <p:nvGrpSpPr>
-        <p:cNvPr id="1" name=""/>
-        <p:cNvGrpSpPr/>
-        <p:nvPr/>
-      </p:nvGrpSpPr>
-      <p:grpSpPr>
-        <a:xfrm>
-          <a:off x="0" y="0"/>
-          <a:ext cx="0" cy="0"/>
-          <a:chOff x="0" y="0"/>
-          <a:chExt cx="0" cy="0"/>
-        </a:xfrm>
-      </p:grpSpPr>
-      <p:sp>
-        <p:nvSpPr>
-          <p:cNvPr id="2" name="Freeform 2"/>
-          <p:cNvSpPr/>
-          <p:nvPr/>
-        </p:nvSpPr>
-        <p:spPr>
-          <a:xfrm>
-            <a:off x="3082231" y="0"/>
-            <a:ext cx="9143998" cy="6858000"/>
-          </a:xfrm>
-          <a:custGeom>
-            <a:avLst/>
-            <a:gdLst/>
-            <a:ahLst/>
-            <a:cxnLst/>
-            <a:rect l="l" t="t" r="r" b="b"/>
-            <a:pathLst>
-              <a:path w="13004797" h="9753600">
-                <a:moveTo>
-                  <a:pt x="0" y="0"/>
-                </a:moveTo>
-                <a:lnTo>
-                  <a:pt x="13004797" y="0"/>
-                </a:lnTo>
-                <a:lnTo>
-                  <a:pt x="13004797" y="9753600"/>
-                </a:lnTo>
-                <a:lnTo>
-                  <a:pt x="0" y="9753600"/>
-                </a:lnTo>
-                <a:lnTo>
-                  <a:pt x="0" y="0"/>
-                </a:lnTo>
-                <a:close/>
-              </a:path>
-            </a:pathLst>
-          </a:custGeom>
-          <a:blipFill>
-            <a:blip r:embed="rId2"/>
-            <a:stretch>
-              <a:fillRect/>
-            </a:stretch>
-          </a:blipFill>
-        </p:spPr>
-        <p:txBody>
-          <a:bodyPr/>
-          <a:lstStyle/>
-          <a:p>
-            <a:endParaRPr lang="en-AU" sz="1266"/>
-          </a:p>
-        </p:txBody>
-      </p:sp>
-      <p:grpSp>
-        <p:nvGrpSpPr>
-          <p:cNvPr id="3" name="Group 3"/>
-          <p:cNvGrpSpPr>
-            <a:grpSpLocks noChangeAspect="1"/>
-          </p:cNvGrpSpPr>
-          <p:nvPr/>
-        </p:nvGrpSpPr>
-        <p:grpSpPr>
-          <a:xfrm>
-            <a:off x="1568648" y="6796674"/>
-            <a:ext cx="8893969" cy="13501"/>
-            <a:chOff x="0" y="0"/>
-            <a:chExt cx="12649200" cy="19202"/>
-          </a:xfrm>
-        </p:grpSpPr>
-        <p:sp>
-          <p:nvSpPr>
-            <p:cNvPr id="4" name="Freeform 4"/>
-            <p:cNvSpPr/>
-            <p:nvPr/>
-          </p:nvSpPr>
-          <p:spPr>
-            <a:xfrm>
-              <a:off x="0" y="0"/>
-              <a:ext cx="12649200" cy="19177"/>
-            </a:xfrm>
-            <a:custGeom>
-              <a:avLst/>
-              <a:gdLst/>
-              <a:ahLst/>
-              <a:cxnLst/>
-              <a:rect l="l" t="t" r="r" b="b"/>
-              <a:pathLst>
-                <a:path w="12649200" h="19177">
-                  <a:moveTo>
-                    <a:pt x="0" y="0"/>
-                  </a:moveTo>
-                  <a:lnTo>
-                    <a:pt x="0" y="19177"/>
-                  </a:lnTo>
-                  <a:lnTo>
-                    <a:pt x="12649200" y="19177"/>
-                  </a:lnTo>
-                  <a:lnTo>
-                    <a:pt x="12649200" y="0"/>
-                  </a:lnTo>
-                  <a:close/>
-                </a:path>
-              </a:pathLst>
-            </a:custGeom>
-            <a:solidFill>
-              <a:srgbClr val="000000"/>
-            </a:solidFill>
-          </p:spPr>
-          <p:txBody>
-            <a:bodyPr/>
-            <a:lstStyle/>
-            <a:p>
-              <a:endParaRPr lang="en-AU" sz="1266"/>
-            </a:p>
-          </p:txBody>
-        </p:sp>
-      </p:grpSp>
-      <p:sp>
-        <p:nvSpPr>
-          <p:cNvPr id="5" name="TextBox 5"/>
-          <p:cNvSpPr txBox="1"/>
-          <p:nvPr/>
-        </p:nvSpPr>
-        <p:spPr>
-          <a:xfrm>
-            <a:off x="1786457" y="438678"/>
-            <a:ext cx="3740115" cy="1846659"/>
-          </a:xfrm>
-          <a:prstGeom prst="rect">
-            <a:avLst/>
-          </a:prstGeom>
-        </p:spPr>
-        <p:txBody>
-          <a:bodyPr lIns="0" tIns="0" rIns="0" bIns="0" rtlCol="0" anchor="t">
-            <a:spAutoFit/>
-          </a:bodyPr>
-          <a:lstStyle/>
-          <a:p>
-            <a:pPr>
-              <a:lnSpc>
-                <a:spcPts val="4789"/>
-              </a:lnSpc>
-            </a:pPr>
-            <a:r>
-              <a:rPr lang="en-US" sz="4008" b="1">
-                <a:solidFill>
-                  <a:srgbClr val="000000"/>
-                </a:solidFill>
-                <a:latin typeface="Helvetica World Bold"/>
-                <a:ea typeface="Helvetica World Bold"/>
-                <a:cs typeface="Helvetica World Bold"/>
-                <a:sym typeface="Helvetica World Bold"/>
-              </a:rPr>
-              <a:t>The bad news: </a:t>
-            </a:r>
-            <a:r>
-              <a:rPr lang="en-US" sz="4008">
-                <a:solidFill>
-                  <a:srgbClr val="000000"/>
-                </a:solidFill>
-                <a:latin typeface="Helvetica World"/>
-                <a:ea typeface="Helvetica World"/>
-                <a:cs typeface="Helvetica World"/>
-                <a:sym typeface="Helvetica World"/>
-              </a:rPr>
-              <a:t>It’s going to be frustrating</a:t>
-            </a:r>
-          </a:p>
-        </p:txBody>
-      </p:sp>
-      <p:sp>
-        <p:nvSpPr>
-          <p:cNvPr id="6" name="TextBox 6"/>
-          <p:cNvSpPr txBox="1"/>
-          <p:nvPr/>
-        </p:nvSpPr>
-        <p:spPr>
-          <a:xfrm>
-            <a:off x="1740098" y="6322815"/>
-            <a:ext cx="60771" cy="280911"/>
-          </a:xfrm>
-          <a:prstGeom prst="rect">
-            <a:avLst/>
-          </a:prstGeom>
-        </p:spPr>
-        <p:txBody>
-          <a:bodyPr lIns="0" tIns="0" rIns="0" bIns="0" rtlCol="0" anchor="t">
-            <a:spAutoFit/>
-          </a:bodyPr>
-          <a:lstStyle/>
-          <a:p>
-            <a:pPr>
-              <a:lnSpc>
-                <a:spcPts val="2301"/>
-              </a:lnSpc>
-            </a:pPr>
-            <a:r>
-              <a:rPr lang="en-US" sz="1687">
-                <a:solidFill>
-                  <a:srgbClr val="000000"/>
-                </a:solidFill>
-                <a:latin typeface="Helvetica World"/>
-                <a:ea typeface="Helvetica World"/>
-                <a:cs typeface="Helvetica World"/>
-                <a:sym typeface="Helvetica World"/>
-              </a:rPr>
-              <a:t> </a:t>
-            </a:r>
-          </a:p>
-        </p:txBody>
-      </p:sp>
-      <p:sp>
-        <p:nvSpPr>
-          <p:cNvPr id="8" name="TextBox 8"/>
-          <p:cNvSpPr txBox="1"/>
-          <p:nvPr/>
-        </p:nvSpPr>
-        <p:spPr>
-          <a:xfrm>
-            <a:off x="1540940" y="6500846"/>
-            <a:ext cx="1275963" cy="290529"/>
-          </a:xfrm>
-          <a:prstGeom prst="rect">
-            <a:avLst/>
-          </a:prstGeom>
-        </p:spPr>
-        <p:txBody>
-          <a:bodyPr lIns="0" tIns="0" rIns="0" bIns="0" rtlCol="0" anchor="t">
-            <a:spAutoFit/>
-          </a:bodyPr>
-          <a:lstStyle/>
-          <a:p>
-            <a:pPr>
-              <a:lnSpc>
-                <a:spcPts val="2362"/>
-              </a:lnSpc>
-            </a:pPr>
-            <a:r>
-              <a:rPr lang="en-US" sz="1687" dirty="0">
-                <a:solidFill>
-                  <a:srgbClr val="000000"/>
-                </a:solidFill>
-                <a:latin typeface="Helvetica World"/>
-                <a:ea typeface="Helvetica World"/>
-                <a:cs typeface="Helvetica World"/>
-                <a:sym typeface="Helvetica World"/>
-              </a:rPr>
-              <a:t>© Allie Brosh</a:t>
-            </a:r>
-          </a:p>
-        </p:txBody>
-      </p:sp>
-    </p:spTree>
-  </p:cSld>
-  <p:clrMapOvr>
-    <a:masterClrMapping/>
-  </p:clrMapOvr>
-</p:sld>
-</file>
-
-<file path=ppt/slides/slide13.xml><?xml version="1.0" encoding="utf-8"?>
-<p:sld xmlns:a="http://schemas.openxmlformats.org/drawingml/2006/main" xmlns:r="http://schemas.openxmlformats.org/officeDocument/2006/relationships" xmlns:p="http://schemas.openxmlformats.org/presentationml/2006/main">
-  <p:cSld>
-    <p:spTree>
-      <p:nvGrpSpPr>
-        <p:cNvPr id="1" name=""/>
-        <p:cNvGrpSpPr/>
-        <p:nvPr/>
-      </p:nvGrpSpPr>
-      <p:grpSpPr>
-        <a:xfrm>
-          <a:off x="0" y="0"/>
-          <a:ext cx="0" cy="0"/>
-          <a:chOff x="0" y="0"/>
-          <a:chExt cx="0" cy="0"/>
-        </a:xfrm>
-      </p:grpSpPr>
-      <p:sp>
-        <p:nvSpPr>
-          <p:cNvPr id="2" name="Freeform 2"/>
-          <p:cNvSpPr/>
-          <p:nvPr/>
-        </p:nvSpPr>
-        <p:spPr>
-          <a:xfrm>
-            <a:off x="1528465" y="0"/>
-            <a:ext cx="9143998" cy="6858000"/>
-          </a:xfrm>
-          <a:custGeom>
-            <a:avLst/>
-            <a:gdLst/>
-            <a:ahLst/>
-            <a:cxnLst/>
-            <a:rect l="l" t="t" r="r" b="b"/>
-            <a:pathLst>
-              <a:path w="13004797" h="9753600">
-                <a:moveTo>
-                  <a:pt x="0" y="0"/>
-                </a:moveTo>
-                <a:lnTo>
-                  <a:pt x="13004797" y="0"/>
-                </a:lnTo>
-                <a:lnTo>
-                  <a:pt x="13004797" y="9753600"/>
-                </a:lnTo>
-                <a:lnTo>
-                  <a:pt x="0" y="9753600"/>
-                </a:lnTo>
-                <a:lnTo>
-                  <a:pt x="0" y="0"/>
-                </a:lnTo>
-                <a:close/>
-              </a:path>
-            </a:pathLst>
-          </a:custGeom>
-          <a:blipFill>
-            <a:blip r:embed="rId2"/>
-            <a:stretch>
-              <a:fillRect/>
-            </a:stretch>
-          </a:blipFill>
-        </p:spPr>
-        <p:txBody>
-          <a:bodyPr/>
-          <a:lstStyle/>
-          <a:p>
-            <a:endParaRPr lang="en-AU" sz="1266"/>
-          </a:p>
-        </p:txBody>
-      </p:sp>
-      <p:grpSp>
-        <p:nvGrpSpPr>
-          <p:cNvPr id="3" name="Group 3"/>
-          <p:cNvGrpSpPr>
-            <a:grpSpLocks noChangeAspect="1"/>
-          </p:cNvGrpSpPr>
-          <p:nvPr/>
-        </p:nvGrpSpPr>
-        <p:grpSpPr>
-          <a:xfrm>
-            <a:off x="1542047" y="6796674"/>
-            <a:ext cx="8679656" cy="13501"/>
-            <a:chOff x="0" y="0"/>
-            <a:chExt cx="12344400" cy="19202"/>
-          </a:xfrm>
-        </p:grpSpPr>
-        <p:sp>
-          <p:nvSpPr>
-            <p:cNvPr id="4" name="Freeform 4"/>
-            <p:cNvSpPr/>
-            <p:nvPr/>
-          </p:nvSpPr>
-          <p:spPr>
-            <a:xfrm>
-              <a:off x="0" y="0"/>
-              <a:ext cx="12344400" cy="19177"/>
-            </a:xfrm>
-            <a:custGeom>
-              <a:avLst/>
-              <a:gdLst/>
-              <a:ahLst/>
-              <a:cxnLst/>
-              <a:rect l="l" t="t" r="r" b="b"/>
-              <a:pathLst>
-                <a:path w="12344400" h="19177">
-                  <a:moveTo>
-                    <a:pt x="0" y="0"/>
-                  </a:moveTo>
-                  <a:lnTo>
-                    <a:pt x="12344400" y="0"/>
-                  </a:lnTo>
-                  <a:lnTo>
-                    <a:pt x="12344400" y="19177"/>
-                  </a:lnTo>
-                  <a:lnTo>
-                    <a:pt x="0" y="19177"/>
-                  </a:lnTo>
-                  <a:close/>
-                </a:path>
-              </a:pathLst>
-            </a:custGeom>
-            <a:solidFill>
-              <a:srgbClr val="FFFFFF"/>
-            </a:solidFill>
-          </p:spPr>
-          <p:txBody>
-            <a:bodyPr/>
-            <a:lstStyle/>
-            <a:p>
-              <a:endParaRPr lang="en-AU" sz="1266"/>
-            </a:p>
-          </p:txBody>
-        </p:sp>
-      </p:grpSp>
-      <p:sp>
-        <p:nvSpPr>
-          <p:cNvPr id="5" name="TextBox 5"/>
-          <p:cNvSpPr txBox="1"/>
-          <p:nvPr/>
-        </p:nvSpPr>
-        <p:spPr>
-          <a:xfrm>
-            <a:off x="6046889" y="2894344"/>
-            <a:ext cx="4076539" cy="2462213"/>
-          </a:xfrm>
-          <a:prstGeom prst="rect">
-            <a:avLst/>
-          </a:prstGeom>
-        </p:spPr>
-        <p:txBody>
-          <a:bodyPr lIns="0" tIns="0" rIns="0" bIns="0" rtlCol="0" anchor="t">
-            <a:spAutoFit/>
-          </a:bodyPr>
-          <a:lstStyle/>
-          <a:p>
-            <a:pPr>
-              <a:lnSpc>
-                <a:spcPts val="4801"/>
-              </a:lnSpc>
-            </a:pPr>
-            <a:r>
-              <a:rPr lang="en-US" sz="4008" b="1">
-                <a:solidFill>
-                  <a:srgbClr val="FFFFFF"/>
-                </a:solidFill>
-                <a:latin typeface="Helvetica World Bold"/>
-                <a:ea typeface="Helvetica World Bold"/>
-                <a:cs typeface="Helvetica World Bold"/>
-                <a:sym typeface="Helvetica World Bold"/>
-              </a:rPr>
-              <a:t>The good news: </a:t>
-            </a:r>
-            <a:r>
-              <a:rPr lang="en-US" sz="4008">
-                <a:solidFill>
-                  <a:srgbClr val="FFFFFF"/>
-                </a:solidFill>
-                <a:latin typeface="Helvetica World"/>
-                <a:ea typeface="Helvetica World"/>
-                <a:cs typeface="Helvetica World"/>
-                <a:sym typeface="Helvetica World"/>
-              </a:rPr>
-              <a:t>Frustration is </a:t>
-            </a:r>
-            <a:r>
-              <a:rPr lang="en-US" sz="4008" b="1">
-                <a:solidFill>
-                  <a:srgbClr val="FFFFFF"/>
-                </a:solidFill>
-                <a:latin typeface="Helvetica World Bold"/>
-                <a:ea typeface="Helvetica World Bold"/>
-                <a:cs typeface="Helvetica World Bold"/>
-                <a:sym typeface="Helvetica World Bold"/>
-              </a:rPr>
-              <a:t>typical</a:t>
-            </a:r>
-            <a:r>
-              <a:rPr lang="en-US" sz="4008">
-                <a:solidFill>
-                  <a:srgbClr val="FFFFFF"/>
-                </a:solidFill>
-                <a:latin typeface="Helvetica World"/>
-                <a:ea typeface="Helvetica World"/>
-                <a:cs typeface="Helvetica World"/>
-                <a:sym typeface="Helvetica World"/>
-              </a:rPr>
-              <a:t> and temporary</a:t>
-            </a:r>
-          </a:p>
-        </p:txBody>
-      </p:sp>
-      <p:sp>
-        <p:nvSpPr>
-          <p:cNvPr id="6" name="TextBox 6"/>
-          <p:cNvSpPr txBox="1"/>
-          <p:nvPr/>
-        </p:nvSpPr>
-        <p:spPr>
-          <a:xfrm>
-            <a:off x="1740098" y="6322815"/>
-            <a:ext cx="60771" cy="280911"/>
-          </a:xfrm>
-          <a:prstGeom prst="rect">
-            <a:avLst/>
-          </a:prstGeom>
-        </p:spPr>
-        <p:txBody>
-          <a:bodyPr lIns="0" tIns="0" rIns="0" bIns="0" rtlCol="0" anchor="t">
-            <a:spAutoFit/>
-          </a:bodyPr>
-          <a:lstStyle/>
-          <a:p>
-            <a:pPr>
-              <a:lnSpc>
-                <a:spcPts val="2301"/>
-              </a:lnSpc>
-            </a:pPr>
-            <a:r>
-              <a:rPr lang="en-US" sz="1687">
-                <a:solidFill>
-                  <a:srgbClr val="FFFFFF"/>
-                </a:solidFill>
-                <a:latin typeface="Helvetica World"/>
-                <a:ea typeface="Helvetica World"/>
-                <a:cs typeface="Helvetica World"/>
-                <a:sym typeface="Helvetica World"/>
-              </a:rPr>
-              <a:t> </a:t>
-            </a:r>
-          </a:p>
-        </p:txBody>
-      </p:sp>
-      <p:sp>
-        <p:nvSpPr>
-          <p:cNvPr id="8" name="TextBox 8"/>
-          <p:cNvSpPr txBox="1"/>
-          <p:nvPr/>
-        </p:nvSpPr>
-        <p:spPr>
-          <a:xfrm>
-            <a:off x="1568649" y="6316118"/>
-            <a:ext cx="1275963" cy="290529"/>
-          </a:xfrm>
-          <a:prstGeom prst="rect">
-            <a:avLst/>
-          </a:prstGeom>
-        </p:spPr>
-        <p:txBody>
-          <a:bodyPr lIns="0" tIns="0" rIns="0" bIns="0" rtlCol="0" anchor="t">
-            <a:spAutoFit/>
-          </a:bodyPr>
-          <a:lstStyle/>
-          <a:p>
-            <a:pPr>
-              <a:lnSpc>
-                <a:spcPts val="2362"/>
-              </a:lnSpc>
-            </a:pPr>
-            <a:r>
-              <a:rPr lang="en-US" sz="1687">
-                <a:solidFill>
-                  <a:srgbClr val="FFFFFF"/>
-                </a:solidFill>
-                <a:latin typeface="Helvetica World"/>
-                <a:ea typeface="Helvetica World"/>
-                <a:cs typeface="Helvetica World"/>
-                <a:sym typeface="Helvetica World"/>
-              </a:rPr>
-              <a:t>© Allie Brosh</a:t>
-            </a:r>
-          </a:p>
-        </p:txBody>
-      </p:sp>
-    </p:spTree>
-  </p:cSld>
-  <p:clrMapOvr>
-    <a:masterClrMapping/>
-  </p:clrMapOvr>
-</p:sld>
-</file>
-
-<file path=ppt/slides/slide2.xml><?xml version="1.0" encoding="utf-8"?>
-<p:sld xmlns:a="http://schemas.openxmlformats.org/drawingml/2006/main" xmlns:r="http://schemas.openxmlformats.org/officeDocument/2006/relationships" xmlns:p="http://schemas.openxmlformats.org/presentationml/2006/main">
-  <p:cSld>
-    <p:spTree>
-      <p:nvGrpSpPr>
-        <p:cNvPr id="1" name=""/>
-        <p:cNvGrpSpPr/>
-        <p:nvPr/>
-      </p:nvGrpSpPr>
-      <p:grpSpPr>
-        <a:xfrm>
-          <a:off x="0" y="0"/>
-          <a:ext cx="0" cy="0"/>
-          <a:chOff x="0" y="0"/>
-          <a:chExt cx="0" cy="0"/>
-        </a:xfrm>
-      </p:grpSpPr>
-      <p:sp>
-        <p:nvSpPr>
-          <p:cNvPr id="2" name="Title 1">
-            <a:extLst>
-              <a:ext uri="{FF2B5EF4-FFF2-40B4-BE49-F238E27FC236}">
-                <a16:creationId xmlns:a16="http://schemas.microsoft.com/office/drawing/2014/main" id="{2B7BDB3C-634C-E3CA-58C2-158103BF74F9}"/>
-              </a:ext>
-            </a:extLst>
-          </p:cNvPr>
-          <p:cNvSpPr>
-            <a:spLocks noGrp="1"/>
-          </p:cNvSpPr>
-          <p:nvPr>
-            <p:ph type="title"/>
-          </p:nvPr>
-        </p:nvSpPr>
-        <p:spPr/>
-        <p:txBody>
-          <a:bodyPr/>
-          <a:lstStyle/>
-          <a:p>
-            <a:r>
-              <a:rPr lang="en-AU" dirty="0"/>
-              <a:t>Semester Group Projects</a:t>
-            </a:r>
-          </a:p>
-        </p:txBody>
-      </p:sp>
-      <p:sp>
-        <p:nvSpPr>
-          <p:cNvPr id="3" name="Content Placeholder 2">
-            <a:extLst>
-              <a:ext uri="{FF2B5EF4-FFF2-40B4-BE49-F238E27FC236}">
-                <a16:creationId xmlns:a16="http://schemas.microsoft.com/office/drawing/2014/main" id="{082507D7-72A8-E91A-929E-0952ADF7BBF8}"/>
-              </a:ext>
-            </a:extLst>
-          </p:cNvPr>
-          <p:cNvSpPr>
-            <a:spLocks noGrp="1"/>
-          </p:cNvSpPr>
-          <p:nvPr>
-            <p:ph idx="1"/>
-          </p:nvPr>
-        </p:nvSpPr>
-        <p:spPr/>
-        <p:txBody>
-          <a:bodyPr/>
-          <a:lstStyle/>
-          <a:p>
-            <a:endParaRPr lang="en-AU"/>
-          </a:p>
-        </p:txBody>
-      </p:sp>
-    </p:spTree>
-    <p:extLst>
-      <p:ext uri="{BB962C8B-B14F-4D97-AF65-F5344CB8AC3E}">
-        <p14:creationId xmlns:p14="http://schemas.microsoft.com/office/powerpoint/2010/main" val="3056886889"/>
-      </p:ext>
-    </p:extLst>
-  </p:cSld>
-  <p:clrMapOvr>
-    <a:masterClrMapping/>
-  </p:clrMapOvr>
-</p:sld>
-</file>
-
-<file path=ppt/slides/slide3.xml><?xml version="1.0" encoding="utf-8"?>
-<p:sld xmlns:a="http://schemas.openxmlformats.org/drawingml/2006/main" xmlns:r="http://schemas.openxmlformats.org/officeDocument/2006/relationships" xmlns:p="http://schemas.openxmlformats.org/presentationml/2006/main">
-  <p:cSld>
-    <p:spTree>
-      <p:nvGrpSpPr>
-        <p:cNvPr id="1" name=""/>
-        <p:cNvGrpSpPr/>
-        <p:nvPr/>
-      </p:nvGrpSpPr>
-      <p:grpSpPr>
-        <a:xfrm>
-          <a:off x="0" y="0"/>
-          <a:ext cx="0" cy="0"/>
-          <a:chOff x="0" y="0"/>
-          <a:chExt cx="0" cy="0"/>
-        </a:xfrm>
-      </p:grpSpPr>
-      <p:sp>
-        <p:nvSpPr>
-          <p:cNvPr id="4" name="TextBox 3">
-            <a:extLst>
-              <a:ext uri="{FF2B5EF4-FFF2-40B4-BE49-F238E27FC236}">
-                <a16:creationId xmlns:a16="http://schemas.microsoft.com/office/drawing/2014/main" id="{22E03997-4B1A-EBA8-434B-F0DB56B1676C}"/>
-              </a:ext>
-            </a:extLst>
-          </p:cNvPr>
-          <p:cNvSpPr txBox="1"/>
-          <p:nvPr/>
-        </p:nvSpPr>
-        <p:spPr>
-          <a:xfrm>
-            <a:off x="164592" y="2066544"/>
-            <a:ext cx="6080760" cy="3785652"/>
-          </a:xfrm>
-          <a:prstGeom prst="rect">
-            <a:avLst/>
-          </a:prstGeom>
-          <a:noFill/>
-        </p:spPr>
-        <p:txBody>
-          <a:bodyPr wrap="square" rtlCol="0">
-            <a:spAutoFit/>
-          </a:bodyPr>
-          <a:lstStyle/>
-          <a:p>
-            <a:pPr marL="342900" indent="-342900">
-              <a:buFont typeface="Arial" panose="020B0604020202020204" pitchFamily="34" charset="0"/>
-              <a:buChar char="•"/>
-            </a:pPr>
-            <a:r>
-              <a:rPr lang="en-AU" sz="2000" b="1" dirty="0"/>
-              <a:t>Reproducibility</a:t>
-            </a:r>
-            <a:r>
-              <a:rPr lang="en-AU" sz="2000" dirty="0"/>
-              <a:t>: Ensures analyses can be reliably repeated and verified.</a:t>
-            </a:r>
-          </a:p>
-          <a:p>
-            <a:pPr marL="342900" indent="-342900">
-              <a:buFont typeface="Arial" panose="020B0604020202020204" pitchFamily="34" charset="0"/>
-              <a:buChar char="•"/>
-            </a:pPr>
-            <a:endParaRPr lang="en-AU" sz="2000" b="1" dirty="0"/>
-          </a:p>
-          <a:p>
-            <a:pPr marL="342900" indent="-342900">
-              <a:buFont typeface="Arial" panose="020B0604020202020204" pitchFamily="34" charset="0"/>
-              <a:buChar char="•"/>
-            </a:pPr>
-            <a:r>
-              <a:rPr lang="en-AU" sz="2000" b="1" dirty="0"/>
-              <a:t>Portability</a:t>
-            </a:r>
-            <a:r>
-              <a:rPr lang="en-AU" sz="2000" dirty="0"/>
-              <a:t>: Facilitates seamless collaboration and transition across different systems.</a:t>
-            </a:r>
-          </a:p>
-          <a:p>
-            <a:pPr marL="342900" indent="-342900">
-              <a:buFont typeface="Arial" panose="020B0604020202020204" pitchFamily="34" charset="0"/>
-              <a:buChar char="•"/>
-            </a:pPr>
-            <a:endParaRPr lang="en-AU" sz="2000" b="1" dirty="0"/>
-          </a:p>
-          <a:p>
-            <a:pPr marL="342900" indent="-342900">
-              <a:buFont typeface="Arial" panose="020B0604020202020204" pitchFamily="34" charset="0"/>
-              <a:buChar char="•"/>
-            </a:pPr>
-            <a:r>
-              <a:rPr lang="en-AU" sz="2000" b="1" dirty="0"/>
-              <a:t>Clarity</a:t>
-            </a:r>
-            <a:r>
-              <a:rPr lang="en-AU" sz="2000" dirty="0"/>
-              <a:t>: Maintains a clean separation between raw data, scripts, and outputs.</a:t>
-            </a:r>
-          </a:p>
-          <a:p>
-            <a:pPr marL="342900" indent="-342900">
-              <a:buFont typeface="Arial" panose="020B0604020202020204" pitchFamily="34" charset="0"/>
-              <a:buChar char="•"/>
-            </a:pPr>
-            <a:endParaRPr lang="en-AU" sz="2000" b="1" dirty="0"/>
-          </a:p>
-          <a:p>
-            <a:pPr marL="342900" indent="-342900">
-              <a:buFont typeface="Arial" panose="020B0604020202020204" pitchFamily="34" charset="0"/>
-              <a:buChar char="•"/>
-            </a:pPr>
-            <a:r>
-              <a:rPr lang="en-AU" sz="2000" b="1" dirty="0"/>
-              <a:t>Efficiency</a:t>
-            </a:r>
-            <a:r>
-              <a:rPr lang="en-AU" sz="2000" dirty="0"/>
-              <a:t>: Simplifies navigation and reduces errors in file handling.</a:t>
-            </a:r>
-          </a:p>
-          <a:p>
-            <a:endParaRPr lang="en-AU" sz="2000" dirty="0"/>
-          </a:p>
-        </p:txBody>
-      </p:sp>
-      <p:sp>
-        <p:nvSpPr>
-          <p:cNvPr id="1044" name="TextBox 1043">
-            <a:extLst>
-              <a:ext uri="{FF2B5EF4-FFF2-40B4-BE49-F238E27FC236}">
-                <a16:creationId xmlns:a16="http://schemas.microsoft.com/office/drawing/2014/main" id="{88A6783C-0B9A-F703-8B25-026768011BD7}"/>
-              </a:ext>
-            </a:extLst>
-          </p:cNvPr>
-          <p:cNvSpPr txBox="1"/>
-          <p:nvPr/>
-        </p:nvSpPr>
-        <p:spPr>
-          <a:xfrm>
-            <a:off x="8449849" y="945931"/>
-            <a:ext cx="2993320" cy="492443"/>
-          </a:xfrm>
-          <a:prstGeom prst="rect">
-            <a:avLst/>
-          </a:prstGeom>
-          <a:noFill/>
-        </p:spPr>
-        <p:txBody>
-          <a:bodyPr wrap="none" rtlCol="0">
-            <a:spAutoFit/>
-          </a:bodyPr>
-          <a:lstStyle/>
-          <a:p>
-            <a:r>
-              <a:rPr lang="en-AU" sz="2600" b="1" dirty="0"/>
-              <a:t>Your Project Name</a:t>
-            </a:r>
-          </a:p>
-        </p:txBody>
-      </p:sp>
-      <p:sp>
-        <p:nvSpPr>
-          <p:cNvPr id="1045" name="TextBox 1044">
-            <a:extLst>
-              <a:ext uri="{FF2B5EF4-FFF2-40B4-BE49-F238E27FC236}">
-                <a16:creationId xmlns:a16="http://schemas.microsoft.com/office/drawing/2014/main" id="{0B9101F5-8A75-C332-7BE1-2A43F93581A4}"/>
-              </a:ext>
-            </a:extLst>
-          </p:cNvPr>
-          <p:cNvSpPr txBox="1"/>
-          <p:nvPr/>
-        </p:nvSpPr>
-        <p:spPr>
-          <a:xfrm>
-            <a:off x="9384826" y="2422635"/>
-            <a:ext cx="792268" cy="430887"/>
-          </a:xfrm>
-          <a:prstGeom prst="rect">
-            <a:avLst/>
-          </a:prstGeom>
-          <a:noFill/>
-        </p:spPr>
-        <p:txBody>
-          <a:bodyPr wrap="none" rtlCol="0">
-            <a:spAutoFit/>
-          </a:bodyPr>
-          <a:lstStyle/>
-          <a:p>
-            <a:r>
-              <a:rPr lang="en-AU" sz="2200" b="1" dirty="0"/>
-              <a:t>Data</a:t>
-            </a:r>
-          </a:p>
-        </p:txBody>
-      </p:sp>
-      <p:sp>
-        <p:nvSpPr>
-          <p:cNvPr id="1046" name="TextBox 1045">
-            <a:extLst>
-              <a:ext uri="{FF2B5EF4-FFF2-40B4-BE49-F238E27FC236}">
-                <a16:creationId xmlns:a16="http://schemas.microsoft.com/office/drawing/2014/main" id="{B04705D6-6E2D-24CF-7C57-B63F20B591CD}"/>
-              </a:ext>
-            </a:extLst>
-          </p:cNvPr>
-          <p:cNvSpPr txBox="1"/>
-          <p:nvPr/>
-        </p:nvSpPr>
-        <p:spPr>
-          <a:xfrm>
-            <a:off x="9400592" y="3237186"/>
-            <a:ext cx="954107" cy="430887"/>
-          </a:xfrm>
-          <a:prstGeom prst="rect">
-            <a:avLst/>
-          </a:prstGeom>
-          <a:noFill/>
-        </p:spPr>
-        <p:txBody>
-          <a:bodyPr wrap="none" rtlCol="0">
-            <a:spAutoFit/>
-          </a:bodyPr>
-          <a:lstStyle/>
-          <a:p>
-            <a:r>
-              <a:rPr lang="en-AU" sz="2200" b="1" dirty="0"/>
-              <a:t>Script</a:t>
-            </a:r>
-          </a:p>
-        </p:txBody>
-      </p:sp>
-      <p:sp>
-        <p:nvSpPr>
-          <p:cNvPr id="1047" name="TextBox 1046">
-            <a:extLst>
-              <a:ext uri="{FF2B5EF4-FFF2-40B4-BE49-F238E27FC236}">
-                <a16:creationId xmlns:a16="http://schemas.microsoft.com/office/drawing/2014/main" id="{C84B326D-7F4A-0724-C9D8-476D6BBFF00B}"/>
-              </a:ext>
-            </a:extLst>
-          </p:cNvPr>
-          <p:cNvSpPr txBox="1"/>
-          <p:nvPr/>
-        </p:nvSpPr>
-        <p:spPr>
-          <a:xfrm>
-            <a:off x="9442633" y="5160579"/>
-            <a:ext cx="1087157" cy="430887"/>
-          </a:xfrm>
-          <a:prstGeom prst="rect">
-            <a:avLst/>
-          </a:prstGeom>
-          <a:noFill/>
-        </p:spPr>
-        <p:txBody>
-          <a:bodyPr wrap="none" rtlCol="0">
-            <a:spAutoFit/>
-          </a:bodyPr>
-          <a:lstStyle/>
-          <a:p>
-            <a:r>
-              <a:rPr lang="en-AU" sz="2200" b="1" dirty="0"/>
-              <a:t>Output</a:t>
-            </a:r>
-          </a:p>
-        </p:txBody>
-      </p:sp>
-      <p:sp>
-        <p:nvSpPr>
-          <p:cNvPr id="1048" name="TextBox 1047">
-            <a:extLst>
-              <a:ext uri="{FF2B5EF4-FFF2-40B4-BE49-F238E27FC236}">
-                <a16:creationId xmlns:a16="http://schemas.microsoft.com/office/drawing/2014/main" id="{D7F15107-6EB0-4417-ABD8-409720334B71}"/>
-              </a:ext>
-            </a:extLst>
-          </p:cNvPr>
-          <p:cNvSpPr txBox="1"/>
-          <p:nvPr/>
-        </p:nvSpPr>
-        <p:spPr>
-          <a:xfrm>
-            <a:off x="10189309" y="4563384"/>
-            <a:ext cx="1256754" cy="369332"/>
-          </a:xfrm>
-          <a:prstGeom prst="rect">
-            <a:avLst/>
-          </a:prstGeom>
-          <a:noFill/>
-        </p:spPr>
-        <p:txBody>
-          <a:bodyPr wrap="none" rtlCol="0">
-            <a:spAutoFit/>
-          </a:bodyPr>
-          <a:lstStyle/>
-          <a:p>
-            <a:r>
-              <a:rPr lang="en-AU" b="1" dirty="0"/>
-              <a:t>Analysis B</a:t>
-            </a:r>
-          </a:p>
-        </p:txBody>
-      </p:sp>
-      <p:cxnSp>
-        <p:nvCxnSpPr>
-          <p:cNvPr id="1049" name="Straight Connector 1048">
-            <a:extLst>
-              <a:ext uri="{FF2B5EF4-FFF2-40B4-BE49-F238E27FC236}">
-                <a16:creationId xmlns:a16="http://schemas.microsoft.com/office/drawing/2014/main" id="{9B826961-8FE1-DC37-7CF8-461C49C2122A}"/>
-              </a:ext>
-            </a:extLst>
-          </p:cNvPr>
-          <p:cNvCxnSpPr>
-            <a:cxnSpLocks/>
-          </p:cNvCxnSpPr>
-          <p:nvPr/>
-        </p:nvCxnSpPr>
-        <p:spPr>
-          <a:xfrm>
-            <a:off x="7913821" y="1397876"/>
-            <a:ext cx="0" cy="4035972"/>
-          </a:xfrm>
-          <a:prstGeom prst="line">
-            <a:avLst/>
-          </a:prstGeom>
-          <a:ln w="111125">
-            <a:solidFill>
-              <a:schemeClr val="bg1">
-                <a:lumMod val="50000"/>
-              </a:schemeClr>
-            </a:solidFill>
-          </a:ln>
-        </p:spPr>
-        <p:style>
-          <a:lnRef idx="2">
-            <a:schemeClr val="accent1"/>
-          </a:lnRef>
-          <a:fillRef idx="0">
-            <a:schemeClr val="accent1"/>
-          </a:fillRef>
-          <a:effectRef idx="1">
-            <a:schemeClr val="accent1"/>
-          </a:effectRef>
-          <a:fontRef idx="minor">
-            <a:schemeClr val="tx1"/>
-          </a:fontRef>
-        </p:style>
-      </p:cxnSp>
-      <p:pic>
-        <p:nvPicPr>
-          <p:cNvPr id="1050" name="Graphic 1049" descr="Open folder with solid fill">
-            <a:extLst>
-              <a:ext uri="{FF2B5EF4-FFF2-40B4-BE49-F238E27FC236}">
-                <a16:creationId xmlns:a16="http://schemas.microsoft.com/office/drawing/2014/main" id="{31DE8D0D-CB7B-DEE5-F914-5DB954A181A4}"/>
-              </a:ext>
-            </a:extLst>
-          </p:cNvPr>
-          <p:cNvPicPr>
-            <a:picLocks noChangeAspect="1"/>
-          </p:cNvPicPr>
-          <p:nvPr/>
-        </p:nvPicPr>
-        <p:blipFill>
-          <a:blip r:embed="rId3">
-            <a:extLst>
-              <a:ext uri="{96DAC541-7B7A-43D3-8B79-37D633B846F1}">
-                <asvg:svgBlip xmlns:asvg="http://schemas.microsoft.com/office/drawing/2016/SVG/main" r:embed="rId4"/>
-              </a:ext>
-            </a:extLst>
-          </a:blip>
-          <a:stretch>
-            <a:fillRect/>
-          </a:stretch>
-        </p:blipFill>
-        <p:spPr>
-          <a:xfrm>
-            <a:off x="7488153" y="701566"/>
-            <a:ext cx="914400" cy="914400"/>
-          </a:xfrm>
-          <a:prstGeom prst="rect">
-            <a:avLst/>
-          </a:prstGeom>
-        </p:spPr>
-      </p:pic>
-      <p:cxnSp>
-        <p:nvCxnSpPr>
-          <p:cNvPr id="1051" name="Straight Connector 1050">
-            <a:extLst>
-              <a:ext uri="{FF2B5EF4-FFF2-40B4-BE49-F238E27FC236}">
-                <a16:creationId xmlns:a16="http://schemas.microsoft.com/office/drawing/2014/main" id="{B1E42C8F-90C9-CA32-EAE2-B11678FC5B68}"/>
-              </a:ext>
-            </a:extLst>
-          </p:cNvPr>
-          <p:cNvCxnSpPr>
-            <a:cxnSpLocks/>
-          </p:cNvCxnSpPr>
-          <p:nvPr/>
-        </p:nvCxnSpPr>
-        <p:spPr>
-          <a:xfrm flipH="1">
-            <a:off x="7861917" y="5381712"/>
-            <a:ext cx="1098331" cy="0"/>
-          </a:xfrm>
-          <a:prstGeom prst="line">
-            <a:avLst/>
-          </a:prstGeom>
-          <a:ln w="111125">
-            <a:solidFill>
-              <a:schemeClr val="bg1">
-                <a:lumMod val="50000"/>
-              </a:schemeClr>
-            </a:solidFill>
-          </a:ln>
-        </p:spPr>
-        <p:style>
-          <a:lnRef idx="2">
-            <a:schemeClr val="accent1"/>
-          </a:lnRef>
-          <a:fillRef idx="0">
-            <a:schemeClr val="accent1"/>
-          </a:fillRef>
-          <a:effectRef idx="1">
-            <a:schemeClr val="accent1"/>
-          </a:effectRef>
-          <a:fontRef idx="minor">
-            <a:schemeClr val="tx1"/>
-          </a:fontRef>
-        </p:style>
-      </p:cxnSp>
-      <p:cxnSp>
-        <p:nvCxnSpPr>
-          <p:cNvPr id="1052" name="Straight Connector 1051">
-            <a:extLst>
-              <a:ext uri="{FF2B5EF4-FFF2-40B4-BE49-F238E27FC236}">
-                <a16:creationId xmlns:a16="http://schemas.microsoft.com/office/drawing/2014/main" id="{65B8B1D6-DF30-5777-A325-F192CD48DCF4}"/>
-              </a:ext>
-            </a:extLst>
-          </p:cNvPr>
-          <p:cNvCxnSpPr>
-            <a:cxnSpLocks/>
-          </p:cNvCxnSpPr>
-          <p:nvPr/>
-        </p:nvCxnSpPr>
-        <p:spPr>
-          <a:xfrm flipH="1">
-            <a:off x="7861917" y="3413652"/>
-            <a:ext cx="1098331" cy="0"/>
-          </a:xfrm>
-          <a:prstGeom prst="line">
-            <a:avLst/>
-          </a:prstGeom>
-          <a:ln w="111125">
-            <a:solidFill>
-              <a:schemeClr val="bg1">
-                <a:lumMod val="50000"/>
-              </a:schemeClr>
-            </a:solidFill>
-          </a:ln>
-        </p:spPr>
-        <p:style>
-          <a:lnRef idx="2">
-            <a:schemeClr val="accent1"/>
-          </a:lnRef>
-          <a:fillRef idx="0">
-            <a:schemeClr val="accent1"/>
-          </a:fillRef>
-          <a:effectRef idx="1">
-            <a:schemeClr val="accent1"/>
-          </a:effectRef>
-          <a:fontRef idx="minor">
-            <a:schemeClr val="tx1"/>
-          </a:fontRef>
-        </p:style>
-      </p:cxnSp>
-      <p:cxnSp>
-        <p:nvCxnSpPr>
-          <p:cNvPr id="1053" name="Straight Connector 1052">
-            <a:extLst>
-              <a:ext uri="{FF2B5EF4-FFF2-40B4-BE49-F238E27FC236}">
-                <a16:creationId xmlns:a16="http://schemas.microsoft.com/office/drawing/2014/main" id="{2ED465DE-4D38-0BE8-BD08-E096E4895A55}"/>
-              </a:ext>
-            </a:extLst>
-          </p:cNvPr>
-          <p:cNvCxnSpPr>
-            <a:cxnSpLocks/>
-          </p:cNvCxnSpPr>
-          <p:nvPr/>
-        </p:nvCxnSpPr>
-        <p:spPr>
-          <a:xfrm flipH="1">
-            <a:off x="7861917" y="2574494"/>
-            <a:ext cx="1098331" cy="0"/>
-          </a:xfrm>
-          <a:prstGeom prst="line">
-            <a:avLst/>
-          </a:prstGeom>
-          <a:ln w="111125">
-            <a:solidFill>
-              <a:schemeClr val="bg1">
-                <a:lumMod val="50000"/>
-              </a:schemeClr>
-            </a:solidFill>
-          </a:ln>
-        </p:spPr>
-        <p:style>
-          <a:lnRef idx="2">
-            <a:schemeClr val="accent1"/>
-          </a:lnRef>
-          <a:fillRef idx="0">
-            <a:schemeClr val="accent1"/>
-          </a:fillRef>
-          <a:effectRef idx="1">
-            <a:schemeClr val="accent1"/>
-          </a:effectRef>
-          <a:fontRef idx="minor">
-            <a:schemeClr val="tx1"/>
-          </a:fontRef>
-        </p:style>
-      </p:cxnSp>
-      <p:cxnSp>
-        <p:nvCxnSpPr>
-          <p:cNvPr id="1054" name="Straight Connector 1053">
-            <a:extLst>
-              <a:ext uri="{FF2B5EF4-FFF2-40B4-BE49-F238E27FC236}">
-                <a16:creationId xmlns:a16="http://schemas.microsoft.com/office/drawing/2014/main" id="{500CA41F-53CF-E6D1-498D-5D33C64C52BD}"/>
-              </a:ext>
-            </a:extLst>
-          </p:cNvPr>
-          <p:cNvCxnSpPr>
-            <a:cxnSpLocks/>
-          </p:cNvCxnSpPr>
-          <p:nvPr/>
-        </p:nvCxnSpPr>
-        <p:spPr>
-          <a:xfrm flipH="1">
-            <a:off x="7861917" y="1883829"/>
-            <a:ext cx="1098331" cy="0"/>
-          </a:xfrm>
-          <a:prstGeom prst="line">
-            <a:avLst/>
-          </a:prstGeom>
-          <a:ln w="111125">
-            <a:solidFill>
-              <a:schemeClr val="bg1">
-                <a:lumMod val="50000"/>
-              </a:schemeClr>
-            </a:solidFill>
-          </a:ln>
-        </p:spPr>
-        <p:style>
-          <a:lnRef idx="2">
-            <a:schemeClr val="accent1"/>
-          </a:lnRef>
-          <a:fillRef idx="0">
-            <a:schemeClr val="accent1"/>
-          </a:fillRef>
-          <a:effectRef idx="1">
-            <a:schemeClr val="accent1"/>
-          </a:effectRef>
-          <a:fontRef idx="minor">
-            <a:schemeClr val="tx1"/>
-          </a:fontRef>
-        </p:style>
-      </p:cxnSp>
-      <p:pic>
-        <p:nvPicPr>
-          <p:cNvPr id="1055" name="Graphic 1054" descr="Open folder with solid fill">
-            <a:extLst>
-              <a:ext uri="{FF2B5EF4-FFF2-40B4-BE49-F238E27FC236}">
-                <a16:creationId xmlns:a16="http://schemas.microsoft.com/office/drawing/2014/main" id="{46DF97A9-5A8A-5E61-39F2-3469CCDF1EB1}"/>
-              </a:ext>
-            </a:extLst>
-          </p:cNvPr>
-          <p:cNvPicPr>
-            <a:picLocks noChangeAspect="1"/>
-          </p:cNvPicPr>
-          <p:nvPr/>
-        </p:nvPicPr>
-        <p:blipFill>
-          <a:blip r:embed="rId3">
-            <a:extLst>
-              <a:ext uri="{96DAC541-7B7A-43D3-8B79-37D633B846F1}">
-                <asvg:svgBlip xmlns:asvg="http://schemas.microsoft.com/office/drawing/2016/SVG/main" r:embed="rId4"/>
-              </a:ext>
-            </a:extLst>
-          </a:blip>
-          <a:stretch>
-            <a:fillRect/>
-          </a:stretch>
-        </p:blipFill>
-        <p:spPr>
-          <a:xfrm>
-            <a:off x="8815797" y="2291969"/>
-            <a:ext cx="687003" cy="687003"/>
-          </a:xfrm>
-          <a:prstGeom prst="rect">
-            <a:avLst/>
-          </a:prstGeom>
-        </p:spPr>
-      </p:pic>
-      <p:pic>
-        <p:nvPicPr>
-          <p:cNvPr id="1056" name="Picture 6" descr="RStudio SVG and transparent PNG icons | TechIcons">
-            <a:extLst>
-              <a:ext uri="{FF2B5EF4-FFF2-40B4-BE49-F238E27FC236}">
-                <a16:creationId xmlns:a16="http://schemas.microsoft.com/office/drawing/2014/main" id="{52D8F3C3-9E17-217B-41E8-941A7E0AA873}"/>
-              </a:ext>
-            </a:extLst>
-          </p:cNvPr>
-          <p:cNvPicPr>
-            <a:picLocks noChangeAspect="1" noChangeArrowheads="1"/>
-          </p:cNvPicPr>
-          <p:nvPr/>
-        </p:nvPicPr>
-        <p:blipFill>
-          <a:blip r:embed="rId5">
-            <a:extLst>
-              <a:ext uri="{28A0092B-C50C-407E-A947-70E740481C1C}">
-                <a14:useLocalDpi xmlns:a14="http://schemas.microsoft.com/office/drawing/2010/main" val="0"/>
-              </a:ext>
-            </a:extLst>
-          </a:blip>
-          <a:srcRect/>
-          <a:stretch>
-            <a:fillRect/>
-          </a:stretch>
-        </p:blipFill>
-        <p:spPr bwMode="auto">
-          <a:xfrm>
-            <a:off x="8780481" y="1541953"/>
-            <a:ext cx="684063" cy="684063"/>
-          </a:xfrm>
-          <a:prstGeom prst="rect">
-            <a:avLst/>
-          </a:prstGeom>
-          <a:noFill/>
-          <a:extLst>
-            <a:ext uri="{909E8E84-426E-40DD-AFC4-6F175D3DCCD1}">
-              <a14:hiddenFill xmlns:a14="http://schemas.microsoft.com/office/drawing/2010/main">
-                <a:solidFill>
-                  <a:srgbClr val="FFFFFF"/>
-                </a:solidFill>
-              </a14:hiddenFill>
-            </a:ext>
-          </a:extLst>
-        </p:spPr>
-      </p:pic>
-      <p:cxnSp>
-        <p:nvCxnSpPr>
-          <p:cNvPr id="1057" name="Straight Connector 1056">
-            <a:extLst>
-              <a:ext uri="{FF2B5EF4-FFF2-40B4-BE49-F238E27FC236}">
-                <a16:creationId xmlns:a16="http://schemas.microsoft.com/office/drawing/2014/main" id="{10B9B908-4F4D-3B99-3D1E-15B84EB5EC20}"/>
-              </a:ext>
-            </a:extLst>
-          </p:cNvPr>
-          <p:cNvCxnSpPr>
-            <a:cxnSpLocks/>
-          </p:cNvCxnSpPr>
-          <p:nvPr/>
-        </p:nvCxnSpPr>
-        <p:spPr>
-          <a:xfrm flipH="1">
-            <a:off x="9096458" y="4732020"/>
-            <a:ext cx="777498" cy="0"/>
-          </a:xfrm>
-          <a:prstGeom prst="line">
-            <a:avLst/>
-          </a:prstGeom>
-          <a:ln w="111125">
-            <a:solidFill>
-              <a:schemeClr val="bg1">
-                <a:lumMod val="50000"/>
-              </a:schemeClr>
-            </a:solidFill>
-          </a:ln>
-        </p:spPr>
-        <p:style>
-          <a:lnRef idx="2">
-            <a:schemeClr val="accent1"/>
-          </a:lnRef>
-          <a:fillRef idx="0">
-            <a:schemeClr val="accent1"/>
-          </a:fillRef>
-          <a:effectRef idx="1">
-            <a:schemeClr val="accent1"/>
-          </a:effectRef>
-          <a:fontRef idx="minor">
-            <a:schemeClr val="tx1"/>
-          </a:fontRef>
-        </p:style>
-      </p:cxnSp>
-      <p:pic>
-        <p:nvPicPr>
-          <p:cNvPr id="1058" name="Picture 6" descr="RStudio SVG and transparent PNG icons | TechIcons">
-            <a:extLst>
-              <a:ext uri="{FF2B5EF4-FFF2-40B4-BE49-F238E27FC236}">
-                <a16:creationId xmlns:a16="http://schemas.microsoft.com/office/drawing/2014/main" id="{6EE8789B-BF7D-B1ED-F436-F40CFBE56D7F}"/>
-              </a:ext>
-            </a:extLst>
-          </p:cNvPr>
-          <p:cNvPicPr>
-            <a:picLocks noChangeAspect="1" noChangeArrowheads="1"/>
-          </p:cNvPicPr>
-          <p:nvPr/>
-        </p:nvPicPr>
-        <p:blipFill>
-          <a:blip r:embed="rId5">
-            <a:extLst>
-              <a:ext uri="{28A0092B-C50C-407E-A947-70E740481C1C}">
-                <a14:useLocalDpi xmlns:a14="http://schemas.microsoft.com/office/drawing/2010/main" val="0"/>
-              </a:ext>
-            </a:extLst>
-          </a:blip>
-          <a:srcRect/>
-          <a:stretch>
-            <a:fillRect/>
-          </a:stretch>
-        </p:blipFill>
-        <p:spPr bwMode="auto">
-          <a:xfrm>
-            <a:off x="9780782" y="4549730"/>
-            <a:ext cx="386135" cy="386135"/>
-          </a:xfrm>
-          <a:prstGeom prst="rect">
-            <a:avLst/>
-          </a:prstGeom>
-          <a:noFill/>
-          <a:extLst>
-            <a:ext uri="{909E8E84-426E-40DD-AFC4-6F175D3DCCD1}">
-              <a14:hiddenFill xmlns:a14="http://schemas.microsoft.com/office/drawing/2010/main">
-                <a:solidFill>
-                  <a:srgbClr val="FFFFFF"/>
-                </a:solidFill>
-              </a14:hiddenFill>
-            </a:ext>
-          </a:extLst>
-        </p:spPr>
-      </p:pic>
-      <p:sp>
-        <p:nvSpPr>
-          <p:cNvPr id="1059" name="TextBox 1058">
-            <a:extLst>
-              <a:ext uri="{FF2B5EF4-FFF2-40B4-BE49-F238E27FC236}">
-                <a16:creationId xmlns:a16="http://schemas.microsoft.com/office/drawing/2014/main" id="{81C5A596-ADD1-2DF0-1575-6A27B21BD562}"/>
-              </a:ext>
-            </a:extLst>
-          </p:cNvPr>
-          <p:cNvSpPr txBox="1"/>
-          <p:nvPr/>
-        </p:nvSpPr>
-        <p:spPr>
-          <a:xfrm>
-            <a:off x="10157779" y="3638475"/>
-            <a:ext cx="1230273" cy="369332"/>
-          </a:xfrm>
-          <a:prstGeom prst="rect">
-            <a:avLst/>
-          </a:prstGeom>
-          <a:noFill/>
-        </p:spPr>
-        <p:txBody>
-          <a:bodyPr wrap="none" rtlCol="0">
-            <a:spAutoFit/>
-          </a:bodyPr>
-          <a:lstStyle/>
-          <a:p>
-            <a:r>
-              <a:rPr lang="en-AU" b="1" dirty="0"/>
-              <a:t>Functions</a:t>
-            </a:r>
-          </a:p>
-        </p:txBody>
-      </p:sp>
-      <p:sp>
-        <p:nvSpPr>
-          <p:cNvPr id="1060" name="TextBox 1059">
-            <a:extLst>
-              <a:ext uri="{FF2B5EF4-FFF2-40B4-BE49-F238E27FC236}">
-                <a16:creationId xmlns:a16="http://schemas.microsoft.com/office/drawing/2014/main" id="{08B882BE-BF21-EDF4-98D3-BE5400C451D0}"/>
-              </a:ext>
-            </a:extLst>
-          </p:cNvPr>
-          <p:cNvSpPr txBox="1"/>
-          <p:nvPr/>
-        </p:nvSpPr>
-        <p:spPr>
-          <a:xfrm>
-            <a:off x="10184054" y="4100930"/>
-            <a:ext cx="1256754" cy="369332"/>
-          </a:xfrm>
-          <a:prstGeom prst="rect">
-            <a:avLst/>
-          </a:prstGeom>
-          <a:noFill/>
-        </p:spPr>
-        <p:txBody>
-          <a:bodyPr wrap="none" rtlCol="0">
-            <a:spAutoFit/>
-          </a:bodyPr>
-          <a:lstStyle/>
-          <a:p>
-            <a:r>
-              <a:rPr lang="en-AU" b="1" dirty="0"/>
-              <a:t>Analysis A</a:t>
-            </a:r>
-          </a:p>
-        </p:txBody>
-      </p:sp>
-      <p:cxnSp>
-        <p:nvCxnSpPr>
-          <p:cNvPr id="1061" name="Straight Connector 1060">
-            <a:extLst>
-              <a:ext uri="{FF2B5EF4-FFF2-40B4-BE49-F238E27FC236}">
-                <a16:creationId xmlns:a16="http://schemas.microsoft.com/office/drawing/2014/main" id="{14A0CA23-92C5-5A20-E331-A2177C9E36CC}"/>
-              </a:ext>
-            </a:extLst>
-          </p:cNvPr>
-          <p:cNvCxnSpPr>
-            <a:cxnSpLocks/>
-          </p:cNvCxnSpPr>
-          <p:nvPr/>
-        </p:nvCxnSpPr>
-        <p:spPr>
-          <a:xfrm>
-            <a:off x="9151102" y="3627049"/>
-            <a:ext cx="0" cy="1130931"/>
-          </a:xfrm>
-          <a:prstGeom prst="line">
-            <a:avLst/>
-          </a:prstGeom>
-          <a:ln w="111125">
-            <a:solidFill>
-              <a:schemeClr val="bg1">
-                <a:lumMod val="50000"/>
-              </a:schemeClr>
-            </a:solidFill>
-          </a:ln>
-        </p:spPr>
-        <p:style>
-          <a:lnRef idx="2">
-            <a:schemeClr val="accent1"/>
-          </a:lnRef>
-          <a:fillRef idx="0">
-            <a:schemeClr val="accent1"/>
-          </a:fillRef>
-          <a:effectRef idx="1">
-            <a:schemeClr val="accent1"/>
-          </a:effectRef>
-          <a:fontRef idx="minor">
-            <a:schemeClr val="tx1"/>
-          </a:fontRef>
-        </p:style>
-      </p:cxnSp>
-      <p:cxnSp>
-        <p:nvCxnSpPr>
-          <p:cNvPr id="1062" name="Straight Connector 1061">
-            <a:extLst>
-              <a:ext uri="{FF2B5EF4-FFF2-40B4-BE49-F238E27FC236}">
-                <a16:creationId xmlns:a16="http://schemas.microsoft.com/office/drawing/2014/main" id="{51905D52-A8AC-00F3-72BC-0C1BB3D70839}"/>
-              </a:ext>
-            </a:extLst>
-          </p:cNvPr>
-          <p:cNvCxnSpPr>
-            <a:cxnSpLocks/>
-          </p:cNvCxnSpPr>
-          <p:nvPr/>
-        </p:nvCxnSpPr>
-        <p:spPr>
-          <a:xfrm flipH="1">
-            <a:off x="9096458" y="4281409"/>
-            <a:ext cx="777498" cy="0"/>
-          </a:xfrm>
-          <a:prstGeom prst="line">
-            <a:avLst/>
-          </a:prstGeom>
-          <a:ln w="111125">
-            <a:solidFill>
-              <a:schemeClr val="bg1">
-                <a:lumMod val="50000"/>
-              </a:schemeClr>
-            </a:solidFill>
-          </a:ln>
-        </p:spPr>
-        <p:style>
-          <a:lnRef idx="2">
-            <a:schemeClr val="accent1"/>
-          </a:lnRef>
-          <a:fillRef idx="0">
-            <a:schemeClr val="accent1"/>
-          </a:fillRef>
-          <a:effectRef idx="1">
-            <a:schemeClr val="accent1"/>
-          </a:effectRef>
-          <a:fontRef idx="minor">
-            <a:schemeClr val="tx1"/>
-          </a:fontRef>
-        </p:style>
-      </p:cxnSp>
-      <p:cxnSp>
-        <p:nvCxnSpPr>
-          <p:cNvPr id="1063" name="Straight Connector 1062">
-            <a:extLst>
-              <a:ext uri="{FF2B5EF4-FFF2-40B4-BE49-F238E27FC236}">
-                <a16:creationId xmlns:a16="http://schemas.microsoft.com/office/drawing/2014/main" id="{42B94871-4B01-C7A7-8422-7F28AA7A7199}"/>
-              </a:ext>
-            </a:extLst>
-          </p:cNvPr>
-          <p:cNvCxnSpPr>
-            <a:cxnSpLocks/>
-            <a:stCxn id="1064" idx="1"/>
-          </p:cNvCxnSpPr>
-          <p:nvPr/>
-        </p:nvCxnSpPr>
-        <p:spPr>
-          <a:xfrm flipH="1" flipV="1">
-            <a:off x="9096458" y="3820914"/>
-            <a:ext cx="684000" cy="2228"/>
-          </a:xfrm>
-          <a:prstGeom prst="line">
-            <a:avLst/>
-          </a:prstGeom>
-          <a:ln w="111125">
-            <a:solidFill>
-              <a:schemeClr val="bg1">
-                <a:lumMod val="50000"/>
-              </a:schemeClr>
-            </a:solidFill>
-          </a:ln>
-        </p:spPr>
-        <p:style>
-          <a:lnRef idx="2">
-            <a:schemeClr val="accent1"/>
-          </a:lnRef>
-          <a:fillRef idx="0">
-            <a:schemeClr val="accent1"/>
-          </a:fillRef>
-          <a:effectRef idx="1">
-            <a:schemeClr val="accent1"/>
-          </a:effectRef>
-          <a:fontRef idx="minor">
-            <a:schemeClr val="tx1"/>
-          </a:fontRef>
-        </p:style>
-      </p:cxnSp>
-      <p:pic>
-        <p:nvPicPr>
-          <p:cNvPr id="1064" name="Graphic 1063" descr="Open folder with solid fill">
-            <a:extLst>
-              <a:ext uri="{FF2B5EF4-FFF2-40B4-BE49-F238E27FC236}">
-                <a16:creationId xmlns:a16="http://schemas.microsoft.com/office/drawing/2014/main" id="{5D73152C-F47E-F6D3-FC38-7BE443EC278C}"/>
-              </a:ext>
-            </a:extLst>
-          </p:cNvPr>
-          <p:cNvPicPr>
-            <a:picLocks noChangeAspect="1"/>
-          </p:cNvPicPr>
-          <p:nvPr/>
-        </p:nvPicPr>
-        <p:blipFill>
-          <a:blip r:embed="rId3">
-            <a:extLst>
-              <a:ext uri="{96DAC541-7B7A-43D3-8B79-37D633B846F1}">
-                <asvg:svgBlip xmlns:asvg="http://schemas.microsoft.com/office/drawing/2016/SVG/main" r:embed="rId4"/>
-              </a:ext>
-            </a:extLst>
-          </a:blip>
-          <a:stretch>
-            <a:fillRect/>
-          </a:stretch>
-        </p:blipFill>
-        <p:spPr>
-          <a:xfrm>
-            <a:off x="9710516" y="3565064"/>
-            <a:ext cx="516155" cy="516155"/>
-          </a:xfrm>
-          <a:prstGeom prst="rect">
-            <a:avLst/>
-          </a:prstGeom>
-        </p:spPr>
-      </p:pic>
-      <p:pic>
-        <p:nvPicPr>
-          <p:cNvPr id="1065" name="Picture 6" descr="RStudio SVG and transparent PNG icons | TechIcons">
-            <a:extLst>
-              <a:ext uri="{FF2B5EF4-FFF2-40B4-BE49-F238E27FC236}">
-                <a16:creationId xmlns:a16="http://schemas.microsoft.com/office/drawing/2014/main" id="{F948D457-0550-42FC-228E-C87EFB812845}"/>
-              </a:ext>
-            </a:extLst>
-          </p:cNvPr>
-          <p:cNvPicPr>
-            <a:picLocks noChangeAspect="1" noChangeArrowheads="1"/>
-          </p:cNvPicPr>
-          <p:nvPr/>
-        </p:nvPicPr>
-        <p:blipFill>
-          <a:blip r:embed="rId5">
-            <a:extLst>
-              <a:ext uri="{28A0092B-C50C-407E-A947-70E740481C1C}">
-                <a14:useLocalDpi xmlns:a14="http://schemas.microsoft.com/office/drawing/2010/main" val="0"/>
-              </a:ext>
-            </a:extLst>
-          </a:blip>
-          <a:srcRect/>
-          <a:stretch>
-            <a:fillRect/>
-          </a:stretch>
-        </p:blipFill>
-        <p:spPr bwMode="auto">
-          <a:xfrm>
-            <a:off x="9765017" y="4082022"/>
-            <a:ext cx="386135" cy="386135"/>
-          </a:xfrm>
-          <a:prstGeom prst="rect">
-            <a:avLst/>
-          </a:prstGeom>
-          <a:noFill/>
-          <a:extLst>
-            <a:ext uri="{909E8E84-426E-40DD-AFC4-6F175D3DCCD1}">
-              <a14:hiddenFill xmlns:a14="http://schemas.microsoft.com/office/drawing/2010/main">
-                <a:solidFill>
-                  <a:srgbClr val="FFFFFF"/>
-                </a:solidFill>
-              </a14:hiddenFill>
-            </a:ext>
-          </a:extLst>
-        </p:spPr>
-      </p:pic>
-      <p:cxnSp>
-        <p:nvCxnSpPr>
-          <p:cNvPr id="1066" name="Straight Connector 1065">
-            <a:extLst>
-              <a:ext uri="{FF2B5EF4-FFF2-40B4-BE49-F238E27FC236}">
-                <a16:creationId xmlns:a16="http://schemas.microsoft.com/office/drawing/2014/main" id="{9616EDF8-1DC3-261A-8415-7753B699DF12}"/>
-              </a:ext>
-            </a:extLst>
-          </p:cNvPr>
-          <p:cNvCxnSpPr>
-            <a:cxnSpLocks/>
-          </p:cNvCxnSpPr>
-          <p:nvPr/>
-        </p:nvCxnSpPr>
-        <p:spPr>
-          <a:xfrm>
-            <a:off x="9146224" y="5532872"/>
-            <a:ext cx="0" cy="707611"/>
-          </a:xfrm>
-          <a:prstGeom prst="line">
-            <a:avLst/>
-          </a:prstGeom>
-          <a:ln w="111125">
-            <a:solidFill>
-              <a:schemeClr val="bg1">
-                <a:lumMod val="50000"/>
-              </a:schemeClr>
-            </a:solidFill>
-          </a:ln>
-        </p:spPr>
-        <p:style>
-          <a:lnRef idx="2">
-            <a:schemeClr val="accent1"/>
-          </a:lnRef>
-          <a:fillRef idx="0">
-            <a:schemeClr val="accent1"/>
-          </a:fillRef>
-          <a:effectRef idx="1">
-            <a:schemeClr val="accent1"/>
-          </a:effectRef>
-          <a:fontRef idx="minor">
-            <a:schemeClr val="tx1"/>
-          </a:fontRef>
-        </p:style>
-      </p:cxnSp>
-      <p:cxnSp>
-        <p:nvCxnSpPr>
-          <p:cNvPr id="1067" name="Straight Connector 1066">
-            <a:extLst>
-              <a:ext uri="{FF2B5EF4-FFF2-40B4-BE49-F238E27FC236}">
-                <a16:creationId xmlns:a16="http://schemas.microsoft.com/office/drawing/2014/main" id="{6B05A336-A575-81D8-4F93-9294C1E7DFED}"/>
-              </a:ext>
-            </a:extLst>
-          </p:cNvPr>
-          <p:cNvCxnSpPr>
-            <a:cxnSpLocks/>
-          </p:cNvCxnSpPr>
-          <p:nvPr/>
-        </p:nvCxnSpPr>
-        <p:spPr>
-          <a:xfrm flipH="1">
-            <a:off x="9097518" y="6187232"/>
-            <a:ext cx="648000" cy="0"/>
-          </a:xfrm>
-          <a:prstGeom prst="line">
-            <a:avLst/>
-          </a:prstGeom>
-          <a:ln w="111125">
-            <a:solidFill>
-              <a:schemeClr val="bg1">
-                <a:lumMod val="50000"/>
-              </a:schemeClr>
-            </a:solidFill>
-          </a:ln>
-        </p:spPr>
-        <p:style>
-          <a:lnRef idx="2">
-            <a:schemeClr val="accent1"/>
-          </a:lnRef>
-          <a:fillRef idx="0">
-            <a:schemeClr val="accent1"/>
-          </a:fillRef>
-          <a:effectRef idx="1">
-            <a:schemeClr val="accent1"/>
-          </a:effectRef>
-          <a:fontRef idx="minor">
-            <a:schemeClr val="tx1"/>
-          </a:fontRef>
-        </p:style>
-      </p:cxnSp>
-      <p:cxnSp>
-        <p:nvCxnSpPr>
-          <p:cNvPr id="1068" name="Straight Connector 1067">
-            <a:extLst>
-              <a:ext uri="{FF2B5EF4-FFF2-40B4-BE49-F238E27FC236}">
-                <a16:creationId xmlns:a16="http://schemas.microsoft.com/office/drawing/2014/main" id="{1AF993DB-E2AA-19FF-D9F0-77667F74EC04}"/>
-              </a:ext>
-            </a:extLst>
-          </p:cNvPr>
-          <p:cNvCxnSpPr>
-            <a:cxnSpLocks/>
-            <a:stCxn id="1071" idx="1"/>
-          </p:cNvCxnSpPr>
-          <p:nvPr/>
-        </p:nvCxnSpPr>
-        <p:spPr>
-          <a:xfrm flipH="1" flipV="1">
-            <a:off x="9097518" y="5726737"/>
-            <a:ext cx="648000" cy="2228"/>
-          </a:xfrm>
-          <a:prstGeom prst="line">
-            <a:avLst/>
-          </a:prstGeom>
-          <a:ln w="111125">
-            <a:solidFill>
-              <a:schemeClr val="bg1">
-                <a:lumMod val="50000"/>
-              </a:schemeClr>
-            </a:solidFill>
-          </a:ln>
-        </p:spPr>
-        <p:style>
-          <a:lnRef idx="2">
-            <a:schemeClr val="accent1"/>
-          </a:lnRef>
-          <a:fillRef idx="0">
-            <a:schemeClr val="accent1"/>
-          </a:fillRef>
-          <a:effectRef idx="1">
-            <a:schemeClr val="accent1"/>
-          </a:effectRef>
-          <a:fontRef idx="minor">
-            <a:schemeClr val="tx1"/>
-          </a:fontRef>
-        </p:style>
-      </p:cxnSp>
-      <p:grpSp>
-        <p:nvGrpSpPr>
-          <p:cNvPr id="1069" name="Group 1068">
-            <a:extLst>
-              <a:ext uri="{FF2B5EF4-FFF2-40B4-BE49-F238E27FC236}">
-                <a16:creationId xmlns:a16="http://schemas.microsoft.com/office/drawing/2014/main" id="{B7600255-54B9-4AFC-73CE-6395B8AD50D9}"/>
-              </a:ext>
-            </a:extLst>
-          </p:cNvPr>
-          <p:cNvGrpSpPr/>
-          <p:nvPr/>
-        </p:nvGrpSpPr>
-        <p:grpSpPr>
-          <a:xfrm>
-            <a:off x="9711576" y="5470887"/>
-            <a:ext cx="1308653" cy="516155"/>
-            <a:chOff x="9302141" y="5470887"/>
-            <a:chExt cx="1308653" cy="516155"/>
-          </a:xfrm>
-        </p:grpSpPr>
-        <p:sp>
-          <p:nvSpPr>
-            <p:cNvPr id="1070" name="TextBox 1069">
-              <a:extLst>
-                <a:ext uri="{FF2B5EF4-FFF2-40B4-BE49-F238E27FC236}">
-                  <a16:creationId xmlns:a16="http://schemas.microsoft.com/office/drawing/2014/main" id="{4E2EDA8D-F4EC-AE12-A85D-02FB147C3C88}"/>
-                </a:ext>
-              </a:extLst>
-            </p:cNvPr>
-            <p:cNvSpPr txBox="1"/>
-            <p:nvPr/>
-          </p:nvSpPr>
-          <p:spPr>
-            <a:xfrm>
-              <a:off x="9749404" y="5544298"/>
-              <a:ext cx="861390" cy="369332"/>
-            </a:xfrm>
-            <a:prstGeom prst="rect">
-              <a:avLst/>
-            </a:prstGeom>
-            <a:noFill/>
-          </p:spPr>
-          <p:txBody>
-            <a:bodyPr wrap="none" rtlCol="0">
-              <a:spAutoFit/>
-            </a:bodyPr>
-            <a:lstStyle/>
-            <a:p>
-              <a:r>
-                <a:rPr lang="en-AU" b="1" dirty="0"/>
-                <a:t>Tables</a:t>
-              </a:r>
-            </a:p>
-          </p:txBody>
-        </p:sp>
-        <p:pic>
-          <p:nvPicPr>
-            <p:cNvPr id="1071" name="Graphic 1070" descr="Open folder with solid fill">
-              <a:extLst>
-                <a:ext uri="{FF2B5EF4-FFF2-40B4-BE49-F238E27FC236}">
-                  <a16:creationId xmlns:a16="http://schemas.microsoft.com/office/drawing/2014/main" id="{19C0E6C9-5237-77ED-AD26-3154FCC721AC}"/>
-                </a:ext>
-              </a:extLst>
-            </p:cNvPr>
-            <p:cNvPicPr>
-              <a:picLocks noChangeAspect="1"/>
-            </p:cNvPicPr>
-            <p:nvPr/>
-          </p:nvPicPr>
-          <p:blipFill>
-            <a:blip r:embed="rId3">
-              <a:extLst>
-                <a:ext uri="{96DAC541-7B7A-43D3-8B79-37D633B846F1}">
-                  <asvg:svgBlip xmlns:asvg="http://schemas.microsoft.com/office/drawing/2016/SVG/main" r:embed="rId4"/>
-                </a:ext>
-              </a:extLst>
-            </a:blip>
-            <a:stretch>
-              <a:fillRect/>
-            </a:stretch>
-          </p:blipFill>
-          <p:spPr>
-            <a:xfrm>
-              <a:off x="9302141" y="5470887"/>
-              <a:ext cx="516155" cy="516155"/>
-            </a:xfrm>
-            <a:prstGeom prst="rect">
-              <a:avLst/>
-            </a:prstGeom>
-          </p:spPr>
-        </p:pic>
-      </p:grpSp>
-      <p:grpSp>
-        <p:nvGrpSpPr>
-          <p:cNvPr id="1072" name="Group 1071">
-            <a:extLst>
-              <a:ext uri="{FF2B5EF4-FFF2-40B4-BE49-F238E27FC236}">
-                <a16:creationId xmlns:a16="http://schemas.microsoft.com/office/drawing/2014/main" id="{DDE58737-1A89-1D08-11F0-2AA9CEDB0434}"/>
-              </a:ext>
-            </a:extLst>
-          </p:cNvPr>
-          <p:cNvGrpSpPr/>
-          <p:nvPr/>
-        </p:nvGrpSpPr>
-        <p:grpSpPr>
-          <a:xfrm>
-            <a:off x="9711576" y="5932047"/>
-            <a:ext cx="1173424" cy="516155"/>
-            <a:chOff x="9418915" y="5890481"/>
-            <a:chExt cx="1173424" cy="516155"/>
-          </a:xfrm>
-        </p:grpSpPr>
-        <p:sp>
-          <p:nvSpPr>
-            <p:cNvPr id="1073" name="TextBox 1072">
-              <a:extLst>
-                <a:ext uri="{FF2B5EF4-FFF2-40B4-BE49-F238E27FC236}">
-                  <a16:creationId xmlns:a16="http://schemas.microsoft.com/office/drawing/2014/main" id="{AE3D3E0A-0538-D473-F31F-E7CE0DBAE6B7}"/>
-                </a:ext>
-              </a:extLst>
-            </p:cNvPr>
-            <p:cNvSpPr txBox="1"/>
-            <p:nvPr/>
-          </p:nvSpPr>
-          <p:spPr>
-            <a:xfrm>
-              <a:off x="9866178" y="5963892"/>
-              <a:ext cx="726161" cy="369332"/>
-            </a:xfrm>
-            <a:prstGeom prst="rect">
-              <a:avLst/>
-            </a:prstGeom>
-            <a:noFill/>
-          </p:spPr>
-          <p:txBody>
-            <a:bodyPr wrap="none" rtlCol="0">
-              <a:spAutoFit/>
-            </a:bodyPr>
-            <a:lstStyle/>
-            <a:p>
-              <a:r>
-                <a:rPr lang="en-AU" b="1" dirty="0"/>
-                <a:t>Plots</a:t>
-              </a:r>
-            </a:p>
-          </p:txBody>
-        </p:sp>
-        <p:pic>
-          <p:nvPicPr>
-            <p:cNvPr id="1074" name="Graphic 1073" descr="Open folder with solid fill">
-              <a:extLst>
-                <a:ext uri="{FF2B5EF4-FFF2-40B4-BE49-F238E27FC236}">
-                  <a16:creationId xmlns:a16="http://schemas.microsoft.com/office/drawing/2014/main" id="{14BA0B18-3FB2-DD3D-3BBE-31B29EFF088A}"/>
-                </a:ext>
-              </a:extLst>
-            </p:cNvPr>
-            <p:cNvPicPr>
-              <a:picLocks noChangeAspect="1"/>
-            </p:cNvPicPr>
-            <p:nvPr/>
-          </p:nvPicPr>
-          <p:blipFill>
-            <a:blip r:embed="rId3">
-              <a:extLst>
-                <a:ext uri="{96DAC541-7B7A-43D3-8B79-37D633B846F1}">
-                  <asvg:svgBlip xmlns:asvg="http://schemas.microsoft.com/office/drawing/2016/SVG/main" r:embed="rId4"/>
-                </a:ext>
-              </a:extLst>
-            </a:blip>
-            <a:stretch>
-              <a:fillRect/>
-            </a:stretch>
-          </p:blipFill>
-          <p:spPr>
-            <a:xfrm>
-              <a:off x="9418915" y="5890481"/>
-              <a:ext cx="516155" cy="516155"/>
-            </a:xfrm>
-            <a:prstGeom prst="rect">
-              <a:avLst/>
-            </a:prstGeom>
-          </p:spPr>
-        </p:pic>
-      </p:grpSp>
-      <p:pic>
-        <p:nvPicPr>
-          <p:cNvPr id="1075" name="Graphic 1074" descr="Open folder with solid fill">
-            <a:extLst>
-              <a:ext uri="{FF2B5EF4-FFF2-40B4-BE49-F238E27FC236}">
-                <a16:creationId xmlns:a16="http://schemas.microsoft.com/office/drawing/2014/main" id="{8C04569B-4B33-8A20-56DA-ED5B9E8451B3}"/>
-              </a:ext>
-            </a:extLst>
-          </p:cNvPr>
-          <p:cNvPicPr>
-            <a:picLocks noChangeAspect="1"/>
-          </p:cNvPicPr>
-          <p:nvPr/>
-        </p:nvPicPr>
-        <p:blipFill>
-          <a:blip r:embed="rId3">
-            <a:extLst>
-              <a:ext uri="{96DAC541-7B7A-43D3-8B79-37D633B846F1}">
-                <asvg:svgBlip xmlns:asvg="http://schemas.microsoft.com/office/drawing/2016/SVG/main" r:embed="rId4"/>
-              </a:ext>
-            </a:extLst>
-          </a:blip>
-          <a:stretch>
-            <a:fillRect/>
-          </a:stretch>
-        </p:blipFill>
-        <p:spPr>
-          <a:xfrm>
-            <a:off x="8873604" y="5029913"/>
-            <a:ext cx="687003" cy="687003"/>
-          </a:xfrm>
-          <a:prstGeom prst="rect">
-            <a:avLst/>
-          </a:prstGeom>
-        </p:spPr>
-      </p:pic>
-      <p:pic>
-        <p:nvPicPr>
-          <p:cNvPr id="1076" name="Graphic 1075" descr="Open folder with solid fill">
-            <a:extLst>
-              <a:ext uri="{FF2B5EF4-FFF2-40B4-BE49-F238E27FC236}">
-                <a16:creationId xmlns:a16="http://schemas.microsoft.com/office/drawing/2014/main" id="{EEA9E22F-5AEE-D80F-F11D-2362196D3EF8}"/>
-              </a:ext>
-            </a:extLst>
-          </p:cNvPr>
-          <p:cNvPicPr>
-            <a:picLocks noChangeAspect="1"/>
-          </p:cNvPicPr>
-          <p:nvPr/>
-        </p:nvPicPr>
-        <p:blipFill>
-          <a:blip r:embed="rId3">
-            <a:extLst>
-              <a:ext uri="{96DAC541-7B7A-43D3-8B79-37D633B846F1}">
-                <asvg:svgBlip xmlns:asvg="http://schemas.microsoft.com/office/drawing/2016/SVG/main" r:embed="rId4"/>
-              </a:ext>
-            </a:extLst>
-          </a:blip>
-          <a:stretch>
-            <a:fillRect/>
-          </a:stretch>
-        </p:blipFill>
-        <p:spPr>
-          <a:xfrm>
-            <a:off x="8831563" y="3106520"/>
-            <a:ext cx="687003" cy="687003"/>
-          </a:xfrm>
-          <a:prstGeom prst="rect">
-            <a:avLst/>
-          </a:prstGeom>
-        </p:spPr>
-      </p:pic>
-      <p:sp>
-        <p:nvSpPr>
-          <p:cNvPr id="1077" name="TextBox 1076">
-            <a:extLst>
-              <a:ext uri="{FF2B5EF4-FFF2-40B4-BE49-F238E27FC236}">
-                <a16:creationId xmlns:a16="http://schemas.microsoft.com/office/drawing/2014/main" id="{1EA639D2-9527-668B-D313-10C3EE19205B}"/>
-              </a:ext>
-            </a:extLst>
-          </p:cNvPr>
-          <p:cNvSpPr txBox="1"/>
-          <p:nvPr/>
-        </p:nvSpPr>
-        <p:spPr>
-          <a:xfrm>
-            <a:off x="7469484" y="252170"/>
-            <a:ext cx="4258410" cy="553998"/>
-          </a:xfrm>
-          <a:prstGeom prst="rect">
-            <a:avLst/>
-          </a:prstGeom>
-          <a:noFill/>
-        </p:spPr>
-        <p:txBody>
-          <a:bodyPr wrap="none" rtlCol="0">
-            <a:spAutoFit/>
-          </a:bodyPr>
-          <a:lstStyle/>
-          <a:p>
-            <a:r>
-              <a:rPr lang="en-AU" sz="3000" b="1" dirty="0"/>
-              <a:t>A basic R project set up</a:t>
-            </a:r>
-          </a:p>
-        </p:txBody>
-      </p:sp>
-      <p:sp>
-        <p:nvSpPr>
-          <p:cNvPr id="1078" name="TextBox 1077">
-            <a:extLst>
-              <a:ext uri="{FF2B5EF4-FFF2-40B4-BE49-F238E27FC236}">
-                <a16:creationId xmlns:a16="http://schemas.microsoft.com/office/drawing/2014/main" id="{023B66D5-F8C5-2DFB-89F2-CE6625ABC685}"/>
-              </a:ext>
-            </a:extLst>
-          </p:cNvPr>
-          <p:cNvSpPr txBox="1"/>
-          <p:nvPr/>
-        </p:nvSpPr>
-        <p:spPr>
-          <a:xfrm>
-            <a:off x="9387101" y="1687930"/>
-            <a:ext cx="2857514" cy="430887"/>
-          </a:xfrm>
-          <a:prstGeom prst="rect">
-            <a:avLst/>
-          </a:prstGeom>
-          <a:noFill/>
-        </p:spPr>
-        <p:txBody>
-          <a:bodyPr wrap="none" rtlCol="0">
-            <a:spAutoFit/>
-          </a:bodyPr>
-          <a:lstStyle/>
-          <a:p>
-            <a:r>
-              <a:rPr lang="en-AU" sz="2200" b="1" dirty="0"/>
-              <a:t>.</a:t>
-            </a:r>
-            <a:r>
-              <a:rPr lang="en-AU" sz="2200" b="1" dirty="0" err="1"/>
-              <a:t>Rproj</a:t>
-            </a:r>
-            <a:r>
-              <a:rPr lang="en-AU" sz="2200" b="1" dirty="0"/>
-              <a:t> (R Project File)</a:t>
-            </a:r>
-          </a:p>
-        </p:txBody>
-      </p:sp>
-      <p:sp>
-        <p:nvSpPr>
-          <p:cNvPr id="1081" name="Title 1">
-            <a:extLst>
-              <a:ext uri="{FF2B5EF4-FFF2-40B4-BE49-F238E27FC236}">
-                <a16:creationId xmlns:a16="http://schemas.microsoft.com/office/drawing/2014/main" id="{056F0444-F6C9-E9E0-3E1C-87EAE185D37C}"/>
-              </a:ext>
-            </a:extLst>
-          </p:cNvPr>
-          <p:cNvSpPr txBox="1">
-            <a:spLocks/>
-          </p:cNvSpPr>
-          <p:nvPr/>
-        </p:nvSpPr>
-        <p:spPr>
-          <a:xfrm>
-            <a:off x="0" y="283239"/>
-            <a:ext cx="10515600" cy="1325563"/>
-          </a:xfrm>
-          <a:prstGeom prst="rect">
-            <a:avLst/>
-          </a:prstGeom>
-        </p:spPr>
-        <p:txBody>
-          <a:bodyPr vert="horz" lIns="91440" tIns="45720" rIns="91440" bIns="45720" rtlCol="0" anchor="ctr">
-            <a:normAutofit/>
-          </a:bodyPr>
-          <a:lstStyle>
-            <a:lvl1pPr algn="l" defTabSz="914400" rtl="0" eaLnBrk="1" latinLnBrk="0" hangingPunct="1">
-              <a:lnSpc>
-                <a:spcPct val="90000"/>
-              </a:lnSpc>
-              <a:spcBef>
-                <a:spcPct val="0"/>
-              </a:spcBef>
-              <a:buNone/>
-              <a:defRPr sz="4400" kern="1200">
-                <a:solidFill>
-                  <a:schemeClr val="tx1"/>
-                </a:solidFill>
-                <a:latin typeface="+mj-lt"/>
-                <a:ea typeface="+mj-ea"/>
-                <a:cs typeface="+mj-cs"/>
-              </a:defRPr>
-            </a:lvl1pPr>
-          </a:lstStyle>
-          <a:p>
-            <a:r>
-              <a:rPr lang="en-AU" dirty="0"/>
-              <a:t>Getting organised : Data</a:t>
-            </a:r>
-          </a:p>
-        </p:txBody>
-      </p:sp>
-    </p:spTree>
-    <p:extLst>
-      <p:ext uri="{BB962C8B-B14F-4D97-AF65-F5344CB8AC3E}">
-        <p14:creationId xmlns:p14="http://schemas.microsoft.com/office/powerpoint/2010/main" val="1320845194"/>
-      </p:ext>
-    </p:extLst>
-  </p:cSld>
-  <p:clrMapOvr>
-    <a:masterClrMapping/>
-  </p:clrMapOvr>
-</p:sld>
-</file>
-
-<file path=ppt/slides/slide4.xml><?xml version="1.0" encoding="utf-8"?>
-<p:sld xmlns:a="http://schemas.openxmlformats.org/drawingml/2006/main" xmlns:r="http://schemas.openxmlformats.org/officeDocument/2006/relationships" xmlns:p="http://schemas.openxmlformats.org/presentationml/2006/main">
-  <p:cSld>
-    <p:spTree>
-      <p:nvGrpSpPr>
-        <p:cNvPr id="1" name="">
-          <a:extLst>
-            <a:ext uri="{FF2B5EF4-FFF2-40B4-BE49-F238E27FC236}">
-              <a16:creationId xmlns:a16="http://schemas.microsoft.com/office/drawing/2014/main" id="{9B0CF3C4-2EFB-657F-C35C-36305E88B753}"/>
-            </a:ext>
-          </a:extLst>
-        </p:cNvPr>
-        <p:cNvGrpSpPr/>
-        <p:nvPr/>
-      </p:nvGrpSpPr>
-      <p:grpSpPr>
-        <a:xfrm>
-          <a:off x="0" y="0"/>
-          <a:ext cx="0" cy="0"/>
-          <a:chOff x="0" y="0"/>
-          <a:chExt cx="0" cy="0"/>
-        </a:xfrm>
-      </p:grpSpPr>
-      <p:sp>
-        <p:nvSpPr>
-          <p:cNvPr id="4" name="TextBox 3">
-            <a:extLst>
-              <a:ext uri="{FF2B5EF4-FFF2-40B4-BE49-F238E27FC236}">
-                <a16:creationId xmlns:a16="http://schemas.microsoft.com/office/drawing/2014/main" id="{2EA88EF4-8D55-7DFB-0AAD-052327B73173}"/>
-              </a:ext>
-            </a:extLst>
-          </p:cNvPr>
-          <p:cNvSpPr txBox="1"/>
-          <p:nvPr/>
-        </p:nvSpPr>
-        <p:spPr>
-          <a:xfrm>
-            <a:off x="164592" y="2066544"/>
-            <a:ext cx="6080760" cy="3477875"/>
-          </a:xfrm>
-          <a:prstGeom prst="rect">
-            <a:avLst/>
-          </a:prstGeom>
-          <a:noFill/>
-        </p:spPr>
-        <p:txBody>
-          <a:bodyPr wrap="square" rtlCol="0">
-            <a:spAutoFit/>
-          </a:bodyPr>
-          <a:lstStyle/>
-          <a:p>
-            <a:r>
-              <a:rPr lang="en-AU" sz="2000" b="1" dirty="0"/>
-              <a:t>Purpose</a:t>
-            </a:r>
-            <a:r>
-              <a:rPr lang="en-AU" sz="2000" dirty="0"/>
-              <a:t>: Store all raw datasets required for analysis.</a:t>
-            </a:r>
-          </a:p>
-          <a:p>
-            <a:endParaRPr lang="en-AU" sz="2000" b="1" dirty="0"/>
-          </a:p>
-          <a:p>
-            <a:r>
-              <a:rPr lang="en-AU" sz="2000" b="1" dirty="0"/>
-              <a:t>Best Practices</a:t>
-            </a:r>
-            <a:r>
-              <a:rPr lang="en-AU" sz="2000" dirty="0"/>
-              <a:t>:</a:t>
-            </a:r>
-          </a:p>
-          <a:p>
-            <a:pPr marL="342900" indent="-342900">
-              <a:buFont typeface="Arial" panose="020B0604020202020204" pitchFamily="34" charset="0"/>
-              <a:buChar char="•"/>
-            </a:pPr>
-            <a:r>
-              <a:rPr lang="en-AU" sz="2000" dirty="0"/>
-              <a:t>Keep original data unaltered to maintain integrity.</a:t>
-            </a:r>
-          </a:p>
-          <a:p>
-            <a:pPr marL="342900" indent="-342900">
-              <a:buFont typeface="Arial" panose="020B0604020202020204" pitchFamily="34" charset="0"/>
-              <a:buChar char="•"/>
-            </a:pPr>
-            <a:r>
-              <a:rPr lang="en-AU" sz="2000" dirty="0"/>
-              <a:t>Use subfolders like Data/Raw/ for original data and Data/Processed/ for cleaned versions.</a:t>
-            </a:r>
-          </a:p>
-          <a:p>
-            <a:pPr marL="342900" indent="-342900">
-              <a:buFont typeface="Arial" panose="020B0604020202020204" pitchFamily="34" charset="0"/>
-              <a:buChar char="•"/>
-            </a:pPr>
-            <a:endParaRPr lang="en-AU" sz="2000" dirty="0"/>
-          </a:p>
-          <a:p>
-            <a:r>
-              <a:rPr lang="en-AU" sz="2000" b="1" dirty="0"/>
-              <a:t>Example:</a:t>
-            </a:r>
-          </a:p>
-          <a:p>
-            <a:r>
-              <a:rPr lang="en-AU" sz="2000" dirty="0" err="1">
-                <a:solidFill>
-                  <a:srgbClr val="FF0000"/>
-                </a:solidFill>
-              </a:rPr>
-              <a:t>read.csv</a:t>
-            </a:r>
-            <a:r>
-              <a:rPr lang="en-AU" sz="2000" dirty="0">
-                <a:solidFill>
-                  <a:srgbClr val="FF0000"/>
-                </a:solidFill>
-              </a:rPr>
-              <a:t>("Data/</a:t>
-            </a:r>
-            <a:r>
-              <a:rPr lang="en-AU" sz="2000" dirty="0" err="1">
-                <a:solidFill>
-                  <a:srgbClr val="FF0000"/>
-                </a:solidFill>
-              </a:rPr>
-              <a:t>dataset.csv</a:t>
-            </a:r>
-            <a:r>
-              <a:rPr lang="en-AU" sz="2000" dirty="0">
-                <a:solidFill>
-                  <a:srgbClr val="FF0000"/>
-                </a:solidFill>
-              </a:rPr>
-              <a:t>")</a:t>
-            </a:r>
-          </a:p>
-          <a:p>
-            <a:endParaRPr lang="en-AU" sz="2000" b="1" dirty="0"/>
-          </a:p>
-          <a:p>
-            <a:endParaRPr lang="en-AU" sz="2000" dirty="0"/>
-          </a:p>
-        </p:txBody>
-      </p:sp>
-      <p:sp>
-        <p:nvSpPr>
-          <p:cNvPr id="47" name="Title 1">
-            <a:extLst>
-              <a:ext uri="{FF2B5EF4-FFF2-40B4-BE49-F238E27FC236}">
-                <a16:creationId xmlns:a16="http://schemas.microsoft.com/office/drawing/2014/main" id="{2A5BB354-D638-29C3-3ED8-407293F80945}"/>
-              </a:ext>
-            </a:extLst>
-          </p:cNvPr>
-          <p:cNvSpPr txBox="1">
-            <a:spLocks/>
-          </p:cNvSpPr>
-          <p:nvPr/>
-        </p:nvSpPr>
-        <p:spPr>
-          <a:xfrm>
-            <a:off x="0" y="283239"/>
-            <a:ext cx="10515600" cy="1325563"/>
-          </a:xfrm>
-          <a:prstGeom prst="rect">
-            <a:avLst/>
-          </a:prstGeom>
-        </p:spPr>
-        <p:txBody>
-          <a:bodyPr vert="horz" lIns="91440" tIns="45720" rIns="91440" bIns="45720" rtlCol="0" anchor="ctr">
-            <a:normAutofit/>
-          </a:bodyPr>
-          <a:lstStyle>
-            <a:lvl1pPr algn="l" defTabSz="914400" rtl="0" eaLnBrk="1" latinLnBrk="0" hangingPunct="1">
-              <a:lnSpc>
-                <a:spcPct val="90000"/>
-              </a:lnSpc>
-              <a:spcBef>
-                <a:spcPct val="0"/>
-              </a:spcBef>
-              <a:buNone/>
-              <a:defRPr sz="4400" kern="1200">
-                <a:solidFill>
-                  <a:schemeClr val="tx1"/>
-                </a:solidFill>
-                <a:latin typeface="+mj-lt"/>
-                <a:ea typeface="+mj-ea"/>
-                <a:cs typeface="+mj-cs"/>
-              </a:defRPr>
-            </a:lvl1pPr>
-          </a:lstStyle>
-          <a:p>
-            <a:r>
-              <a:rPr lang="en-AU" dirty="0"/>
-              <a:t>Now lets get organised : Data</a:t>
-            </a:r>
-          </a:p>
-        </p:txBody>
-      </p:sp>
-      <p:sp>
-        <p:nvSpPr>
-          <p:cNvPr id="51" name="TextBox 50">
-            <a:extLst>
-              <a:ext uri="{FF2B5EF4-FFF2-40B4-BE49-F238E27FC236}">
-                <a16:creationId xmlns:a16="http://schemas.microsoft.com/office/drawing/2014/main" id="{3E282DB1-C780-4D04-F031-CDC36F022BF9}"/>
-              </a:ext>
-            </a:extLst>
-          </p:cNvPr>
-          <p:cNvSpPr txBox="1"/>
-          <p:nvPr/>
-        </p:nvSpPr>
-        <p:spPr>
-          <a:xfrm>
-            <a:off x="7479624" y="252170"/>
-            <a:ext cx="4258410" cy="553998"/>
-          </a:xfrm>
-          <a:prstGeom prst="rect">
-            <a:avLst/>
-          </a:prstGeom>
-          <a:noFill/>
-        </p:spPr>
-        <p:txBody>
-          <a:bodyPr wrap="none" rtlCol="0">
-            <a:spAutoFit/>
-          </a:bodyPr>
-          <a:lstStyle/>
-          <a:p>
-            <a:r>
-              <a:rPr lang="en-AU" sz="3000" b="1" dirty="0"/>
-              <a:t>A basic R project set up</a:t>
-            </a:r>
-          </a:p>
-        </p:txBody>
-      </p:sp>
-      <p:pic>
-        <p:nvPicPr>
-          <p:cNvPr id="52" name="Picture 51">
-            <a:extLst>
-              <a:ext uri="{FF2B5EF4-FFF2-40B4-BE49-F238E27FC236}">
-                <a16:creationId xmlns:a16="http://schemas.microsoft.com/office/drawing/2014/main" id="{C3A6F942-5EF1-6B61-BE2D-F566FB180F79}"/>
-              </a:ext>
-            </a:extLst>
-          </p:cNvPr>
-          <p:cNvPicPr>
-            <a:picLocks noChangeAspect="1"/>
-          </p:cNvPicPr>
-          <p:nvPr/>
-        </p:nvPicPr>
-        <p:blipFill>
-          <a:blip r:embed="rId3">
-            <a:alphaModFix amt="20000"/>
-          </a:blip>
-          <a:stretch>
-            <a:fillRect/>
-          </a:stretch>
-        </p:blipFill>
-        <p:spPr>
-          <a:xfrm>
-            <a:off x="7378700" y="758114"/>
-            <a:ext cx="4813300" cy="5778500"/>
-          </a:xfrm>
-          <a:prstGeom prst="rect">
-            <a:avLst/>
-          </a:prstGeom>
-        </p:spPr>
-      </p:pic>
-      <p:pic>
-        <p:nvPicPr>
-          <p:cNvPr id="53" name="Picture 52">
-            <a:extLst>
-              <a:ext uri="{FF2B5EF4-FFF2-40B4-BE49-F238E27FC236}">
-                <a16:creationId xmlns:a16="http://schemas.microsoft.com/office/drawing/2014/main" id="{6786FCE2-CF81-5693-DFC6-FC31C37815BC}"/>
-              </a:ext>
-            </a:extLst>
-          </p:cNvPr>
-          <p:cNvPicPr>
-            <a:picLocks noChangeAspect="1"/>
-          </p:cNvPicPr>
-          <p:nvPr/>
-        </p:nvPicPr>
-        <p:blipFill>
-          <a:blip r:embed="rId3"/>
-          <a:srcRect t="28212" b="62341"/>
-          <a:stretch/>
-        </p:blipFill>
-        <p:spPr>
-          <a:xfrm>
-            <a:off x="7378700" y="2388358"/>
-            <a:ext cx="4813300" cy="545911"/>
-          </a:xfrm>
-          <a:prstGeom prst="rect">
-            <a:avLst/>
-          </a:prstGeom>
-        </p:spPr>
-      </p:pic>
-    </p:spTree>
-    <p:extLst>
-      <p:ext uri="{BB962C8B-B14F-4D97-AF65-F5344CB8AC3E}">
-        <p14:creationId xmlns:p14="http://schemas.microsoft.com/office/powerpoint/2010/main" val="4068959706"/>
-      </p:ext>
-    </p:extLst>
-  </p:cSld>
-  <p:clrMapOvr>
-    <a:masterClrMapping/>
-  </p:clrMapOvr>
-</p:sld>
-</file>
-
-<file path=ppt/slides/slide5.xml><?xml version="1.0" encoding="utf-8"?>
-<p:sld xmlns:a="http://schemas.openxmlformats.org/drawingml/2006/main" xmlns:r="http://schemas.openxmlformats.org/officeDocument/2006/relationships" xmlns:p="http://schemas.openxmlformats.org/presentationml/2006/main">
-  <p:cSld>
-    <p:spTree>
-      <p:nvGrpSpPr>
-        <p:cNvPr id="1" name="">
-          <a:extLst>
-            <a:ext uri="{FF2B5EF4-FFF2-40B4-BE49-F238E27FC236}">
-              <a16:creationId xmlns:a16="http://schemas.microsoft.com/office/drawing/2014/main" id="{BE45EF01-A60B-9821-E09B-32E4B428F5B1}"/>
-            </a:ext>
-          </a:extLst>
-        </p:cNvPr>
-        <p:cNvGrpSpPr/>
-        <p:nvPr/>
-      </p:nvGrpSpPr>
-      <p:grpSpPr>
-        <a:xfrm>
-          <a:off x="0" y="0"/>
-          <a:ext cx="0" cy="0"/>
-          <a:chOff x="0" y="0"/>
-          <a:chExt cx="0" cy="0"/>
-        </a:xfrm>
-      </p:grpSpPr>
-      <p:sp>
-        <p:nvSpPr>
-          <p:cNvPr id="4" name="TextBox 3">
-            <a:extLst>
-              <a:ext uri="{FF2B5EF4-FFF2-40B4-BE49-F238E27FC236}">
-                <a16:creationId xmlns:a16="http://schemas.microsoft.com/office/drawing/2014/main" id="{2602F072-7FA2-CAB5-FEE8-A8D7DCF2C871}"/>
-              </a:ext>
-            </a:extLst>
-          </p:cNvPr>
-          <p:cNvSpPr txBox="1"/>
-          <p:nvPr/>
-        </p:nvSpPr>
-        <p:spPr>
-          <a:xfrm>
-            <a:off x="164592" y="2066544"/>
-            <a:ext cx="7050024" cy="3477875"/>
-          </a:xfrm>
-          <a:prstGeom prst="rect">
-            <a:avLst/>
-          </a:prstGeom>
-          <a:noFill/>
-        </p:spPr>
-        <p:txBody>
-          <a:bodyPr wrap="square" rtlCol="0">
-            <a:spAutoFit/>
-          </a:bodyPr>
-          <a:lstStyle/>
-          <a:p>
-            <a:r>
-              <a:rPr lang="en-AU" sz="2000" b="1" dirty="0"/>
-              <a:t>Purpose</a:t>
-            </a:r>
-            <a:r>
-              <a:rPr lang="en-AU" sz="2000" dirty="0"/>
-              <a:t>: Contain all R scripts files for data processing and analysis.</a:t>
-            </a:r>
-          </a:p>
-          <a:p>
-            <a:endParaRPr lang="en-AU" sz="2000" b="1" dirty="0"/>
-          </a:p>
-          <a:p>
-            <a:r>
-              <a:rPr lang="en-AU" sz="2000" b="1" dirty="0"/>
-              <a:t>Best Practices</a:t>
-            </a:r>
-            <a:r>
-              <a:rPr lang="en-AU" sz="2000" dirty="0"/>
-              <a:t>:</a:t>
-            </a:r>
-          </a:p>
-          <a:p>
-            <a:pPr marL="342900" indent="-342900">
-              <a:buFont typeface="Arial" panose="020B0604020202020204" pitchFamily="34" charset="0"/>
-              <a:buChar char="•"/>
-            </a:pPr>
-            <a:r>
-              <a:rPr lang="en-AU" sz="2000" dirty="0"/>
-              <a:t>Organize scripts logically, e.g., Scripts/</a:t>
-            </a:r>
-            <a:r>
-              <a:rPr lang="en-AU" sz="2000" dirty="0" err="1"/>
-              <a:t>Data_Cleaning.R</a:t>
-            </a:r>
-            <a:r>
-              <a:rPr lang="en-AU" sz="2000" dirty="0"/>
-              <a:t>, Scripts/</a:t>
-            </a:r>
-            <a:r>
-              <a:rPr lang="en-AU" sz="2000" dirty="0" err="1"/>
-              <a:t>Analysis.R</a:t>
-            </a:r>
-            <a:r>
-              <a:rPr lang="en-AU" sz="2000" dirty="0"/>
-              <a:t>.</a:t>
-            </a:r>
-          </a:p>
-          <a:p>
-            <a:pPr marL="342900" indent="-342900">
-              <a:buFont typeface="Arial" panose="020B0604020202020204" pitchFamily="34" charset="0"/>
-              <a:buChar char="•"/>
-            </a:pPr>
-            <a:r>
-              <a:rPr lang="en-AU" sz="2000" dirty="0"/>
-              <a:t>Use relative paths to reference data and outputs.</a:t>
-            </a:r>
-          </a:p>
-          <a:p>
-            <a:pPr marL="342900" indent="-342900">
-              <a:buFont typeface="Arial" panose="020B0604020202020204" pitchFamily="34" charset="0"/>
-              <a:buChar char="•"/>
-            </a:pPr>
-            <a:endParaRPr lang="en-AU" sz="2000" dirty="0"/>
-          </a:p>
-          <a:p>
-            <a:r>
-              <a:rPr lang="en-AU" sz="2000" b="1" dirty="0"/>
-              <a:t>Example:</a:t>
-            </a:r>
-          </a:p>
-          <a:p>
-            <a:r>
-              <a:rPr lang="en-AU" sz="2000" dirty="0">
-                <a:solidFill>
-                  <a:srgbClr val="FF0000"/>
-                </a:solidFill>
-              </a:rPr>
-              <a:t>source("Scripts/</a:t>
-            </a:r>
-            <a:r>
-              <a:rPr lang="en-AU" sz="2000" dirty="0" err="1">
-                <a:solidFill>
-                  <a:srgbClr val="FF0000"/>
-                </a:solidFill>
-              </a:rPr>
-              <a:t>Data_Cleaning.R</a:t>
-            </a:r>
-            <a:r>
-              <a:rPr lang="en-AU" sz="2000" dirty="0">
-                <a:solidFill>
-                  <a:srgbClr val="FF0000"/>
-                </a:solidFill>
-              </a:rPr>
-              <a:t>")</a:t>
-            </a:r>
-            <a:endParaRPr lang="en-AU" sz="2000" b="1" dirty="0"/>
-          </a:p>
-          <a:p>
-            <a:endParaRPr lang="en-AU" sz="2000" dirty="0"/>
-          </a:p>
-        </p:txBody>
-      </p:sp>
-      <p:sp>
-        <p:nvSpPr>
-          <p:cNvPr id="8" name="Title 1">
-            <a:extLst>
-              <a:ext uri="{FF2B5EF4-FFF2-40B4-BE49-F238E27FC236}">
-                <a16:creationId xmlns:a16="http://schemas.microsoft.com/office/drawing/2014/main" id="{BC29EAC8-5D7B-91DA-4A8E-52660E0BE1A7}"/>
-              </a:ext>
-            </a:extLst>
-          </p:cNvPr>
-          <p:cNvSpPr txBox="1">
-            <a:spLocks/>
-          </p:cNvSpPr>
-          <p:nvPr/>
-        </p:nvSpPr>
-        <p:spPr>
-          <a:xfrm>
-            <a:off x="0" y="283239"/>
-            <a:ext cx="10515600" cy="1325563"/>
-          </a:xfrm>
-          <a:prstGeom prst="rect">
-            <a:avLst/>
-          </a:prstGeom>
-        </p:spPr>
-        <p:txBody>
-          <a:bodyPr vert="horz" lIns="91440" tIns="45720" rIns="91440" bIns="45720" rtlCol="0" anchor="ctr">
-            <a:normAutofit/>
-          </a:bodyPr>
-          <a:lstStyle>
-            <a:lvl1pPr algn="l" defTabSz="914400" rtl="0" eaLnBrk="1" latinLnBrk="0" hangingPunct="1">
-              <a:lnSpc>
-                <a:spcPct val="90000"/>
-              </a:lnSpc>
-              <a:spcBef>
-                <a:spcPct val="0"/>
-              </a:spcBef>
-              <a:buNone/>
-              <a:defRPr sz="4400" kern="1200">
-                <a:solidFill>
-                  <a:schemeClr val="tx1"/>
-                </a:solidFill>
-                <a:latin typeface="+mj-lt"/>
-                <a:ea typeface="+mj-ea"/>
-                <a:cs typeface="+mj-cs"/>
-              </a:defRPr>
-            </a:lvl1pPr>
-          </a:lstStyle>
-          <a:p>
-            <a:r>
-              <a:rPr lang="en-AU" dirty="0"/>
-              <a:t>Now lets get organised : Script</a:t>
-            </a:r>
-          </a:p>
-        </p:txBody>
-      </p:sp>
-      <p:sp>
-        <p:nvSpPr>
-          <p:cNvPr id="12" name="TextBox 11">
-            <a:extLst>
-              <a:ext uri="{FF2B5EF4-FFF2-40B4-BE49-F238E27FC236}">
-                <a16:creationId xmlns:a16="http://schemas.microsoft.com/office/drawing/2014/main" id="{736CAC0D-EFBE-2CD7-6096-732823AE5AB2}"/>
-              </a:ext>
-            </a:extLst>
-          </p:cNvPr>
-          <p:cNvSpPr txBox="1"/>
-          <p:nvPr/>
-        </p:nvSpPr>
-        <p:spPr>
-          <a:xfrm>
-            <a:off x="7479624" y="252170"/>
-            <a:ext cx="4258410" cy="553998"/>
-          </a:xfrm>
-          <a:prstGeom prst="rect">
-            <a:avLst/>
-          </a:prstGeom>
-          <a:noFill/>
-        </p:spPr>
-        <p:txBody>
-          <a:bodyPr wrap="none" rtlCol="0">
-            <a:spAutoFit/>
-          </a:bodyPr>
-          <a:lstStyle/>
-          <a:p>
-            <a:r>
-              <a:rPr lang="en-AU" sz="3000" b="1" dirty="0"/>
-              <a:t>A basic R project set up</a:t>
-            </a:r>
-          </a:p>
-        </p:txBody>
-      </p:sp>
-      <p:pic>
-        <p:nvPicPr>
-          <p:cNvPr id="13" name="Picture 12">
-            <a:extLst>
-              <a:ext uri="{FF2B5EF4-FFF2-40B4-BE49-F238E27FC236}">
-                <a16:creationId xmlns:a16="http://schemas.microsoft.com/office/drawing/2014/main" id="{A405BE85-B836-CCBD-6B38-4964497A3D31}"/>
-              </a:ext>
-            </a:extLst>
-          </p:cNvPr>
-          <p:cNvPicPr>
-            <a:picLocks noChangeAspect="1"/>
-          </p:cNvPicPr>
-          <p:nvPr/>
-        </p:nvPicPr>
-        <p:blipFill>
-          <a:blip r:embed="rId3">
-            <a:alphaModFix amt="20000"/>
-          </a:blip>
-          <a:stretch>
-            <a:fillRect/>
-          </a:stretch>
-        </p:blipFill>
-        <p:spPr>
-          <a:xfrm>
-            <a:off x="7378700" y="758114"/>
-            <a:ext cx="4813300" cy="5778500"/>
-          </a:xfrm>
-          <a:prstGeom prst="rect">
-            <a:avLst/>
-          </a:prstGeom>
-        </p:spPr>
-      </p:pic>
-      <p:pic>
-        <p:nvPicPr>
-          <p:cNvPr id="14" name="Picture 13">
-            <a:extLst>
-              <a:ext uri="{FF2B5EF4-FFF2-40B4-BE49-F238E27FC236}">
-                <a16:creationId xmlns:a16="http://schemas.microsoft.com/office/drawing/2014/main" id="{FA6DB58B-A414-225D-4620-9D59E06AC162}"/>
-              </a:ext>
-            </a:extLst>
-          </p:cNvPr>
-          <p:cNvPicPr>
-            <a:picLocks noChangeAspect="1"/>
-          </p:cNvPicPr>
-          <p:nvPr/>
-        </p:nvPicPr>
-        <p:blipFill>
-          <a:blip r:embed="rId3"/>
-          <a:srcRect t="43330" b="26438"/>
-          <a:stretch/>
-        </p:blipFill>
-        <p:spPr>
-          <a:xfrm>
-            <a:off x="7378700" y="3261815"/>
-            <a:ext cx="4813300" cy="1746913"/>
-          </a:xfrm>
-          <a:prstGeom prst="rect">
-            <a:avLst/>
-          </a:prstGeom>
-        </p:spPr>
-      </p:pic>
-    </p:spTree>
-    <p:extLst>
-      <p:ext uri="{BB962C8B-B14F-4D97-AF65-F5344CB8AC3E}">
-        <p14:creationId xmlns:p14="http://schemas.microsoft.com/office/powerpoint/2010/main" val="3236717552"/>
-      </p:ext>
-    </p:extLst>
-  </p:cSld>
-  <p:clrMapOvr>
-    <a:masterClrMapping/>
-  </p:clrMapOvr>
-</p:sld>
-</file>
-
-<file path=ppt/slides/slide6.xml><?xml version="1.0" encoding="utf-8"?>
-<p:sld xmlns:a="http://schemas.openxmlformats.org/drawingml/2006/main" xmlns:r="http://schemas.openxmlformats.org/officeDocument/2006/relationships" xmlns:p="http://schemas.openxmlformats.org/presentationml/2006/main">
-  <p:cSld>
-    <p:spTree>
-      <p:nvGrpSpPr>
-        <p:cNvPr id="1" name="">
-          <a:extLst>
-            <a:ext uri="{FF2B5EF4-FFF2-40B4-BE49-F238E27FC236}">
-              <a16:creationId xmlns:a16="http://schemas.microsoft.com/office/drawing/2014/main" id="{2CBCF18C-ACEA-B410-5797-5CCE4FB78DBD}"/>
-            </a:ext>
-          </a:extLst>
-        </p:cNvPr>
-        <p:cNvGrpSpPr/>
-        <p:nvPr/>
-      </p:nvGrpSpPr>
-      <p:grpSpPr>
-        <a:xfrm>
-          <a:off x="0" y="0"/>
-          <a:ext cx="0" cy="0"/>
-          <a:chOff x="0" y="0"/>
-          <a:chExt cx="0" cy="0"/>
-        </a:xfrm>
-      </p:grpSpPr>
-      <p:sp>
-        <p:nvSpPr>
-          <p:cNvPr id="4" name="TextBox 3">
-            <a:extLst>
-              <a:ext uri="{FF2B5EF4-FFF2-40B4-BE49-F238E27FC236}">
-                <a16:creationId xmlns:a16="http://schemas.microsoft.com/office/drawing/2014/main" id="{53A7FE06-A095-43C2-814A-BBF5268B8548}"/>
-              </a:ext>
-            </a:extLst>
-          </p:cNvPr>
-          <p:cNvSpPr txBox="1"/>
-          <p:nvPr/>
-        </p:nvSpPr>
-        <p:spPr>
-          <a:xfrm>
-            <a:off x="164592" y="2066544"/>
-            <a:ext cx="7050024" cy="3785652"/>
-          </a:xfrm>
-          <a:prstGeom prst="rect">
-            <a:avLst/>
-          </a:prstGeom>
-          <a:noFill/>
-        </p:spPr>
-        <p:txBody>
-          <a:bodyPr wrap="square" rtlCol="0">
-            <a:spAutoFit/>
-          </a:bodyPr>
-          <a:lstStyle/>
-          <a:p>
-            <a:r>
-              <a:rPr lang="en-AU" sz="2000" b="1" dirty="0"/>
-              <a:t>Purpose</a:t>
-            </a:r>
-            <a:r>
-              <a:rPr lang="en-AU" sz="2000" dirty="0"/>
-              <a:t>: Store results such as figures, tables, and reports generated from analyses.</a:t>
-            </a:r>
-          </a:p>
-          <a:p>
-            <a:endParaRPr lang="en-AU" sz="2000" b="1" dirty="0"/>
-          </a:p>
-          <a:p>
-            <a:r>
-              <a:rPr lang="en-AU" sz="2000" b="1" dirty="0"/>
-              <a:t>Best Practices</a:t>
-            </a:r>
-            <a:r>
-              <a:rPr lang="en-AU" sz="2000" dirty="0"/>
-              <a:t>:</a:t>
-            </a:r>
-          </a:p>
-          <a:p>
-            <a:pPr marL="342900" indent="-342900">
-              <a:buFont typeface="Arial" panose="020B0604020202020204" pitchFamily="34" charset="0"/>
-              <a:buChar char="•"/>
-            </a:pPr>
-            <a:r>
-              <a:rPr lang="en-AU" sz="2000" dirty="0"/>
-              <a:t>Separate outputs into folders like Outputs/Figures/, Outputs/Tables/</a:t>
-            </a:r>
-          </a:p>
-          <a:p>
-            <a:pPr marL="342900" indent="-342900">
-              <a:buFont typeface="Arial" panose="020B0604020202020204" pitchFamily="34" charset="0"/>
-              <a:buChar char="•"/>
-            </a:pPr>
-            <a:r>
-              <a:rPr lang="en-AU" sz="2000" dirty="0"/>
-              <a:t>Ensure outputs are reproducible by generating them through scripts</a:t>
-            </a:r>
-          </a:p>
-          <a:p>
-            <a:pPr marL="342900" indent="-342900">
-              <a:buFont typeface="Arial" panose="020B0604020202020204" pitchFamily="34" charset="0"/>
-              <a:buChar char="•"/>
-            </a:pPr>
-            <a:endParaRPr lang="en-AU" sz="2000" dirty="0"/>
-          </a:p>
-          <a:p>
-            <a:r>
-              <a:rPr lang="en-AU" sz="2000" b="1" dirty="0"/>
-              <a:t>Example:</a:t>
-            </a:r>
-          </a:p>
-          <a:p>
-            <a:r>
-              <a:rPr lang="en-AU" sz="2000" dirty="0" err="1">
-                <a:solidFill>
-                  <a:srgbClr val="FF0000"/>
-                </a:solidFill>
-              </a:rPr>
-              <a:t>ggsave</a:t>
-            </a:r>
-            <a:r>
-              <a:rPr lang="en-AU" sz="2000" dirty="0">
-                <a:solidFill>
-                  <a:srgbClr val="FF0000"/>
-                </a:solidFill>
-              </a:rPr>
-              <a:t>("Outputs/Figures/</a:t>
-            </a:r>
-            <a:r>
-              <a:rPr lang="en-AU" sz="2000" dirty="0" err="1">
-                <a:solidFill>
-                  <a:srgbClr val="FF0000"/>
-                </a:solidFill>
-              </a:rPr>
-              <a:t>plot.png</a:t>
-            </a:r>
-            <a:r>
-              <a:rPr lang="en-AU" sz="2000" dirty="0">
-                <a:solidFill>
-                  <a:srgbClr val="FF0000"/>
-                </a:solidFill>
-              </a:rPr>
-              <a:t>")</a:t>
-            </a:r>
-          </a:p>
-          <a:p>
-            <a:endParaRPr lang="en-AU" sz="2000" dirty="0"/>
-          </a:p>
-        </p:txBody>
-      </p:sp>
-      <p:sp>
-        <p:nvSpPr>
-          <p:cNvPr id="11" name="Title 1">
-            <a:extLst>
-              <a:ext uri="{FF2B5EF4-FFF2-40B4-BE49-F238E27FC236}">
-                <a16:creationId xmlns:a16="http://schemas.microsoft.com/office/drawing/2014/main" id="{96D36BBE-2795-8840-139E-825C998CADEE}"/>
-              </a:ext>
-            </a:extLst>
-          </p:cNvPr>
-          <p:cNvSpPr txBox="1">
-            <a:spLocks/>
-          </p:cNvSpPr>
-          <p:nvPr/>
-        </p:nvSpPr>
-        <p:spPr>
-          <a:xfrm>
-            <a:off x="0" y="283239"/>
-            <a:ext cx="10515600" cy="1325563"/>
-          </a:xfrm>
-          <a:prstGeom prst="rect">
-            <a:avLst/>
-          </a:prstGeom>
-        </p:spPr>
-        <p:txBody>
-          <a:bodyPr vert="horz" lIns="91440" tIns="45720" rIns="91440" bIns="45720" rtlCol="0" anchor="ctr">
-            <a:normAutofit/>
-          </a:bodyPr>
-          <a:lstStyle>
-            <a:lvl1pPr algn="l" defTabSz="914400" rtl="0" eaLnBrk="1" latinLnBrk="0" hangingPunct="1">
-              <a:lnSpc>
-                <a:spcPct val="90000"/>
-              </a:lnSpc>
-              <a:spcBef>
-                <a:spcPct val="0"/>
-              </a:spcBef>
-              <a:buNone/>
-              <a:defRPr sz="4400" kern="1200">
-                <a:solidFill>
-                  <a:schemeClr val="tx1"/>
-                </a:solidFill>
-                <a:latin typeface="+mj-lt"/>
-                <a:ea typeface="+mj-ea"/>
-                <a:cs typeface="+mj-cs"/>
-              </a:defRPr>
-            </a:lvl1pPr>
-          </a:lstStyle>
-          <a:p>
-            <a:r>
-              <a:rPr lang="en-AU" dirty="0"/>
-              <a:t>Now lets get organised : Output</a:t>
-            </a:r>
-          </a:p>
-        </p:txBody>
-      </p:sp>
-      <p:sp>
-        <p:nvSpPr>
-          <p:cNvPr id="17" name="TextBox 16">
-            <a:extLst>
-              <a:ext uri="{FF2B5EF4-FFF2-40B4-BE49-F238E27FC236}">
-                <a16:creationId xmlns:a16="http://schemas.microsoft.com/office/drawing/2014/main" id="{A1D12883-4BB9-88F6-2474-A3F77D98DE3F}"/>
-              </a:ext>
-            </a:extLst>
-          </p:cNvPr>
-          <p:cNvSpPr txBox="1"/>
-          <p:nvPr/>
-        </p:nvSpPr>
-        <p:spPr>
-          <a:xfrm>
-            <a:off x="7479624" y="252170"/>
-            <a:ext cx="4258410" cy="553998"/>
-          </a:xfrm>
-          <a:prstGeom prst="rect">
-            <a:avLst/>
-          </a:prstGeom>
-          <a:noFill/>
-        </p:spPr>
-        <p:txBody>
-          <a:bodyPr wrap="none" rtlCol="0">
-            <a:spAutoFit/>
-          </a:bodyPr>
-          <a:lstStyle/>
-          <a:p>
-            <a:r>
-              <a:rPr lang="en-AU" sz="3000" b="1" dirty="0"/>
-              <a:t>A basic R project set up</a:t>
-            </a:r>
-          </a:p>
-        </p:txBody>
-      </p:sp>
-      <p:pic>
-        <p:nvPicPr>
-          <p:cNvPr id="18" name="Picture 17">
-            <a:extLst>
-              <a:ext uri="{FF2B5EF4-FFF2-40B4-BE49-F238E27FC236}">
-                <a16:creationId xmlns:a16="http://schemas.microsoft.com/office/drawing/2014/main" id="{56D28880-D4DC-83CE-0C26-C724DA8BB99A}"/>
-              </a:ext>
-            </a:extLst>
-          </p:cNvPr>
-          <p:cNvPicPr>
-            <a:picLocks noChangeAspect="1"/>
-          </p:cNvPicPr>
-          <p:nvPr/>
-        </p:nvPicPr>
-        <p:blipFill>
-          <a:blip r:embed="rId3">
-            <a:alphaModFix amt="20000"/>
-          </a:blip>
-          <a:stretch>
-            <a:fillRect/>
-          </a:stretch>
-        </p:blipFill>
-        <p:spPr>
-          <a:xfrm>
-            <a:off x="7378700" y="758114"/>
-            <a:ext cx="4813300" cy="5778500"/>
-          </a:xfrm>
-          <a:prstGeom prst="rect">
-            <a:avLst/>
-          </a:prstGeom>
-        </p:spPr>
-      </p:pic>
-      <p:pic>
-        <p:nvPicPr>
-          <p:cNvPr id="19" name="Picture 18">
-            <a:extLst>
-              <a:ext uri="{FF2B5EF4-FFF2-40B4-BE49-F238E27FC236}">
-                <a16:creationId xmlns:a16="http://schemas.microsoft.com/office/drawing/2014/main" id="{B3C1A862-7ABE-9B60-02EC-C5592E839310}"/>
-              </a:ext>
-            </a:extLst>
-          </p:cNvPr>
-          <p:cNvPicPr>
-            <a:picLocks noChangeAspect="1"/>
-          </p:cNvPicPr>
-          <p:nvPr/>
-        </p:nvPicPr>
-        <p:blipFill>
-          <a:blip r:embed="rId3"/>
-          <a:srcRect t="76631" b="223"/>
-          <a:stretch/>
-        </p:blipFill>
-        <p:spPr>
-          <a:xfrm>
-            <a:off x="7378700" y="5186149"/>
-            <a:ext cx="4813300" cy="1337480"/>
-          </a:xfrm>
-          <a:prstGeom prst="rect">
-            <a:avLst/>
-          </a:prstGeom>
-        </p:spPr>
-      </p:pic>
-    </p:spTree>
-    <p:extLst>
-      <p:ext uri="{BB962C8B-B14F-4D97-AF65-F5344CB8AC3E}">
-        <p14:creationId xmlns:p14="http://schemas.microsoft.com/office/powerpoint/2010/main" val="3076281415"/>
-      </p:ext>
-    </p:extLst>
-  </p:cSld>
-  <p:clrMapOvr>
-    <a:masterClrMapping/>
-  </p:clrMapOvr>
-</p:sld>
-</file>
-
-<file path=ppt/slides/slide7.xml><?xml version="1.0" encoding="utf-8"?>
-<p:sld xmlns:a="http://schemas.openxmlformats.org/drawingml/2006/main" xmlns:r="http://schemas.openxmlformats.org/officeDocument/2006/relationships" xmlns:p="http://schemas.openxmlformats.org/presentationml/2006/main">
-  <p:cSld>
-    <p:spTree>
-      <p:nvGrpSpPr>
-        <p:cNvPr id="1" name="">
-          <a:extLst>
-            <a:ext uri="{FF2B5EF4-FFF2-40B4-BE49-F238E27FC236}">
-              <a16:creationId xmlns:a16="http://schemas.microsoft.com/office/drawing/2014/main" id="{4874375E-61F6-6134-487F-06469B122E5B}"/>
-            </a:ext>
-          </a:extLst>
-        </p:cNvPr>
-        <p:cNvGrpSpPr/>
-        <p:nvPr/>
-      </p:nvGrpSpPr>
-      <p:grpSpPr>
-        <a:xfrm>
-          <a:off x="0" y="0"/>
-          <a:ext cx="0" cy="0"/>
-          <a:chOff x="0" y="0"/>
-          <a:chExt cx="0" cy="0"/>
-        </a:xfrm>
-      </p:grpSpPr>
-      <p:sp>
-        <p:nvSpPr>
-          <p:cNvPr id="4" name="TextBox 3">
-            <a:extLst>
-              <a:ext uri="{FF2B5EF4-FFF2-40B4-BE49-F238E27FC236}">
-                <a16:creationId xmlns:a16="http://schemas.microsoft.com/office/drawing/2014/main" id="{EE6155F7-ACF0-B9C9-90F4-B177D1E4FCE8}"/>
-              </a:ext>
-            </a:extLst>
-          </p:cNvPr>
-          <p:cNvSpPr txBox="1"/>
-          <p:nvPr/>
-        </p:nvSpPr>
-        <p:spPr>
-          <a:xfrm>
-            <a:off x="164592" y="2066544"/>
-            <a:ext cx="7050024" cy="3785652"/>
-          </a:xfrm>
-          <a:prstGeom prst="rect">
-            <a:avLst/>
-          </a:prstGeom>
-          <a:noFill/>
-        </p:spPr>
-        <p:txBody>
-          <a:bodyPr wrap="square" rtlCol="0">
-            <a:spAutoFit/>
-          </a:bodyPr>
-          <a:lstStyle/>
-          <a:p>
-            <a:r>
-              <a:rPr lang="en-AU" sz="2000" b="1" dirty="0"/>
-              <a:t>Purpose</a:t>
-            </a:r>
-            <a:r>
-              <a:rPr lang="en-AU" sz="2000" dirty="0"/>
-              <a:t>: Define the root of the project, enabling consistent relative paths.</a:t>
-            </a:r>
-          </a:p>
-          <a:p>
-            <a:endParaRPr lang="en-AU" sz="2000" b="1" dirty="0"/>
-          </a:p>
-          <a:p>
-            <a:r>
-              <a:rPr lang="en-AU" sz="2000" b="1" dirty="0"/>
-              <a:t>Benefits</a:t>
-            </a:r>
-            <a:r>
-              <a:rPr lang="en-AU" sz="2000" dirty="0"/>
-              <a:t>:</a:t>
-            </a:r>
-          </a:p>
-          <a:p>
-            <a:pPr marL="342900" indent="-342900">
-              <a:buFont typeface="Arial" panose="020B0604020202020204" pitchFamily="34" charset="0"/>
-              <a:buChar char="•"/>
-            </a:pPr>
-            <a:r>
-              <a:rPr lang="en-AU" sz="2000" dirty="0"/>
-              <a:t>Automatically sets the working directory to the project root.</a:t>
-            </a:r>
-          </a:p>
-          <a:p>
-            <a:pPr marL="342900" indent="-342900">
-              <a:buFont typeface="Arial" panose="020B0604020202020204" pitchFamily="34" charset="0"/>
-              <a:buChar char="•"/>
-            </a:pPr>
-            <a:r>
-              <a:rPr lang="en-AU" sz="2000" dirty="0"/>
-              <a:t>Enhances collaboration by avoiding hard-coded paths.</a:t>
-            </a:r>
-          </a:p>
-          <a:p>
-            <a:endParaRPr lang="en-AU" sz="2000" dirty="0"/>
-          </a:p>
-          <a:p>
-            <a:endParaRPr lang="en-AU" sz="2000" dirty="0"/>
-          </a:p>
-          <a:p>
-            <a:r>
-              <a:rPr lang="en-AU" sz="2000" b="1" dirty="0"/>
-              <a:t>Example:</a:t>
-            </a:r>
-          </a:p>
-          <a:p>
-            <a:pPr marL="342900" indent="-342900">
-              <a:buFont typeface="Arial" panose="020B0604020202020204" pitchFamily="34" charset="0"/>
-              <a:buChar char="•"/>
-            </a:pPr>
-            <a:r>
-              <a:rPr lang="en-AU" sz="2000" dirty="0"/>
-              <a:t>Open the .</a:t>
-            </a:r>
-            <a:r>
-              <a:rPr lang="en-AU" sz="2000" dirty="0" err="1"/>
-              <a:t>Rproj</a:t>
-            </a:r>
-            <a:r>
-              <a:rPr lang="en-AU" sz="2000" dirty="0"/>
-              <a:t> file to start the project session.</a:t>
-            </a:r>
-          </a:p>
-          <a:p>
-            <a:r>
-              <a:rPr lang="en-AU" sz="2000" dirty="0" err="1">
-                <a:solidFill>
-                  <a:srgbClr val="FF0000"/>
-                </a:solidFill>
-              </a:rPr>
-              <a:t>getwd</a:t>
-            </a:r>
-            <a:r>
-              <a:rPr lang="en-AU" sz="2000" dirty="0">
-                <a:solidFill>
-                  <a:srgbClr val="FF0000"/>
-                </a:solidFill>
-              </a:rPr>
-              <a:t>()</a:t>
-            </a:r>
-          </a:p>
-          <a:p>
-            <a:endParaRPr lang="en-AU" sz="2000" dirty="0"/>
-          </a:p>
-        </p:txBody>
-      </p:sp>
-      <p:sp>
-        <p:nvSpPr>
-          <p:cNvPr id="11" name="Title 1">
-            <a:extLst>
-              <a:ext uri="{FF2B5EF4-FFF2-40B4-BE49-F238E27FC236}">
-                <a16:creationId xmlns:a16="http://schemas.microsoft.com/office/drawing/2014/main" id="{61A890B7-B2A5-AA17-7ADA-D9D26ED11E3A}"/>
-              </a:ext>
-            </a:extLst>
-          </p:cNvPr>
-          <p:cNvSpPr txBox="1">
-            <a:spLocks/>
-          </p:cNvSpPr>
-          <p:nvPr/>
-        </p:nvSpPr>
-        <p:spPr>
-          <a:xfrm>
-            <a:off x="0" y="283239"/>
-            <a:ext cx="10515600" cy="1325563"/>
-          </a:xfrm>
-          <a:prstGeom prst="rect">
-            <a:avLst/>
-          </a:prstGeom>
-        </p:spPr>
-        <p:txBody>
-          <a:bodyPr vert="horz" lIns="91440" tIns="45720" rIns="91440" bIns="45720" rtlCol="0" anchor="ctr">
-            <a:normAutofit/>
-          </a:bodyPr>
-          <a:lstStyle>
-            <a:lvl1pPr algn="l" defTabSz="914400" rtl="0" eaLnBrk="1" latinLnBrk="0" hangingPunct="1">
-              <a:lnSpc>
-                <a:spcPct val="90000"/>
-              </a:lnSpc>
-              <a:spcBef>
-                <a:spcPct val="0"/>
-              </a:spcBef>
-              <a:buNone/>
-              <a:defRPr sz="4400" kern="1200">
-                <a:solidFill>
-                  <a:schemeClr val="tx1"/>
-                </a:solidFill>
-                <a:latin typeface="+mj-lt"/>
-                <a:ea typeface="+mj-ea"/>
-                <a:cs typeface="+mj-cs"/>
-              </a:defRPr>
-            </a:lvl1pPr>
-          </a:lstStyle>
-          <a:p>
-            <a:r>
-              <a:rPr lang="en-AU" dirty="0"/>
-              <a:t>Now lets get organised : Project</a:t>
-            </a:r>
-          </a:p>
-        </p:txBody>
-      </p:sp>
-      <p:sp>
-        <p:nvSpPr>
-          <p:cNvPr id="17" name="TextBox 16">
-            <a:extLst>
-              <a:ext uri="{FF2B5EF4-FFF2-40B4-BE49-F238E27FC236}">
-                <a16:creationId xmlns:a16="http://schemas.microsoft.com/office/drawing/2014/main" id="{7F3BC8FD-3D6F-6322-D318-1A597605C952}"/>
-              </a:ext>
-            </a:extLst>
-          </p:cNvPr>
-          <p:cNvSpPr txBox="1"/>
-          <p:nvPr/>
-        </p:nvSpPr>
-        <p:spPr>
-          <a:xfrm>
-            <a:off x="7479624" y="252170"/>
-            <a:ext cx="4258410" cy="553998"/>
-          </a:xfrm>
-          <a:prstGeom prst="rect">
-            <a:avLst/>
-          </a:prstGeom>
-          <a:noFill/>
-        </p:spPr>
-        <p:txBody>
-          <a:bodyPr wrap="none" rtlCol="0">
-            <a:spAutoFit/>
-          </a:bodyPr>
-          <a:lstStyle/>
-          <a:p>
-            <a:r>
-              <a:rPr lang="en-AU" sz="3000" b="1" dirty="0"/>
-              <a:t>A basic R project set up</a:t>
-            </a:r>
-          </a:p>
-        </p:txBody>
-      </p:sp>
-      <p:pic>
-        <p:nvPicPr>
-          <p:cNvPr id="18" name="Picture 17">
-            <a:extLst>
-              <a:ext uri="{FF2B5EF4-FFF2-40B4-BE49-F238E27FC236}">
-                <a16:creationId xmlns:a16="http://schemas.microsoft.com/office/drawing/2014/main" id="{33AAC1E6-EEF9-CEF1-1550-E8AEC6EDEE9E}"/>
-              </a:ext>
-            </a:extLst>
-          </p:cNvPr>
-          <p:cNvPicPr>
-            <a:picLocks noChangeAspect="1"/>
-          </p:cNvPicPr>
-          <p:nvPr/>
-        </p:nvPicPr>
-        <p:blipFill>
-          <a:blip r:embed="rId3">
-            <a:alphaModFix amt="20000"/>
-          </a:blip>
-          <a:stretch>
-            <a:fillRect/>
-          </a:stretch>
-        </p:blipFill>
-        <p:spPr>
-          <a:xfrm>
-            <a:off x="7378700" y="758114"/>
-            <a:ext cx="4813300" cy="5778500"/>
-          </a:xfrm>
-          <a:prstGeom prst="rect">
-            <a:avLst/>
-          </a:prstGeom>
-        </p:spPr>
-      </p:pic>
-      <p:pic>
-        <p:nvPicPr>
-          <p:cNvPr id="19" name="Picture 18">
-            <a:extLst>
-              <a:ext uri="{FF2B5EF4-FFF2-40B4-BE49-F238E27FC236}">
-                <a16:creationId xmlns:a16="http://schemas.microsoft.com/office/drawing/2014/main" id="{34FCE4ED-10F9-DFCC-2BDC-E36674AFB6B6}"/>
-              </a:ext>
-            </a:extLst>
-          </p:cNvPr>
-          <p:cNvPicPr>
-            <a:picLocks noChangeAspect="1"/>
-          </p:cNvPicPr>
-          <p:nvPr/>
-        </p:nvPicPr>
-        <p:blipFill>
-          <a:blip r:embed="rId3"/>
-          <a:srcRect t="12863" b="71785"/>
-          <a:stretch/>
-        </p:blipFill>
-        <p:spPr>
-          <a:xfrm>
-            <a:off x="7378700" y="1501254"/>
-            <a:ext cx="4813300" cy="887104"/>
-          </a:xfrm>
-          <a:prstGeom prst="rect">
-            <a:avLst/>
-          </a:prstGeom>
-        </p:spPr>
-      </p:pic>
-    </p:spTree>
-    <p:extLst>
-      <p:ext uri="{BB962C8B-B14F-4D97-AF65-F5344CB8AC3E}">
-        <p14:creationId xmlns:p14="http://schemas.microsoft.com/office/powerpoint/2010/main" val="967744417"/>
-      </p:ext>
-    </p:extLst>
-  </p:cSld>
-  <p:clrMapOvr>
-    <a:masterClrMapping/>
-  </p:clrMapOvr>
-</p:sld>
-</file>
-
-<file path=ppt/slides/slide8.xml><?xml version="1.0" encoding="utf-8"?>
-<p:sld xmlns:a="http://schemas.openxmlformats.org/drawingml/2006/main" xmlns:r="http://schemas.openxmlformats.org/officeDocument/2006/relationships" xmlns:p="http://schemas.openxmlformats.org/presentationml/2006/main">
-  <p:cSld>
-    <p:spTree>
-      <p:nvGrpSpPr>
-        <p:cNvPr id="1" name=""/>
-        <p:cNvGrpSpPr/>
-        <p:nvPr/>
-      </p:nvGrpSpPr>
-      <p:grpSpPr>
-        <a:xfrm>
-          <a:off x="0" y="0"/>
-          <a:ext cx="0" cy="0"/>
-          <a:chOff x="0" y="0"/>
-          <a:chExt cx="0" cy="0"/>
-        </a:xfrm>
-      </p:grpSpPr>
-      <p:sp>
-        <p:nvSpPr>
           <p:cNvPr id="2" name="Title 1">
             <a:extLst>
               <a:ext uri="{FF2B5EF4-FFF2-40B4-BE49-F238E27FC236}">
@@ -9934,6 +6432,36 @@
           </a:extLst>
         </p:spPr>
       </p:pic>
+      <p:pic>
+        <p:nvPicPr>
+          <p:cNvPr id="20" name="Picture 19">
+            <a:extLst>
+              <a:ext uri="{FF2B5EF4-FFF2-40B4-BE49-F238E27FC236}">
+                <a16:creationId xmlns:a16="http://schemas.microsoft.com/office/drawing/2014/main" id="{F17E9965-F1C2-92CE-5172-F74CB8D7C06B}"/>
+              </a:ext>
+            </a:extLst>
+          </p:cNvPr>
+          <p:cNvPicPr>
+            <a:picLocks noChangeAspect="1"/>
+          </p:cNvPicPr>
+          <p:nvPr/>
+        </p:nvPicPr>
+        <p:blipFill>
+          <a:blip r:embed="rId8"/>
+          <a:stretch>
+            <a:fillRect/>
+          </a:stretch>
+        </p:blipFill>
+        <p:spPr>
+          <a:xfrm>
+            <a:off x="966441" y="3606559"/>
+            <a:ext cx="5839519" cy="3284730"/>
+          </a:xfrm>
+          <a:prstGeom prst="rect">
+            <a:avLst/>
+          </a:prstGeom>
+        </p:spPr>
+      </p:pic>
     </p:spTree>
     <p:extLst>
       <p:ext uri="{BB962C8B-B14F-4D97-AF65-F5344CB8AC3E}">
@@ -9947,7 +6475,7 @@
 </p:sld>
 </file>
 
-<file path=ppt/slides/slide9.xml><?xml version="1.0" encoding="utf-8"?>
+<file path=ppt/slides/slide11.xml><?xml version="1.0" encoding="utf-8"?>
 <p:sld xmlns:a="http://schemas.openxmlformats.org/drawingml/2006/main" xmlns:r="http://schemas.openxmlformats.org/officeDocument/2006/relationships" xmlns:p="http://schemas.openxmlformats.org/presentationml/2006/main">
   <p:cSld>
     <p:spTree>
@@ -10036,6 +6564,4541 @@
     <p:extLst>
       <p:ext uri="{BB962C8B-B14F-4D97-AF65-F5344CB8AC3E}">
         <p14:creationId xmlns:p14="http://schemas.microsoft.com/office/powerpoint/2010/main" val="1560766961"/>
+      </p:ext>
+    </p:extLst>
+  </p:cSld>
+  <p:clrMapOvr>
+    <a:masterClrMapping/>
+  </p:clrMapOvr>
+</p:sld>
+</file>
+
+<file path=ppt/slides/slide12.xml><?xml version="1.0" encoding="utf-8"?>
+<p:sld xmlns:a="http://schemas.openxmlformats.org/drawingml/2006/main" xmlns:r="http://schemas.openxmlformats.org/officeDocument/2006/relationships" xmlns:p="http://schemas.openxmlformats.org/presentationml/2006/main">
+  <p:cSld>
+    <p:spTree>
+      <p:nvGrpSpPr>
+        <p:cNvPr id="1" name=""/>
+        <p:cNvGrpSpPr/>
+        <p:nvPr/>
+      </p:nvGrpSpPr>
+      <p:grpSpPr>
+        <a:xfrm>
+          <a:off x="0" y="0"/>
+          <a:ext cx="0" cy="0"/>
+          <a:chOff x="0" y="0"/>
+          <a:chExt cx="0" cy="0"/>
+        </a:xfrm>
+      </p:grpSpPr>
+      <p:sp>
+        <p:nvSpPr>
+          <p:cNvPr id="6" name="TextBox 5">
+            <a:extLst>
+              <a:ext uri="{FF2B5EF4-FFF2-40B4-BE49-F238E27FC236}">
+                <a16:creationId xmlns:a16="http://schemas.microsoft.com/office/drawing/2014/main" id="{F2891E45-532C-3C49-C2FC-93F3AACA6637}"/>
+              </a:ext>
+            </a:extLst>
+          </p:cNvPr>
+          <p:cNvSpPr txBox="1"/>
+          <p:nvPr/>
+        </p:nvSpPr>
+        <p:spPr>
+          <a:xfrm>
+            <a:off x="480291" y="1314382"/>
+            <a:ext cx="11563928" cy="5319790"/>
+          </a:xfrm>
+          <a:prstGeom prst="rect">
+            <a:avLst/>
+          </a:prstGeom>
+        </p:spPr>
+        <p:txBody>
+          <a:bodyPr wrap="square" lIns="0" tIns="0" rIns="0" bIns="0" rtlCol="0" anchor="t">
+            <a:spAutoFit/>
+          </a:bodyPr>
+          <a:lstStyle/>
+          <a:p>
+            <a:pPr marL="914400" indent="-914400" algn="l">
+              <a:lnSpc>
+                <a:spcPts val="8500"/>
+              </a:lnSpc>
+              <a:buFont typeface="+mj-lt"/>
+              <a:buAutoNum type="arabicPeriod"/>
+            </a:pPr>
+            <a:r>
+              <a:rPr lang="en-US" sz="4000" dirty="0" err="1">
+                <a:solidFill>
+                  <a:srgbClr val="000000"/>
+                </a:solidFill>
+                <a:latin typeface="+mj-lt"/>
+                <a:ea typeface="Helvetica World"/>
+                <a:cs typeface="Helvetica World"/>
+                <a:sym typeface="Helvetica World"/>
+              </a:rPr>
+              <a:t>msleep</a:t>
+            </a:r>
+            <a:r>
+              <a:rPr lang="en-US" sz="4000" dirty="0">
+                <a:solidFill>
+                  <a:srgbClr val="000000"/>
+                </a:solidFill>
+                <a:latin typeface="+mj-lt"/>
+                <a:ea typeface="Helvetica World"/>
+                <a:cs typeface="Helvetica World"/>
+                <a:sym typeface="Helvetica World"/>
+              </a:rPr>
+              <a:t> data</a:t>
+            </a:r>
+          </a:p>
+          <a:p>
+            <a:pPr marL="914400" indent="-914400" algn="l">
+              <a:lnSpc>
+                <a:spcPts val="8500"/>
+              </a:lnSpc>
+              <a:buFont typeface="+mj-lt"/>
+              <a:buAutoNum type="arabicPeriod"/>
+            </a:pPr>
+            <a:r>
+              <a:rPr lang="en-US" sz="4000" dirty="0">
+                <a:solidFill>
+                  <a:srgbClr val="000000"/>
+                </a:solidFill>
+                <a:latin typeface="+mj-lt"/>
+                <a:ea typeface="Helvetica World"/>
+                <a:cs typeface="Helvetica World"/>
+                <a:sym typeface="Helvetica World"/>
+              </a:rPr>
+              <a:t>One table verbs &amp; grouped summaries </a:t>
+            </a:r>
+          </a:p>
+          <a:p>
+            <a:pPr marL="914400" indent="-914400" algn="l">
+              <a:lnSpc>
+                <a:spcPts val="8500"/>
+              </a:lnSpc>
+              <a:buFont typeface="+mj-lt"/>
+              <a:buAutoNum type="arabicPeriod"/>
+            </a:pPr>
+            <a:r>
+              <a:rPr lang="en-US" sz="4000" dirty="0">
+                <a:solidFill>
+                  <a:srgbClr val="000000"/>
+                </a:solidFill>
+                <a:latin typeface="+mj-lt"/>
+                <a:ea typeface="Helvetica World"/>
+                <a:cs typeface="Helvetica World"/>
+                <a:sym typeface="Helvetica World"/>
+              </a:rPr>
+              <a:t>Data pipelines </a:t>
+            </a:r>
+          </a:p>
+          <a:p>
+            <a:pPr marL="914400" indent="-914400" algn="l">
+              <a:lnSpc>
+                <a:spcPts val="8500"/>
+              </a:lnSpc>
+              <a:buFont typeface="+mj-lt"/>
+              <a:buAutoNum type="arabicPeriod"/>
+            </a:pPr>
+            <a:r>
+              <a:rPr lang="en-US" sz="4000" dirty="0">
+                <a:solidFill>
+                  <a:srgbClr val="000000"/>
+                </a:solidFill>
+                <a:latin typeface="+mj-lt"/>
+                <a:ea typeface="Helvetica World"/>
+                <a:cs typeface="Helvetica World"/>
+                <a:sym typeface="Helvetica World"/>
+              </a:rPr>
+              <a:t>Grouped mutate/ﬁlter &amp; window functions</a:t>
+            </a:r>
+          </a:p>
+          <a:p>
+            <a:pPr marL="914400" indent="-914400" algn="l">
+              <a:lnSpc>
+                <a:spcPts val="8500"/>
+              </a:lnSpc>
+              <a:buFont typeface="+mj-lt"/>
+              <a:buAutoNum type="arabicPeriod"/>
+            </a:pPr>
+            <a:r>
+              <a:rPr lang="en-US" sz="4000" dirty="0">
+                <a:solidFill>
+                  <a:srgbClr val="000000"/>
+                </a:solidFill>
+                <a:latin typeface="+mj-lt"/>
+                <a:ea typeface="Helvetica World"/>
+                <a:cs typeface="Helvetica World"/>
+                <a:sym typeface="Helvetica World"/>
+              </a:rPr>
+              <a:t>Apply to your group data </a:t>
+            </a:r>
+          </a:p>
+        </p:txBody>
+      </p:sp>
+      <p:sp>
+        <p:nvSpPr>
+          <p:cNvPr id="3" name="Title 1">
+            <a:extLst>
+              <a:ext uri="{FF2B5EF4-FFF2-40B4-BE49-F238E27FC236}">
+                <a16:creationId xmlns:a16="http://schemas.microsoft.com/office/drawing/2014/main" id="{14E98541-17DF-920B-6662-F94409DBB27F}"/>
+              </a:ext>
+            </a:extLst>
+          </p:cNvPr>
+          <p:cNvSpPr txBox="1">
+            <a:spLocks/>
+          </p:cNvSpPr>
+          <p:nvPr/>
+        </p:nvSpPr>
+        <p:spPr>
+          <a:xfrm>
+            <a:off x="0" y="0"/>
+            <a:ext cx="10515600" cy="1325563"/>
+          </a:xfrm>
+          <a:prstGeom prst="rect">
+            <a:avLst/>
+          </a:prstGeom>
+        </p:spPr>
+        <p:txBody>
+          <a:bodyPr vert="horz" lIns="91440" tIns="45720" rIns="91440" bIns="45720" rtlCol="0" anchor="ctr">
+            <a:normAutofit/>
+          </a:bodyPr>
+          <a:lstStyle>
+            <a:lvl1pPr algn="l" defTabSz="914400" rtl="0" eaLnBrk="1" latinLnBrk="0" hangingPunct="1">
+              <a:lnSpc>
+                <a:spcPct val="90000"/>
+              </a:lnSpc>
+              <a:spcBef>
+                <a:spcPct val="0"/>
+              </a:spcBef>
+              <a:buNone/>
+              <a:defRPr sz="4400" kern="1200">
+                <a:solidFill>
+                  <a:schemeClr val="tx1"/>
+                </a:solidFill>
+                <a:latin typeface="+mj-lt"/>
+                <a:ea typeface="+mj-ea"/>
+                <a:cs typeface="+mj-cs"/>
+              </a:defRPr>
+            </a:lvl1pPr>
+          </a:lstStyle>
+          <a:p>
+            <a:r>
+              <a:rPr lang="en-AU" dirty="0"/>
+              <a:t>Today’s learning objectives</a:t>
+            </a:r>
+          </a:p>
+        </p:txBody>
+      </p:sp>
+    </p:spTree>
+    <p:extLst>
+      <p:ext uri="{BB962C8B-B14F-4D97-AF65-F5344CB8AC3E}">
+        <p14:creationId xmlns:p14="http://schemas.microsoft.com/office/powerpoint/2010/main" val="2784696615"/>
+      </p:ext>
+    </p:extLst>
+  </p:cSld>
+  <p:clrMapOvr>
+    <a:masterClrMapping/>
+  </p:clrMapOvr>
+</p:sld>
+</file>
+
+<file path=ppt/slides/slide13.xml><?xml version="1.0" encoding="utf-8"?>
+<p:sld xmlns:a="http://schemas.openxmlformats.org/drawingml/2006/main" xmlns:r="http://schemas.openxmlformats.org/officeDocument/2006/relationships" xmlns:p="http://schemas.openxmlformats.org/presentationml/2006/main">
+  <p:cSld>
+    <p:spTree>
+      <p:nvGrpSpPr>
+        <p:cNvPr id="1" name=""/>
+        <p:cNvGrpSpPr/>
+        <p:nvPr/>
+      </p:nvGrpSpPr>
+      <p:grpSpPr>
+        <a:xfrm>
+          <a:off x="0" y="0"/>
+          <a:ext cx="0" cy="0"/>
+          <a:chOff x="0" y="0"/>
+          <a:chExt cx="0" cy="0"/>
+        </a:xfrm>
+      </p:grpSpPr>
+      <p:sp>
+        <p:nvSpPr>
+          <p:cNvPr id="2" name="Freeform 2"/>
+          <p:cNvSpPr/>
+          <p:nvPr/>
+        </p:nvSpPr>
+        <p:spPr>
+          <a:xfrm>
+            <a:off x="3082231" y="0"/>
+            <a:ext cx="9143998" cy="6858000"/>
+          </a:xfrm>
+          <a:custGeom>
+            <a:avLst/>
+            <a:gdLst/>
+            <a:ahLst/>
+            <a:cxnLst/>
+            <a:rect l="l" t="t" r="r" b="b"/>
+            <a:pathLst>
+              <a:path w="13004797" h="9753600">
+                <a:moveTo>
+                  <a:pt x="0" y="0"/>
+                </a:moveTo>
+                <a:lnTo>
+                  <a:pt x="13004797" y="0"/>
+                </a:lnTo>
+                <a:lnTo>
+                  <a:pt x="13004797" y="9753600"/>
+                </a:lnTo>
+                <a:lnTo>
+                  <a:pt x="0" y="9753600"/>
+                </a:lnTo>
+                <a:lnTo>
+                  <a:pt x="0" y="0"/>
+                </a:lnTo>
+                <a:close/>
+              </a:path>
+            </a:pathLst>
+          </a:custGeom>
+          <a:blipFill>
+            <a:blip r:embed="rId2"/>
+            <a:stretch>
+              <a:fillRect/>
+            </a:stretch>
+          </a:blipFill>
+        </p:spPr>
+        <p:txBody>
+          <a:bodyPr/>
+          <a:lstStyle/>
+          <a:p>
+            <a:endParaRPr lang="en-AU" sz="1266"/>
+          </a:p>
+        </p:txBody>
+      </p:sp>
+      <p:grpSp>
+        <p:nvGrpSpPr>
+          <p:cNvPr id="3" name="Group 3"/>
+          <p:cNvGrpSpPr>
+            <a:grpSpLocks noChangeAspect="1"/>
+          </p:cNvGrpSpPr>
+          <p:nvPr/>
+        </p:nvGrpSpPr>
+        <p:grpSpPr>
+          <a:xfrm>
+            <a:off x="1568648" y="6796674"/>
+            <a:ext cx="8893969" cy="13501"/>
+            <a:chOff x="0" y="0"/>
+            <a:chExt cx="12649200" cy="19202"/>
+          </a:xfrm>
+        </p:grpSpPr>
+        <p:sp>
+          <p:nvSpPr>
+            <p:cNvPr id="4" name="Freeform 4"/>
+            <p:cNvSpPr/>
+            <p:nvPr/>
+          </p:nvSpPr>
+          <p:spPr>
+            <a:xfrm>
+              <a:off x="0" y="0"/>
+              <a:ext cx="12649200" cy="19177"/>
+            </a:xfrm>
+            <a:custGeom>
+              <a:avLst/>
+              <a:gdLst/>
+              <a:ahLst/>
+              <a:cxnLst/>
+              <a:rect l="l" t="t" r="r" b="b"/>
+              <a:pathLst>
+                <a:path w="12649200" h="19177">
+                  <a:moveTo>
+                    <a:pt x="0" y="0"/>
+                  </a:moveTo>
+                  <a:lnTo>
+                    <a:pt x="0" y="19177"/>
+                  </a:lnTo>
+                  <a:lnTo>
+                    <a:pt x="12649200" y="19177"/>
+                  </a:lnTo>
+                  <a:lnTo>
+                    <a:pt x="12649200" y="0"/>
+                  </a:lnTo>
+                  <a:close/>
+                </a:path>
+              </a:pathLst>
+            </a:custGeom>
+            <a:solidFill>
+              <a:srgbClr val="000000"/>
+            </a:solidFill>
+          </p:spPr>
+          <p:txBody>
+            <a:bodyPr/>
+            <a:lstStyle/>
+            <a:p>
+              <a:endParaRPr lang="en-AU" sz="1266"/>
+            </a:p>
+          </p:txBody>
+        </p:sp>
+      </p:grpSp>
+      <p:sp>
+        <p:nvSpPr>
+          <p:cNvPr id="5" name="TextBox 5"/>
+          <p:cNvSpPr txBox="1"/>
+          <p:nvPr/>
+        </p:nvSpPr>
+        <p:spPr>
+          <a:xfrm>
+            <a:off x="1786457" y="438678"/>
+            <a:ext cx="3740115" cy="1846659"/>
+          </a:xfrm>
+          <a:prstGeom prst="rect">
+            <a:avLst/>
+          </a:prstGeom>
+        </p:spPr>
+        <p:txBody>
+          <a:bodyPr lIns="0" tIns="0" rIns="0" bIns="0" rtlCol="0" anchor="t">
+            <a:spAutoFit/>
+          </a:bodyPr>
+          <a:lstStyle/>
+          <a:p>
+            <a:pPr>
+              <a:lnSpc>
+                <a:spcPts val="4789"/>
+              </a:lnSpc>
+            </a:pPr>
+            <a:r>
+              <a:rPr lang="en-US" sz="4008" b="1">
+                <a:solidFill>
+                  <a:srgbClr val="000000"/>
+                </a:solidFill>
+                <a:latin typeface="Helvetica World Bold"/>
+                <a:ea typeface="Helvetica World Bold"/>
+                <a:cs typeface="Helvetica World Bold"/>
+                <a:sym typeface="Helvetica World Bold"/>
+              </a:rPr>
+              <a:t>The bad news: </a:t>
+            </a:r>
+            <a:r>
+              <a:rPr lang="en-US" sz="4008">
+                <a:solidFill>
+                  <a:srgbClr val="000000"/>
+                </a:solidFill>
+                <a:latin typeface="Helvetica World"/>
+                <a:ea typeface="Helvetica World"/>
+                <a:cs typeface="Helvetica World"/>
+                <a:sym typeface="Helvetica World"/>
+              </a:rPr>
+              <a:t>It’s going to be frustrating</a:t>
+            </a:r>
+          </a:p>
+        </p:txBody>
+      </p:sp>
+      <p:sp>
+        <p:nvSpPr>
+          <p:cNvPr id="6" name="TextBox 6"/>
+          <p:cNvSpPr txBox="1"/>
+          <p:nvPr/>
+        </p:nvSpPr>
+        <p:spPr>
+          <a:xfrm>
+            <a:off x="1740098" y="6322815"/>
+            <a:ext cx="60771" cy="280911"/>
+          </a:xfrm>
+          <a:prstGeom prst="rect">
+            <a:avLst/>
+          </a:prstGeom>
+        </p:spPr>
+        <p:txBody>
+          <a:bodyPr lIns="0" tIns="0" rIns="0" bIns="0" rtlCol="0" anchor="t">
+            <a:spAutoFit/>
+          </a:bodyPr>
+          <a:lstStyle/>
+          <a:p>
+            <a:pPr>
+              <a:lnSpc>
+                <a:spcPts val="2301"/>
+              </a:lnSpc>
+            </a:pPr>
+            <a:r>
+              <a:rPr lang="en-US" sz="1687">
+                <a:solidFill>
+                  <a:srgbClr val="000000"/>
+                </a:solidFill>
+                <a:latin typeface="Helvetica World"/>
+                <a:ea typeface="Helvetica World"/>
+                <a:cs typeface="Helvetica World"/>
+                <a:sym typeface="Helvetica World"/>
+              </a:rPr>
+              <a:t> </a:t>
+            </a:r>
+          </a:p>
+        </p:txBody>
+      </p:sp>
+      <p:sp>
+        <p:nvSpPr>
+          <p:cNvPr id="8" name="TextBox 8"/>
+          <p:cNvSpPr txBox="1"/>
+          <p:nvPr/>
+        </p:nvSpPr>
+        <p:spPr>
+          <a:xfrm>
+            <a:off x="1540940" y="6500846"/>
+            <a:ext cx="1275963" cy="290529"/>
+          </a:xfrm>
+          <a:prstGeom prst="rect">
+            <a:avLst/>
+          </a:prstGeom>
+        </p:spPr>
+        <p:txBody>
+          <a:bodyPr lIns="0" tIns="0" rIns="0" bIns="0" rtlCol="0" anchor="t">
+            <a:spAutoFit/>
+          </a:bodyPr>
+          <a:lstStyle/>
+          <a:p>
+            <a:pPr>
+              <a:lnSpc>
+                <a:spcPts val="2362"/>
+              </a:lnSpc>
+            </a:pPr>
+            <a:r>
+              <a:rPr lang="en-US" sz="1687" dirty="0">
+                <a:solidFill>
+                  <a:srgbClr val="000000"/>
+                </a:solidFill>
+                <a:latin typeface="Helvetica World"/>
+                <a:ea typeface="Helvetica World"/>
+                <a:cs typeface="Helvetica World"/>
+                <a:sym typeface="Helvetica World"/>
+              </a:rPr>
+              <a:t>© Allie Brosh</a:t>
+            </a:r>
+          </a:p>
+        </p:txBody>
+      </p:sp>
+    </p:spTree>
+  </p:cSld>
+  <p:clrMapOvr>
+    <a:masterClrMapping/>
+  </p:clrMapOvr>
+</p:sld>
+</file>
+
+<file path=ppt/slides/slide14.xml><?xml version="1.0" encoding="utf-8"?>
+<p:sld xmlns:a="http://schemas.openxmlformats.org/drawingml/2006/main" xmlns:r="http://schemas.openxmlformats.org/officeDocument/2006/relationships" xmlns:p="http://schemas.openxmlformats.org/presentationml/2006/main">
+  <p:cSld>
+    <p:spTree>
+      <p:nvGrpSpPr>
+        <p:cNvPr id="1" name=""/>
+        <p:cNvGrpSpPr/>
+        <p:nvPr/>
+      </p:nvGrpSpPr>
+      <p:grpSpPr>
+        <a:xfrm>
+          <a:off x="0" y="0"/>
+          <a:ext cx="0" cy="0"/>
+          <a:chOff x="0" y="0"/>
+          <a:chExt cx="0" cy="0"/>
+        </a:xfrm>
+      </p:grpSpPr>
+      <p:sp>
+        <p:nvSpPr>
+          <p:cNvPr id="2" name="Freeform 2"/>
+          <p:cNvSpPr/>
+          <p:nvPr/>
+        </p:nvSpPr>
+        <p:spPr>
+          <a:xfrm>
+            <a:off x="1528465" y="0"/>
+            <a:ext cx="9143998" cy="6858000"/>
+          </a:xfrm>
+          <a:custGeom>
+            <a:avLst/>
+            <a:gdLst/>
+            <a:ahLst/>
+            <a:cxnLst/>
+            <a:rect l="l" t="t" r="r" b="b"/>
+            <a:pathLst>
+              <a:path w="13004797" h="9753600">
+                <a:moveTo>
+                  <a:pt x="0" y="0"/>
+                </a:moveTo>
+                <a:lnTo>
+                  <a:pt x="13004797" y="0"/>
+                </a:lnTo>
+                <a:lnTo>
+                  <a:pt x="13004797" y="9753600"/>
+                </a:lnTo>
+                <a:lnTo>
+                  <a:pt x="0" y="9753600"/>
+                </a:lnTo>
+                <a:lnTo>
+                  <a:pt x="0" y="0"/>
+                </a:lnTo>
+                <a:close/>
+              </a:path>
+            </a:pathLst>
+          </a:custGeom>
+          <a:blipFill>
+            <a:blip r:embed="rId2"/>
+            <a:stretch>
+              <a:fillRect/>
+            </a:stretch>
+          </a:blipFill>
+        </p:spPr>
+        <p:txBody>
+          <a:bodyPr/>
+          <a:lstStyle/>
+          <a:p>
+            <a:endParaRPr lang="en-AU" sz="1266"/>
+          </a:p>
+        </p:txBody>
+      </p:sp>
+      <p:grpSp>
+        <p:nvGrpSpPr>
+          <p:cNvPr id="3" name="Group 3"/>
+          <p:cNvGrpSpPr>
+            <a:grpSpLocks noChangeAspect="1"/>
+          </p:cNvGrpSpPr>
+          <p:nvPr/>
+        </p:nvGrpSpPr>
+        <p:grpSpPr>
+          <a:xfrm>
+            <a:off x="1542047" y="6796674"/>
+            <a:ext cx="8679656" cy="13501"/>
+            <a:chOff x="0" y="0"/>
+            <a:chExt cx="12344400" cy="19202"/>
+          </a:xfrm>
+        </p:grpSpPr>
+        <p:sp>
+          <p:nvSpPr>
+            <p:cNvPr id="4" name="Freeform 4"/>
+            <p:cNvSpPr/>
+            <p:nvPr/>
+          </p:nvSpPr>
+          <p:spPr>
+            <a:xfrm>
+              <a:off x="0" y="0"/>
+              <a:ext cx="12344400" cy="19177"/>
+            </a:xfrm>
+            <a:custGeom>
+              <a:avLst/>
+              <a:gdLst/>
+              <a:ahLst/>
+              <a:cxnLst/>
+              <a:rect l="l" t="t" r="r" b="b"/>
+              <a:pathLst>
+                <a:path w="12344400" h="19177">
+                  <a:moveTo>
+                    <a:pt x="0" y="0"/>
+                  </a:moveTo>
+                  <a:lnTo>
+                    <a:pt x="12344400" y="0"/>
+                  </a:lnTo>
+                  <a:lnTo>
+                    <a:pt x="12344400" y="19177"/>
+                  </a:lnTo>
+                  <a:lnTo>
+                    <a:pt x="0" y="19177"/>
+                  </a:lnTo>
+                  <a:close/>
+                </a:path>
+              </a:pathLst>
+            </a:custGeom>
+            <a:solidFill>
+              <a:srgbClr val="FFFFFF"/>
+            </a:solidFill>
+          </p:spPr>
+          <p:txBody>
+            <a:bodyPr/>
+            <a:lstStyle/>
+            <a:p>
+              <a:endParaRPr lang="en-AU" sz="1266"/>
+            </a:p>
+          </p:txBody>
+        </p:sp>
+      </p:grpSp>
+      <p:sp>
+        <p:nvSpPr>
+          <p:cNvPr id="5" name="TextBox 5"/>
+          <p:cNvSpPr txBox="1"/>
+          <p:nvPr/>
+        </p:nvSpPr>
+        <p:spPr>
+          <a:xfrm>
+            <a:off x="6046889" y="2894344"/>
+            <a:ext cx="4076539" cy="2462213"/>
+          </a:xfrm>
+          <a:prstGeom prst="rect">
+            <a:avLst/>
+          </a:prstGeom>
+        </p:spPr>
+        <p:txBody>
+          <a:bodyPr lIns="0" tIns="0" rIns="0" bIns="0" rtlCol="0" anchor="t">
+            <a:spAutoFit/>
+          </a:bodyPr>
+          <a:lstStyle/>
+          <a:p>
+            <a:pPr>
+              <a:lnSpc>
+                <a:spcPts val="4801"/>
+              </a:lnSpc>
+            </a:pPr>
+            <a:r>
+              <a:rPr lang="en-US" sz="4008" b="1">
+                <a:solidFill>
+                  <a:srgbClr val="FFFFFF"/>
+                </a:solidFill>
+                <a:latin typeface="Helvetica World Bold"/>
+                <a:ea typeface="Helvetica World Bold"/>
+                <a:cs typeface="Helvetica World Bold"/>
+                <a:sym typeface="Helvetica World Bold"/>
+              </a:rPr>
+              <a:t>The good news: </a:t>
+            </a:r>
+            <a:r>
+              <a:rPr lang="en-US" sz="4008">
+                <a:solidFill>
+                  <a:srgbClr val="FFFFFF"/>
+                </a:solidFill>
+                <a:latin typeface="Helvetica World"/>
+                <a:ea typeface="Helvetica World"/>
+                <a:cs typeface="Helvetica World"/>
+                <a:sym typeface="Helvetica World"/>
+              </a:rPr>
+              <a:t>Frustration is </a:t>
+            </a:r>
+            <a:r>
+              <a:rPr lang="en-US" sz="4008" b="1">
+                <a:solidFill>
+                  <a:srgbClr val="FFFFFF"/>
+                </a:solidFill>
+                <a:latin typeface="Helvetica World Bold"/>
+                <a:ea typeface="Helvetica World Bold"/>
+                <a:cs typeface="Helvetica World Bold"/>
+                <a:sym typeface="Helvetica World Bold"/>
+              </a:rPr>
+              <a:t>typical</a:t>
+            </a:r>
+            <a:r>
+              <a:rPr lang="en-US" sz="4008">
+                <a:solidFill>
+                  <a:srgbClr val="FFFFFF"/>
+                </a:solidFill>
+                <a:latin typeface="Helvetica World"/>
+                <a:ea typeface="Helvetica World"/>
+                <a:cs typeface="Helvetica World"/>
+                <a:sym typeface="Helvetica World"/>
+              </a:rPr>
+              <a:t> and temporary</a:t>
+            </a:r>
+          </a:p>
+        </p:txBody>
+      </p:sp>
+      <p:sp>
+        <p:nvSpPr>
+          <p:cNvPr id="6" name="TextBox 6"/>
+          <p:cNvSpPr txBox="1"/>
+          <p:nvPr/>
+        </p:nvSpPr>
+        <p:spPr>
+          <a:xfrm>
+            <a:off x="1740098" y="6322815"/>
+            <a:ext cx="60771" cy="280911"/>
+          </a:xfrm>
+          <a:prstGeom prst="rect">
+            <a:avLst/>
+          </a:prstGeom>
+        </p:spPr>
+        <p:txBody>
+          <a:bodyPr lIns="0" tIns="0" rIns="0" bIns="0" rtlCol="0" anchor="t">
+            <a:spAutoFit/>
+          </a:bodyPr>
+          <a:lstStyle/>
+          <a:p>
+            <a:pPr>
+              <a:lnSpc>
+                <a:spcPts val="2301"/>
+              </a:lnSpc>
+            </a:pPr>
+            <a:r>
+              <a:rPr lang="en-US" sz="1687">
+                <a:solidFill>
+                  <a:srgbClr val="FFFFFF"/>
+                </a:solidFill>
+                <a:latin typeface="Helvetica World"/>
+                <a:ea typeface="Helvetica World"/>
+                <a:cs typeface="Helvetica World"/>
+                <a:sym typeface="Helvetica World"/>
+              </a:rPr>
+              <a:t> </a:t>
+            </a:r>
+          </a:p>
+        </p:txBody>
+      </p:sp>
+      <p:sp>
+        <p:nvSpPr>
+          <p:cNvPr id="8" name="TextBox 8"/>
+          <p:cNvSpPr txBox="1"/>
+          <p:nvPr/>
+        </p:nvSpPr>
+        <p:spPr>
+          <a:xfrm>
+            <a:off x="1568649" y="6316118"/>
+            <a:ext cx="1275963" cy="290529"/>
+          </a:xfrm>
+          <a:prstGeom prst="rect">
+            <a:avLst/>
+          </a:prstGeom>
+        </p:spPr>
+        <p:txBody>
+          <a:bodyPr lIns="0" tIns="0" rIns="0" bIns="0" rtlCol="0" anchor="t">
+            <a:spAutoFit/>
+          </a:bodyPr>
+          <a:lstStyle/>
+          <a:p>
+            <a:pPr>
+              <a:lnSpc>
+                <a:spcPts val="2362"/>
+              </a:lnSpc>
+            </a:pPr>
+            <a:r>
+              <a:rPr lang="en-US" sz="1687">
+                <a:solidFill>
+                  <a:srgbClr val="FFFFFF"/>
+                </a:solidFill>
+                <a:latin typeface="Helvetica World"/>
+                <a:ea typeface="Helvetica World"/>
+                <a:cs typeface="Helvetica World"/>
+                <a:sym typeface="Helvetica World"/>
+              </a:rPr>
+              <a:t>© Allie Brosh</a:t>
+            </a:r>
+          </a:p>
+        </p:txBody>
+      </p:sp>
+    </p:spTree>
+  </p:cSld>
+  <p:clrMapOvr>
+    <a:masterClrMapping/>
+  </p:clrMapOvr>
+</p:sld>
+</file>
+
+<file path=ppt/slides/slide2.xml><?xml version="1.0" encoding="utf-8"?>
+<p:sld xmlns:a="http://schemas.openxmlformats.org/drawingml/2006/main" xmlns:r="http://schemas.openxmlformats.org/officeDocument/2006/relationships" xmlns:p="http://schemas.openxmlformats.org/presentationml/2006/main">
+  <p:cSld>
+    <p:spTree>
+      <p:nvGrpSpPr>
+        <p:cNvPr id="1" name=""/>
+        <p:cNvGrpSpPr/>
+        <p:nvPr/>
+      </p:nvGrpSpPr>
+      <p:grpSpPr>
+        <a:xfrm>
+          <a:off x="0" y="0"/>
+          <a:ext cx="0" cy="0"/>
+          <a:chOff x="0" y="0"/>
+          <a:chExt cx="0" cy="0"/>
+        </a:xfrm>
+      </p:grpSpPr>
+      <p:sp>
+        <p:nvSpPr>
+          <p:cNvPr id="2" name="Title 1">
+            <a:extLst>
+              <a:ext uri="{FF2B5EF4-FFF2-40B4-BE49-F238E27FC236}">
+                <a16:creationId xmlns:a16="http://schemas.microsoft.com/office/drawing/2014/main" id="{D374B502-24F1-2C81-33A5-78894C51C205}"/>
+              </a:ext>
+            </a:extLst>
+          </p:cNvPr>
+          <p:cNvSpPr>
+            <a:spLocks noGrp="1"/>
+          </p:cNvSpPr>
+          <p:nvPr>
+            <p:ph type="title"/>
+          </p:nvPr>
+        </p:nvSpPr>
+        <p:spPr/>
+        <p:txBody>
+          <a:bodyPr/>
+          <a:lstStyle/>
+          <a:p>
+            <a:r>
+              <a:rPr lang="en-AU" dirty="0"/>
+              <a:t>Todays learning objectives</a:t>
+            </a:r>
+          </a:p>
+        </p:txBody>
+      </p:sp>
+      <p:sp>
+        <p:nvSpPr>
+          <p:cNvPr id="3" name="Content Placeholder 2">
+            <a:extLst>
+              <a:ext uri="{FF2B5EF4-FFF2-40B4-BE49-F238E27FC236}">
+                <a16:creationId xmlns:a16="http://schemas.microsoft.com/office/drawing/2014/main" id="{65DE9F8F-8DC4-2D5C-C08D-A08E1EAF9D55}"/>
+              </a:ext>
+            </a:extLst>
+          </p:cNvPr>
+          <p:cNvSpPr>
+            <a:spLocks noGrp="1"/>
+          </p:cNvSpPr>
+          <p:nvPr>
+            <p:ph idx="1"/>
+          </p:nvPr>
+        </p:nvSpPr>
+        <p:spPr/>
+        <p:txBody>
+          <a:bodyPr>
+            <a:normAutofit fontScale="92500" lnSpcReduction="10000"/>
+          </a:bodyPr>
+          <a:lstStyle/>
+          <a:p>
+            <a:r>
+              <a:rPr lang="en-AU" dirty="0"/>
+              <a:t>Assign group projects (10 min)</a:t>
+            </a:r>
+          </a:p>
+          <a:p>
+            <a:pPr marL="0" indent="0">
+              <a:buNone/>
+            </a:pPr>
+            <a:endParaRPr lang="en-AU" dirty="0"/>
+          </a:p>
+          <a:p>
+            <a:r>
+              <a:rPr lang="en-AU" dirty="0"/>
+              <a:t>What is an R project and set up (15 min)</a:t>
+            </a:r>
+          </a:p>
+          <a:p>
+            <a:pPr marL="0" indent="0">
+              <a:buNone/>
+            </a:pPr>
+            <a:endParaRPr lang="en-AU" dirty="0"/>
+          </a:p>
+          <a:p>
+            <a:r>
+              <a:rPr lang="en-AU" dirty="0"/>
+              <a:t>Practice data components of data cleaning in R using </a:t>
+            </a:r>
+            <a:r>
+              <a:rPr lang="en-AU" dirty="0" err="1"/>
+              <a:t>msleep</a:t>
+            </a:r>
+            <a:r>
+              <a:rPr lang="en-AU" dirty="0"/>
+              <a:t> data and your project data (1hr)</a:t>
+            </a:r>
+          </a:p>
+          <a:p>
+            <a:pPr lvl="1"/>
+            <a:r>
+              <a:rPr lang="en-AU" dirty="0"/>
+              <a:t>one table verbs and group summaries</a:t>
+            </a:r>
+          </a:p>
+          <a:p>
+            <a:pPr lvl="1"/>
+            <a:r>
+              <a:rPr lang="en-AU" dirty="0"/>
+              <a:t>using pipes</a:t>
+            </a:r>
+          </a:p>
+          <a:p>
+            <a:pPr lvl="1"/>
+            <a:r>
+              <a:rPr lang="en-AU" dirty="0"/>
+              <a:t>grouping, mutating, and filtering</a:t>
+            </a:r>
+          </a:p>
+          <a:p>
+            <a:pPr marL="457200" lvl="1" indent="0">
+              <a:buNone/>
+            </a:pPr>
+            <a:endParaRPr lang="en-AU" dirty="0"/>
+          </a:p>
+          <a:p>
+            <a:r>
+              <a:rPr lang="en-AU"/>
+              <a:t>Quiz (30 min)</a:t>
+            </a:r>
+            <a:endParaRPr lang="en-AU" dirty="0"/>
+          </a:p>
+          <a:p>
+            <a:pPr lvl="1"/>
+            <a:endParaRPr lang="en-AU" dirty="0"/>
+          </a:p>
+        </p:txBody>
+      </p:sp>
+    </p:spTree>
+    <p:extLst>
+      <p:ext uri="{BB962C8B-B14F-4D97-AF65-F5344CB8AC3E}">
+        <p14:creationId xmlns:p14="http://schemas.microsoft.com/office/powerpoint/2010/main" val="3162977725"/>
+      </p:ext>
+    </p:extLst>
+  </p:cSld>
+  <p:clrMapOvr>
+    <a:masterClrMapping/>
+  </p:clrMapOvr>
+</p:sld>
+</file>
+
+<file path=ppt/slides/slide3.xml><?xml version="1.0" encoding="utf-8"?>
+<p:sld xmlns:a="http://schemas.openxmlformats.org/drawingml/2006/main" xmlns:r="http://schemas.openxmlformats.org/officeDocument/2006/relationships" xmlns:p="http://schemas.openxmlformats.org/presentationml/2006/main">
+  <p:cSld>
+    <p:spTree>
+      <p:nvGrpSpPr>
+        <p:cNvPr id="1" name=""/>
+        <p:cNvGrpSpPr/>
+        <p:nvPr/>
+      </p:nvGrpSpPr>
+      <p:grpSpPr>
+        <a:xfrm>
+          <a:off x="0" y="0"/>
+          <a:ext cx="0" cy="0"/>
+          <a:chOff x="0" y="0"/>
+          <a:chExt cx="0" cy="0"/>
+        </a:xfrm>
+      </p:grpSpPr>
+      <p:sp>
+        <p:nvSpPr>
+          <p:cNvPr id="2" name="Title 1">
+            <a:extLst>
+              <a:ext uri="{FF2B5EF4-FFF2-40B4-BE49-F238E27FC236}">
+                <a16:creationId xmlns:a16="http://schemas.microsoft.com/office/drawing/2014/main" id="{2B7BDB3C-634C-E3CA-58C2-158103BF74F9}"/>
+              </a:ext>
+            </a:extLst>
+          </p:cNvPr>
+          <p:cNvSpPr>
+            <a:spLocks noGrp="1"/>
+          </p:cNvSpPr>
+          <p:nvPr>
+            <p:ph type="title"/>
+          </p:nvPr>
+        </p:nvSpPr>
+        <p:spPr/>
+        <p:txBody>
+          <a:bodyPr/>
+          <a:lstStyle/>
+          <a:p>
+            <a:r>
+              <a:rPr lang="en-AU" dirty="0"/>
+              <a:t>Semester Group Projects</a:t>
+            </a:r>
+          </a:p>
+        </p:txBody>
+      </p:sp>
+      <p:sp>
+        <p:nvSpPr>
+          <p:cNvPr id="3" name="Content Placeholder 2">
+            <a:extLst>
+              <a:ext uri="{FF2B5EF4-FFF2-40B4-BE49-F238E27FC236}">
+                <a16:creationId xmlns:a16="http://schemas.microsoft.com/office/drawing/2014/main" id="{082507D7-72A8-E91A-929E-0952ADF7BBF8}"/>
+              </a:ext>
+            </a:extLst>
+          </p:cNvPr>
+          <p:cNvSpPr>
+            <a:spLocks noGrp="1"/>
+          </p:cNvSpPr>
+          <p:nvPr>
+            <p:ph idx="1"/>
+          </p:nvPr>
+        </p:nvSpPr>
+        <p:spPr/>
+        <p:txBody>
+          <a:bodyPr/>
+          <a:lstStyle/>
+          <a:p>
+            <a:endParaRPr lang="en-AU"/>
+          </a:p>
+        </p:txBody>
+      </p:sp>
+    </p:spTree>
+    <p:extLst>
+      <p:ext uri="{BB962C8B-B14F-4D97-AF65-F5344CB8AC3E}">
+        <p14:creationId xmlns:p14="http://schemas.microsoft.com/office/powerpoint/2010/main" val="3056886889"/>
+      </p:ext>
+    </p:extLst>
+  </p:cSld>
+  <p:clrMapOvr>
+    <a:masterClrMapping/>
+  </p:clrMapOvr>
+</p:sld>
+</file>
+
+<file path=ppt/slides/slide4.xml><?xml version="1.0" encoding="utf-8"?>
+<p:sld xmlns:a="http://schemas.openxmlformats.org/drawingml/2006/main" xmlns:r="http://schemas.openxmlformats.org/officeDocument/2006/relationships" xmlns:p="http://schemas.openxmlformats.org/presentationml/2006/main">
+  <p:cSld>
+    <p:spTree>
+      <p:nvGrpSpPr>
+        <p:cNvPr id="1" name=""/>
+        <p:cNvGrpSpPr/>
+        <p:nvPr/>
+      </p:nvGrpSpPr>
+      <p:grpSpPr>
+        <a:xfrm>
+          <a:off x="0" y="0"/>
+          <a:ext cx="0" cy="0"/>
+          <a:chOff x="0" y="0"/>
+          <a:chExt cx="0" cy="0"/>
+        </a:xfrm>
+      </p:grpSpPr>
+      <p:sp>
+        <p:nvSpPr>
+          <p:cNvPr id="1044" name="TextBox 1043">
+            <a:extLst>
+              <a:ext uri="{FF2B5EF4-FFF2-40B4-BE49-F238E27FC236}">
+                <a16:creationId xmlns:a16="http://schemas.microsoft.com/office/drawing/2014/main" id="{88A6783C-0B9A-F703-8B25-026768011BD7}"/>
+              </a:ext>
+            </a:extLst>
+          </p:cNvPr>
+          <p:cNvSpPr txBox="1"/>
+          <p:nvPr/>
+        </p:nvSpPr>
+        <p:spPr>
+          <a:xfrm>
+            <a:off x="8449849" y="945931"/>
+            <a:ext cx="2993320" cy="492443"/>
+          </a:xfrm>
+          <a:prstGeom prst="rect">
+            <a:avLst/>
+          </a:prstGeom>
+          <a:noFill/>
+        </p:spPr>
+        <p:txBody>
+          <a:bodyPr wrap="none" rtlCol="0">
+            <a:spAutoFit/>
+          </a:bodyPr>
+          <a:lstStyle/>
+          <a:p>
+            <a:r>
+              <a:rPr lang="en-AU" sz="2600" b="1" dirty="0"/>
+              <a:t>Your Project Name</a:t>
+            </a:r>
+          </a:p>
+        </p:txBody>
+      </p:sp>
+      <p:sp>
+        <p:nvSpPr>
+          <p:cNvPr id="1045" name="TextBox 1044">
+            <a:extLst>
+              <a:ext uri="{FF2B5EF4-FFF2-40B4-BE49-F238E27FC236}">
+                <a16:creationId xmlns:a16="http://schemas.microsoft.com/office/drawing/2014/main" id="{0B9101F5-8A75-C332-7BE1-2A43F93581A4}"/>
+              </a:ext>
+            </a:extLst>
+          </p:cNvPr>
+          <p:cNvSpPr txBox="1"/>
+          <p:nvPr/>
+        </p:nvSpPr>
+        <p:spPr>
+          <a:xfrm>
+            <a:off x="9384826" y="2422635"/>
+            <a:ext cx="792268" cy="430887"/>
+          </a:xfrm>
+          <a:prstGeom prst="rect">
+            <a:avLst/>
+          </a:prstGeom>
+          <a:noFill/>
+        </p:spPr>
+        <p:txBody>
+          <a:bodyPr wrap="none" rtlCol="0">
+            <a:spAutoFit/>
+          </a:bodyPr>
+          <a:lstStyle/>
+          <a:p>
+            <a:r>
+              <a:rPr lang="en-AU" sz="2200" b="1" dirty="0"/>
+              <a:t>Data</a:t>
+            </a:r>
+          </a:p>
+        </p:txBody>
+      </p:sp>
+      <p:sp>
+        <p:nvSpPr>
+          <p:cNvPr id="1046" name="TextBox 1045">
+            <a:extLst>
+              <a:ext uri="{FF2B5EF4-FFF2-40B4-BE49-F238E27FC236}">
+                <a16:creationId xmlns:a16="http://schemas.microsoft.com/office/drawing/2014/main" id="{B04705D6-6E2D-24CF-7C57-B63F20B591CD}"/>
+              </a:ext>
+            </a:extLst>
+          </p:cNvPr>
+          <p:cNvSpPr txBox="1"/>
+          <p:nvPr/>
+        </p:nvSpPr>
+        <p:spPr>
+          <a:xfrm>
+            <a:off x="9400592" y="3237186"/>
+            <a:ext cx="954107" cy="430887"/>
+          </a:xfrm>
+          <a:prstGeom prst="rect">
+            <a:avLst/>
+          </a:prstGeom>
+          <a:noFill/>
+        </p:spPr>
+        <p:txBody>
+          <a:bodyPr wrap="none" rtlCol="0">
+            <a:spAutoFit/>
+          </a:bodyPr>
+          <a:lstStyle/>
+          <a:p>
+            <a:r>
+              <a:rPr lang="en-AU" sz="2200" b="1" dirty="0"/>
+              <a:t>Script</a:t>
+            </a:r>
+          </a:p>
+        </p:txBody>
+      </p:sp>
+      <p:sp>
+        <p:nvSpPr>
+          <p:cNvPr id="1047" name="TextBox 1046">
+            <a:extLst>
+              <a:ext uri="{FF2B5EF4-FFF2-40B4-BE49-F238E27FC236}">
+                <a16:creationId xmlns:a16="http://schemas.microsoft.com/office/drawing/2014/main" id="{C84B326D-7F4A-0724-C9D8-476D6BBFF00B}"/>
+              </a:ext>
+            </a:extLst>
+          </p:cNvPr>
+          <p:cNvSpPr txBox="1"/>
+          <p:nvPr/>
+        </p:nvSpPr>
+        <p:spPr>
+          <a:xfrm>
+            <a:off x="9442633" y="3997602"/>
+            <a:ext cx="1087157" cy="430887"/>
+          </a:xfrm>
+          <a:prstGeom prst="rect">
+            <a:avLst/>
+          </a:prstGeom>
+          <a:noFill/>
+        </p:spPr>
+        <p:txBody>
+          <a:bodyPr wrap="none" rtlCol="0">
+            <a:spAutoFit/>
+          </a:bodyPr>
+          <a:lstStyle/>
+          <a:p>
+            <a:r>
+              <a:rPr lang="en-AU" sz="2200" b="1" dirty="0"/>
+              <a:t>Output</a:t>
+            </a:r>
+          </a:p>
+        </p:txBody>
+      </p:sp>
+      <p:cxnSp>
+        <p:nvCxnSpPr>
+          <p:cNvPr id="1049" name="Straight Connector 1048">
+            <a:extLst>
+              <a:ext uri="{FF2B5EF4-FFF2-40B4-BE49-F238E27FC236}">
+                <a16:creationId xmlns:a16="http://schemas.microsoft.com/office/drawing/2014/main" id="{9B826961-8FE1-DC37-7CF8-461C49C2122A}"/>
+              </a:ext>
+            </a:extLst>
+          </p:cNvPr>
+          <p:cNvCxnSpPr>
+            <a:cxnSpLocks/>
+          </p:cNvCxnSpPr>
+          <p:nvPr/>
+        </p:nvCxnSpPr>
+        <p:spPr>
+          <a:xfrm>
+            <a:off x="7913821" y="1397876"/>
+            <a:ext cx="0" cy="2881161"/>
+          </a:xfrm>
+          <a:prstGeom prst="line">
+            <a:avLst/>
+          </a:prstGeom>
+          <a:ln w="111125">
+            <a:solidFill>
+              <a:schemeClr val="bg1">
+                <a:lumMod val="50000"/>
+              </a:schemeClr>
+            </a:solidFill>
+          </a:ln>
+        </p:spPr>
+        <p:style>
+          <a:lnRef idx="2">
+            <a:schemeClr val="accent1"/>
+          </a:lnRef>
+          <a:fillRef idx="0">
+            <a:schemeClr val="accent1"/>
+          </a:fillRef>
+          <a:effectRef idx="1">
+            <a:schemeClr val="accent1"/>
+          </a:effectRef>
+          <a:fontRef idx="minor">
+            <a:schemeClr val="tx1"/>
+          </a:fontRef>
+        </p:style>
+      </p:cxnSp>
+      <p:pic>
+        <p:nvPicPr>
+          <p:cNvPr id="1050" name="Graphic 1049" descr="Open folder with solid fill">
+            <a:extLst>
+              <a:ext uri="{FF2B5EF4-FFF2-40B4-BE49-F238E27FC236}">
+                <a16:creationId xmlns:a16="http://schemas.microsoft.com/office/drawing/2014/main" id="{31DE8D0D-CB7B-DEE5-F914-5DB954A181A4}"/>
+              </a:ext>
+            </a:extLst>
+          </p:cNvPr>
+          <p:cNvPicPr>
+            <a:picLocks noChangeAspect="1"/>
+          </p:cNvPicPr>
+          <p:nvPr/>
+        </p:nvPicPr>
+        <p:blipFill>
+          <a:blip r:embed="rId3">
+            <a:extLst>
+              <a:ext uri="{96DAC541-7B7A-43D3-8B79-37D633B846F1}">
+                <asvg:svgBlip xmlns:asvg="http://schemas.microsoft.com/office/drawing/2016/SVG/main" r:embed="rId4"/>
+              </a:ext>
+            </a:extLst>
+          </a:blip>
+          <a:stretch>
+            <a:fillRect/>
+          </a:stretch>
+        </p:blipFill>
+        <p:spPr>
+          <a:xfrm>
+            <a:off x="7488153" y="701566"/>
+            <a:ext cx="914400" cy="914400"/>
+          </a:xfrm>
+          <a:prstGeom prst="rect">
+            <a:avLst/>
+          </a:prstGeom>
+        </p:spPr>
+      </p:pic>
+      <p:cxnSp>
+        <p:nvCxnSpPr>
+          <p:cNvPr id="1051" name="Straight Connector 1050">
+            <a:extLst>
+              <a:ext uri="{FF2B5EF4-FFF2-40B4-BE49-F238E27FC236}">
+                <a16:creationId xmlns:a16="http://schemas.microsoft.com/office/drawing/2014/main" id="{B1E42C8F-90C9-CA32-EAE2-B11678FC5B68}"/>
+              </a:ext>
+            </a:extLst>
+          </p:cNvPr>
+          <p:cNvCxnSpPr>
+            <a:cxnSpLocks/>
+          </p:cNvCxnSpPr>
+          <p:nvPr/>
+        </p:nvCxnSpPr>
+        <p:spPr>
+          <a:xfrm flipH="1">
+            <a:off x="7861917" y="4218735"/>
+            <a:ext cx="1098331" cy="0"/>
+          </a:xfrm>
+          <a:prstGeom prst="line">
+            <a:avLst/>
+          </a:prstGeom>
+          <a:ln w="111125">
+            <a:solidFill>
+              <a:schemeClr val="bg1">
+                <a:lumMod val="50000"/>
+              </a:schemeClr>
+            </a:solidFill>
+          </a:ln>
+        </p:spPr>
+        <p:style>
+          <a:lnRef idx="2">
+            <a:schemeClr val="accent1"/>
+          </a:lnRef>
+          <a:fillRef idx="0">
+            <a:schemeClr val="accent1"/>
+          </a:fillRef>
+          <a:effectRef idx="1">
+            <a:schemeClr val="accent1"/>
+          </a:effectRef>
+          <a:fontRef idx="minor">
+            <a:schemeClr val="tx1"/>
+          </a:fontRef>
+        </p:style>
+      </p:cxnSp>
+      <p:cxnSp>
+        <p:nvCxnSpPr>
+          <p:cNvPr id="1052" name="Straight Connector 1051">
+            <a:extLst>
+              <a:ext uri="{FF2B5EF4-FFF2-40B4-BE49-F238E27FC236}">
+                <a16:creationId xmlns:a16="http://schemas.microsoft.com/office/drawing/2014/main" id="{65B8B1D6-DF30-5777-A325-F192CD48DCF4}"/>
+              </a:ext>
+            </a:extLst>
+          </p:cNvPr>
+          <p:cNvCxnSpPr>
+            <a:cxnSpLocks/>
+          </p:cNvCxnSpPr>
+          <p:nvPr/>
+        </p:nvCxnSpPr>
+        <p:spPr>
+          <a:xfrm flipH="1">
+            <a:off x="7861917" y="3413652"/>
+            <a:ext cx="1098331" cy="0"/>
+          </a:xfrm>
+          <a:prstGeom prst="line">
+            <a:avLst/>
+          </a:prstGeom>
+          <a:ln w="111125">
+            <a:solidFill>
+              <a:schemeClr val="bg1">
+                <a:lumMod val="50000"/>
+              </a:schemeClr>
+            </a:solidFill>
+          </a:ln>
+        </p:spPr>
+        <p:style>
+          <a:lnRef idx="2">
+            <a:schemeClr val="accent1"/>
+          </a:lnRef>
+          <a:fillRef idx="0">
+            <a:schemeClr val="accent1"/>
+          </a:fillRef>
+          <a:effectRef idx="1">
+            <a:schemeClr val="accent1"/>
+          </a:effectRef>
+          <a:fontRef idx="minor">
+            <a:schemeClr val="tx1"/>
+          </a:fontRef>
+        </p:style>
+      </p:cxnSp>
+      <p:cxnSp>
+        <p:nvCxnSpPr>
+          <p:cNvPr id="1053" name="Straight Connector 1052">
+            <a:extLst>
+              <a:ext uri="{FF2B5EF4-FFF2-40B4-BE49-F238E27FC236}">
+                <a16:creationId xmlns:a16="http://schemas.microsoft.com/office/drawing/2014/main" id="{2ED465DE-4D38-0BE8-BD08-E096E4895A55}"/>
+              </a:ext>
+            </a:extLst>
+          </p:cNvPr>
+          <p:cNvCxnSpPr>
+            <a:cxnSpLocks/>
+          </p:cNvCxnSpPr>
+          <p:nvPr/>
+        </p:nvCxnSpPr>
+        <p:spPr>
+          <a:xfrm flipH="1">
+            <a:off x="7861917" y="2574494"/>
+            <a:ext cx="1098331" cy="0"/>
+          </a:xfrm>
+          <a:prstGeom prst="line">
+            <a:avLst/>
+          </a:prstGeom>
+          <a:ln w="111125">
+            <a:solidFill>
+              <a:schemeClr val="bg1">
+                <a:lumMod val="50000"/>
+              </a:schemeClr>
+            </a:solidFill>
+          </a:ln>
+        </p:spPr>
+        <p:style>
+          <a:lnRef idx="2">
+            <a:schemeClr val="accent1"/>
+          </a:lnRef>
+          <a:fillRef idx="0">
+            <a:schemeClr val="accent1"/>
+          </a:fillRef>
+          <a:effectRef idx="1">
+            <a:schemeClr val="accent1"/>
+          </a:effectRef>
+          <a:fontRef idx="minor">
+            <a:schemeClr val="tx1"/>
+          </a:fontRef>
+        </p:style>
+      </p:cxnSp>
+      <p:cxnSp>
+        <p:nvCxnSpPr>
+          <p:cNvPr id="1054" name="Straight Connector 1053">
+            <a:extLst>
+              <a:ext uri="{FF2B5EF4-FFF2-40B4-BE49-F238E27FC236}">
+                <a16:creationId xmlns:a16="http://schemas.microsoft.com/office/drawing/2014/main" id="{500CA41F-53CF-E6D1-498D-5D33C64C52BD}"/>
+              </a:ext>
+            </a:extLst>
+          </p:cNvPr>
+          <p:cNvCxnSpPr>
+            <a:cxnSpLocks/>
+          </p:cNvCxnSpPr>
+          <p:nvPr/>
+        </p:nvCxnSpPr>
+        <p:spPr>
+          <a:xfrm flipH="1">
+            <a:off x="7861917" y="1883829"/>
+            <a:ext cx="1098331" cy="0"/>
+          </a:xfrm>
+          <a:prstGeom prst="line">
+            <a:avLst/>
+          </a:prstGeom>
+          <a:ln w="111125">
+            <a:solidFill>
+              <a:schemeClr val="bg1">
+                <a:lumMod val="50000"/>
+              </a:schemeClr>
+            </a:solidFill>
+          </a:ln>
+        </p:spPr>
+        <p:style>
+          <a:lnRef idx="2">
+            <a:schemeClr val="accent1"/>
+          </a:lnRef>
+          <a:fillRef idx="0">
+            <a:schemeClr val="accent1"/>
+          </a:fillRef>
+          <a:effectRef idx="1">
+            <a:schemeClr val="accent1"/>
+          </a:effectRef>
+          <a:fontRef idx="minor">
+            <a:schemeClr val="tx1"/>
+          </a:fontRef>
+        </p:style>
+      </p:cxnSp>
+      <p:pic>
+        <p:nvPicPr>
+          <p:cNvPr id="1055" name="Graphic 1054" descr="Open folder with solid fill">
+            <a:extLst>
+              <a:ext uri="{FF2B5EF4-FFF2-40B4-BE49-F238E27FC236}">
+                <a16:creationId xmlns:a16="http://schemas.microsoft.com/office/drawing/2014/main" id="{46DF97A9-5A8A-5E61-39F2-3469CCDF1EB1}"/>
+              </a:ext>
+            </a:extLst>
+          </p:cNvPr>
+          <p:cNvPicPr>
+            <a:picLocks noChangeAspect="1"/>
+          </p:cNvPicPr>
+          <p:nvPr/>
+        </p:nvPicPr>
+        <p:blipFill>
+          <a:blip r:embed="rId3">
+            <a:extLst>
+              <a:ext uri="{96DAC541-7B7A-43D3-8B79-37D633B846F1}">
+                <asvg:svgBlip xmlns:asvg="http://schemas.microsoft.com/office/drawing/2016/SVG/main" r:embed="rId4"/>
+              </a:ext>
+            </a:extLst>
+          </a:blip>
+          <a:stretch>
+            <a:fillRect/>
+          </a:stretch>
+        </p:blipFill>
+        <p:spPr>
+          <a:xfrm>
+            <a:off x="8815797" y="2291969"/>
+            <a:ext cx="687003" cy="687003"/>
+          </a:xfrm>
+          <a:prstGeom prst="rect">
+            <a:avLst/>
+          </a:prstGeom>
+        </p:spPr>
+      </p:pic>
+      <p:pic>
+        <p:nvPicPr>
+          <p:cNvPr id="1056" name="Picture 6" descr="RStudio SVG and transparent PNG icons | TechIcons">
+            <a:extLst>
+              <a:ext uri="{FF2B5EF4-FFF2-40B4-BE49-F238E27FC236}">
+                <a16:creationId xmlns:a16="http://schemas.microsoft.com/office/drawing/2014/main" id="{52D8F3C3-9E17-217B-41E8-941A7E0AA873}"/>
+              </a:ext>
+            </a:extLst>
+          </p:cNvPr>
+          <p:cNvPicPr>
+            <a:picLocks noChangeAspect="1" noChangeArrowheads="1"/>
+          </p:cNvPicPr>
+          <p:nvPr/>
+        </p:nvPicPr>
+        <p:blipFill>
+          <a:blip r:embed="rId5">
+            <a:extLst>
+              <a:ext uri="{28A0092B-C50C-407E-A947-70E740481C1C}">
+                <a14:useLocalDpi xmlns:a14="http://schemas.microsoft.com/office/drawing/2010/main" val="0"/>
+              </a:ext>
+            </a:extLst>
+          </a:blip>
+          <a:srcRect/>
+          <a:stretch>
+            <a:fillRect/>
+          </a:stretch>
+        </p:blipFill>
+        <p:spPr bwMode="auto">
+          <a:xfrm>
+            <a:off x="8780481" y="1541953"/>
+            <a:ext cx="684063" cy="684063"/>
+          </a:xfrm>
+          <a:prstGeom prst="rect">
+            <a:avLst/>
+          </a:prstGeom>
+          <a:noFill/>
+          <a:extLst>
+            <a:ext uri="{909E8E84-426E-40DD-AFC4-6F175D3DCCD1}">
+              <a14:hiddenFill xmlns:a14="http://schemas.microsoft.com/office/drawing/2010/main">
+                <a:solidFill>
+                  <a:srgbClr val="FFFFFF"/>
+                </a:solidFill>
+              </a14:hiddenFill>
+            </a:ext>
+          </a:extLst>
+        </p:spPr>
+      </p:pic>
+      <p:pic>
+        <p:nvPicPr>
+          <p:cNvPr id="1075" name="Graphic 1074" descr="Open folder with solid fill">
+            <a:extLst>
+              <a:ext uri="{FF2B5EF4-FFF2-40B4-BE49-F238E27FC236}">
+                <a16:creationId xmlns:a16="http://schemas.microsoft.com/office/drawing/2014/main" id="{8C04569B-4B33-8A20-56DA-ED5B9E8451B3}"/>
+              </a:ext>
+            </a:extLst>
+          </p:cNvPr>
+          <p:cNvPicPr>
+            <a:picLocks noChangeAspect="1"/>
+          </p:cNvPicPr>
+          <p:nvPr/>
+        </p:nvPicPr>
+        <p:blipFill>
+          <a:blip r:embed="rId3">
+            <a:extLst>
+              <a:ext uri="{96DAC541-7B7A-43D3-8B79-37D633B846F1}">
+                <asvg:svgBlip xmlns:asvg="http://schemas.microsoft.com/office/drawing/2016/SVG/main" r:embed="rId4"/>
+              </a:ext>
+            </a:extLst>
+          </a:blip>
+          <a:stretch>
+            <a:fillRect/>
+          </a:stretch>
+        </p:blipFill>
+        <p:spPr>
+          <a:xfrm>
+            <a:off x="8873604" y="3866936"/>
+            <a:ext cx="687003" cy="687003"/>
+          </a:xfrm>
+          <a:prstGeom prst="rect">
+            <a:avLst/>
+          </a:prstGeom>
+        </p:spPr>
+      </p:pic>
+      <p:pic>
+        <p:nvPicPr>
+          <p:cNvPr id="1076" name="Graphic 1075" descr="Open folder with solid fill">
+            <a:extLst>
+              <a:ext uri="{FF2B5EF4-FFF2-40B4-BE49-F238E27FC236}">
+                <a16:creationId xmlns:a16="http://schemas.microsoft.com/office/drawing/2014/main" id="{EEA9E22F-5AEE-D80F-F11D-2362196D3EF8}"/>
+              </a:ext>
+            </a:extLst>
+          </p:cNvPr>
+          <p:cNvPicPr>
+            <a:picLocks noChangeAspect="1"/>
+          </p:cNvPicPr>
+          <p:nvPr/>
+        </p:nvPicPr>
+        <p:blipFill>
+          <a:blip r:embed="rId3">
+            <a:extLst>
+              <a:ext uri="{96DAC541-7B7A-43D3-8B79-37D633B846F1}">
+                <asvg:svgBlip xmlns:asvg="http://schemas.microsoft.com/office/drawing/2016/SVG/main" r:embed="rId4"/>
+              </a:ext>
+            </a:extLst>
+          </a:blip>
+          <a:stretch>
+            <a:fillRect/>
+          </a:stretch>
+        </p:blipFill>
+        <p:spPr>
+          <a:xfrm>
+            <a:off x="8831563" y="3106520"/>
+            <a:ext cx="687003" cy="687003"/>
+          </a:xfrm>
+          <a:prstGeom prst="rect">
+            <a:avLst/>
+          </a:prstGeom>
+        </p:spPr>
+      </p:pic>
+      <p:sp>
+        <p:nvSpPr>
+          <p:cNvPr id="1077" name="TextBox 1076">
+            <a:extLst>
+              <a:ext uri="{FF2B5EF4-FFF2-40B4-BE49-F238E27FC236}">
+                <a16:creationId xmlns:a16="http://schemas.microsoft.com/office/drawing/2014/main" id="{1EA639D2-9527-668B-D313-10C3EE19205B}"/>
+              </a:ext>
+            </a:extLst>
+          </p:cNvPr>
+          <p:cNvSpPr txBox="1"/>
+          <p:nvPr/>
+        </p:nvSpPr>
+        <p:spPr>
+          <a:xfrm>
+            <a:off x="7469484" y="252170"/>
+            <a:ext cx="4258410" cy="553998"/>
+          </a:xfrm>
+          <a:prstGeom prst="rect">
+            <a:avLst/>
+          </a:prstGeom>
+          <a:noFill/>
+        </p:spPr>
+        <p:txBody>
+          <a:bodyPr wrap="none" rtlCol="0">
+            <a:spAutoFit/>
+          </a:bodyPr>
+          <a:lstStyle/>
+          <a:p>
+            <a:r>
+              <a:rPr lang="en-AU" sz="3000" b="1" dirty="0"/>
+              <a:t>A basic R project set up</a:t>
+            </a:r>
+          </a:p>
+        </p:txBody>
+      </p:sp>
+      <p:sp>
+        <p:nvSpPr>
+          <p:cNvPr id="1078" name="TextBox 1077">
+            <a:extLst>
+              <a:ext uri="{FF2B5EF4-FFF2-40B4-BE49-F238E27FC236}">
+                <a16:creationId xmlns:a16="http://schemas.microsoft.com/office/drawing/2014/main" id="{023B66D5-F8C5-2DFB-89F2-CE6625ABC685}"/>
+              </a:ext>
+            </a:extLst>
+          </p:cNvPr>
+          <p:cNvSpPr txBox="1"/>
+          <p:nvPr/>
+        </p:nvSpPr>
+        <p:spPr>
+          <a:xfrm>
+            <a:off x="9387101" y="1687930"/>
+            <a:ext cx="2857514" cy="430887"/>
+          </a:xfrm>
+          <a:prstGeom prst="rect">
+            <a:avLst/>
+          </a:prstGeom>
+          <a:noFill/>
+        </p:spPr>
+        <p:txBody>
+          <a:bodyPr wrap="none" rtlCol="0">
+            <a:spAutoFit/>
+          </a:bodyPr>
+          <a:lstStyle/>
+          <a:p>
+            <a:r>
+              <a:rPr lang="en-AU" sz="2200" b="1" dirty="0"/>
+              <a:t>.</a:t>
+            </a:r>
+            <a:r>
+              <a:rPr lang="en-AU" sz="2200" b="1" dirty="0" err="1"/>
+              <a:t>Rproj</a:t>
+            </a:r>
+            <a:r>
+              <a:rPr lang="en-AU" sz="2200" b="1" dirty="0"/>
+              <a:t> (R Project File)</a:t>
+            </a:r>
+          </a:p>
+        </p:txBody>
+      </p:sp>
+      <p:sp>
+        <p:nvSpPr>
+          <p:cNvPr id="1081" name="Title 1">
+            <a:extLst>
+              <a:ext uri="{FF2B5EF4-FFF2-40B4-BE49-F238E27FC236}">
+                <a16:creationId xmlns:a16="http://schemas.microsoft.com/office/drawing/2014/main" id="{056F0444-F6C9-E9E0-3E1C-87EAE185D37C}"/>
+              </a:ext>
+            </a:extLst>
+          </p:cNvPr>
+          <p:cNvSpPr txBox="1">
+            <a:spLocks/>
+          </p:cNvSpPr>
+          <p:nvPr/>
+        </p:nvSpPr>
+        <p:spPr>
+          <a:xfrm>
+            <a:off x="0" y="283239"/>
+            <a:ext cx="10515600" cy="1325563"/>
+          </a:xfrm>
+          <a:prstGeom prst="rect">
+            <a:avLst/>
+          </a:prstGeom>
+        </p:spPr>
+        <p:txBody>
+          <a:bodyPr vert="horz" lIns="91440" tIns="45720" rIns="91440" bIns="45720" rtlCol="0" anchor="ctr">
+            <a:normAutofit/>
+          </a:bodyPr>
+          <a:lstStyle>
+            <a:lvl1pPr algn="l" defTabSz="914400" rtl="0" eaLnBrk="1" latinLnBrk="0" hangingPunct="1">
+              <a:lnSpc>
+                <a:spcPct val="90000"/>
+              </a:lnSpc>
+              <a:spcBef>
+                <a:spcPct val="0"/>
+              </a:spcBef>
+              <a:buNone/>
+              <a:defRPr sz="4400" kern="1200">
+                <a:solidFill>
+                  <a:schemeClr val="tx1"/>
+                </a:solidFill>
+                <a:latin typeface="+mj-lt"/>
+                <a:ea typeface="+mj-ea"/>
+                <a:cs typeface="+mj-cs"/>
+              </a:defRPr>
+            </a:lvl1pPr>
+          </a:lstStyle>
+          <a:p>
+            <a:r>
+              <a:rPr lang="en-AU" dirty="0"/>
+              <a:t>Getting organised : Root Folder</a:t>
+            </a:r>
+          </a:p>
+        </p:txBody>
+      </p:sp>
+    </p:spTree>
+    <p:extLst>
+      <p:ext uri="{BB962C8B-B14F-4D97-AF65-F5344CB8AC3E}">
+        <p14:creationId xmlns:p14="http://schemas.microsoft.com/office/powerpoint/2010/main" val="1320845194"/>
+      </p:ext>
+    </p:extLst>
+  </p:cSld>
+  <p:clrMapOvr>
+    <a:masterClrMapping/>
+  </p:clrMapOvr>
+</p:sld>
+</file>
+
+<file path=ppt/slides/slide5.xml><?xml version="1.0" encoding="utf-8"?>
+<p:sld xmlns:a="http://schemas.openxmlformats.org/drawingml/2006/main" xmlns:r="http://schemas.openxmlformats.org/officeDocument/2006/relationships" xmlns:p="http://schemas.openxmlformats.org/presentationml/2006/main">
+  <p:cSld>
+    <p:spTree>
+      <p:nvGrpSpPr>
+        <p:cNvPr id="1" name="">
+          <a:extLst>
+            <a:ext uri="{FF2B5EF4-FFF2-40B4-BE49-F238E27FC236}">
+              <a16:creationId xmlns:a16="http://schemas.microsoft.com/office/drawing/2014/main" id="{5F81CC70-AE05-3F54-482B-684ABB0698FA}"/>
+            </a:ext>
+          </a:extLst>
+        </p:cNvPr>
+        <p:cNvGrpSpPr/>
+        <p:nvPr/>
+      </p:nvGrpSpPr>
+      <p:grpSpPr>
+        <a:xfrm>
+          <a:off x="0" y="0"/>
+          <a:ext cx="0" cy="0"/>
+          <a:chOff x="0" y="0"/>
+          <a:chExt cx="0" cy="0"/>
+        </a:xfrm>
+      </p:grpSpPr>
+      <p:sp>
+        <p:nvSpPr>
+          <p:cNvPr id="4" name="TextBox 3">
+            <a:extLst>
+              <a:ext uri="{FF2B5EF4-FFF2-40B4-BE49-F238E27FC236}">
+                <a16:creationId xmlns:a16="http://schemas.microsoft.com/office/drawing/2014/main" id="{36D41FF9-872D-6273-893C-30A0858ACEBF}"/>
+              </a:ext>
+            </a:extLst>
+          </p:cNvPr>
+          <p:cNvSpPr txBox="1"/>
+          <p:nvPr/>
+        </p:nvSpPr>
+        <p:spPr>
+          <a:xfrm>
+            <a:off x="164592" y="2066544"/>
+            <a:ext cx="6080760" cy="3785652"/>
+          </a:xfrm>
+          <a:prstGeom prst="rect">
+            <a:avLst/>
+          </a:prstGeom>
+          <a:noFill/>
+        </p:spPr>
+        <p:txBody>
+          <a:bodyPr wrap="square" rtlCol="0">
+            <a:spAutoFit/>
+          </a:bodyPr>
+          <a:lstStyle/>
+          <a:p>
+            <a:pPr marL="342900" indent="-342900">
+              <a:buFont typeface="Arial" panose="020B0604020202020204" pitchFamily="34" charset="0"/>
+              <a:buChar char="•"/>
+            </a:pPr>
+            <a:r>
+              <a:rPr lang="en-AU" sz="2000" b="1" dirty="0"/>
+              <a:t>Reproducibility</a:t>
+            </a:r>
+            <a:r>
+              <a:rPr lang="en-AU" sz="2000" dirty="0"/>
+              <a:t>: Ensures analyses can be reliably repeated and verified.</a:t>
+            </a:r>
+          </a:p>
+          <a:p>
+            <a:pPr marL="342900" indent="-342900">
+              <a:buFont typeface="Arial" panose="020B0604020202020204" pitchFamily="34" charset="0"/>
+              <a:buChar char="•"/>
+            </a:pPr>
+            <a:endParaRPr lang="en-AU" sz="2000" b="1" dirty="0"/>
+          </a:p>
+          <a:p>
+            <a:pPr marL="342900" indent="-342900">
+              <a:buFont typeface="Arial" panose="020B0604020202020204" pitchFamily="34" charset="0"/>
+              <a:buChar char="•"/>
+            </a:pPr>
+            <a:r>
+              <a:rPr lang="en-AU" sz="2000" b="1" dirty="0"/>
+              <a:t>Portability</a:t>
+            </a:r>
+            <a:r>
+              <a:rPr lang="en-AU" sz="2000" dirty="0"/>
+              <a:t>: Facilitates seamless collaboration and transition across different systems.</a:t>
+            </a:r>
+          </a:p>
+          <a:p>
+            <a:pPr marL="342900" indent="-342900">
+              <a:buFont typeface="Arial" panose="020B0604020202020204" pitchFamily="34" charset="0"/>
+              <a:buChar char="•"/>
+            </a:pPr>
+            <a:endParaRPr lang="en-AU" sz="2000" b="1" dirty="0"/>
+          </a:p>
+          <a:p>
+            <a:pPr marL="342900" indent="-342900">
+              <a:buFont typeface="Arial" panose="020B0604020202020204" pitchFamily="34" charset="0"/>
+              <a:buChar char="•"/>
+            </a:pPr>
+            <a:r>
+              <a:rPr lang="en-AU" sz="2000" b="1" dirty="0"/>
+              <a:t>Clarity</a:t>
+            </a:r>
+            <a:r>
+              <a:rPr lang="en-AU" sz="2000" dirty="0"/>
+              <a:t>: Maintains a clean separation between raw data, scripts, and outputs.</a:t>
+            </a:r>
+          </a:p>
+          <a:p>
+            <a:pPr marL="342900" indent="-342900">
+              <a:buFont typeface="Arial" panose="020B0604020202020204" pitchFamily="34" charset="0"/>
+              <a:buChar char="•"/>
+            </a:pPr>
+            <a:endParaRPr lang="en-AU" sz="2000" b="1" dirty="0"/>
+          </a:p>
+          <a:p>
+            <a:pPr marL="342900" indent="-342900">
+              <a:buFont typeface="Arial" panose="020B0604020202020204" pitchFamily="34" charset="0"/>
+              <a:buChar char="•"/>
+            </a:pPr>
+            <a:r>
+              <a:rPr lang="en-AU" sz="2000" b="1" dirty="0"/>
+              <a:t>Efficiency</a:t>
+            </a:r>
+            <a:r>
+              <a:rPr lang="en-AU" sz="2000" dirty="0"/>
+              <a:t>: Simplifies navigation and reduces errors in file handling.</a:t>
+            </a:r>
+          </a:p>
+          <a:p>
+            <a:endParaRPr lang="en-AU" sz="2000" dirty="0"/>
+          </a:p>
+        </p:txBody>
+      </p:sp>
+      <p:sp>
+        <p:nvSpPr>
+          <p:cNvPr id="1044" name="TextBox 1043">
+            <a:extLst>
+              <a:ext uri="{FF2B5EF4-FFF2-40B4-BE49-F238E27FC236}">
+                <a16:creationId xmlns:a16="http://schemas.microsoft.com/office/drawing/2014/main" id="{3E7F2E8E-53E1-9160-4EF9-9756903FD4E8}"/>
+              </a:ext>
+            </a:extLst>
+          </p:cNvPr>
+          <p:cNvSpPr txBox="1"/>
+          <p:nvPr/>
+        </p:nvSpPr>
+        <p:spPr>
+          <a:xfrm>
+            <a:off x="8449849" y="945931"/>
+            <a:ext cx="2993320" cy="492443"/>
+          </a:xfrm>
+          <a:prstGeom prst="rect">
+            <a:avLst/>
+          </a:prstGeom>
+          <a:noFill/>
+        </p:spPr>
+        <p:txBody>
+          <a:bodyPr wrap="none" rtlCol="0">
+            <a:spAutoFit/>
+          </a:bodyPr>
+          <a:lstStyle/>
+          <a:p>
+            <a:r>
+              <a:rPr lang="en-AU" sz="2600" b="1" dirty="0"/>
+              <a:t>Your Project Name</a:t>
+            </a:r>
+          </a:p>
+        </p:txBody>
+      </p:sp>
+      <p:sp>
+        <p:nvSpPr>
+          <p:cNvPr id="1045" name="TextBox 1044">
+            <a:extLst>
+              <a:ext uri="{FF2B5EF4-FFF2-40B4-BE49-F238E27FC236}">
+                <a16:creationId xmlns:a16="http://schemas.microsoft.com/office/drawing/2014/main" id="{EF1DD67F-1351-1C90-564E-8C4453B92D85}"/>
+              </a:ext>
+            </a:extLst>
+          </p:cNvPr>
+          <p:cNvSpPr txBox="1"/>
+          <p:nvPr/>
+        </p:nvSpPr>
+        <p:spPr>
+          <a:xfrm>
+            <a:off x="9384826" y="2422635"/>
+            <a:ext cx="792268" cy="430887"/>
+          </a:xfrm>
+          <a:prstGeom prst="rect">
+            <a:avLst/>
+          </a:prstGeom>
+          <a:noFill/>
+        </p:spPr>
+        <p:txBody>
+          <a:bodyPr wrap="none" rtlCol="0">
+            <a:spAutoFit/>
+          </a:bodyPr>
+          <a:lstStyle/>
+          <a:p>
+            <a:r>
+              <a:rPr lang="en-AU" sz="2200" b="1" dirty="0"/>
+              <a:t>Data</a:t>
+            </a:r>
+          </a:p>
+        </p:txBody>
+      </p:sp>
+      <p:sp>
+        <p:nvSpPr>
+          <p:cNvPr id="1046" name="TextBox 1045">
+            <a:extLst>
+              <a:ext uri="{FF2B5EF4-FFF2-40B4-BE49-F238E27FC236}">
+                <a16:creationId xmlns:a16="http://schemas.microsoft.com/office/drawing/2014/main" id="{9634E38D-0D65-A23D-B10D-A9D396FBF038}"/>
+              </a:ext>
+            </a:extLst>
+          </p:cNvPr>
+          <p:cNvSpPr txBox="1"/>
+          <p:nvPr/>
+        </p:nvSpPr>
+        <p:spPr>
+          <a:xfrm>
+            <a:off x="9400592" y="3237186"/>
+            <a:ext cx="954107" cy="430887"/>
+          </a:xfrm>
+          <a:prstGeom prst="rect">
+            <a:avLst/>
+          </a:prstGeom>
+          <a:noFill/>
+        </p:spPr>
+        <p:txBody>
+          <a:bodyPr wrap="none" rtlCol="0">
+            <a:spAutoFit/>
+          </a:bodyPr>
+          <a:lstStyle/>
+          <a:p>
+            <a:r>
+              <a:rPr lang="en-AU" sz="2200" b="1" dirty="0"/>
+              <a:t>Script</a:t>
+            </a:r>
+          </a:p>
+        </p:txBody>
+      </p:sp>
+      <p:sp>
+        <p:nvSpPr>
+          <p:cNvPr id="1047" name="TextBox 1046">
+            <a:extLst>
+              <a:ext uri="{FF2B5EF4-FFF2-40B4-BE49-F238E27FC236}">
+                <a16:creationId xmlns:a16="http://schemas.microsoft.com/office/drawing/2014/main" id="{EF1B262A-923F-4222-54EA-F4BE45F891FF}"/>
+              </a:ext>
+            </a:extLst>
+          </p:cNvPr>
+          <p:cNvSpPr txBox="1"/>
+          <p:nvPr/>
+        </p:nvSpPr>
+        <p:spPr>
+          <a:xfrm>
+            <a:off x="9442633" y="5160579"/>
+            <a:ext cx="1087157" cy="430887"/>
+          </a:xfrm>
+          <a:prstGeom prst="rect">
+            <a:avLst/>
+          </a:prstGeom>
+          <a:noFill/>
+        </p:spPr>
+        <p:txBody>
+          <a:bodyPr wrap="none" rtlCol="0">
+            <a:spAutoFit/>
+          </a:bodyPr>
+          <a:lstStyle/>
+          <a:p>
+            <a:r>
+              <a:rPr lang="en-AU" sz="2200" b="1" dirty="0"/>
+              <a:t>Output</a:t>
+            </a:r>
+          </a:p>
+        </p:txBody>
+      </p:sp>
+      <p:sp>
+        <p:nvSpPr>
+          <p:cNvPr id="1048" name="TextBox 1047">
+            <a:extLst>
+              <a:ext uri="{FF2B5EF4-FFF2-40B4-BE49-F238E27FC236}">
+                <a16:creationId xmlns:a16="http://schemas.microsoft.com/office/drawing/2014/main" id="{25B77777-2C3D-469D-E58E-E6A3851DE478}"/>
+              </a:ext>
+            </a:extLst>
+          </p:cNvPr>
+          <p:cNvSpPr txBox="1"/>
+          <p:nvPr/>
+        </p:nvSpPr>
+        <p:spPr>
+          <a:xfrm>
+            <a:off x="10189309" y="4563384"/>
+            <a:ext cx="1256754" cy="369332"/>
+          </a:xfrm>
+          <a:prstGeom prst="rect">
+            <a:avLst/>
+          </a:prstGeom>
+          <a:noFill/>
+        </p:spPr>
+        <p:txBody>
+          <a:bodyPr wrap="none" rtlCol="0">
+            <a:spAutoFit/>
+          </a:bodyPr>
+          <a:lstStyle/>
+          <a:p>
+            <a:r>
+              <a:rPr lang="en-AU" b="1" dirty="0"/>
+              <a:t>Analysis B</a:t>
+            </a:r>
+          </a:p>
+        </p:txBody>
+      </p:sp>
+      <p:cxnSp>
+        <p:nvCxnSpPr>
+          <p:cNvPr id="1049" name="Straight Connector 1048">
+            <a:extLst>
+              <a:ext uri="{FF2B5EF4-FFF2-40B4-BE49-F238E27FC236}">
+                <a16:creationId xmlns:a16="http://schemas.microsoft.com/office/drawing/2014/main" id="{9837184C-3C9A-C4A9-1826-F4FBD890178B}"/>
+              </a:ext>
+            </a:extLst>
+          </p:cNvPr>
+          <p:cNvCxnSpPr>
+            <a:cxnSpLocks/>
+          </p:cNvCxnSpPr>
+          <p:nvPr/>
+        </p:nvCxnSpPr>
+        <p:spPr>
+          <a:xfrm>
+            <a:off x="7913821" y="1397876"/>
+            <a:ext cx="0" cy="4035972"/>
+          </a:xfrm>
+          <a:prstGeom prst="line">
+            <a:avLst/>
+          </a:prstGeom>
+          <a:ln w="111125">
+            <a:solidFill>
+              <a:schemeClr val="bg1">
+                <a:lumMod val="50000"/>
+              </a:schemeClr>
+            </a:solidFill>
+          </a:ln>
+        </p:spPr>
+        <p:style>
+          <a:lnRef idx="2">
+            <a:schemeClr val="accent1"/>
+          </a:lnRef>
+          <a:fillRef idx="0">
+            <a:schemeClr val="accent1"/>
+          </a:fillRef>
+          <a:effectRef idx="1">
+            <a:schemeClr val="accent1"/>
+          </a:effectRef>
+          <a:fontRef idx="minor">
+            <a:schemeClr val="tx1"/>
+          </a:fontRef>
+        </p:style>
+      </p:cxnSp>
+      <p:pic>
+        <p:nvPicPr>
+          <p:cNvPr id="1050" name="Graphic 1049" descr="Open folder with solid fill">
+            <a:extLst>
+              <a:ext uri="{FF2B5EF4-FFF2-40B4-BE49-F238E27FC236}">
+                <a16:creationId xmlns:a16="http://schemas.microsoft.com/office/drawing/2014/main" id="{1C20C327-982C-9408-A965-6E3022B604B9}"/>
+              </a:ext>
+            </a:extLst>
+          </p:cNvPr>
+          <p:cNvPicPr>
+            <a:picLocks noChangeAspect="1"/>
+          </p:cNvPicPr>
+          <p:nvPr/>
+        </p:nvPicPr>
+        <p:blipFill>
+          <a:blip r:embed="rId3">
+            <a:extLst>
+              <a:ext uri="{96DAC541-7B7A-43D3-8B79-37D633B846F1}">
+                <asvg:svgBlip xmlns:asvg="http://schemas.microsoft.com/office/drawing/2016/SVG/main" r:embed="rId4"/>
+              </a:ext>
+            </a:extLst>
+          </a:blip>
+          <a:stretch>
+            <a:fillRect/>
+          </a:stretch>
+        </p:blipFill>
+        <p:spPr>
+          <a:xfrm>
+            <a:off x="7488153" y="701566"/>
+            <a:ext cx="914400" cy="914400"/>
+          </a:xfrm>
+          <a:prstGeom prst="rect">
+            <a:avLst/>
+          </a:prstGeom>
+        </p:spPr>
+      </p:pic>
+      <p:cxnSp>
+        <p:nvCxnSpPr>
+          <p:cNvPr id="1051" name="Straight Connector 1050">
+            <a:extLst>
+              <a:ext uri="{FF2B5EF4-FFF2-40B4-BE49-F238E27FC236}">
+                <a16:creationId xmlns:a16="http://schemas.microsoft.com/office/drawing/2014/main" id="{9954319A-6F51-C3B9-CEBC-D16A403E06AD}"/>
+              </a:ext>
+            </a:extLst>
+          </p:cNvPr>
+          <p:cNvCxnSpPr>
+            <a:cxnSpLocks/>
+          </p:cNvCxnSpPr>
+          <p:nvPr/>
+        </p:nvCxnSpPr>
+        <p:spPr>
+          <a:xfrm flipH="1">
+            <a:off x="7861917" y="5381712"/>
+            <a:ext cx="1098331" cy="0"/>
+          </a:xfrm>
+          <a:prstGeom prst="line">
+            <a:avLst/>
+          </a:prstGeom>
+          <a:ln w="111125">
+            <a:solidFill>
+              <a:schemeClr val="bg1">
+                <a:lumMod val="50000"/>
+              </a:schemeClr>
+            </a:solidFill>
+          </a:ln>
+        </p:spPr>
+        <p:style>
+          <a:lnRef idx="2">
+            <a:schemeClr val="accent1"/>
+          </a:lnRef>
+          <a:fillRef idx="0">
+            <a:schemeClr val="accent1"/>
+          </a:fillRef>
+          <a:effectRef idx="1">
+            <a:schemeClr val="accent1"/>
+          </a:effectRef>
+          <a:fontRef idx="minor">
+            <a:schemeClr val="tx1"/>
+          </a:fontRef>
+        </p:style>
+      </p:cxnSp>
+      <p:cxnSp>
+        <p:nvCxnSpPr>
+          <p:cNvPr id="1052" name="Straight Connector 1051">
+            <a:extLst>
+              <a:ext uri="{FF2B5EF4-FFF2-40B4-BE49-F238E27FC236}">
+                <a16:creationId xmlns:a16="http://schemas.microsoft.com/office/drawing/2014/main" id="{FF07AA45-3CD2-83F0-C695-CAD7046C895D}"/>
+              </a:ext>
+            </a:extLst>
+          </p:cNvPr>
+          <p:cNvCxnSpPr>
+            <a:cxnSpLocks/>
+          </p:cNvCxnSpPr>
+          <p:nvPr/>
+        </p:nvCxnSpPr>
+        <p:spPr>
+          <a:xfrm flipH="1">
+            <a:off x="7861917" y="3413652"/>
+            <a:ext cx="1098331" cy="0"/>
+          </a:xfrm>
+          <a:prstGeom prst="line">
+            <a:avLst/>
+          </a:prstGeom>
+          <a:ln w="111125">
+            <a:solidFill>
+              <a:schemeClr val="bg1">
+                <a:lumMod val="50000"/>
+              </a:schemeClr>
+            </a:solidFill>
+          </a:ln>
+        </p:spPr>
+        <p:style>
+          <a:lnRef idx="2">
+            <a:schemeClr val="accent1"/>
+          </a:lnRef>
+          <a:fillRef idx="0">
+            <a:schemeClr val="accent1"/>
+          </a:fillRef>
+          <a:effectRef idx="1">
+            <a:schemeClr val="accent1"/>
+          </a:effectRef>
+          <a:fontRef idx="minor">
+            <a:schemeClr val="tx1"/>
+          </a:fontRef>
+        </p:style>
+      </p:cxnSp>
+      <p:cxnSp>
+        <p:nvCxnSpPr>
+          <p:cNvPr id="1053" name="Straight Connector 1052">
+            <a:extLst>
+              <a:ext uri="{FF2B5EF4-FFF2-40B4-BE49-F238E27FC236}">
+                <a16:creationId xmlns:a16="http://schemas.microsoft.com/office/drawing/2014/main" id="{D1EFD27F-DD19-F83A-87EB-642FBA5C0D47}"/>
+              </a:ext>
+            </a:extLst>
+          </p:cNvPr>
+          <p:cNvCxnSpPr>
+            <a:cxnSpLocks/>
+          </p:cNvCxnSpPr>
+          <p:nvPr/>
+        </p:nvCxnSpPr>
+        <p:spPr>
+          <a:xfrm flipH="1">
+            <a:off x="7861917" y="2574494"/>
+            <a:ext cx="1098331" cy="0"/>
+          </a:xfrm>
+          <a:prstGeom prst="line">
+            <a:avLst/>
+          </a:prstGeom>
+          <a:ln w="111125">
+            <a:solidFill>
+              <a:schemeClr val="bg1">
+                <a:lumMod val="50000"/>
+              </a:schemeClr>
+            </a:solidFill>
+          </a:ln>
+        </p:spPr>
+        <p:style>
+          <a:lnRef idx="2">
+            <a:schemeClr val="accent1"/>
+          </a:lnRef>
+          <a:fillRef idx="0">
+            <a:schemeClr val="accent1"/>
+          </a:fillRef>
+          <a:effectRef idx="1">
+            <a:schemeClr val="accent1"/>
+          </a:effectRef>
+          <a:fontRef idx="minor">
+            <a:schemeClr val="tx1"/>
+          </a:fontRef>
+        </p:style>
+      </p:cxnSp>
+      <p:cxnSp>
+        <p:nvCxnSpPr>
+          <p:cNvPr id="1054" name="Straight Connector 1053">
+            <a:extLst>
+              <a:ext uri="{FF2B5EF4-FFF2-40B4-BE49-F238E27FC236}">
+                <a16:creationId xmlns:a16="http://schemas.microsoft.com/office/drawing/2014/main" id="{A6E688B4-6B38-0330-1DFB-440B8BCFF872}"/>
+              </a:ext>
+            </a:extLst>
+          </p:cNvPr>
+          <p:cNvCxnSpPr>
+            <a:cxnSpLocks/>
+          </p:cNvCxnSpPr>
+          <p:nvPr/>
+        </p:nvCxnSpPr>
+        <p:spPr>
+          <a:xfrm flipH="1">
+            <a:off x="7861917" y="1883829"/>
+            <a:ext cx="1098331" cy="0"/>
+          </a:xfrm>
+          <a:prstGeom prst="line">
+            <a:avLst/>
+          </a:prstGeom>
+          <a:ln w="111125">
+            <a:solidFill>
+              <a:schemeClr val="bg1">
+                <a:lumMod val="50000"/>
+              </a:schemeClr>
+            </a:solidFill>
+          </a:ln>
+        </p:spPr>
+        <p:style>
+          <a:lnRef idx="2">
+            <a:schemeClr val="accent1"/>
+          </a:lnRef>
+          <a:fillRef idx="0">
+            <a:schemeClr val="accent1"/>
+          </a:fillRef>
+          <a:effectRef idx="1">
+            <a:schemeClr val="accent1"/>
+          </a:effectRef>
+          <a:fontRef idx="minor">
+            <a:schemeClr val="tx1"/>
+          </a:fontRef>
+        </p:style>
+      </p:cxnSp>
+      <p:pic>
+        <p:nvPicPr>
+          <p:cNvPr id="1055" name="Graphic 1054" descr="Open folder with solid fill">
+            <a:extLst>
+              <a:ext uri="{FF2B5EF4-FFF2-40B4-BE49-F238E27FC236}">
+                <a16:creationId xmlns:a16="http://schemas.microsoft.com/office/drawing/2014/main" id="{746274AA-A264-B6A7-7546-76D2BA9B08E3}"/>
+              </a:ext>
+            </a:extLst>
+          </p:cNvPr>
+          <p:cNvPicPr>
+            <a:picLocks noChangeAspect="1"/>
+          </p:cNvPicPr>
+          <p:nvPr/>
+        </p:nvPicPr>
+        <p:blipFill>
+          <a:blip r:embed="rId3">
+            <a:extLst>
+              <a:ext uri="{96DAC541-7B7A-43D3-8B79-37D633B846F1}">
+                <asvg:svgBlip xmlns:asvg="http://schemas.microsoft.com/office/drawing/2016/SVG/main" r:embed="rId4"/>
+              </a:ext>
+            </a:extLst>
+          </a:blip>
+          <a:stretch>
+            <a:fillRect/>
+          </a:stretch>
+        </p:blipFill>
+        <p:spPr>
+          <a:xfrm>
+            <a:off x="8815797" y="2291969"/>
+            <a:ext cx="687003" cy="687003"/>
+          </a:xfrm>
+          <a:prstGeom prst="rect">
+            <a:avLst/>
+          </a:prstGeom>
+        </p:spPr>
+      </p:pic>
+      <p:pic>
+        <p:nvPicPr>
+          <p:cNvPr id="1056" name="Picture 6" descr="RStudio SVG and transparent PNG icons | TechIcons">
+            <a:extLst>
+              <a:ext uri="{FF2B5EF4-FFF2-40B4-BE49-F238E27FC236}">
+                <a16:creationId xmlns:a16="http://schemas.microsoft.com/office/drawing/2014/main" id="{FDE61E1F-CFFF-B117-A0C7-221D3B03E215}"/>
+              </a:ext>
+            </a:extLst>
+          </p:cNvPr>
+          <p:cNvPicPr>
+            <a:picLocks noChangeAspect="1" noChangeArrowheads="1"/>
+          </p:cNvPicPr>
+          <p:nvPr/>
+        </p:nvPicPr>
+        <p:blipFill>
+          <a:blip r:embed="rId5">
+            <a:extLst>
+              <a:ext uri="{28A0092B-C50C-407E-A947-70E740481C1C}">
+                <a14:useLocalDpi xmlns:a14="http://schemas.microsoft.com/office/drawing/2010/main" val="0"/>
+              </a:ext>
+            </a:extLst>
+          </a:blip>
+          <a:srcRect/>
+          <a:stretch>
+            <a:fillRect/>
+          </a:stretch>
+        </p:blipFill>
+        <p:spPr bwMode="auto">
+          <a:xfrm>
+            <a:off x="8780481" y="1541953"/>
+            <a:ext cx="684063" cy="684063"/>
+          </a:xfrm>
+          <a:prstGeom prst="rect">
+            <a:avLst/>
+          </a:prstGeom>
+          <a:noFill/>
+          <a:extLst>
+            <a:ext uri="{909E8E84-426E-40DD-AFC4-6F175D3DCCD1}">
+              <a14:hiddenFill xmlns:a14="http://schemas.microsoft.com/office/drawing/2010/main">
+                <a:solidFill>
+                  <a:srgbClr val="FFFFFF"/>
+                </a:solidFill>
+              </a14:hiddenFill>
+            </a:ext>
+          </a:extLst>
+        </p:spPr>
+      </p:pic>
+      <p:cxnSp>
+        <p:nvCxnSpPr>
+          <p:cNvPr id="1057" name="Straight Connector 1056">
+            <a:extLst>
+              <a:ext uri="{FF2B5EF4-FFF2-40B4-BE49-F238E27FC236}">
+                <a16:creationId xmlns:a16="http://schemas.microsoft.com/office/drawing/2014/main" id="{F520BF3F-9653-B883-B981-C4D108679A1E}"/>
+              </a:ext>
+            </a:extLst>
+          </p:cNvPr>
+          <p:cNvCxnSpPr>
+            <a:cxnSpLocks/>
+          </p:cNvCxnSpPr>
+          <p:nvPr/>
+        </p:nvCxnSpPr>
+        <p:spPr>
+          <a:xfrm flipH="1">
+            <a:off x="9096458" y="4732020"/>
+            <a:ext cx="777498" cy="0"/>
+          </a:xfrm>
+          <a:prstGeom prst="line">
+            <a:avLst/>
+          </a:prstGeom>
+          <a:ln w="111125">
+            <a:solidFill>
+              <a:schemeClr val="bg1">
+                <a:lumMod val="50000"/>
+              </a:schemeClr>
+            </a:solidFill>
+          </a:ln>
+        </p:spPr>
+        <p:style>
+          <a:lnRef idx="2">
+            <a:schemeClr val="accent1"/>
+          </a:lnRef>
+          <a:fillRef idx="0">
+            <a:schemeClr val="accent1"/>
+          </a:fillRef>
+          <a:effectRef idx="1">
+            <a:schemeClr val="accent1"/>
+          </a:effectRef>
+          <a:fontRef idx="minor">
+            <a:schemeClr val="tx1"/>
+          </a:fontRef>
+        </p:style>
+      </p:cxnSp>
+      <p:pic>
+        <p:nvPicPr>
+          <p:cNvPr id="1058" name="Picture 6" descr="RStudio SVG and transparent PNG icons | TechIcons">
+            <a:extLst>
+              <a:ext uri="{FF2B5EF4-FFF2-40B4-BE49-F238E27FC236}">
+                <a16:creationId xmlns:a16="http://schemas.microsoft.com/office/drawing/2014/main" id="{57D10CB0-C461-84F2-1F9B-F2B4E0BB858A}"/>
+              </a:ext>
+            </a:extLst>
+          </p:cNvPr>
+          <p:cNvPicPr>
+            <a:picLocks noChangeAspect="1" noChangeArrowheads="1"/>
+          </p:cNvPicPr>
+          <p:nvPr/>
+        </p:nvPicPr>
+        <p:blipFill>
+          <a:blip r:embed="rId5">
+            <a:extLst>
+              <a:ext uri="{28A0092B-C50C-407E-A947-70E740481C1C}">
+                <a14:useLocalDpi xmlns:a14="http://schemas.microsoft.com/office/drawing/2010/main" val="0"/>
+              </a:ext>
+            </a:extLst>
+          </a:blip>
+          <a:srcRect/>
+          <a:stretch>
+            <a:fillRect/>
+          </a:stretch>
+        </p:blipFill>
+        <p:spPr bwMode="auto">
+          <a:xfrm>
+            <a:off x="9780782" y="4549730"/>
+            <a:ext cx="386135" cy="386135"/>
+          </a:xfrm>
+          <a:prstGeom prst="rect">
+            <a:avLst/>
+          </a:prstGeom>
+          <a:noFill/>
+          <a:extLst>
+            <a:ext uri="{909E8E84-426E-40DD-AFC4-6F175D3DCCD1}">
+              <a14:hiddenFill xmlns:a14="http://schemas.microsoft.com/office/drawing/2010/main">
+                <a:solidFill>
+                  <a:srgbClr val="FFFFFF"/>
+                </a:solidFill>
+              </a14:hiddenFill>
+            </a:ext>
+          </a:extLst>
+        </p:spPr>
+      </p:pic>
+      <p:sp>
+        <p:nvSpPr>
+          <p:cNvPr id="1059" name="TextBox 1058">
+            <a:extLst>
+              <a:ext uri="{FF2B5EF4-FFF2-40B4-BE49-F238E27FC236}">
+                <a16:creationId xmlns:a16="http://schemas.microsoft.com/office/drawing/2014/main" id="{1858F76F-53B2-8725-1A5D-E87C899C7090}"/>
+              </a:ext>
+            </a:extLst>
+          </p:cNvPr>
+          <p:cNvSpPr txBox="1"/>
+          <p:nvPr/>
+        </p:nvSpPr>
+        <p:spPr>
+          <a:xfrm>
+            <a:off x="10157779" y="3638475"/>
+            <a:ext cx="1230273" cy="369332"/>
+          </a:xfrm>
+          <a:prstGeom prst="rect">
+            <a:avLst/>
+          </a:prstGeom>
+          <a:noFill/>
+        </p:spPr>
+        <p:txBody>
+          <a:bodyPr wrap="none" rtlCol="0">
+            <a:spAutoFit/>
+          </a:bodyPr>
+          <a:lstStyle/>
+          <a:p>
+            <a:r>
+              <a:rPr lang="en-AU" b="1" dirty="0"/>
+              <a:t>Functions</a:t>
+            </a:r>
+          </a:p>
+        </p:txBody>
+      </p:sp>
+      <p:sp>
+        <p:nvSpPr>
+          <p:cNvPr id="1060" name="TextBox 1059">
+            <a:extLst>
+              <a:ext uri="{FF2B5EF4-FFF2-40B4-BE49-F238E27FC236}">
+                <a16:creationId xmlns:a16="http://schemas.microsoft.com/office/drawing/2014/main" id="{DC90BC68-40B4-1524-009F-86B11D33B85C}"/>
+              </a:ext>
+            </a:extLst>
+          </p:cNvPr>
+          <p:cNvSpPr txBox="1"/>
+          <p:nvPr/>
+        </p:nvSpPr>
+        <p:spPr>
+          <a:xfrm>
+            <a:off x="10184054" y="4100930"/>
+            <a:ext cx="1256754" cy="369332"/>
+          </a:xfrm>
+          <a:prstGeom prst="rect">
+            <a:avLst/>
+          </a:prstGeom>
+          <a:noFill/>
+        </p:spPr>
+        <p:txBody>
+          <a:bodyPr wrap="none" rtlCol="0">
+            <a:spAutoFit/>
+          </a:bodyPr>
+          <a:lstStyle/>
+          <a:p>
+            <a:r>
+              <a:rPr lang="en-AU" b="1" dirty="0"/>
+              <a:t>Analysis A</a:t>
+            </a:r>
+          </a:p>
+        </p:txBody>
+      </p:sp>
+      <p:cxnSp>
+        <p:nvCxnSpPr>
+          <p:cNvPr id="1061" name="Straight Connector 1060">
+            <a:extLst>
+              <a:ext uri="{FF2B5EF4-FFF2-40B4-BE49-F238E27FC236}">
+                <a16:creationId xmlns:a16="http://schemas.microsoft.com/office/drawing/2014/main" id="{F6954609-272F-13AC-CA0C-7A4BD532A549}"/>
+              </a:ext>
+            </a:extLst>
+          </p:cNvPr>
+          <p:cNvCxnSpPr>
+            <a:cxnSpLocks/>
+          </p:cNvCxnSpPr>
+          <p:nvPr/>
+        </p:nvCxnSpPr>
+        <p:spPr>
+          <a:xfrm>
+            <a:off x="9151102" y="3627049"/>
+            <a:ext cx="0" cy="1130931"/>
+          </a:xfrm>
+          <a:prstGeom prst="line">
+            <a:avLst/>
+          </a:prstGeom>
+          <a:ln w="111125">
+            <a:solidFill>
+              <a:schemeClr val="bg1">
+                <a:lumMod val="50000"/>
+              </a:schemeClr>
+            </a:solidFill>
+          </a:ln>
+        </p:spPr>
+        <p:style>
+          <a:lnRef idx="2">
+            <a:schemeClr val="accent1"/>
+          </a:lnRef>
+          <a:fillRef idx="0">
+            <a:schemeClr val="accent1"/>
+          </a:fillRef>
+          <a:effectRef idx="1">
+            <a:schemeClr val="accent1"/>
+          </a:effectRef>
+          <a:fontRef idx="minor">
+            <a:schemeClr val="tx1"/>
+          </a:fontRef>
+        </p:style>
+      </p:cxnSp>
+      <p:cxnSp>
+        <p:nvCxnSpPr>
+          <p:cNvPr id="1062" name="Straight Connector 1061">
+            <a:extLst>
+              <a:ext uri="{FF2B5EF4-FFF2-40B4-BE49-F238E27FC236}">
+                <a16:creationId xmlns:a16="http://schemas.microsoft.com/office/drawing/2014/main" id="{2DAEB4C2-2300-530E-3277-3F5A57BBAB0F}"/>
+              </a:ext>
+            </a:extLst>
+          </p:cNvPr>
+          <p:cNvCxnSpPr>
+            <a:cxnSpLocks/>
+          </p:cNvCxnSpPr>
+          <p:nvPr/>
+        </p:nvCxnSpPr>
+        <p:spPr>
+          <a:xfrm flipH="1">
+            <a:off x="9096458" y="4281409"/>
+            <a:ext cx="777498" cy="0"/>
+          </a:xfrm>
+          <a:prstGeom prst="line">
+            <a:avLst/>
+          </a:prstGeom>
+          <a:ln w="111125">
+            <a:solidFill>
+              <a:schemeClr val="bg1">
+                <a:lumMod val="50000"/>
+              </a:schemeClr>
+            </a:solidFill>
+          </a:ln>
+        </p:spPr>
+        <p:style>
+          <a:lnRef idx="2">
+            <a:schemeClr val="accent1"/>
+          </a:lnRef>
+          <a:fillRef idx="0">
+            <a:schemeClr val="accent1"/>
+          </a:fillRef>
+          <a:effectRef idx="1">
+            <a:schemeClr val="accent1"/>
+          </a:effectRef>
+          <a:fontRef idx="minor">
+            <a:schemeClr val="tx1"/>
+          </a:fontRef>
+        </p:style>
+      </p:cxnSp>
+      <p:cxnSp>
+        <p:nvCxnSpPr>
+          <p:cNvPr id="1063" name="Straight Connector 1062">
+            <a:extLst>
+              <a:ext uri="{FF2B5EF4-FFF2-40B4-BE49-F238E27FC236}">
+                <a16:creationId xmlns:a16="http://schemas.microsoft.com/office/drawing/2014/main" id="{B00283ED-453E-7EA1-9CB0-8ABB110BFF88}"/>
+              </a:ext>
+            </a:extLst>
+          </p:cNvPr>
+          <p:cNvCxnSpPr>
+            <a:cxnSpLocks/>
+            <a:stCxn id="1064" idx="1"/>
+          </p:cNvCxnSpPr>
+          <p:nvPr/>
+        </p:nvCxnSpPr>
+        <p:spPr>
+          <a:xfrm flipH="1" flipV="1">
+            <a:off x="9096458" y="3820914"/>
+            <a:ext cx="684000" cy="2228"/>
+          </a:xfrm>
+          <a:prstGeom prst="line">
+            <a:avLst/>
+          </a:prstGeom>
+          <a:ln w="111125">
+            <a:solidFill>
+              <a:schemeClr val="bg1">
+                <a:lumMod val="50000"/>
+              </a:schemeClr>
+            </a:solidFill>
+          </a:ln>
+        </p:spPr>
+        <p:style>
+          <a:lnRef idx="2">
+            <a:schemeClr val="accent1"/>
+          </a:lnRef>
+          <a:fillRef idx="0">
+            <a:schemeClr val="accent1"/>
+          </a:fillRef>
+          <a:effectRef idx="1">
+            <a:schemeClr val="accent1"/>
+          </a:effectRef>
+          <a:fontRef idx="minor">
+            <a:schemeClr val="tx1"/>
+          </a:fontRef>
+        </p:style>
+      </p:cxnSp>
+      <p:pic>
+        <p:nvPicPr>
+          <p:cNvPr id="1064" name="Graphic 1063" descr="Open folder with solid fill">
+            <a:extLst>
+              <a:ext uri="{FF2B5EF4-FFF2-40B4-BE49-F238E27FC236}">
+                <a16:creationId xmlns:a16="http://schemas.microsoft.com/office/drawing/2014/main" id="{943F4F3B-1A68-E45A-D472-20C1D72846C1}"/>
+              </a:ext>
+            </a:extLst>
+          </p:cNvPr>
+          <p:cNvPicPr>
+            <a:picLocks noChangeAspect="1"/>
+          </p:cNvPicPr>
+          <p:nvPr/>
+        </p:nvPicPr>
+        <p:blipFill>
+          <a:blip r:embed="rId3">
+            <a:extLst>
+              <a:ext uri="{96DAC541-7B7A-43D3-8B79-37D633B846F1}">
+                <asvg:svgBlip xmlns:asvg="http://schemas.microsoft.com/office/drawing/2016/SVG/main" r:embed="rId4"/>
+              </a:ext>
+            </a:extLst>
+          </a:blip>
+          <a:stretch>
+            <a:fillRect/>
+          </a:stretch>
+        </p:blipFill>
+        <p:spPr>
+          <a:xfrm>
+            <a:off x="9710516" y="3565064"/>
+            <a:ext cx="516155" cy="516155"/>
+          </a:xfrm>
+          <a:prstGeom prst="rect">
+            <a:avLst/>
+          </a:prstGeom>
+        </p:spPr>
+      </p:pic>
+      <p:pic>
+        <p:nvPicPr>
+          <p:cNvPr id="1065" name="Picture 6" descr="RStudio SVG and transparent PNG icons | TechIcons">
+            <a:extLst>
+              <a:ext uri="{FF2B5EF4-FFF2-40B4-BE49-F238E27FC236}">
+                <a16:creationId xmlns:a16="http://schemas.microsoft.com/office/drawing/2014/main" id="{A8307E7D-D22F-1F13-F75D-8E6271F4A1FB}"/>
+              </a:ext>
+            </a:extLst>
+          </p:cNvPr>
+          <p:cNvPicPr>
+            <a:picLocks noChangeAspect="1" noChangeArrowheads="1"/>
+          </p:cNvPicPr>
+          <p:nvPr/>
+        </p:nvPicPr>
+        <p:blipFill>
+          <a:blip r:embed="rId5">
+            <a:extLst>
+              <a:ext uri="{28A0092B-C50C-407E-A947-70E740481C1C}">
+                <a14:useLocalDpi xmlns:a14="http://schemas.microsoft.com/office/drawing/2010/main" val="0"/>
+              </a:ext>
+            </a:extLst>
+          </a:blip>
+          <a:srcRect/>
+          <a:stretch>
+            <a:fillRect/>
+          </a:stretch>
+        </p:blipFill>
+        <p:spPr bwMode="auto">
+          <a:xfrm>
+            <a:off x="9765017" y="4082022"/>
+            <a:ext cx="386135" cy="386135"/>
+          </a:xfrm>
+          <a:prstGeom prst="rect">
+            <a:avLst/>
+          </a:prstGeom>
+          <a:noFill/>
+          <a:extLst>
+            <a:ext uri="{909E8E84-426E-40DD-AFC4-6F175D3DCCD1}">
+              <a14:hiddenFill xmlns:a14="http://schemas.microsoft.com/office/drawing/2010/main">
+                <a:solidFill>
+                  <a:srgbClr val="FFFFFF"/>
+                </a:solidFill>
+              </a14:hiddenFill>
+            </a:ext>
+          </a:extLst>
+        </p:spPr>
+      </p:pic>
+      <p:cxnSp>
+        <p:nvCxnSpPr>
+          <p:cNvPr id="1066" name="Straight Connector 1065">
+            <a:extLst>
+              <a:ext uri="{FF2B5EF4-FFF2-40B4-BE49-F238E27FC236}">
+                <a16:creationId xmlns:a16="http://schemas.microsoft.com/office/drawing/2014/main" id="{CC7C7564-AE56-7C86-6FAB-53D087F5F0F9}"/>
+              </a:ext>
+            </a:extLst>
+          </p:cNvPr>
+          <p:cNvCxnSpPr>
+            <a:cxnSpLocks/>
+          </p:cNvCxnSpPr>
+          <p:nvPr/>
+        </p:nvCxnSpPr>
+        <p:spPr>
+          <a:xfrm>
+            <a:off x="9146224" y="5532872"/>
+            <a:ext cx="0" cy="707611"/>
+          </a:xfrm>
+          <a:prstGeom prst="line">
+            <a:avLst/>
+          </a:prstGeom>
+          <a:ln w="111125">
+            <a:solidFill>
+              <a:schemeClr val="bg1">
+                <a:lumMod val="50000"/>
+              </a:schemeClr>
+            </a:solidFill>
+          </a:ln>
+        </p:spPr>
+        <p:style>
+          <a:lnRef idx="2">
+            <a:schemeClr val="accent1"/>
+          </a:lnRef>
+          <a:fillRef idx="0">
+            <a:schemeClr val="accent1"/>
+          </a:fillRef>
+          <a:effectRef idx="1">
+            <a:schemeClr val="accent1"/>
+          </a:effectRef>
+          <a:fontRef idx="minor">
+            <a:schemeClr val="tx1"/>
+          </a:fontRef>
+        </p:style>
+      </p:cxnSp>
+      <p:cxnSp>
+        <p:nvCxnSpPr>
+          <p:cNvPr id="1067" name="Straight Connector 1066">
+            <a:extLst>
+              <a:ext uri="{FF2B5EF4-FFF2-40B4-BE49-F238E27FC236}">
+                <a16:creationId xmlns:a16="http://schemas.microsoft.com/office/drawing/2014/main" id="{67A3F37D-2036-D2FF-9ACD-4D45EDEF63AD}"/>
+              </a:ext>
+            </a:extLst>
+          </p:cNvPr>
+          <p:cNvCxnSpPr>
+            <a:cxnSpLocks/>
+          </p:cNvCxnSpPr>
+          <p:nvPr/>
+        </p:nvCxnSpPr>
+        <p:spPr>
+          <a:xfrm flipH="1">
+            <a:off x="9097518" y="6187232"/>
+            <a:ext cx="648000" cy="0"/>
+          </a:xfrm>
+          <a:prstGeom prst="line">
+            <a:avLst/>
+          </a:prstGeom>
+          <a:ln w="111125">
+            <a:solidFill>
+              <a:schemeClr val="bg1">
+                <a:lumMod val="50000"/>
+              </a:schemeClr>
+            </a:solidFill>
+          </a:ln>
+        </p:spPr>
+        <p:style>
+          <a:lnRef idx="2">
+            <a:schemeClr val="accent1"/>
+          </a:lnRef>
+          <a:fillRef idx="0">
+            <a:schemeClr val="accent1"/>
+          </a:fillRef>
+          <a:effectRef idx="1">
+            <a:schemeClr val="accent1"/>
+          </a:effectRef>
+          <a:fontRef idx="minor">
+            <a:schemeClr val="tx1"/>
+          </a:fontRef>
+        </p:style>
+      </p:cxnSp>
+      <p:cxnSp>
+        <p:nvCxnSpPr>
+          <p:cNvPr id="1068" name="Straight Connector 1067">
+            <a:extLst>
+              <a:ext uri="{FF2B5EF4-FFF2-40B4-BE49-F238E27FC236}">
+                <a16:creationId xmlns:a16="http://schemas.microsoft.com/office/drawing/2014/main" id="{7BCAA07A-020E-39F1-AA39-CD1FC95D8F8F}"/>
+              </a:ext>
+            </a:extLst>
+          </p:cNvPr>
+          <p:cNvCxnSpPr>
+            <a:cxnSpLocks/>
+            <a:stCxn id="1071" idx="1"/>
+          </p:cNvCxnSpPr>
+          <p:nvPr/>
+        </p:nvCxnSpPr>
+        <p:spPr>
+          <a:xfrm flipH="1" flipV="1">
+            <a:off x="9097518" y="5726737"/>
+            <a:ext cx="648000" cy="2228"/>
+          </a:xfrm>
+          <a:prstGeom prst="line">
+            <a:avLst/>
+          </a:prstGeom>
+          <a:ln w="111125">
+            <a:solidFill>
+              <a:schemeClr val="bg1">
+                <a:lumMod val="50000"/>
+              </a:schemeClr>
+            </a:solidFill>
+          </a:ln>
+        </p:spPr>
+        <p:style>
+          <a:lnRef idx="2">
+            <a:schemeClr val="accent1"/>
+          </a:lnRef>
+          <a:fillRef idx="0">
+            <a:schemeClr val="accent1"/>
+          </a:fillRef>
+          <a:effectRef idx="1">
+            <a:schemeClr val="accent1"/>
+          </a:effectRef>
+          <a:fontRef idx="minor">
+            <a:schemeClr val="tx1"/>
+          </a:fontRef>
+        </p:style>
+      </p:cxnSp>
+      <p:grpSp>
+        <p:nvGrpSpPr>
+          <p:cNvPr id="1069" name="Group 1068">
+            <a:extLst>
+              <a:ext uri="{FF2B5EF4-FFF2-40B4-BE49-F238E27FC236}">
+                <a16:creationId xmlns:a16="http://schemas.microsoft.com/office/drawing/2014/main" id="{5ACC73F1-AB6D-E114-D8AF-DAF6747D3988}"/>
+              </a:ext>
+            </a:extLst>
+          </p:cNvPr>
+          <p:cNvGrpSpPr/>
+          <p:nvPr/>
+        </p:nvGrpSpPr>
+        <p:grpSpPr>
+          <a:xfrm>
+            <a:off x="9711576" y="5470887"/>
+            <a:ext cx="1308653" cy="516155"/>
+            <a:chOff x="9302141" y="5470887"/>
+            <a:chExt cx="1308653" cy="516155"/>
+          </a:xfrm>
+        </p:grpSpPr>
+        <p:sp>
+          <p:nvSpPr>
+            <p:cNvPr id="1070" name="TextBox 1069">
+              <a:extLst>
+                <a:ext uri="{FF2B5EF4-FFF2-40B4-BE49-F238E27FC236}">
+                  <a16:creationId xmlns:a16="http://schemas.microsoft.com/office/drawing/2014/main" id="{6CEC8EE9-03D1-572D-D9DF-8C6C4AE24D08}"/>
+                </a:ext>
+              </a:extLst>
+            </p:cNvPr>
+            <p:cNvSpPr txBox="1"/>
+            <p:nvPr/>
+          </p:nvSpPr>
+          <p:spPr>
+            <a:xfrm>
+              <a:off x="9749404" y="5544298"/>
+              <a:ext cx="861390" cy="369332"/>
+            </a:xfrm>
+            <a:prstGeom prst="rect">
+              <a:avLst/>
+            </a:prstGeom>
+            <a:noFill/>
+          </p:spPr>
+          <p:txBody>
+            <a:bodyPr wrap="none" rtlCol="0">
+              <a:spAutoFit/>
+            </a:bodyPr>
+            <a:lstStyle/>
+            <a:p>
+              <a:r>
+                <a:rPr lang="en-AU" b="1" dirty="0"/>
+                <a:t>Tables</a:t>
+              </a:r>
+            </a:p>
+          </p:txBody>
+        </p:sp>
+        <p:pic>
+          <p:nvPicPr>
+            <p:cNvPr id="1071" name="Graphic 1070" descr="Open folder with solid fill">
+              <a:extLst>
+                <a:ext uri="{FF2B5EF4-FFF2-40B4-BE49-F238E27FC236}">
+                  <a16:creationId xmlns:a16="http://schemas.microsoft.com/office/drawing/2014/main" id="{37EBFA0B-5304-F29F-D9EC-65CB7021AC45}"/>
+                </a:ext>
+              </a:extLst>
+            </p:cNvPr>
+            <p:cNvPicPr>
+              <a:picLocks noChangeAspect="1"/>
+            </p:cNvPicPr>
+            <p:nvPr/>
+          </p:nvPicPr>
+          <p:blipFill>
+            <a:blip r:embed="rId3">
+              <a:extLst>
+                <a:ext uri="{96DAC541-7B7A-43D3-8B79-37D633B846F1}">
+                  <asvg:svgBlip xmlns:asvg="http://schemas.microsoft.com/office/drawing/2016/SVG/main" r:embed="rId4"/>
+                </a:ext>
+              </a:extLst>
+            </a:blip>
+            <a:stretch>
+              <a:fillRect/>
+            </a:stretch>
+          </p:blipFill>
+          <p:spPr>
+            <a:xfrm>
+              <a:off x="9302141" y="5470887"/>
+              <a:ext cx="516155" cy="516155"/>
+            </a:xfrm>
+            <a:prstGeom prst="rect">
+              <a:avLst/>
+            </a:prstGeom>
+          </p:spPr>
+        </p:pic>
+      </p:grpSp>
+      <p:grpSp>
+        <p:nvGrpSpPr>
+          <p:cNvPr id="1072" name="Group 1071">
+            <a:extLst>
+              <a:ext uri="{FF2B5EF4-FFF2-40B4-BE49-F238E27FC236}">
+                <a16:creationId xmlns:a16="http://schemas.microsoft.com/office/drawing/2014/main" id="{B5560D96-B4D7-7E85-F0AD-3BF65ABAE346}"/>
+              </a:ext>
+            </a:extLst>
+          </p:cNvPr>
+          <p:cNvGrpSpPr/>
+          <p:nvPr/>
+        </p:nvGrpSpPr>
+        <p:grpSpPr>
+          <a:xfrm>
+            <a:off x="9711576" y="5932047"/>
+            <a:ext cx="1173424" cy="516155"/>
+            <a:chOff x="9418915" y="5890481"/>
+            <a:chExt cx="1173424" cy="516155"/>
+          </a:xfrm>
+        </p:grpSpPr>
+        <p:sp>
+          <p:nvSpPr>
+            <p:cNvPr id="1073" name="TextBox 1072">
+              <a:extLst>
+                <a:ext uri="{FF2B5EF4-FFF2-40B4-BE49-F238E27FC236}">
+                  <a16:creationId xmlns:a16="http://schemas.microsoft.com/office/drawing/2014/main" id="{8D85ABA0-E976-758B-3AC0-53C2801FA5C3}"/>
+                </a:ext>
+              </a:extLst>
+            </p:cNvPr>
+            <p:cNvSpPr txBox="1"/>
+            <p:nvPr/>
+          </p:nvSpPr>
+          <p:spPr>
+            <a:xfrm>
+              <a:off x="9866178" y="5963892"/>
+              <a:ext cx="726161" cy="369332"/>
+            </a:xfrm>
+            <a:prstGeom prst="rect">
+              <a:avLst/>
+            </a:prstGeom>
+            <a:noFill/>
+          </p:spPr>
+          <p:txBody>
+            <a:bodyPr wrap="none" rtlCol="0">
+              <a:spAutoFit/>
+            </a:bodyPr>
+            <a:lstStyle/>
+            <a:p>
+              <a:r>
+                <a:rPr lang="en-AU" b="1" dirty="0"/>
+                <a:t>Plots</a:t>
+              </a:r>
+            </a:p>
+          </p:txBody>
+        </p:sp>
+        <p:pic>
+          <p:nvPicPr>
+            <p:cNvPr id="1074" name="Graphic 1073" descr="Open folder with solid fill">
+              <a:extLst>
+                <a:ext uri="{FF2B5EF4-FFF2-40B4-BE49-F238E27FC236}">
+                  <a16:creationId xmlns:a16="http://schemas.microsoft.com/office/drawing/2014/main" id="{90C3FCE0-91B4-A9B2-E873-17023B7D59D3}"/>
+                </a:ext>
+              </a:extLst>
+            </p:cNvPr>
+            <p:cNvPicPr>
+              <a:picLocks noChangeAspect="1"/>
+            </p:cNvPicPr>
+            <p:nvPr/>
+          </p:nvPicPr>
+          <p:blipFill>
+            <a:blip r:embed="rId3">
+              <a:extLst>
+                <a:ext uri="{96DAC541-7B7A-43D3-8B79-37D633B846F1}">
+                  <asvg:svgBlip xmlns:asvg="http://schemas.microsoft.com/office/drawing/2016/SVG/main" r:embed="rId4"/>
+                </a:ext>
+              </a:extLst>
+            </a:blip>
+            <a:stretch>
+              <a:fillRect/>
+            </a:stretch>
+          </p:blipFill>
+          <p:spPr>
+            <a:xfrm>
+              <a:off x="9418915" y="5890481"/>
+              <a:ext cx="516155" cy="516155"/>
+            </a:xfrm>
+            <a:prstGeom prst="rect">
+              <a:avLst/>
+            </a:prstGeom>
+          </p:spPr>
+        </p:pic>
+      </p:grpSp>
+      <p:pic>
+        <p:nvPicPr>
+          <p:cNvPr id="1075" name="Graphic 1074" descr="Open folder with solid fill">
+            <a:extLst>
+              <a:ext uri="{FF2B5EF4-FFF2-40B4-BE49-F238E27FC236}">
+                <a16:creationId xmlns:a16="http://schemas.microsoft.com/office/drawing/2014/main" id="{3EA6FC38-4ACE-A326-C791-B29E68661152}"/>
+              </a:ext>
+            </a:extLst>
+          </p:cNvPr>
+          <p:cNvPicPr>
+            <a:picLocks noChangeAspect="1"/>
+          </p:cNvPicPr>
+          <p:nvPr/>
+        </p:nvPicPr>
+        <p:blipFill>
+          <a:blip r:embed="rId3">
+            <a:extLst>
+              <a:ext uri="{96DAC541-7B7A-43D3-8B79-37D633B846F1}">
+                <asvg:svgBlip xmlns:asvg="http://schemas.microsoft.com/office/drawing/2016/SVG/main" r:embed="rId4"/>
+              </a:ext>
+            </a:extLst>
+          </a:blip>
+          <a:stretch>
+            <a:fillRect/>
+          </a:stretch>
+        </p:blipFill>
+        <p:spPr>
+          <a:xfrm>
+            <a:off x="8873604" y="5029913"/>
+            <a:ext cx="687003" cy="687003"/>
+          </a:xfrm>
+          <a:prstGeom prst="rect">
+            <a:avLst/>
+          </a:prstGeom>
+        </p:spPr>
+      </p:pic>
+      <p:pic>
+        <p:nvPicPr>
+          <p:cNvPr id="1076" name="Graphic 1075" descr="Open folder with solid fill">
+            <a:extLst>
+              <a:ext uri="{FF2B5EF4-FFF2-40B4-BE49-F238E27FC236}">
+                <a16:creationId xmlns:a16="http://schemas.microsoft.com/office/drawing/2014/main" id="{306F4EE5-3E56-8B63-25D4-1BB7327FAE03}"/>
+              </a:ext>
+            </a:extLst>
+          </p:cNvPr>
+          <p:cNvPicPr>
+            <a:picLocks noChangeAspect="1"/>
+          </p:cNvPicPr>
+          <p:nvPr/>
+        </p:nvPicPr>
+        <p:blipFill>
+          <a:blip r:embed="rId3">
+            <a:extLst>
+              <a:ext uri="{96DAC541-7B7A-43D3-8B79-37D633B846F1}">
+                <asvg:svgBlip xmlns:asvg="http://schemas.microsoft.com/office/drawing/2016/SVG/main" r:embed="rId4"/>
+              </a:ext>
+            </a:extLst>
+          </a:blip>
+          <a:stretch>
+            <a:fillRect/>
+          </a:stretch>
+        </p:blipFill>
+        <p:spPr>
+          <a:xfrm>
+            <a:off x="8831563" y="3106520"/>
+            <a:ext cx="687003" cy="687003"/>
+          </a:xfrm>
+          <a:prstGeom prst="rect">
+            <a:avLst/>
+          </a:prstGeom>
+        </p:spPr>
+      </p:pic>
+      <p:sp>
+        <p:nvSpPr>
+          <p:cNvPr id="1077" name="TextBox 1076">
+            <a:extLst>
+              <a:ext uri="{FF2B5EF4-FFF2-40B4-BE49-F238E27FC236}">
+                <a16:creationId xmlns:a16="http://schemas.microsoft.com/office/drawing/2014/main" id="{3EEFE296-B836-1475-39F9-5450C437F6EB}"/>
+              </a:ext>
+            </a:extLst>
+          </p:cNvPr>
+          <p:cNvSpPr txBox="1"/>
+          <p:nvPr/>
+        </p:nvSpPr>
+        <p:spPr>
+          <a:xfrm>
+            <a:off x="7469484" y="252170"/>
+            <a:ext cx="4258410" cy="553998"/>
+          </a:xfrm>
+          <a:prstGeom prst="rect">
+            <a:avLst/>
+          </a:prstGeom>
+          <a:noFill/>
+        </p:spPr>
+        <p:txBody>
+          <a:bodyPr wrap="none" rtlCol="0">
+            <a:spAutoFit/>
+          </a:bodyPr>
+          <a:lstStyle/>
+          <a:p>
+            <a:r>
+              <a:rPr lang="en-AU" sz="3000" b="1" dirty="0"/>
+              <a:t>A basic R project set up</a:t>
+            </a:r>
+          </a:p>
+        </p:txBody>
+      </p:sp>
+      <p:sp>
+        <p:nvSpPr>
+          <p:cNvPr id="1078" name="TextBox 1077">
+            <a:extLst>
+              <a:ext uri="{FF2B5EF4-FFF2-40B4-BE49-F238E27FC236}">
+                <a16:creationId xmlns:a16="http://schemas.microsoft.com/office/drawing/2014/main" id="{097A7965-012E-C2AD-0417-7EBD3BF734A1}"/>
+              </a:ext>
+            </a:extLst>
+          </p:cNvPr>
+          <p:cNvSpPr txBox="1"/>
+          <p:nvPr/>
+        </p:nvSpPr>
+        <p:spPr>
+          <a:xfrm>
+            <a:off x="9387101" y="1687930"/>
+            <a:ext cx="2857514" cy="430887"/>
+          </a:xfrm>
+          <a:prstGeom prst="rect">
+            <a:avLst/>
+          </a:prstGeom>
+          <a:noFill/>
+        </p:spPr>
+        <p:txBody>
+          <a:bodyPr wrap="none" rtlCol="0">
+            <a:spAutoFit/>
+          </a:bodyPr>
+          <a:lstStyle/>
+          <a:p>
+            <a:r>
+              <a:rPr lang="en-AU" sz="2200" b="1" dirty="0"/>
+              <a:t>.</a:t>
+            </a:r>
+            <a:r>
+              <a:rPr lang="en-AU" sz="2200" b="1" dirty="0" err="1"/>
+              <a:t>Rproj</a:t>
+            </a:r>
+            <a:r>
+              <a:rPr lang="en-AU" sz="2200" b="1" dirty="0"/>
+              <a:t> (R Project File)</a:t>
+            </a:r>
+          </a:p>
+        </p:txBody>
+      </p:sp>
+      <p:sp>
+        <p:nvSpPr>
+          <p:cNvPr id="1081" name="Title 1">
+            <a:extLst>
+              <a:ext uri="{FF2B5EF4-FFF2-40B4-BE49-F238E27FC236}">
+                <a16:creationId xmlns:a16="http://schemas.microsoft.com/office/drawing/2014/main" id="{BB38CE93-F423-6F6F-BE07-C66F42F24F93}"/>
+              </a:ext>
+            </a:extLst>
+          </p:cNvPr>
+          <p:cNvSpPr txBox="1">
+            <a:spLocks/>
+          </p:cNvSpPr>
+          <p:nvPr/>
+        </p:nvSpPr>
+        <p:spPr>
+          <a:xfrm>
+            <a:off x="0" y="283239"/>
+            <a:ext cx="10515600" cy="1325563"/>
+          </a:xfrm>
+          <a:prstGeom prst="rect">
+            <a:avLst/>
+          </a:prstGeom>
+        </p:spPr>
+        <p:txBody>
+          <a:bodyPr vert="horz" lIns="91440" tIns="45720" rIns="91440" bIns="45720" rtlCol="0" anchor="ctr">
+            <a:normAutofit/>
+          </a:bodyPr>
+          <a:lstStyle>
+            <a:lvl1pPr algn="l" defTabSz="914400" rtl="0" eaLnBrk="1" latinLnBrk="0" hangingPunct="1">
+              <a:lnSpc>
+                <a:spcPct val="90000"/>
+              </a:lnSpc>
+              <a:spcBef>
+                <a:spcPct val="0"/>
+              </a:spcBef>
+              <a:buNone/>
+              <a:defRPr sz="4400" kern="1200">
+                <a:solidFill>
+                  <a:schemeClr val="tx1"/>
+                </a:solidFill>
+                <a:latin typeface="+mj-lt"/>
+                <a:ea typeface="+mj-ea"/>
+                <a:cs typeface="+mj-cs"/>
+              </a:defRPr>
+            </a:lvl1pPr>
+          </a:lstStyle>
+          <a:p>
+            <a:r>
+              <a:rPr lang="en-AU" dirty="0"/>
+              <a:t>Getting organised : Data</a:t>
+            </a:r>
+          </a:p>
+        </p:txBody>
+      </p:sp>
+    </p:spTree>
+    <p:extLst>
+      <p:ext uri="{BB962C8B-B14F-4D97-AF65-F5344CB8AC3E}">
+        <p14:creationId xmlns:p14="http://schemas.microsoft.com/office/powerpoint/2010/main" val="3124349789"/>
+      </p:ext>
+    </p:extLst>
+  </p:cSld>
+  <p:clrMapOvr>
+    <a:masterClrMapping/>
+  </p:clrMapOvr>
+</p:sld>
+</file>
+
+<file path=ppt/slides/slide6.xml><?xml version="1.0" encoding="utf-8"?>
+<p:sld xmlns:a="http://schemas.openxmlformats.org/drawingml/2006/main" xmlns:r="http://schemas.openxmlformats.org/officeDocument/2006/relationships" xmlns:p="http://schemas.openxmlformats.org/presentationml/2006/main">
+  <p:cSld>
+    <p:spTree>
+      <p:nvGrpSpPr>
+        <p:cNvPr id="1" name="">
+          <a:extLst>
+            <a:ext uri="{FF2B5EF4-FFF2-40B4-BE49-F238E27FC236}">
+              <a16:creationId xmlns:a16="http://schemas.microsoft.com/office/drawing/2014/main" id="{9B0CF3C4-2EFB-657F-C35C-36305E88B753}"/>
+            </a:ext>
+          </a:extLst>
+        </p:cNvPr>
+        <p:cNvGrpSpPr/>
+        <p:nvPr/>
+      </p:nvGrpSpPr>
+      <p:grpSpPr>
+        <a:xfrm>
+          <a:off x="0" y="0"/>
+          <a:ext cx="0" cy="0"/>
+          <a:chOff x="0" y="0"/>
+          <a:chExt cx="0" cy="0"/>
+        </a:xfrm>
+      </p:grpSpPr>
+      <p:sp>
+        <p:nvSpPr>
+          <p:cNvPr id="4" name="TextBox 3">
+            <a:extLst>
+              <a:ext uri="{FF2B5EF4-FFF2-40B4-BE49-F238E27FC236}">
+                <a16:creationId xmlns:a16="http://schemas.microsoft.com/office/drawing/2014/main" id="{2EA88EF4-8D55-7DFB-0AAD-052327B73173}"/>
+              </a:ext>
+            </a:extLst>
+          </p:cNvPr>
+          <p:cNvSpPr txBox="1"/>
+          <p:nvPr/>
+        </p:nvSpPr>
+        <p:spPr>
+          <a:xfrm>
+            <a:off x="164592" y="2066544"/>
+            <a:ext cx="6080760" cy="3477875"/>
+          </a:xfrm>
+          <a:prstGeom prst="rect">
+            <a:avLst/>
+          </a:prstGeom>
+          <a:noFill/>
+        </p:spPr>
+        <p:txBody>
+          <a:bodyPr wrap="square" rtlCol="0">
+            <a:spAutoFit/>
+          </a:bodyPr>
+          <a:lstStyle/>
+          <a:p>
+            <a:r>
+              <a:rPr lang="en-AU" sz="2000" b="1" dirty="0"/>
+              <a:t>Purpose</a:t>
+            </a:r>
+            <a:r>
+              <a:rPr lang="en-AU" sz="2000" dirty="0"/>
+              <a:t>: Store all raw datasets required for analysis.</a:t>
+            </a:r>
+          </a:p>
+          <a:p>
+            <a:endParaRPr lang="en-AU" sz="2000" b="1" dirty="0"/>
+          </a:p>
+          <a:p>
+            <a:r>
+              <a:rPr lang="en-AU" sz="2000" b="1" dirty="0"/>
+              <a:t>Best Practices</a:t>
+            </a:r>
+            <a:r>
+              <a:rPr lang="en-AU" sz="2000" dirty="0"/>
+              <a:t>:</a:t>
+            </a:r>
+          </a:p>
+          <a:p>
+            <a:pPr marL="342900" indent="-342900">
+              <a:buFont typeface="Arial" panose="020B0604020202020204" pitchFamily="34" charset="0"/>
+              <a:buChar char="•"/>
+            </a:pPr>
+            <a:r>
+              <a:rPr lang="en-AU" sz="2000" dirty="0"/>
+              <a:t>Keep original data unaltered to maintain integrity.</a:t>
+            </a:r>
+          </a:p>
+          <a:p>
+            <a:pPr marL="342900" indent="-342900">
+              <a:buFont typeface="Arial" panose="020B0604020202020204" pitchFamily="34" charset="0"/>
+              <a:buChar char="•"/>
+            </a:pPr>
+            <a:r>
+              <a:rPr lang="en-AU" sz="2000" dirty="0"/>
+              <a:t>Use subfolders like Data/Raw/ for original data and Data/Processed/ for cleaned versions.</a:t>
+            </a:r>
+          </a:p>
+          <a:p>
+            <a:pPr marL="342900" indent="-342900">
+              <a:buFont typeface="Arial" panose="020B0604020202020204" pitchFamily="34" charset="0"/>
+              <a:buChar char="•"/>
+            </a:pPr>
+            <a:endParaRPr lang="en-AU" sz="2000" dirty="0"/>
+          </a:p>
+          <a:p>
+            <a:r>
+              <a:rPr lang="en-AU" sz="2000" b="1" dirty="0"/>
+              <a:t>Example:</a:t>
+            </a:r>
+          </a:p>
+          <a:p>
+            <a:r>
+              <a:rPr lang="en-AU" sz="2000" dirty="0" err="1">
+                <a:solidFill>
+                  <a:srgbClr val="FF0000"/>
+                </a:solidFill>
+              </a:rPr>
+              <a:t>read.csv</a:t>
+            </a:r>
+            <a:r>
+              <a:rPr lang="en-AU" sz="2000" dirty="0">
+                <a:solidFill>
+                  <a:srgbClr val="FF0000"/>
+                </a:solidFill>
+              </a:rPr>
+              <a:t>("Data/</a:t>
+            </a:r>
+            <a:r>
+              <a:rPr lang="en-AU" sz="2000" dirty="0" err="1">
+                <a:solidFill>
+                  <a:srgbClr val="FF0000"/>
+                </a:solidFill>
+              </a:rPr>
+              <a:t>dataset.csv</a:t>
+            </a:r>
+            <a:r>
+              <a:rPr lang="en-AU" sz="2000" dirty="0">
+                <a:solidFill>
+                  <a:srgbClr val="FF0000"/>
+                </a:solidFill>
+              </a:rPr>
+              <a:t>")</a:t>
+            </a:r>
+          </a:p>
+          <a:p>
+            <a:endParaRPr lang="en-AU" sz="2000" b="1" dirty="0"/>
+          </a:p>
+          <a:p>
+            <a:endParaRPr lang="en-AU" sz="2000" dirty="0"/>
+          </a:p>
+        </p:txBody>
+      </p:sp>
+      <p:sp>
+        <p:nvSpPr>
+          <p:cNvPr id="47" name="Title 1">
+            <a:extLst>
+              <a:ext uri="{FF2B5EF4-FFF2-40B4-BE49-F238E27FC236}">
+                <a16:creationId xmlns:a16="http://schemas.microsoft.com/office/drawing/2014/main" id="{2A5BB354-D638-29C3-3ED8-407293F80945}"/>
+              </a:ext>
+            </a:extLst>
+          </p:cNvPr>
+          <p:cNvSpPr txBox="1">
+            <a:spLocks/>
+          </p:cNvSpPr>
+          <p:nvPr/>
+        </p:nvSpPr>
+        <p:spPr>
+          <a:xfrm>
+            <a:off x="0" y="283239"/>
+            <a:ext cx="10515600" cy="1325563"/>
+          </a:xfrm>
+          <a:prstGeom prst="rect">
+            <a:avLst/>
+          </a:prstGeom>
+        </p:spPr>
+        <p:txBody>
+          <a:bodyPr vert="horz" lIns="91440" tIns="45720" rIns="91440" bIns="45720" rtlCol="0" anchor="ctr">
+            <a:normAutofit/>
+          </a:bodyPr>
+          <a:lstStyle>
+            <a:lvl1pPr algn="l" defTabSz="914400" rtl="0" eaLnBrk="1" latinLnBrk="0" hangingPunct="1">
+              <a:lnSpc>
+                <a:spcPct val="90000"/>
+              </a:lnSpc>
+              <a:spcBef>
+                <a:spcPct val="0"/>
+              </a:spcBef>
+              <a:buNone/>
+              <a:defRPr sz="4400" kern="1200">
+                <a:solidFill>
+                  <a:schemeClr val="tx1"/>
+                </a:solidFill>
+                <a:latin typeface="+mj-lt"/>
+                <a:ea typeface="+mj-ea"/>
+                <a:cs typeface="+mj-cs"/>
+              </a:defRPr>
+            </a:lvl1pPr>
+          </a:lstStyle>
+          <a:p>
+            <a:r>
+              <a:rPr lang="en-AU" dirty="0"/>
+              <a:t>Now lets get organised : Data</a:t>
+            </a:r>
+          </a:p>
+        </p:txBody>
+      </p:sp>
+      <p:sp>
+        <p:nvSpPr>
+          <p:cNvPr id="51" name="TextBox 50">
+            <a:extLst>
+              <a:ext uri="{FF2B5EF4-FFF2-40B4-BE49-F238E27FC236}">
+                <a16:creationId xmlns:a16="http://schemas.microsoft.com/office/drawing/2014/main" id="{3E282DB1-C780-4D04-F031-CDC36F022BF9}"/>
+              </a:ext>
+            </a:extLst>
+          </p:cNvPr>
+          <p:cNvSpPr txBox="1"/>
+          <p:nvPr/>
+        </p:nvSpPr>
+        <p:spPr>
+          <a:xfrm>
+            <a:off x="7479624" y="252170"/>
+            <a:ext cx="4258410" cy="553998"/>
+          </a:xfrm>
+          <a:prstGeom prst="rect">
+            <a:avLst/>
+          </a:prstGeom>
+          <a:noFill/>
+        </p:spPr>
+        <p:txBody>
+          <a:bodyPr wrap="none" rtlCol="0">
+            <a:spAutoFit/>
+          </a:bodyPr>
+          <a:lstStyle/>
+          <a:p>
+            <a:r>
+              <a:rPr lang="en-AU" sz="3000" b="1" dirty="0"/>
+              <a:t>A basic R project set up</a:t>
+            </a:r>
+          </a:p>
+        </p:txBody>
+      </p:sp>
+      <p:pic>
+        <p:nvPicPr>
+          <p:cNvPr id="52" name="Picture 51">
+            <a:extLst>
+              <a:ext uri="{FF2B5EF4-FFF2-40B4-BE49-F238E27FC236}">
+                <a16:creationId xmlns:a16="http://schemas.microsoft.com/office/drawing/2014/main" id="{C3A6F942-5EF1-6B61-BE2D-F566FB180F79}"/>
+              </a:ext>
+            </a:extLst>
+          </p:cNvPr>
+          <p:cNvPicPr>
+            <a:picLocks noChangeAspect="1"/>
+          </p:cNvPicPr>
+          <p:nvPr/>
+        </p:nvPicPr>
+        <p:blipFill>
+          <a:blip r:embed="rId3">
+            <a:alphaModFix amt="20000"/>
+          </a:blip>
+          <a:stretch>
+            <a:fillRect/>
+          </a:stretch>
+        </p:blipFill>
+        <p:spPr>
+          <a:xfrm>
+            <a:off x="7378700" y="758114"/>
+            <a:ext cx="4813300" cy="5778500"/>
+          </a:xfrm>
+          <a:prstGeom prst="rect">
+            <a:avLst/>
+          </a:prstGeom>
+        </p:spPr>
+      </p:pic>
+      <p:pic>
+        <p:nvPicPr>
+          <p:cNvPr id="53" name="Picture 52">
+            <a:extLst>
+              <a:ext uri="{FF2B5EF4-FFF2-40B4-BE49-F238E27FC236}">
+                <a16:creationId xmlns:a16="http://schemas.microsoft.com/office/drawing/2014/main" id="{6786FCE2-CF81-5693-DFC6-FC31C37815BC}"/>
+              </a:ext>
+            </a:extLst>
+          </p:cNvPr>
+          <p:cNvPicPr>
+            <a:picLocks noChangeAspect="1"/>
+          </p:cNvPicPr>
+          <p:nvPr/>
+        </p:nvPicPr>
+        <p:blipFill>
+          <a:blip r:embed="rId3"/>
+          <a:srcRect t="28212" b="62341"/>
+          <a:stretch/>
+        </p:blipFill>
+        <p:spPr>
+          <a:xfrm>
+            <a:off x="7378700" y="2388358"/>
+            <a:ext cx="4813300" cy="545911"/>
+          </a:xfrm>
+          <a:prstGeom prst="rect">
+            <a:avLst/>
+          </a:prstGeom>
+        </p:spPr>
+      </p:pic>
+    </p:spTree>
+    <p:extLst>
+      <p:ext uri="{BB962C8B-B14F-4D97-AF65-F5344CB8AC3E}">
+        <p14:creationId xmlns:p14="http://schemas.microsoft.com/office/powerpoint/2010/main" val="4068959706"/>
+      </p:ext>
+    </p:extLst>
+  </p:cSld>
+  <p:clrMapOvr>
+    <a:masterClrMapping/>
+  </p:clrMapOvr>
+</p:sld>
+</file>
+
+<file path=ppt/slides/slide7.xml><?xml version="1.0" encoding="utf-8"?>
+<p:sld xmlns:a="http://schemas.openxmlformats.org/drawingml/2006/main" xmlns:r="http://schemas.openxmlformats.org/officeDocument/2006/relationships" xmlns:p="http://schemas.openxmlformats.org/presentationml/2006/main">
+  <p:cSld>
+    <p:spTree>
+      <p:nvGrpSpPr>
+        <p:cNvPr id="1" name="">
+          <a:extLst>
+            <a:ext uri="{FF2B5EF4-FFF2-40B4-BE49-F238E27FC236}">
+              <a16:creationId xmlns:a16="http://schemas.microsoft.com/office/drawing/2014/main" id="{BE45EF01-A60B-9821-E09B-32E4B428F5B1}"/>
+            </a:ext>
+          </a:extLst>
+        </p:cNvPr>
+        <p:cNvGrpSpPr/>
+        <p:nvPr/>
+      </p:nvGrpSpPr>
+      <p:grpSpPr>
+        <a:xfrm>
+          <a:off x="0" y="0"/>
+          <a:ext cx="0" cy="0"/>
+          <a:chOff x="0" y="0"/>
+          <a:chExt cx="0" cy="0"/>
+        </a:xfrm>
+      </p:grpSpPr>
+      <p:sp>
+        <p:nvSpPr>
+          <p:cNvPr id="4" name="TextBox 3">
+            <a:extLst>
+              <a:ext uri="{FF2B5EF4-FFF2-40B4-BE49-F238E27FC236}">
+                <a16:creationId xmlns:a16="http://schemas.microsoft.com/office/drawing/2014/main" id="{2602F072-7FA2-CAB5-FEE8-A8D7DCF2C871}"/>
+              </a:ext>
+            </a:extLst>
+          </p:cNvPr>
+          <p:cNvSpPr txBox="1"/>
+          <p:nvPr/>
+        </p:nvSpPr>
+        <p:spPr>
+          <a:xfrm>
+            <a:off x="164592" y="2066544"/>
+            <a:ext cx="7050024" cy="3477875"/>
+          </a:xfrm>
+          <a:prstGeom prst="rect">
+            <a:avLst/>
+          </a:prstGeom>
+          <a:noFill/>
+        </p:spPr>
+        <p:txBody>
+          <a:bodyPr wrap="square" rtlCol="0">
+            <a:spAutoFit/>
+          </a:bodyPr>
+          <a:lstStyle/>
+          <a:p>
+            <a:r>
+              <a:rPr lang="en-AU" sz="2000" b="1" dirty="0"/>
+              <a:t>Purpose</a:t>
+            </a:r>
+            <a:r>
+              <a:rPr lang="en-AU" sz="2000" dirty="0"/>
+              <a:t>: Contain all R scripts files for data processing and analysis.</a:t>
+            </a:r>
+          </a:p>
+          <a:p>
+            <a:endParaRPr lang="en-AU" sz="2000" b="1" dirty="0"/>
+          </a:p>
+          <a:p>
+            <a:r>
+              <a:rPr lang="en-AU" sz="2000" b="1" dirty="0"/>
+              <a:t>Best Practices</a:t>
+            </a:r>
+            <a:r>
+              <a:rPr lang="en-AU" sz="2000" dirty="0"/>
+              <a:t>:</a:t>
+            </a:r>
+          </a:p>
+          <a:p>
+            <a:pPr marL="342900" indent="-342900">
+              <a:buFont typeface="Arial" panose="020B0604020202020204" pitchFamily="34" charset="0"/>
+              <a:buChar char="•"/>
+            </a:pPr>
+            <a:r>
+              <a:rPr lang="en-AU" sz="2000" dirty="0"/>
+              <a:t>Organize scripts logically, e.g., Scripts/</a:t>
+            </a:r>
+            <a:r>
+              <a:rPr lang="en-AU" sz="2000" dirty="0" err="1"/>
+              <a:t>Data_Cleaning.R</a:t>
+            </a:r>
+            <a:r>
+              <a:rPr lang="en-AU" sz="2000" dirty="0"/>
+              <a:t>, Scripts/</a:t>
+            </a:r>
+            <a:r>
+              <a:rPr lang="en-AU" sz="2000" dirty="0" err="1"/>
+              <a:t>Analysis.R</a:t>
+            </a:r>
+            <a:r>
+              <a:rPr lang="en-AU" sz="2000" dirty="0"/>
+              <a:t>.</a:t>
+            </a:r>
+          </a:p>
+          <a:p>
+            <a:pPr marL="342900" indent="-342900">
+              <a:buFont typeface="Arial" panose="020B0604020202020204" pitchFamily="34" charset="0"/>
+              <a:buChar char="•"/>
+            </a:pPr>
+            <a:r>
+              <a:rPr lang="en-AU" sz="2000" dirty="0"/>
+              <a:t>Use relative paths to reference data and outputs.</a:t>
+            </a:r>
+          </a:p>
+          <a:p>
+            <a:pPr marL="342900" indent="-342900">
+              <a:buFont typeface="Arial" panose="020B0604020202020204" pitchFamily="34" charset="0"/>
+              <a:buChar char="•"/>
+            </a:pPr>
+            <a:endParaRPr lang="en-AU" sz="2000" dirty="0"/>
+          </a:p>
+          <a:p>
+            <a:r>
+              <a:rPr lang="en-AU" sz="2000" b="1" dirty="0"/>
+              <a:t>Example:</a:t>
+            </a:r>
+          </a:p>
+          <a:p>
+            <a:r>
+              <a:rPr lang="en-AU" sz="2000" dirty="0">
+                <a:solidFill>
+                  <a:srgbClr val="FF0000"/>
+                </a:solidFill>
+              </a:rPr>
+              <a:t>source("Scripts/</a:t>
+            </a:r>
+            <a:r>
+              <a:rPr lang="en-AU" sz="2000" dirty="0" err="1">
+                <a:solidFill>
+                  <a:srgbClr val="FF0000"/>
+                </a:solidFill>
+              </a:rPr>
+              <a:t>Data_Cleaning.R</a:t>
+            </a:r>
+            <a:r>
+              <a:rPr lang="en-AU" sz="2000" dirty="0">
+                <a:solidFill>
+                  <a:srgbClr val="FF0000"/>
+                </a:solidFill>
+              </a:rPr>
+              <a:t>")</a:t>
+            </a:r>
+            <a:endParaRPr lang="en-AU" sz="2000" b="1" dirty="0"/>
+          </a:p>
+          <a:p>
+            <a:endParaRPr lang="en-AU" sz="2000" dirty="0"/>
+          </a:p>
+        </p:txBody>
+      </p:sp>
+      <p:sp>
+        <p:nvSpPr>
+          <p:cNvPr id="8" name="Title 1">
+            <a:extLst>
+              <a:ext uri="{FF2B5EF4-FFF2-40B4-BE49-F238E27FC236}">
+                <a16:creationId xmlns:a16="http://schemas.microsoft.com/office/drawing/2014/main" id="{BC29EAC8-5D7B-91DA-4A8E-52660E0BE1A7}"/>
+              </a:ext>
+            </a:extLst>
+          </p:cNvPr>
+          <p:cNvSpPr txBox="1">
+            <a:spLocks/>
+          </p:cNvSpPr>
+          <p:nvPr/>
+        </p:nvSpPr>
+        <p:spPr>
+          <a:xfrm>
+            <a:off x="0" y="283239"/>
+            <a:ext cx="10515600" cy="1325563"/>
+          </a:xfrm>
+          <a:prstGeom prst="rect">
+            <a:avLst/>
+          </a:prstGeom>
+        </p:spPr>
+        <p:txBody>
+          <a:bodyPr vert="horz" lIns="91440" tIns="45720" rIns="91440" bIns="45720" rtlCol="0" anchor="ctr">
+            <a:normAutofit/>
+          </a:bodyPr>
+          <a:lstStyle>
+            <a:lvl1pPr algn="l" defTabSz="914400" rtl="0" eaLnBrk="1" latinLnBrk="0" hangingPunct="1">
+              <a:lnSpc>
+                <a:spcPct val="90000"/>
+              </a:lnSpc>
+              <a:spcBef>
+                <a:spcPct val="0"/>
+              </a:spcBef>
+              <a:buNone/>
+              <a:defRPr sz="4400" kern="1200">
+                <a:solidFill>
+                  <a:schemeClr val="tx1"/>
+                </a:solidFill>
+                <a:latin typeface="+mj-lt"/>
+                <a:ea typeface="+mj-ea"/>
+                <a:cs typeface="+mj-cs"/>
+              </a:defRPr>
+            </a:lvl1pPr>
+          </a:lstStyle>
+          <a:p>
+            <a:r>
+              <a:rPr lang="en-AU" dirty="0"/>
+              <a:t>Now lets get organised : Script</a:t>
+            </a:r>
+          </a:p>
+        </p:txBody>
+      </p:sp>
+      <p:sp>
+        <p:nvSpPr>
+          <p:cNvPr id="12" name="TextBox 11">
+            <a:extLst>
+              <a:ext uri="{FF2B5EF4-FFF2-40B4-BE49-F238E27FC236}">
+                <a16:creationId xmlns:a16="http://schemas.microsoft.com/office/drawing/2014/main" id="{736CAC0D-EFBE-2CD7-6096-732823AE5AB2}"/>
+              </a:ext>
+            </a:extLst>
+          </p:cNvPr>
+          <p:cNvSpPr txBox="1"/>
+          <p:nvPr/>
+        </p:nvSpPr>
+        <p:spPr>
+          <a:xfrm>
+            <a:off x="7479624" y="252170"/>
+            <a:ext cx="4258410" cy="553998"/>
+          </a:xfrm>
+          <a:prstGeom prst="rect">
+            <a:avLst/>
+          </a:prstGeom>
+          <a:noFill/>
+        </p:spPr>
+        <p:txBody>
+          <a:bodyPr wrap="none" rtlCol="0">
+            <a:spAutoFit/>
+          </a:bodyPr>
+          <a:lstStyle/>
+          <a:p>
+            <a:r>
+              <a:rPr lang="en-AU" sz="3000" b="1" dirty="0"/>
+              <a:t>A basic R project set up</a:t>
+            </a:r>
+          </a:p>
+        </p:txBody>
+      </p:sp>
+      <p:pic>
+        <p:nvPicPr>
+          <p:cNvPr id="13" name="Picture 12">
+            <a:extLst>
+              <a:ext uri="{FF2B5EF4-FFF2-40B4-BE49-F238E27FC236}">
+                <a16:creationId xmlns:a16="http://schemas.microsoft.com/office/drawing/2014/main" id="{A405BE85-B836-CCBD-6B38-4964497A3D31}"/>
+              </a:ext>
+            </a:extLst>
+          </p:cNvPr>
+          <p:cNvPicPr>
+            <a:picLocks noChangeAspect="1"/>
+          </p:cNvPicPr>
+          <p:nvPr/>
+        </p:nvPicPr>
+        <p:blipFill>
+          <a:blip r:embed="rId3">
+            <a:alphaModFix amt="20000"/>
+          </a:blip>
+          <a:stretch>
+            <a:fillRect/>
+          </a:stretch>
+        </p:blipFill>
+        <p:spPr>
+          <a:xfrm>
+            <a:off x="7378700" y="758114"/>
+            <a:ext cx="4813300" cy="5778500"/>
+          </a:xfrm>
+          <a:prstGeom prst="rect">
+            <a:avLst/>
+          </a:prstGeom>
+        </p:spPr>
+      </p:pic>
+      <p:pic>
+        <p:nvPicPr>
+          <p:cNvPr id="14" name="Picture 13">
+            <a:extLst>
+              <a:ext uri="{FF2B5EF4-FFF2-40B4-BE49-F238E27FC236}">
+                <a16:creationId xmlns:a16="http://schemas.microsoft.com/office/drawing/2014/main" id="{FA6DB58B-A414-225D-4620-9D59E06AC162}"/>
+              </a:ext>
+            </a:extLst>
+          </p:cNvPr>
+          <p:cNvPicPr>
+            <a:picLocks noChangeAspect="1"/>
+          </p:cNvPicPr>
+          <p:nvPr/>
+        </p:nvPicPr>
+        <p:blipFill>
+          <a:blip r:embed="rId3"/>
+          <a:srcRect t="43330" b="26438"/>
+          <a:stretch/>
+        </p:blipFill>
+        <p:spPr>
+          <a:xfrm>
+            <a:off x="7378700" y="3261815"/>
+            <a:ext cx="4813300" cy="1746913"/>
+          </a:xfrm>
+          <a:prstGeom prst="rect">
+            <a:avLst/>
+          </a:prstGeom>
+        </p:spPr>
+      </p:pic>
+    </p:spTree>
+    <p:extLst>
+      <p:ext uri="{BB962C8B-B14F-4D97-AF65-F5344CB8AC3E}">
+        <p14:creationId xmlns:p14="http://schemas.microsoft.com/office/powerpoint/2010/main" val="3236717552"/>
+      </p:ext>
+    </p:extLst>
+  </p:cSld>
+  <p:clrMapOvr>
+    <a:masterClrMapping/>
+  </p:clrMapOvr>
+</p:sld>
+</file>
+
+<file path=ppt/slides/slide8.xml><?xml version="1.0" encoding="utf-8"?>
+<p:sld xmlns:a="http://schemas.openxmlformats.org/drawingml/2006/main" xmlns:r="http://schemas.openxmlformats.org/officeDocument/2006/relationships" xmlns:p="http://schemas.openxmlformats.org/presentationml/2006/main">
+  <p:cSld>
+    <p:spTree>
+      <p:nvGrpSpPr>
+        <p:cNvPr id="1" name="">
+          <a:extLst>
+            <a:ext uri="{FF2B5EF4-FFF2-40B4-BE49-F238E27FC236}">
+              <a16:creationId xmlns:a16="http://schemas.microsoft.com/office/drawing/2014/main" id="{2CBCF18C-ACEA-B410-5797-5CCE4FB78DBD}"/>
+            </a:ext>
+          </a:extLst>
+        </p:cNvPr>
+        <p:cNvGrpSpPr/>
+        <p:nvPr/>
+      </p:nvGrpSpPr>
+      <p:grpSpPr>
+        <a:xfrm>
+          <a:off x="0" y="0"/>
+          <a:ext cx="0" cy="0"/>
+          <a:chOff x="0" y="0"/>
+          <a:chExt cx="0" cy="0"/>
+        </a:xfrm>
+      </p:grpSpPr>
+      <p:sp>
+        <p:nvSpPr>
+          <p:cNvPr id="4" name="TextBox 3">
+            <a:extLst>
+              <a:ext uri="{FF2B5EF4-FFF2-40B4-BE49-F238E27FC236}">
+                <a16:creationId xmlns:a16="http://schemas.microsoft.com/office/drawing/2014/main" id="{53A7FE06-A095-43C2-814A-BBF5268B8548}"/>
+              </a:ext>
+            </a:extLst>
+          </p:cNvPr>
+          <p:cNvSpPr txBox="1"/>
+          <p:nvPr/>
+        </p:nvSpPr>
+        <p:spPr>
+          <a:xfrm>
+            <a:off x="164592" y="2066544"/>
+            <a:ext cx="7050024" cy="3785652"/>
+          </a:xfrm>
+          <a:prstGeom prst="rect">
+            <a:avLst/>
+          </a:prstGeom>
+          <a:noFill/>
+        </p:spPr>
+        <p:txBody>
+          <a:bodyPr wrap="square" rtlCol="0">
+            <a:spAutoFit/>
+          </a:bodyPr>
+          <a:lstStyle/>
+          <a:p>
+            <a:r>
+              <a:rPr lang="en-AU" sz="2000" b="1" dirty="0"/>
+              <a:t>Purpose</a:t>
+            </a:r>
+            <a:r>
+              <a:rPr lang="en-AU" sz="2000" dirty="0"/>
+              <a:t>: Store results such as figures, tables, and reports generated from analyses.</a:t>
+            </a:r>
+          </a:p>
+          <a:p>
+            <a:endParaRPr lang="en-AU" sz="2000" b="1" dirty="0"/>
+          </a:p>
+          <a:p>
+            <a:r>
+              <a:rPr lang="en-AU" sz="2000" b="1" dirty="0"/>
+              <a:t>Best Practices</a:t>
+            </a:r>
+            <a:r>
+              <a:rPr lang="en-AU" sz="2000" dirty="0"/>
+              <a:t>:</a:t>
+            </a:r>
+          </a:p>
+          <a:p>
+            <a:pPr marL="342900" indent="-342900">
+              <a:buFont typeface="Arial" panose="020B0604020202020204" pitchFamily="34" charset="0"/>
+              <a:buChar char="•"/>
+            </a:pPr>
+            <a:r>
+              <a:rPr lang="en-AU" sz="2000" dirty="0"/>
+              <a:t>Separate outputs into folders like Outputs/Figures/, Outputs/Tables/</a:t>
+            </a:r>
+          </a:p>
+          <a:p>
+            <a:pPr marL="342900" indent="-342900">
+              <a:buFont typeface="Arial" panose="020B0604020202020204" pitchFamily="34" charset="0"/>
+              <a:buChar char="•"/>
+            </a:pPr>
+            <a:r>
+              <a:rPr lang="en-AU" sz="2000" dirty="0"/>
+              <a:t>Ensure outputs are reproducible by generating them through scripts</a:t>
+            </a:r>
+          </a:p>
+          <a:p>
+            <a:pPr marL="342900" indent="-342900">
+              <a:buFont typeface="Arial" panose="020B0604020202020204" pitchFamily="34" charset="0"/>
+              <a:buChar char="•"/>
+            </a:pPr>
+            <a:endParaRPr lang="en-AU" sz="2000" dirty="0"/>
+          </a:p>
+          <a:p>
+            <a:r>
+              <a:rPr lang="en-AU" sz="2000" b="1" dirty="0"/>
+              <a:t>Example:</a:t>
+            </a:r>
+          </a:p>
+          <a:p>
+            <a:r>
+              <a:rPr lang="en-AU" sz="2000" dirty="0" err="1">
+                <a:solidFill>
+                  <a:srgbClr val="FF0000"/>
+                </a:solidFill>
+              </a:rPr>
+              <a:t>ggsave</a:t>
+            </a:r>
+            <a:r>
+              <a:rPr lang="en-AU" sz="2000" dirty="0">
+                <a:solidFill>
+                  <a:srgbClr val="FF0000"/>
+                </a:solidFill>
+              </a:rPr>
+              <a:t>("Outputs/Figures/</a:t>
+            </a:r>
+            <a:r>
+              <a:rPr lang="en-AU" sz="2000" dirty="0" err="1">
+                <a:solidFill>
+                  <a:srgbClr val="FF0000"/>
+                </a:solidFill>
+              </a:rPr>
+              <a:t>plot.png</a:t>
+            </a:r>
+            <a:r>
+              <a:rPr lang="en-AU" sz="2000" dirty="0">
+                <a:solidFill>
+                  <a:srgbClr val="FF0000"/>
+                </a:solidFill>
+              </a:rPr>
+              <a:t>")</a:t>
+            </a:r>
+          </a:p>
+          <a:p>
+            <a:endParaRPr lang="en-AU" sz="2000" dirty="0"/>
+          </a:p>
+        </p:txBody>
+      </p:sp>
+      <p:sp>
+        <p:nvSpPr>
+          <p:cNvPr id="11" name="Title 1">
+            <a:extLst>
+              <a:ext uri="{FF2B5EF4-FFF2-40B4-BE49-F238E27FC236}">
+                <a16:creationId xmlns:a16="http://schemas.microsoft.com/office/drawing/2014/main" id="{96D36BBE-2795-8840-139E-825C998CADEE}"/>
+              </a:ext>
+            </a:extLst>
+          </p:cNvPr>
+          <p:cNvSpPr txBox="1">
+            <a:spLocks/>
+          </p:cNvSpPr>
+          <p:nvPr/>
+        </p:nvSpPr>
+        <p:spPr>
+          <a:xfrm>
+            <a:off x="0" y="283239"/>
+            <a:ext cx="10515600" cy="1325563"/>
+          </a:xfrm>
+          <a:prstGeom prst="rect">
+            <a:avLst/>
+          </a:prstGeom>
+        </p:spPr>
+        <p:txBody>
+          <a:bodyPr vert="horz" lIns="91440" tIns="45720" rIns="91440" bIns="45720" rtlCol="0" anchor="ctr">
+            <a:normAutofit/>
+          </a:bodyPr>
+          <a:lstStyle>
+            <a:lvl1pPr algn="l" defTabSz="914400" rtl="0" eaLnBrk="1" latinLnBrk="0" hangingPunct="1">
+              <a:lnSpc>
+                <a:spcPct val="90000"/>
+              </a:lnSpc>
+              <a:spcBef>
+                <a:spcPct val="0"/>
+              </a:spcBef>
+              <a:buNone/>
+              <a:defRPr sz="4400" kern="1200">
+                <a:solidFill>
+                  <a:schemeClr val="tx1"/>
+                </a:solidFill>
+                <a:latin typeface="+mj-lt"/>
+                <a:ea typeface="+mj-ea"/>
+                <a:cs typeface="+mj-cs"/>
+              </a:defRPr>
+            </a:lvl1pPr>
+          </a:lstStyle>
+          <a:p>
+            <a:r>
+              <a:rPr lang="en-AU" dirty="0"/>
+              <a:t>Now lets get organised : Output</a:t>
+            </a:r>
+          </a:p>
+        </p:txBody>
+      </p:sp>
+      <p:sp>
+        <p:nvSpPr>
+          <p:cNvPr id="17" name="TextBox 16">
+            <a:extLst>
+              <a:ext uri="{FF2B5EF4-FFF2-40B4-BE49-F238E27FC236}">
+                <a16:creationId xmlns:a16="http://schemas.microsoft.com/office/drawing/2014/main" id="{A1D12883-4BB9-88F6-2474-A3F77D98DE3F}"/>
+              </a:ext>
+            </a:extLst>
+          </p:cNvPr>
+          <p:cNvSpPr txBox="1"/>
+          <p:nvPr/>
+        </p:nvSpPr>
+        <p:spPr>
+          <a:xfrm>
+            <a:off x="7479624" y="252170"/>
+            <a:ext cx="4258410" cy="553998"/>
+          </a:xfrm>
+          <a:prstGeom prst="rect">
+            <a:avLst/>
+          </a:prstGeom>
+          <a:noFill/>
+        </p:spPr>
+        <p:txBody>
+          <a:bodyPr wrap="none" rtlCol="0">
+            <a:spAutoFit/>
+          </a:bodyPr>
+          <a:lstStyle/>
+          <a:p>
+            <a:r>
+              <a:rPr lang="en-AU" sz="3000" b="1" dirty="0"/>
+              <a:t>A basic R project set up</a:t>
+            </a:r>
+          </a:p>
+        </p:txBody>
+      </p:sp>
+      <p:pic>
+        <p:nvPicPr>
+          <p:cNvPr id="18" name="Picture 17">
+            <a:extLst>
+              <a:ext uri="{FF2B5EF4-FFF2-40B4-BE49-F238E27FC236}">
+                <a16:creationId xmlns:a16="http://schemas.microsoft.com/office/drawing/2014/main" id="{56D28880-D4DC-83CE-0C26-C724DA8BB99A}"/>
+              </a:ext>
+            </a:extLst>
+          </p:cNvPr>
+          <p:cNvPicPr>
+            <a:picLocks noChangeAspect="1"/>
+          </p:cNvPicPr>
+          <p:nvPr/>
+        </p:nvPicPr>
+        <p:blipFill>
+          <a:blip r:embed="rId3">
+            <a:alphaModFix amt="20000"/>
+          </a:blip>
+          <a:stretch>
+            <a:fillRect/>
+          </a:stretch>
+        </p:blipFill>
+        <p:spPr>
+          <a:xfrm>
+            <a:off x="7378700" y="758114"/>
+            <a:ext cx="4813300" cy="5778500"/>
+          </a:xfrm>
+          <a:prstGeom prst="rect">
+            <a:avLst/>
+          </a:prstGeom>
+        </p:spPr>
+      </p:pic>
+      <p:pic>
+        <p:nvPicPr>
+          <p:cNvPr id="19" name="Picture 18">
+            <a:extLst>
+              <a:ext uri="{FF2B5EF4-FFF2-40B4-BE49-F238E27FC236}">
+                <a16:creationId xmlns:a16="http://schemas.microsoft.com/office/drawing/2014/main" id="{B3C1A862-7ABE-9B60-02EC-C5592E839310}"/>
+              </a:ext>
+            </a:extLst>
+          </p:cNvPr>
+          <p:cNvPicPr>
+            <a:picLocks noChangeAspect="1"/>
+          </p:cNvPicPr>
+          <p:nvPr/>
+        </p:nvPicPr>
+        <p:blipFill>
+          <a:blip r:embed="rId3"/>
+          <a:srcRect t="76631" b="223"/>
+          <a:stretch/>
+        </p:blipFill>
+        <p:spPr>
+          <a:xfrm>
+            <a:off x="7378700" y="5186149"/>
+            <a:ext cx="4813300" cy="1337480"/>
+          </a:xfrm>
+          <a:prstGeom prst="rect">
+            <a:avLst/>
+          </a:prstGeom>
+        </p:spPr>
+      </p:pic>
+    </p:spTree>
+    <p:extLst>
+      <p:ext uri="{BB962C8B-B14F-4D97-AF65-F5344CB8AC3E}">
+        <p14:creationId xmlns:p14="http://schemas.microsoft.com/office/powerpoint/2010/main" val="3076281415"/>
+      </p:ext>
+    </p:extLst>
+  </p:cSld>
+  <p:clrMapOvr>
+    <a:masterClrMapping/>
+  </p:clrMapOvr>
+</p:sld>
+</file>
+
+<file path=ppt/slides/slide9.xml><?xml version="1.0" encoding="utf-8"?>
+<p:sld xmlns:a="http://schemas.openxmlformats.org/drawingml/2006/main" xmlns:r="http://schemas.openxmlformats.org/officeDocument/2006/relationships" xmlns:p="http://schemas.openxmlformats.org/presentationml/2006/main">
+  <p:cSld>
+    <p:spTree>
+      <p:nvGrpSpPr>
+        <p:cNvPr id="1" name="">
+          <a:extLst>
+            <a:ext uri="{FF2B5EF4-FFF2-40B4-BE49-F238E27FC236}">
+              <a16:creationId xmlns:a16="http://schemas.microsoft.com/office/drawing/2014/main" id="{4874375E-61F6-6134-487F-06469B122E5B}"/>
+            </a:ext>
+          </a:extLst>
+        </p:cNvPr>
+        <p:cNvGrpSpPr/>
+        <p:nvPr/>
+      </p:nvGrpSpPr>
+      <p:grpSpPr>
+        <a:xfrm>
+          <a:off x="0" y="0"/>
+          <a:ext cx="0" cy="0"/>
+          <a:chOff x="0" y="0"/>
+          <a:chExt cx="0" cy="0"/>
+        </a:xfrm>
+      </p:grpSpPr>
+      <p:sp>
+        <p:nvSpPr>
+          <p:cNvPr id="4" name="TextBox 3">
+            <a:extLst>
+              <a:ext uri="{FF2B5EF4-FFF2-40B4-BE49-F238E27FC236}">
+                <a16:creationId xmlns:a16="http://schemas.microsoft.com/office/drawing/2014/main" id="{EE6155F7-ACF0-B9C9-90F4-B177D1E4FCE8}"/>
+              </a:ext>
+            </a:extLst>
+          </p:cNvPr>
+          <p:cNvSpPr txBox="1"/>
+          <p:nvPr/>
+        </p:nvSpPr>
+        <p:spPr>
+          <a:xfrm>
+            <a:off x="164592" y="2066544"/>
+            <a:ext cx="7050024" cy="2554545"/>
+          </a:xfrm>
+          <a:prstGeom prst="rect">
+            <a:avLst/>
+          </a:prstGeom>
+          <a:noFill/>
+        </p:spPr>
+        <p:txBody>
+          <a:bodyPr wrap="square" rtlCol="0">
+            <a:spAutoFit/>
+          </a:bodyPr>
+          <a:lstStyle/>
+          <a:p>
+            <a:r>
+              <a:rPr lang="en-AU" sz="2000" b="1" dirty="0"/>
+              <a:t>Purpose</a:t>
+            </a:r>
+            <a:r>
+              <a:rPr lang="en-AU" sz="2000" dirty="0"/>
+              <a:t>: Define the root of the project, enabling consistent relative paths.</a:t>
+            </a:r>
+          </a:p>
+          <a:p>
+            <a:endParaRPr lang="en-AU" sz="2000" b="1" dirty="0"/>
+          </a:p>
+          <a:p>
+            <a:r>
+              <a:rPr lang="en-AU" sz="2000" b="1" dirty="0"/>
+              <a:t>Benefits</a:t>
+            </a:r>
+            <a:r>
+              <a:rPr lang="en-AU" sz="2000" dirty="0"/>
+              <a:t>:</a:t>
+            </a:r>
+          </a:p>
+          <a:p>
+            <a:pPr marL="342900" indent="-342900">
+              <a:buFont typeface="Arial" panose="020B0604020202020204" pitchFamily="34" charset="0"/>
+              <a:buChar char="•"/>
+            </a:pPr>
+            <a:r>
+              <a:rPr lang="en-AU" sz="2000" dirty="0"/>
+              <a:t>Automatically sets the working directory to the project root.</a:t>
+            </a:r>
+          </a:p>
+          <a:p>
+            <a:pPr marL="342900" indent="-342900">
+              <a:buFont typeface="Arial" panose="020B0604020202020204" pitchFamily="34" charset="0"/>
+              <a:buChar char="•"/>
+            </a:pPr>
+            <a:r>
+              <a:rPr lang="en-AU" sz="2000" dirty="0"/>
+              <a:t>Enhances collaboration by avoiding hard-coded paths.</a:t>
+            </a:r>
+          </a:p>
+          <a:p>
+            <a:endParaRPr lang="en-AU" sz="2000" dirty="0"/>
+          </a:p>
+          <a:p>
+            <a:endParaRPr lang="en-AU" sz="2000" dirty="0"/>
+          </a:p>
+        </p:txBody>
+      </p:sp>
+      <p:sp>
+        <p:nvSpPr>
+          <p:cNvPr id="11" name="Title 1">
+            <a:extLst>
+              <a:ext uri="{FF2B5EF4-FFF2-40B4-BE49-F238E27FC236}">
+                <a16:creationId xmlns:a16="http://schemas.microsoft.com/office/drawing/2014/main" id="{61A890B7-B2A5-AA17-7ADA-D9D26ED11E3A}"/>
+              </a:ext>
+            </a:extLst>
+          </p:cNvPr>
+          <p:cNvSpPr txBox="1">
+            <a:spLocks/>
+          </p:cNvSpPr>
+          <p:nvPr/>
+        </p:nvSpPr>
+        <p:spPr>
+          <a:xfrm>
+            <a:off x="0" y="283239"/>
+            <a:ext cx="10515600" cy="1325563"/>
+          </a:xfrm>
+          <a:prstGeom prst="rect">
+            <a:avLst/>
+          </a:prstGeom>
+        </p:spPr>
+        <p:txBody>
+          <a:bodyPr vert="horz" lIns="91440" tIns="45720" rIns="91440" bIns="45720" rtlCol="0" anchor="ctr">
+            <a:normAutofit/>
+          </a:bodyPr>
+          <a:lstStyle>
+            <a:lvl1pPr algn="l" defTabSz="914400" rtl="0" eaLnBrk="1" latinLnBrk="0" hangingPunct="1">
+              <a:lnSpc>
+                <a:spcPct val="90000"/>
+              </a:lnSpc>
+              <a:spcBef>
+                <a:spcPct val="0"/>
+              </a:spcBef>
+              <a:buNone/>
+              <a:defRPr sz="4400" kern="1200">
+                <a:solidFill>
+                  <a:schemeClr val="tx1"/>
+                </a:solidFill>
+                <a:latin typeface="+mj-lt"/>
+                <a:ea typeface="+mj-ea"/>
+                <a:cs typeface="+mj-cs"/>
+              </a:defRPr>
+            </a:lvl1pPr>
+          </a:lstStyle>
+          <a:p>
+            <a:r>
+              <a:rPr lang="en-AU" dirty="0"/>
+              <a:t>Now lets get organised : Project</a:t>
+            </a:r>
+          </a:p>
+        </p:txBody>
+      </p:sp>
+      <p:sp>
+        <p:nvSpPr>
+          <p:cNvPr id="17" name="TextBox 16">
+            <a:extLst>
+              <a:ext uri="{FF2B5EF4-FFF2-40B4-BE49-F238E27FC236}">
+                <a16:creationId xmlns:a16="http://schemas.microsoft.com/office/drawing/2014/main" id="{7F3BC8FD-3D6F-6322-D318-1A597605C952}"/>
+              </a:ext>
+            </a:extLst>
+          </p:cNvPr>
+          <p:cNvSpPr txBox="1"/>
+          <p:nvPr/>
+        </p:nvSpPr>
+        <p:spPr>
+          <a:xfrm>
+            <a:off x="7479624" y="252170"/>
+            <a:ext cx="4258410" cy="553998"/>
+          </a:xfrm>
+          <a:prstGeom prst="rect">
+            <a:avLst/>
+          </a:prstGeom>
+          <a:noFill/>
+        </p:spPr>
+        <p:txBody>
+          <a:bodyPr wrap="none" rtlCol="0">
+            <a:spAutoFit/>
+          </a:bodyPr>
+          <a:lstStyle/>
+          <a:p>
+            <a:r>
+              <a:rPr lang="en-AU" sz="3000" b="1" dirty="0"/>
+              <a:t>A basic R project set up</a:t>
+            </a:r>
+          </a:p>
+        </p:txBody>
+      </p:sp>
+      <p:pic>
+        <p:nvPicPr>
+          <p:cNvPr id="18" name="Picture 17">
+            <a:extLst>
+              <a:ext uri="{FF2B5EF4-FFF2-40B4-BE49-F238E27FC236}">
+                <a16:creationId xmlns:a16="http://schemas.microsoft.com/office/drawing/2014/main" id="{33AAC1E6-EEF9-CEF1-1550-E8AEC6EDEE9E}"/>
+              </a:ext>
+            </a:extLst>
+          </p:cNvPr>
+          <p:cNvPicPr>
+            <a:picLocks noChangeAspect="1"/>
+          </p:cNvPicPr>
+          <p:nvPr/>
+        </p:nvPicPr>
+        <p:blipFill>
+          <a:blip r:embed="rId3">
+            <a:alphaModFix amt="20000"/>
+          </a:blip>
+          <a:stretch>
+            <a:fillRect/>
+          </a:stretch>
+        </p:blipFill>
+        <p:spPr>
+          <a:xfrm>
+            <a:off x="7378700" y="758114"/>
+            <a:ext cx="4813300" cy="5778500"/>
+          </a:xfrm>
+          <a:prstGeom prst="rect">
+            <a:avLst/>
+          </a:prstGeom>
+        </p:spPr>
+      </p:pic>
+      <p:pic>
+        <p:nvPicPr>
+          <p:cNvPr id="19" name="Picture 18">
+            <a:extLst>
+              <a:ext uri="{FF2B5EF4-FFF2-40B4-BE49-F238E27FC236}">
+                <a16:creationId xmlns:a16="http://schemas.microsoft.com/office/drawing/2014/main" id="{34FCE4ED-10F9-DFCC-2BDC-E36674AFB6B6}"/>
+              </a:ext>
+            </a:extLst>
+          </p:cNvPr>
+          <p:cNvPicPr>
+            <a:picLocks noChangeAspect="1"/>
+          </p:cNvPicPr>
+          <p:nvPr/>
+        </p:nvPicPr>
+        <p:blipFill>
+          <a:blip r:embed="rId3"/>
+          <a:srcRect t="12863" b="71785"/>
+          <a:stretch/>
+        </p:blipFill>
+        <p:spPr>
+          <a:xfrm>
+            <a:off x="7378700" y="1501254"/>
+            <a:ext cx="4813300" cy="887104"/>
+          </a:xfrm>
+          <a:prstGeom prst="rect">
+            <a:avLst/>
+          </a:prstGeom>
+        </p:spPr>
+      </p:pic>
+    </p:spTree>
+    <p:extLst>
+      <p:ext uri="{BB962C8B-B14F-4D97-AF65-F5344CB8AC3E}">
+        <p14:creationId xmlns:p14="http://schemas.microsoft.com/office/powerpoint/2010/main" val="967744417"/>
       </p:ext>
     </p:extLst>
   </p:cSld>
